--- a/崇拜流程_version02.pptx
+++ b/崇拜流程_version02.pptx
@@ -1,44 +1,44 @@
 
 <file path=ppt/presentation.xml><?xml version="1.0" encoding="utf-8"?>
-<p:presentation xmlns:a="http://schemas.openxmlformats.org/drawingml/2006/main" xmlns:r="http://schemas.openxmlformats.org/officeDocument/2006/relationships" xmlns:p="http://schemas.openxmlformats.org/presentationml/2006/main" saveSubsetFonts="1">
+<p:presentation xmlns:a="http://schemas.openxmlformats.org/drawingml/2006/main" xmlns:r="http://schemas.openxmlformats.org/officeDocument/2006/relationships" xmlns:p="http://schemas.openxmlformats.org/presentationml/2006/main">
   <p:sldMasterIdLst>
-    <p:sldMasterId id="2147483749" r:id="rId1"/>
+    <p:sldMasterId id="2147483648" r:id="rId1"/>
   </p:sldMasterIdLst>
   <p:notesMasterIdLst>
-    <p:notesMasterId r:id="rId33"/>
+    <p:notesMasterId r:id="rId4"/>
   </p:notesMasterIdLst>
   <p:sldIdLst>
-    <p:sldId id="322" r:id="rId2"/>
-    <p:sldId id="323" r:id="rId3"/>
-    <p:sldId id="324" r:id="rId4"/>
-    <p:sldId id="353" r:id="rId5"/>
-    <p:sldId id="390" r:id="rId6"/>
-    <p:sldId id="259" r:id="rId7"/>
-    <p:sldId id="364" r:id="rId8"/>
-    <p:sldId id="260" r:id="rId9"/>
-    <p:sldId id="370" r:id="rId10"/>
-    <p:sldId id="371" r:id="rId11"/>
-    <p:sldId id="261" r:id="rId12"/>
-    <p:sldId id="332" r:id="rId13"/>
-    <p:sldId id="391" r:id="rId14"/>
-    <p:sldId id="392" r:id="rId15"/>
-    <p:sldId id="393" r:id="rId16"/>
-    <p:sldId id="281" r:id="rId17"/>
-    <p:sldId id="382" r:id="rId18"/>
-    <p:sldId id="282" r:id="rId19"/>
-    <p:sldId id="264" r:id="rId20"/>
-    <p:sldId id="265" r:id="rId21"/>
-    <p:sldId id="394" r:id="rId22"/>
-    <p:sldId id="267" r:id="rId23"/>
-    <p:sldId id="272" r:id="rId24"/>
-    <p:sldId id="319" r:id="rId25"/>
-    <p:sldId id="320" r:id="rId26"/>
-    <p:sldId id="321" r:id="rId27"/>
-    <p:sldId id="270" r:id="rId28"/>
-    <p:sldId id="291" r:id="rId29"/>
-    <p:sldId id="286" r:id="rId30"/>
-    <p:sldId id="287" r:id="rId31"/>
-    <p:sldId id="288" r:id="rId32"/>
+    <p:sldId id="322" r:id="rId3"/>
+    <p:sldId id="323" r:id="rId5"/>
+    <p:sldId id="324" r:id="rId6"/>
+    <p:sldId id="353" r:id="rId7"/>
+    <p:sldId id="390" r:id="rId8"/>
+    <p:sldId id="259" r:id="rId9"/>
+    <p:sldId id="364" r:id="rId10"/>
+    <p:sldId id="260" r:id="rId11"/>
+    <p:sldId id="370" r:id="rId12"/>
+    <p:sldId id="371" r:id="rId13"/>
+    <p:sldId id="261" r:id="rId14"/>
+    <p:sldId id="332" r:id="rId15"/>
+    <p:sldId id="391" r:id="rId16"/>
+    <p:sldId id="392" r:id="rId17"/>
+    <p:sldId id="393" r:id="rId18"/>
+    <p:sldId id="281" r:id="rId19"/>
+    <p:sldId id="382" r:id="rId20"/>
+    <p:sldId id="282" r:id="rId21"/>
+    <p:sldId id="264" r:id="rId22"/>
+    <p:sldId id="265" r:id="rId23"/>
+    <p:sldId id="394" r:id="rId24"/>
+    <p:sldId id="267" r:id="rId25"/>
+    <p:sldId id="272" r:id="rId26"/>
+    <p:sldId id="319" r:id="rId27"/>
+    <p:sldId id="320" r:id="rId28"/>
+    <p:sldId id="321" r:id="rId29"/>
+    <p:sldId id="270" r:id="rId30"/>
+    <p:sldId id="291" r:id="rId31"/>
+    <p:sldId id="286" r:id="rId32"/>
+    <p:sldId id="287" r:id="rId33"/>
+    <p:sldId id="288" r:id="rId34"/>
   </p:sldIdLst>
   <p:sldSz cx="9144000" cy="5143500" type="screen16x9"/>
   <p:notesSz cx="6858000" cy="9144000"/>
@@ -137,27 +137,6 @@
       </a:defRPr>
     </a:lvl9pPr>
   </p:defaultTextStyle>
-  <p:extLst>
-    <p:ext uri="{EFAFB233-063F-42B5-8137-9DF3F51BA10A}">
-      <p15:sldGuideLst xmlns:p15="http://schemas.microsoft.com/office/powerpoint/2012/main">
-        <p15:guide id="1" orient="horz" pos="2160">
-          <p15:clr>
-            <a:srgbClr val="A4A3A4"/>
-          </p15:clr>
-        </p15:guide>
-        <p15:guide id="2" pos="2880">
-          <p15:clr>
-            <a:srgbClr val="A4A3A4"/>
-          </p15:clr>
-        </p15:guide>
-        <p15:guide id="3" orient="horz" pos="1620">
-          <p15:clr>
-            <a:srgbClr val="A4A3A4"/>
-          </p15:clr>
-        </p15:guide>
-      </p15:sldGuideLst>
-    </p:ext>
-  </p:extLst>
 </p:presentation>
 </file>
 
@@ -243,8 +222,6 @@
           <a:p>
             <a:fld id="{2F30D4D0-EAC7-4980-A92D-C26C9148BA0F}" type="datetimeFigureOut">
               <a:rPr lang="zh-TW" altLang="en-US" smtClean="0"/>
-              <a:pPr/>
-              <a:t>2019/11/2</a:t>
             </a:fld>
             <a:endParaRPr lang="zh-TW" altLang="en-US"/>
           </a:p>
@@ -313,6 +290,7 @@
               <a:rPr lang="zh-TW" altLang="en-US" smtClean="0"/>
               <a:t>按一下以編輯母片文字樣式</a:t>
             </a:r>
+            <a:endParaRPr lang="zh-TW" altLang="en-US" smtClean="0"/>
           </a:p>
           <a:p>
             <a:pPr lvl="1"/>
@@ -320,6 +298,7 @@
               <a:rPr lang="zh-TW" altLang="en-US" smtClean="0"/>
               <a:t>第二層</a:t>
             </a:r>
+            <a:endParaRPr lang="zh-TW" altLang="en-US" smtClean="0"/>
           </a:p>
           <a:p>
             <a:pPr lvl="2"/>
@@ -327,6 +306,7 @@
               <a:rPr lang="zh-TW" altLang="en-US" smtClean="0"/>
               <a:t>第三層</a:t>
             </a:r>
+            <a:endParaRPr lang="zh-TW" altLang="en-US" smtClean="0"/>
           </a:p>
           <a:p>
             <a:pPr lvl="3"/>
@@ -334,6 +314,7 @@
               <a:rPr lang="zh-TW" altLang="en-US" smtClean="0"/>
               <a:t>第四層</a:t>
             </a:r>
+            <a:endParaRPr lang="zh-TW" altLang="en-US" smtClean="0"/>
           </a:p>
           <a:p>
             <a:pPr lvl="4"/>
@@ -405,19 +386,12 @@
           <a:p>
             <a:fld id="{B580EBF6-10F3-448A-BB9E-552AD095990F}" type="slidenum">
               <a:rPr lang="zh-TW" altLang="en-US" smtClean="0"/>
-              <a:pPr/>
-              <a:t>‹#›</a:t>
             </a:fld>
             <a:endParaRPr lang="zh-TW" altLang="en-US"/>
           </a:p>
         </p:txBody>
       </p:sp>
     </p:spTree>
-    <p:extLst>
-      <p:ext uri="{BB962C8B-B14F-4D97-AF65-F5344CB8AC3E}">
-        <p14:creationId xmlns:p14="http://schemas.microsoft.com/office/powerpoint/2010/main" val="2421614449"/>
-      </p:ext>
-    </p:extLst>
   </p:cSld>
   <p:clrMap bg1="lt1" tx1="dk1" bg2="lt2" tx2="dk2" accent1="accent1" accent2="accent2" accent3="accent3" accent4="accent4" accent5="accent5" accent6="accent6" hlink="hlink" folHlink="folHlink"/>
   <p:notesStyle>
@@ -587,8 +561,6 @@
           <a:p>
             <a:fld id="{B580EBF6-10F3-448A-BB9E-552AD095990F}" type="slidenum">
               <a:rPr lang="zh-TW" altLang="en-US" smtClean="0"/>
-              <a:pPr/>
-              <a:t>1</a:t>
             </a:fld>
             <a:endParaRPr lang="zh-TW" altLang="en-US"/>
           </a:p>
@@ -674,8 +646,6 @@
           <a:p>
             <a:fld id="{B580EBF6-10F3-448A-BB9E-552AD095990F}" type="slidenum">
               <a:rPr lang="zh-TW" altLang="en-US" smtClean="0"/>
-              <a:pPr/>
-              <a:t>2</a:t>
             </a:fld>
             <a:endParaRPr lang="zh-TW" altLang="en-US"/>
           </a:p>
@@ -761,8 +731,6 @@
           <a:p>
             <a:fld id="{B580EBF6-10F3-448A-BB9E-552AD095990F}" type="slidenum">
               <a:rPr lang="zh-TW" altLang="en-US" smtClean="0"/>
-              <a:pPr/>
-              <a:t>6</a:t>
             </a:fld>
             <a:endParaRPr lang="zh-TW" altLang="en-US"/>
           </a:p>
@@ -848,19 +816,12 @@
           <a:p>
             <a:fld id="{B580EBF6-10F3-448A-BB9E-552AD095990F}" type="slidenum">
               <a:rPr lang="zh-TW" altLang="en-US" smtClean="0"/>
-              <a:pPr/>
-              <a:t>13</a:t>
             </a:fld>
             <a:endParaRPr lang="zh-TW" altLang="en-US"/>
           </a:p>
         </p:txBody>
       </p:sp>
     </p:spTree>
-    <p:extLst>
-      <p:ext uri="{BB962C8B-B14F-4D97-AF65-F5344CB8AC3E}">
-        <p14:creationId xmlns:p14="http://schemas.microsoft.com/office/powerpoint/2010/main" val="2588249264"/>
-      </p:ext>
-    </p:extLst>
   </p:cSld>
   <p:clrMapOvr>
     <a:masterClrMapping/>
@@ -940,19 +901,12 @@
           <a:p>
             <a:fld id="{B580EBF6-10F3-448A-BB9E-552AD095990F}" type="slidenum">
               <a:rPr lang="zh-TW" altLang="en-US" smtClean="0"/>
-              <a:pPr/>
-              <a:t>18</a:t>
             </a:fld>
             <a:endParaRPr lang="zh-TW" altLang="en-US"/>
           </a:p>
         </p:txBody>
       </p:sp>
     </p:spTree>
-    <p:extLst>
-      <p:ext uri="{BB962C8B-B14F-4D97-AF65-F5344CB8AC3E}">
-        <p14:creationId xmlns:p14="http://schemas.microsoft.com/office/powerpoint/2010/main" val="3084450117"/>
-      </p:ext>
-    </p:extLst>
   </p:cSld>
   <p:clrMapOvr>
     <a:masterClrMapping/>
@@ -1141,8 +1095,6 @@
           <a:p>
             <a:fld id="{5BBEAD13-0566-4C6C-97E7-55F17F24B09F}" type="datetimeFigureOut">
               <a:rPr lang="zh-TW" altLang="en-US" smtClean="0"/>
-              <a:pPr/>
-              <a:t>2019/11/2</a:t>
             </a:fld>
             <a:endParaRPr lang="zh-TW" altLang="en-US"/>
           </a:p>
@@ -1184,8 +1136,6 @@
           <a:p>
             <a:fld id="{73DA0BB7-265A-403C-9275-D587AB510EDC}" type="slidenum">
               <a:rPr lang="zh-TW" altLang="en-US" smtClean="0"/>
-              <a:pPr/>
-              <a:t>‹#›</a:t>
             </a:fld>
             <a:endParaRPr lang="zh-TW" altLang="en-US"/>
           </a:p>
@@ -1259,6 +1209,7 @@
               <a:rPr lang="zh-TW" altLang="en-US" smtClean="0"/>
               <a:t>按一下以編輯母片文字樣式</a:t>
             </a:r>
+            <a:endParaRPr lang="zh-TW" altLang="en-US" smtClean="0"/>
           </a:p>
           <a:p>
             <a:pPr lvl="1"/>
@@ -1266,6 +1217,7 @@
               <a:rPr lang="zh-TW" altLang="en-US" smtClean="0"/>
               <a:t>第二層</a:t>
             </a:r>
+            <a:endParaRPr lang="zh-TW" altLang="en-US" smtClean="0"/>
           </a:p>
           <a:p>
             <a:pPr lvl="2"/>
@@ -1273,6 +1225,7 @@
               <a:rPr lang="zh-TW" altLang="en-US" smtClean="0"/>
               <a:t>第三層</a:t>
             </a:r>
+            <a:endParaRPr lang="zh-TW" altLang="en-US" smtClean="0"/>
           </a:p>
           <a:p>
             <a:pPr lvl="3"/>
@@ -1280,6 +1233,7 @@
               <a:rPr lang="zh-TW" altLang="en-US" smtClean="0"/>
               <a:t>第四層</a:t>
             </a:r>
+            <a:endParaRPr lang="zh-TW" altLang="en-US" smtClean="0"/>
           </a:p>
           <a:p>
             <a:pPr lvl="4"/>
@@ -1308,8 +1262,6 @@
           <a:p>
             <a:fld id="{5BBEAD13-0566-4C6C-97E7-55F17F24B09F}" type="datetimeFigureOut">
               <a:rPr lang="zh-TW" altLang="en-US" smtClean="0"/>
-              <a:pPr/>
-              <a:t>2019/11/2</a:t>
             </a:fld>
             <a:endParaRPr lang="zh-TW" altLang="en-US"/>
           </a:p>
@@ -1351,8 +1303,6 @@
           <a:p>
             <a:fld id="{73DA0BB7-265A-403C-9275-D587AB510EDC}" type="slidenum">
               <a:rPr lang="zh-TW" altLang="en-US" smtClean="0"/>
-              <a:pPr/>
-              <a:t>‹#›</a:t>
             </a:fld>
             <a:endParaRPr lang="zh-TW" altLang="en-US"/>
           </a:p>
@@ -1436,6 +1386,7 @@
               <a:rPr lang="zh-TW" altLang="en-US" smtClean="0"/>
               <a:t>按一下以編輯母片文字樣式</a:t>
             </a:r>
+            <a:endParaRPr lang="zh-TW" altLang="en-US" smtClean="0"/>
           </a:p>
           <a:p>
             <a:pPr lvl="1"/>
@@ -1443,6 +1394,7 @@
               <a:rPr lang="zh-TW" altLang="en-US" smtClean="0"/>
               <a:t>第二層</a:t>
             </a:r>
+            <a:endParaRPr lang="zh-TW" altLang="en-US" smtClean="0"/>
           </a:p>
           <a:p>
             <a:pPr lvl="2"/>
@@ -1450,6 +1402,7 @@
               <a:rPr lang="zh-TW" altLang="en-US" smtClean="0"/>
               <a:t>第三層</a:t>
             </a:r>
+            <a:endParaRPr lang="zh-TW" altLang="en-US" smtClean="0"/>
           </a:p>
           <a:p>
             <a:pPr lvl="3"/>
@@ -1457,6 +1410,7 @@
               <a:rPr lang="zh-TW" altLang="en-US" smtClean="0"/>
               <a:t>第四層</a:t>
             </a:r>
+            <a:endParaRPr lang="zh-TW" altLang="en-US" smtClean="0"/>
           </a:p>
           <a:p>
             <a:pPr lvl="4"/>
@@ -1485,8 +1439,6 @@
           <a:p>
             <a:fld id="{5BBEAD13-0566-4C6C-97E7-55F17F24B09F}" type="datetimeFigureOut">
               <a:rPr lang="zh-TW" altLang="en-US" smtClean="0"/>
-              <a:pPr/>
-              <a:t>2019/11/2</a:t>
             </a:fld>
             <a:endParaRPr lang="zh-TW" altLang="en-US"/>
           </a:p>
@@ -1528,8 +1480,6 @@
           <a:p>
             <a:fld id="{73DA0BB7-265A-403C-9275-D587AB510EDC}" type="slidenum">
               <a:rPr lang="zh-TW" altLang="en-US" smtClean="0"/>
-              <a:pPr/>
-              <a:t>‹#›</a:t>
             </a:fld>
             <a:endParaRPr lang="zh-TW" altLang="en-US"/>
           </a:p>
@@ -1603,6 +1553,7 @@
               <a:rPr lang="zh-TW" altLang="en-US" smtClean="0"/>
               <a:t>按一下以編輯母片文字樣式</a:t>
             </a:r>
+            <a:endParaRPr lang="zh-TW" altLang="en-US" smtClean="0"/>
           </a:p>
           <a:p>
             <a:pPr lvl="1"/>
@@ -1610,6 +1561,7 @@
               <a:rPr lang="zh-TW" altLang="en-US" smtClean="0"/>
               <a:t>第二層</a:t>
             </a:r>
+            <a:endParaRPr lang="zh-TW" altLang="en-US" smtClean="0"/>
           </a:p>
           <a:p>
             <a:pPr lvl="2"/>
@@ -1617,6 +1569,7 @@
               <a:rPr lang="zh-TW" altLang="en-US" smtClean="0"/>
               <a:t>第三層</a:t>
             </a:r>
+            <a:endParaRPr lang="zh-TW" altLang="en-US" smtClean="0"/>
           </a:p>
           <a:p>
             <a:pPr lvl="3"/>
@@ -1624,6 +1577,7 @@
               <a:rPr lang="zh-TW" altLang="en-US" smtClean="0"/>
               <a:t>第四層</a:t>
             </a:r>
+            <a:endParaRPr lang="zh-TW" altLang="en-US" smtClean="0"/>
           </a:p>
           <a:p>
             <a:pPr lvl="4"/>
@@ -1652,8 +1606,6 @@
           <a:p>
             <a:fld id="{5BBEAD13-0566-4C6C-97E7-55F17F24B09F}" type="datetimeFigureOut">
               <a:rPr lang="zh-TW" altLang="en-US" smtClean="0"/>
-              <a:pPr/>
-              <a:t>2019/11/2</a:t>
             </a:fld>
             <a:endParaRPr lang="zh-TW" altLang="en-US"/>
           </a:p>
@@ -1695,8 +1647,6 @@
           <a:p>
             <a:fld id="{73DA0BB7-265A-403C-9275-D587AB510EDC}" type="slidenum">
               <a:rPr lang="zh-TW" altLang="en-US" smtClean="0"/>
-              <a:pPr/>
-              <a:t>‹#›</a:t>
             </a:fld>
             <a:endParaRPr lang="zh-TW" altLang="en-US"/>
           </a:p>
@@ -1875,6 +1825,7 @@
               <a:rPr lang="zh-TW" altLang="en-US" smtClean="0"/>
               <a:t>按一下以編輯母片文字樣式</a:t>
             </a:r>
+            <a:endParaRPr lang="zh-TW" altLang="en-US" smtClean="0"/>
           </a:p>
         </p:txBody>
       </p:sp>
@@ -1895,8 +1846,6 @@
           <a:p>
             <a:fld id="{5BBEAD13-0566-4C6C-97E7-55F17F24B09F}" type="datetimeFigureOut">
               <a:rPr lang="zh-TW" altLang="en-US" smtClean="0"/>
-              <a:pPr/>
-              <a:t>2019/11/2</a:t>
             </a:fld>
             <a:endParaRPr lang="zh-TW" altLang="en-US"/>
           </a:p>
@@ -1938,8 +1887,6 @@
           <a:p>
             <a:fld id="{73DA0BB7-265A-403C-9275-D587AB510EDC}" type="slidenum">
               <a:rPr lang="zh-TW" altLang="en-US" smtClean="0"/>
-              <a:pPr/>
-              <a:t>‹#›</a:t>
             </a:fld>
             <a:endParaRPr lang="zh-TW" altLang="en-US"/>
           </a:p>
@@ -2046,6 +1993,7 @@
               <a:rPr lang="zh-TW" altLang="en-US" smtClean="0"/>
               <a:t>按一下以編輯母片文字樣式</a:t>
             </a:r>
+            <a:endParaRPr lang="zh-TW" altLang="en-US" smtClean="0"/>
           </a:p>
           <a:p>
             <a:pPr lvl="1"/>
@@ -2053,6 +2001,7 @@
               <a:rPr lang="zh-TW" altLang="en-US" smtClean="0"/>
               <a:t>第二層</a:t>
             </a:r>
+            <a:endParaRPr lang="zh-TW" altLang="en-US" smtClean="0"/>
           </a:p>
           <a:p>
             <a:pPr lvl="2"/>
@@ -2060,6 +2009,7 @@
               <a:rPr lang="zh-TW" altLang="en-US" smtClean="0"/>
               <a:t>第三層</a:t>
             </a:r>
+            <a:endParaRPr lang="zh-TW" altLang="en-US" smtClean="0"/>
           </a:p>
           <a:p>
             <a:pPr lvl="3"/>
@@ -2067,6 +2017,7 @@
               <a:rPr lang="zh-TW" altLang="en-US" smtClean="0"/>
               <a:t>第四層</a:t>
             </a:r>
+            <a:endParaRPr lang="zh-TW" altLang="en-US" smtClean="0"/>
           </a:p>
           <a:p>
             <a:pPr lvl="4"/>
@@ -2131,6 +2082,7 @@
               <a:rPr lang="zh-TW" altLang="en-US" smtClean="0"/>
               <a:t>按一下以編輯母片文字樣式</a:t>
             </a:r>
+            <a:endParaRPr lang="zh-TW" altLang="en-US" smtClean="0"/>
           </a:p>
           <a:p>
             <a:pPr lvl="1"/>
@@ -2138,6 +2090,7 @@
               <a:rPr lang="zh-TW" altLang="en-US" smtClean="0"/>
               <a:t>第二層</a:t>
             </a:r>
+            <a:endParaRPr lang="zh-TW" altLang="en-US" smtClean="0"/>
           </a:p>
           <a:p>
             <a:pPr lvl="2"/>
@@ -2145,6 +2098,7 @@
               <a:rPr lang="zh-TW" altLang="en-US" smtClean="0"/>
               <a:t>第三層</a:t>
             </a:r>
+            <a:endParaRPr lang="zh-TW" altLang="en-US" smtClean="0"/>
           </a:p>
           <a:p>
             <a:pPr lvl="3"/>
@@ -2152,6 +2106,7 @@
               <a:rPr lang="zh-TW" altLang="en-US" smtClean="0"/>
               <a:t>第四層</a:t>
             </a:r>
+            <a:endParaRPr lang="zh-TW" altLang="en-US" smtClean="0"/>
           </a:p>
           <a:p>
             <a:pPr lvl="4"/>
@@ -2180,8 +2135,6 @@
           <a:p>
             <a:fld id="{5BBEAD13-0566-4C6C-97E7-55F17F24B09F}" type="datetimeFigureOut">
               <a:rPr lang="zh-TW" altLang="en-US" smtClean="0"/>
-              <a:pPr/>
-              <a:t>2019/11/2</a:t>
             </a:fld>
             <a:endParaRPr lang="zh-TW" altLang="en-US"/>
           </a:p>
@@ -2223,8 +2176,6 @@
           <a:p>
             <a:fld id="{73DA0BB7-265A-403C-9275-D587AB510EDC}" type="slidenum">
               <a:rPr lang="zh-TW" altLang="en-US" smtClean="0"/>
-              <a:pPr/>
-              <a:t>‹#›</a:t>
             </a:fld>
             <a:endParaRPr lang="zh-TW" altLang="en-US"/>
           </a:p>
@@ -2344,6 +2295,7 @@
               <a:rPr lang="zh-TW" altLang="en-US" smtClean="0"/>
               <a:t>按一下以編輯母片文字樣式</a:t>
             </a:r>
+            <a:endParaRPr lang="zh-TW" altLang="en-US" smtClean="0"/>
           </a:p>
         </p:txBody>
       </p:sp>
@@ -2400,6 +2352,7 @@
               <a:rPr lang="zh-TW" altLang="en-US" smtClean="0"/>
               <a:t>按一下以編輯母片文字樣式</a:t>
             </a:r>
+            <a:endParaRPr lang="zh-TW" altLang="en-US" smtClean="0"/>
           </a:p>
           <a:p>
             <a:pPr lvl="1"/>
@@ -2407,6 +2360,7 @@
               <a:rPr lang="zh-TW" altLang="en-US" smtClean="0"/>
               <a:t>第二層</a:t>
             </a:r>
+            <a:endParaRPr lang="zh-TW" altLang="en-US" smtClean="0"/>
           </a:p>
           <a:p>
             <a:pPr lvl="2"/>
@@ -2414,6 +2368,7 @@
               <a:rPr lang="zh-TW" altLang="en-US" smtClean="0"/>
               <a:t>第三層</a:t>
             </a:r>
+            <a:endParaRPr lang="zh-TW" altLang="en-US" smtClean="0"/>
           </a:p>
           <a:p>
             <a:pPr lvl="3"/>
@@ -2421,6 +2376,7 @@
               <a:rPr lang="zh-TW" altLang="en-US" smtClean="0"/>
               <a:t>第四層</a:t>
             </a:r>
+            <a:endParaRPr lang="zh-TW" altLang="en-US" smtClean="0"/>
           </a:p>
           <a:p>
             <a:pPr lvl="4"/>
@@ -2494,6 +2450,7 @@
               <a:rPr lang="zh-TW" altLang="en-US" smtClean="0"/>
               <a:t>按一下以編輯母片文字樣式</a:t>
             </a:r>
+            <a:endParaRPr lang="zh-TW" altLang="en-US" smtClean="0"/>
           </a:p>
         </p:txBody>
       </p:sp>
@@ -2550,6 +2507,7 @@
               <a:rPr lang="zh-TW" altLang="en-US" smtClean="0"/>
               <a:t>按一下以編輯母片文字樣式</a:t>
             </a:r>
+            <a:endParaRPr lang="zh-TW" altLang="en-US" smtClean="0"/>
           </a:p>
           <a:p>
             <a:pPr lvl="1"/>
@@ -2557,6 +2515,7 @@
               <a:rPr lang="zh-TW" altLang="en-US" smtClean="0"/>
               <a:t>第二層</a:t>
             </a:r>
+            <a:endParaRPr lang="zh-TW" altLang="en-US" smtClean="0"/>
           </a:p>
           <a:p>
             <a:pPr lvl="2"/>
@@ -2564,6 +2523,7 @@
               <a:rPr lang="zh-TW" altLang="en-US" smtClean="0"/>
               <a:t>第三層</a:t>
             </a:r>
+            <a:endParaRPr lang="zh-TW" altLang="en-US" smtClean="0"/>
           </a:p>
           <a:p>
             <a:pPr lvl="3"/>
@@ -2571,6 +2531,7 @@
               <a:rPr lang="zh-TW" altLang="en-US" smtClean="0"/>
               <a:t>第四層</a:t>
             </a:r>
+            <a:endParaRPr lang="zh-TW" altLang="en-US" smtClean="0"/>
           </a:p>
           <a:p>
             <a:pPr lvl="4"/>
@@ -2599,8 +2560,6 @@
           <a:p>
             <a:fld id="{5BBEAD13-0566-4C6C-97E7-55F17F24B09F}" type="datetimeFigureOut">
               <a:rPr lang="zh-TW" altLang="en-US" smtClean="0"/>
-              <a:pPr/>
-              <a:t>2019/11/2</a:t>
             </a:fld>
             <a:endParaRPr lang="zh-TW" altLang="en-US"/>
           </a:p>
@@ -2642,8 +2601,6 @@
           <a:p>
             <a:fld id="{73DA0BB7-265A-403C-9275-D587AB510EDC}" type="slidenum">
               <a:rPr lang="zh-TW" altLang="en-US" smtClean="0"/>
-              <a:pPr/>
-              <a:t>‹#›</a:t>
             </a:fld>
             <a:endParaRPr lang="zh-TW" altLang="en-US"/>
           </a:p>
@@ -2714,8 +2671,6 @@
           <a:p>
             <a:fld id="{5BBEAD13-0566-4C6C-97E7-55F17F24B09F}" type="datetimeFigureOut">
               <a:rPr lang="zh-TW" altLang="en-US" smtClean="0"/>
-              <a:pPr/>
-              <a:t>2019/11/2</a:t>
             </a:fld>
             <a:endParaRPr lang="zh-TW" altLang="en-US"/>
           </a:p>
@@ -2757,8 +2712,6 @@
           <a:p>
             <a:fld id="{73DA0BB7-265A-403C-9275-D587AB510EDC}" type="slidenum">
               <a:rPr lang="zh-TW" altLang="en-US" smtClean="0"/>
-              <a:pPr/>
-              <a:t>‹#›</a:t>
             </a:fld>
             <a:endParaRPr lang="zh-TW" altLang="en-US"/>
           </a:p>
@@ -2806,8 +2759,6 @@
           <a:p>
             <a:fld id="{5BBEAD13-0566-4C6C-97E7-55F17F24B09F}" type="datetimeFigureOut">
               <a:rPr lang="zh-TW" altLang="en-US" smtClean="0"/>
-              <a:pPr/>
-              <a:t>2019/11/2</a:t>
             </a:fld>
             <a:endParaRPr lang="zh-TW" altLang="en-US"/>
           </a:p>
@@ -2849,8 +2800,6 @@
           <a:p>
             <a:fld id="{73DA0BB7-265A-403C-9275-D587AB510EDC}" type="slidenum">
               <a:rPr lang="zh-TW" altLang="en-US" smtClean="0"/>
-              <a:pPr/>
-              <a:t>‹#›</a:t>
             </a:fld>
             <a:endParaRPr lang="zh-TW" altLang="en-US"/>
           </a:p>
@@ -2966,6 +2915,7 @@
               <a:rPr lang="zh-TW" altLang="en-US" smtClean="0"/>
               <a:t>按一下以編輯母片文字樣式</a:t>
             </a:r>
+            <a:endParaRPr lang="zh-TW" altLang="en-US" smtClean="0"/>
           </a:p>
           <a:p>
             <a:pPr lvl="1"/>
@@ -2973,6 +2923,7 @@
               <a:rPr lang="zh-TW" altLang="en-US" smtClean="0"/>
               <a:t>第二層</a:t>
             </a:r>
+            <a:endParaRPr lang="zh-TW" altLang="en-US" smtClean="0"/>
           </a:p>
           <a:p>
             <a:pPr lvl="2"/>
@@ -2980,6 +2931,7 @@
               <a:rPr lang="zh-TW" altLang="en-US" smtClean="0"/>
               <a:t>第三層</a:t>
             </a:r>
+            <a:endParaRPr lang="zh-TW" altLang="en-US" smtClean="0"/>
           </a:p>
           <a:p>
             <a:pPr lvl="3"/>
@@ -2987,6 +2939,7 @@
               <a:rPr lang="zh-TW" altLang="en-US" smtClean="0"/>
               <a:t>第四層</a:t>
             </a:r>
+            <a:endParaRPr lang="zh-TW" altLang="en-US" smtClean="0"/>
           </a:p>
           <a:p>
             <a:pPr lvl="4"/>
@@ -3060,6 +3013,7 @@
               <a:rPr lang="zh-TW" altLang="en-US" smtClean="0"/>
               <a:t>按一下以編輯母片文字樣式</a:t>
             </a:r>
+            <a:endParaRPr lang="zh-TW" altLang="en-US" smtClean="0"/>
           </a:p>
         </p:txBody>
       </p:sp>
@@ -3080,8 +3034,6 @@
           <a:p>
             <a:fld id="{5BBEAD13-0566-4C6C-97E7-55F17F24B09F}" type="datetimeFigureOut">
               <a:rPr lang="zh-TW" altLang="en-US" smtClean="0"/>
-              <a:pPr/>
-              <a:t>2019/11/2</a:t>
             </a:fld>
             <a:endParaRPr lang="zh-TW" altLang="en-US"/>
           </a:p>
@@ -3123,8 +3075,6 @@
           <a:p>
             <a:fld id="{73DA0BB7-265A-403C-9275-D587AB510EDC}" type="slidenum">
               <a:rPr lang="zh-TW" altLang="en-US" smtClean="0"/>
-              <a:pPr/>
-              <a:t>‹#›</a:t>
             </a:fld>
             <a:endParaRPr lang="zh-TW" altLang="en-US"/>
           </a:p>
@@ -3314,6 +3264,7 @@
               <a:rPr lang="zh-TW" altLang="en-US" smtClean="0"/>
               <a:t>按一下以編輯母片文字樣式</a:t>
             </a:r>
+            <a:endParaRPr lang="zh-TW" altLang="en-US" smtClean="0"/>
           </a:p>
         </p:txBody>
       </p:sp>
@@ -3334,8 +3285,6 @@
           <a:p>
             <a:fld id="{5BBEAD13-0566-4C6C-97E7-55F17F24B09F}" type="datetimeFigureOut">
               <a:rPr lang="zh-TW" altLang="en-US" smtClean="0"/>
-              <a:pPr/>
-              <a:t>2019/11/2</a:t>
             </a:fld>
             <a:endParaRPr lang="zh-TW" altLang="en-US"/>
           </a:p>
@@ -3377,8 +3326,6 @@
           <a:p>
             <a:fld id="{73DA0BB7-265A-403C-9275-D587AB510EDC}" type="slidenum">
               <a:rPr lang="zh-TW" altLang="en-US" smtClean="0"/>
-              <a:pPr/>
-              <a:t>‹#›</a:t>
             </a:fld>
             <a:endParaRPr lang="zh-TW" altLang="en-US"/>
           </a:p>
@@ -3398,7 +3345,7 @@
     <p:bg>
       <p:bgPr>
         <a:blipFill dpi="0" rotWithShape="1">
-          <a:blip r:embed="rId13"/>
+          <a:blip r:embed="rId12"/>
           <a:srcRect/>
           <a:tile tx="0" ty="0" sx="100000" sy="100000" flip="none" algn="tl"/>
         </a:blipFill>
@@ -3482,6 +3429,7 @@
               <a:rPr lang="zh-TW" altLang="en-US" smtClean="0"/>
               <a:t>按一下以編輯母片文字樣式</a:t>
             </a:r>
+            <a:endParaRPr lang="zh-TW" altLang="en-US" smtClean="0"/>
           </a:p>
           <a:p>
             <a:pPr lvl="1"/>
@@ -3489,6 +3437,7 @@
               <a:rPr lang="zh-TW" altLang="en-US" smtClean="0"/>
               <a:t>第二層</a:t>
             </a:r>
+            <a:endParaRPr lang="zh-TW" altLang="en-US" smtClean="0"/>
           </a:p>
           <a:p>
             <a:pPr lvl="2"/>
@@ -3496,6 +3445,7 @@
               <a:rPr lang="zh-TW" altLang="en-US" smtClean="0"/>
               <a:t>第三層</a:t>
             </a:r>
+            <a:endParaRPr lang="zh-TW" altLang="en-US" smtClean="0"/>
           </a:p>
           <a:p>
             <a:pPr lvl="3"/>
@@ -3503,6 +3453,7 @@
               <a:rPr lang="zh-TW" altLang="en-US" smtClean="0"/>
               <a:t>第四層</a:t>
             </a:r>
+            <a:endParaRPr lang="zh-TW" altLang="en-US" smtClean="0"/>
           </a:p>
           <a:p>
             <a:pPr lvl="4"/>
@@ -3549,8 +3500,6 @@
           <a:p>
             <a:fld id="{5BBEAD13-0566-4C6C-97E7-55F17F24B09F}" type="datetimeFigureOut">
               <a:rPr lang="zh-TW" altLang="en-US" smtClean="0"/>
-              <a:pPr/>
-              <a:t>2019/11/2</a:t>
             </a:fld>
             <a:endParaRPr lang="zh-TW" altLang="en-US"/>
           </a:p>
@@ -3628,8 +3577,6 @@
           <a:p>
             <a:fld id="{73DA0BB7-265A-403C-9275-D587AB510EDC}" type="slidenum">
               <a:rPr lang="zh-TW" altLang="en-US" smtClean="0"/>
-              <a:pPr/>
-              <a:t>‹#›</a:t>
             </a:fld>
             <a:endParaRPr lang="zh-TW" altLang="en-US"/>
           </a:p>
@@ -3639,17 +3586,17 @@
   </p:cSld>
   <p:clrMap bg1="lt1" tx1="dk1" bg2="lt2" tx2="dk2" accent1="accent1" accent2="accent2" accent3="accent3" accent4="accent4" accent5="accent5" accent6="accent6" hlink="hlink" folHlink="folHlink"/>
   <p:sldLayoutIdLst>
-    <p:sldLayoutId id="2147483750" r:id="rId1"/>
-    <p:sldLayoutId id="2147483751" r:id="rId2"/>
-    <p:sldLayoutId id="2147483752" r:id="rId3"/>
-    <p:sldLayoutId id="2147483753" r:id="rId4"/>
-    <p:sldLayoutId id="2147483754" r:id="rId5"/>
-    <p:sldLayoutId id="2147483755" r:id="rId6"/>
-    <p:sldLayoutId id="2147483756" r:id="rId7"/>
-    <p:sldLayoutId id="2147483757" r:id="rId8"/>
-    <p:sldLayoutId id="2147483758" r:id="rId9"/>
-    <p:sldLayoutId id="2147483759" r:id="rId10"/>
-    <p:sldLayoutId id="2147483760" r:id="rId11"/>
+    <p:sldLayoutId id="2147483649" r:id="rId1"/>
+    <p:sldLayoutId id="2147483650" r:id="rId2"/>
+    <p:sldLayoutId id="2147483651" r:id="rId3"/>
+    <p:sldLayoutId id="2147483652" r:id="rId4"/>
+    <p:sldLayoutId id="2147483653" r:id="rId5"/>
+    <p:sldLayoutId id="2147483654" r:id="rId6"/>
+    <p:sldLayoutId id="2147483655" r:id="rId7"/>
+    <p:sldLayoutId id="2147483656" r:id="rId8"/>
+    <p:sldLayoutId id="2147483657" r:id="rId9"/>
+    <p:sldLayoutId id="2147483658" r:id="rId10"/>
+    <p:sldLayoutId id="2147483659" r:id="rId11"/>
   </p:sldLayoutIdLst>
   <p:txStyles>
     <p:titleStyle>
@@ -3673,7 +3620,7 @@
         <a:spcBef>
           <a:spcPct val="20000"/>
         </a:spcBef>
-        <a:buFont typeface="Arial" pitchFamily="34" charset="0"/>
+        <a:buFont typeface="Arial" panose="02080604020202020204" pitchFamily="34" charset="0"/>
         <a:buChar char="•"/>
         <a:defRPr sz="3200" kern="1200">
           <a:solidFill>
@@ -3688,7 +3635,7 @@
         <a:spcBef>
           <a:spcPct val="20000"/>
         </a:spcBef>
-        <a:buFont typeface="Arial" pitchFamily="34" charset="0"/>
+        <a:buFont typeface="Arial" panose="02080604020202020204" pitchFamily="34" charset="0"/>
         <a:buChar char="–"/>
         <a:defRPr sz="2800" kern="1200">
           <a:solidFill>
@@ -3703,7 +3650,7 @@
         <a:spcBef>
           <a:spcPct val="20000"/>
         </a:spcBef>
-        <a:buFont typeface="Arial" pitchFamily="34" charset="0"/>
+        <a:buFont typeface="Arial" panose="02080604020202020204" pitchFamily="34" charset="0"/>
         <a:buChar char="•"/>
         <a:defRPr sz="2400" kern="1200">
           <a:solidFill>
@@ -3718,7 +3665,7 @@
         <a:spcBef>
           <a:spcPct val="20000"/>
         </a:spcBef>
-        <a:buFont typeface="Arial" pitchFamily="34" charset="0"/>
+        <a:buFont typeface="Arial" panose="02080604020202020204" pitchFamily="34" charset="0"/>
         <a:buChar char="–"/>
         <a:defRPr sz="2000" kern="1200">
           <a:solidFill>
@@ -3733,7 +3680,7 @@
         <a:spcBef>
           <a:spcPct val="20000"/>
         </a:spcBef>
-        <a:buFont typeface="Arial" pitchFamily="34" charset="0"/>
+        <a:buFont typeface="Arial" panose="02080604020202020204" pitchFamily="34" charset="0"/>
         <a:buChar char="»"/>
         <a:defRPr sz="2000" kern="1200">
           <a:solidFill>
@@ -3748,7 +3695,7 @@
         <a:spcBef>
           <a:spcPct val="20000"/>
         </a:spcBef>
-        <a:buFont typeface="Arial" pitchFamily="34" charset="0"/>
+        <a:buFont typeface="Arial" panose="02080604020202020204" pitchFamily="34" charset="0"/>
         <a:buChar char="•"/>
         <a:defRPr sz="2000" kern="1200">
           <a:solidFill>
@@ -3763,7 +3710,7 @@
         <a:spcBef>
           <a:spcPct val="20000"/>
         </a:spcBef>
-        <a:buFont typeface="Arial" pitchFamily="34" charset="0"/>
+        <a:buFont typeface="Arial" panose="02080604020202020204" pitchFamily="34" charset="0"/>
         <a:buChar char="•"/>
         <a:defRPr sz="2000" kern="1200">
           <a:solidFill>
@@ -3778,7 +3725,7 @@
         <a:spcBef>
           <a:spcPct val="20000"/>
         </a:spcBef>
-        <a:buFont typeface="Arial" pitchFamily="34" charset="0"/>
+        <a:buFont typeface="Arial" panose="02080604020202020204" pitchFamily="34" charset="0"/>
         <a:buChar char="•"/>
         <a:defRPr sz="2000" kern="1200">
           <a:solidFill>
@@ -3793,7 +3740,7 @@
         <a:spcBef>
           <a:spcPct val="20000"/>
         </a:spcBef>
-        <a:buFont typeface="Arial" pitchFamily="34" charset="0"/>
+        <a:buFont typeface="Arial" panose="02080604020202020204" pitchFamily="34" charset="0"/>
         <a:buChar char="•"/>
         <a:defRPr sz="2000" kern="1200">
           <a:solidFill>
@@ -3933,7 +3880,7 @@
         </p:nvSpPr>
         <p:spPr>
           <a:xfrm>
-            <a:off x="0" y="2067694"/>
+            <a:off x="0" y="2089919"/>
             <a:ext cx="9144000" cy="964406"/>
           </a:xfrm>
         </p:spPr>
@@ -4052,6 +3999,13 @@
               </a:rPr>
               <a:t> </a:t>
             </a:r>
+            <a:endParaRPr lang="en-US" altLang="zh-TW" sz="4800" dirty="0" smtClean="0">
+              <a:solidFill>
+                <a:srgbClr val="660033"/>
+              </a:solidFill>
+              <a:latin typeface="微軟正黑體" pitchFamily="34" charset="-120"/>
+              <a:ea typeface="微軟正黑體" pitchFamily="34" charset="-120"/>
+            </a:endParaRPr>
           </a:p>
           <a:p>
             <a:r>
@@ -4064,15 +4018,17 @@
               </a:rPr>
               <a:t>你的寶座從太初立定；你從亙古就有。</a:t>
             </a:r>
+            <a:endParaRPr lang="zh-TW" altLang="en-US" sz="4800" b="1" dirty="0" smtClean="0">
+              <a:solidFill>
+                <a:srgbClr val="660033"/>
+              </a:solidFill>
+              <a:latin typeface="微軟正黑體" pitchFamily="34" charset="-120"/>
+              <a:ea typeface="微軟正黑體" pitchFamily="34" charset="-120"/>
+            </a:endParaRPr>
           </a:p>
         </p:txBody>
       </p:sp>
     </p:spTree>
-    <p:extLst>
-      <p:ext uri="{BB962C8B-B14F-4D97-AF65-F5344CB8AC3E}">
-        <p14:creationId xmlns:p14="http://schemas.microsoft.com/office/powerpoint/2010/main" val="4229689087"/>
-      </p:ext>
-    </p:extLst>
   </p:cSld>
   <p:clrMapOvr>
     <a:masterClrMapping/>
@@ -4116,7 +4072,7 @@
         </p:nvSpPr>
         <p:spPr>
           <a:xfrm>
-            <a:off x="0" y="2139702"/>
+            <a:off x="0" y="2257177"/>
             <a:ext cx="9144000" cy="628650"/>
           </a:xfrm>
         </p:spPr>
@@ -4222,7 +4178,7 @@
         </p:nvSpPr>
         <p:spPr>
           <a:xfrm>
-            <a:off x="0" y="2139702"/>
+            <a:off x="0" y="2257177"/>
             <a:ext cx="9144000" cy="628650"/>
           </a:xfrm>
         </p:spPr>
@@ -4268,11 +4224,6 @@
         </p:txBody>
       </p:sp>
     </p:spTree>
-    <p:extLst>
-      <p:ext uri="{BB962C8B-B14F-4D97-AF65-F5344CB8AC3E}">
-        <p14:creationId xmlns:p14="http://schemas.microsoft.com/office/powerpoint/2010/main" val="3128679823"/>
-      </p:ext>
-    </p:extLst>
   </p:cSld>
   <p:clrMapOvr>
     <a:masterClrMapping/>
@@ -4364,9 +4315,7 @@
       <p:sp>
         <p:nvSpPr>
           <p:cNvPr id="4" name="標題 1"/>
-          <p:cNvSpPr txBox="1">
-            <a:spLocks/>
-          </p:cNvSpPr>
+          <p:cNvSpPr txBox="1"/>
           <p:nvPr/>
         </p:nvSpPr>
         <p:spPr>
@@ -4504,9 +4453,7 @@
       <p:sp>
         <p:nvSpPr>
           <p:cNvPr id="6" name="標題 1"/>
-          <p:cNvSpPr txBox="1">
-            <a:spLocks/>
-          </p:cNvSpPr>
+          <p:cNvSpPr txBox="1"/>
           <p:nvPr/>
         </p:nvSpPr>
         <p:spPr>
@@ -4538,7 +4485,6 @@
               <a:buSzTx/>
               <a:buFontTx/>
               <a:buNone/>
-              <a:tabLst/>
               <a:defRPr/>
             </a:pPr>
             <a:r>
@@ -4588,11 +4534,6 @@
         </p:txBody>
       </p:sp>
     </p:spTree>
-    <p:extLst>
-      <p:ext uri="{BB962C8B-B14F-4D97-AF65-F5344CB8AC3E}">
-        <p14:creationId xmlns:p14="http://schemas.microsoft.com/office/powerpoint/2010/main" val="2220982204"/>
-      </p:ext>
-    </p:extLst>
   </p:cSld>
   <p:clrMapOvr>
     <a:masterClrMapping/>
@@ -4907,11 +4848,6 @@
         </p:txBody>
       </p:sp>
     </p:spTree>
-    <p:extLst>
-      <p:ext uri="{BB962C8B-B14F-4D97-AF65-F5344CB8AC3E}">
-        <p14:creationId xmlns:p14="http://schemas.microsoft.com/office/powerpoint/2010/main" val="3466952509"/>
-      </p:ext>
-    </p:extLst>
   </p:cSld>
   <p:clrMapOvr>
     <a:masterClrMapping/>
@@ -5125,15 +5061,17 @@
               </a:rPr>
               <a:t>我信永生。阿們。</a:t>
             </a:r>
+            <a:endParaRPr lang="zh-TW" altLang="en-US" sz="4800" b="1" dirty="0" smtClean="0">
+              <a:solidFill>
+                <a:srgbClr val="000066"/>
+              </a:solidFill>
+              <a:latin typeface="微軟正黑體" pitchFamily="34" charset="-120"/>
+              <a:ea typeface="微軟正黑體" pitchFamily="34" charset="-120"/>
+            </a:endParaRPr>
           </a:p>
         </p:txBody>
       </p:sp>
     </p:spTree>
-    <p:extLst>
-      <p:ext uri="{BB962C8B-B14F-4D97-AF65-F5344CB8AC3E}">
-        <p14:creationId xmlns:p14="http://schemas.microsoft.com/office/powerpoint/2010/main" val="3167450577"/>
-      </p:ext>
-    </p:extLst>
   </p:cSld>
   <p:clrMapOvr>
     <a:masterClrMapping/>
@@ -5225,9 +5163,7 @@
       <p:sp>
         <p:nvSpPr>
           <p:cNvPr id="4" name="標題 1"/>
-          <p:cNvSpPr txBox="1">
-            <a:spLocks/>
-          </p:cNvSpPr>
+          <p:cNvSpPr txBox="1"/>
           <p:nvPr/>
         </p:nvSpPr>
         <p:spPr>
@@ -5406,6 +5342,13 @@
               </a:rPr>
               <a:t>  神曉諭摩西說：「我是耶和華。 </a:t>
             </a:r>
+            <a:endParaRPr lang="zh-TW" altLang="en-US" sz="4800" b="1" dirty="0">
+              <a:solidFill>
+                <a:srgbClr val="000066"/>
+              </a:solidFill>
+              <a:latin typeface="微軟正黑體" pitchFamily="34" charset="-120"/>
+              <a:ea typeface="微軟正黑體" pitchFamily="34" charset="-120"/>
+            </a:endParaRPr>
           </a:p>
           <a:p>
             <a:r>
@@ -5438,15 +5381,17 @@
               </a:rPr>
               <a:t>  我從前向亞伯拉罕、以撒、雅各顯現為全能的神；至於我名耶和華，他們未曾知道。 </a:t>
             </a:r>
+            <a:endParaRPr lang="zh-TW" altLang="en-US" sz="4800" b="1" dirty="0">
+              <a:solidFill>
+                <a:srgbClr val="000066"/>
+              </a:solidFill>
+              <a:latin typeface="微軟正黑體" pitchFamily="34" charset="-120"/>
+              <a:ea typeface="微軟正黑體" pitchFamily="34" charset="-120"/>
+            </a:endParaRPr>
           </a:p>
         </p:txBody>
       </p:sp>
     </p:spTree>
-    <p:extLst>
-      <p:ext uri="{BB962C8B-B14F-4D97-AF65-F5344CB8AC3E}">
-        <p14:creationId xmlns:p14="http://schemas.microsoft.com/office/powerpoint/2010/main" val="1970034844"/>
-      </p:ext>
-    </p:extLst>
   </p:cSld>
   <p:clrMapOvr>
     <a:masterClrMapping/>
@@ -5538,9 +5483,7 @@
       <p:sp>
         <p:nvSpPr>
           <p:cNvPr id="4" name="標題 1"/>
-          <p:cNvSpPr txBox="1">
-            <a:spLocks/>
-          </p:cNvSpPr>
+          <p:cNvSpPr txBox="1"/>
           <p:nvPr/>
         </p:nvSpPr>
         <p:spPr>
@@ -5602,9 +5545,7 @@
       <p:sp>
         <p:nvSpPr>
           <p:cNvPr id="5" name="標題 1"/>
-          <p:cNvSpPr txBox="1">
-            <a:spLocks/>
-          </p:cNvSpPr>
+          <p:cNvSpPr txBox="1"/>
           <p:nvPr/>
         </p:nvSpPr>
         <p:spPr>
@@ -5832,7 +5773,7 @@
         </p:nvSpPr>
         <p:spPr>
           <a:xfrm>
-            <a:off x="0" y="2067694"/>
+            <a:off x="0" y="2089284"/>
             <a:ext cx="9144000" cy="964406"/>
           </a:xfrm>
         </p:spPr>
@@ -6043,7 +5984,7 @@
         </p:nvSpPr>
         <p:spPr>
           <a:xfrm>
-            <a:off x="0" y="2211710"/>
+            <a:off x="0" y="2257430"/>
             <a:ext cx="9144000" cy="628650"/>
           </a:xfrm>
         </p:spPr>
@@ -6088,11 +6029,6 @@
         </p:txBody>
       </p:sp>
     </p:spTree>
-    <p:extLst>
-      <p:ext uri="{BB962C8B-B14F-4D97-AF65-F5344CB8AC3E}">
-        <p14:creationId xmlns:p14="http://schemas.microsoft.com/office/powerpoint/2010/main" val="4276499703"/>
-      </p:ext>
-    </p:extLst>
   </p:cSld>
   <p:clrMapOvr>
     <a:masterClrMapping/>
@@ -6137,7 +6073,7 @@
         </p:nvSpPr>
         <p:spPr>
           <a:xfrm>
-            <a:off x="-20171" y="2246710"/>
+            <a:off x="149" y="2257505"/>
             <a:ext cx="9144000" cy="628650"/>
           </a:xfrm>
         </p:spPr>
@@ -7480,7 +7416,7 @@
         </p:nvSpPr>
         <p:spPr>
           <a:xfrm>
-            <a:off x="-6724" y="1563638"/>
+            <a:off x="-6724" y="1728103"/>
             <a:ext cx="9144000" cy="830997"/>
           </a:xfrm>
           <a:prstGeom prst="rect">
@@ -7533,14 +7469,12 @@
       <p:sp>
         <p:nvSpPr>
           <p:cNvPr id="3" name="標題 1"/>
-          <p:cNvSpPr txBox="1">
-            <a:spLocks/>
-          </p:cNvSpPr>
+          <p:cNvSpPr txBox="1"/>
           <p:nvPr/>
         </p:nvSpPr>
         <p:spPr>
           <a:xfrm>
-            <a:off x="0" y="2211710"/>
+            <a:off x="0" y="2376175"/>
             <a:ext cx="9144000" cy="964405"/>
           </a:xfrm>
           <a:prstGeom prst="rect">
@@ -7567,7 +7501,6 @@
               <a:buSzTx/>
               <a:buFontTx/>
               <a:buNone/>
-              <a:tabLst/>
               <a:defRPr/>
             </a:pPr>
             <a:r>
@@ -7804,6 +7737,20 @@
               </a:rPr>
               <a:t>願祂祝福你心靈安康</a:t>
             </a:r>
+            <a:endParaRPr lang="zh-TW" altLang="en-US" sz="5400" b="1" dirty="0" smtClean="0">
+              <a:solidFill>
+                <a:srgbClr val="660033"/>
+              </a:solidFill>
+              <a:effectLst>
+                <a:outerShdw blurRad="50000" dist="30000" dir="5400000" algn="tl" rotWithShape="0">
+                  <a:srgbClr val="000000">
+                    <a:alpha val="30000"/>
+                  </a:srgbClr>
+                </a:outerShdw>
+              </a:effectLst>
+              <a:latin typeface="微軟正黑體" pitchFamily="34" charset="-120"/>
+              <a:ea typeface="微軟正黑體" pitchFamily="34" charset="-120"/>
+            </a:endParaRPr>
           </a:p>
         </p:txBody>
       </p:sp>
@@ -7851,7 +7798,7 @@
         </p:nvSpPr>
         <p:spPr>
           <a:xfrm>
-            <a:off x="-6485" y="2166457"/>
+            <a:off x="-135" y="2257262"/>
             <a:ext cx="9144000" cy="628650"/>
           </a:xfrm>
         </p:spPr>
@@ -8083,6 +8030,20 @@
               </a:rPr>
               <a:t>在那漫漫的黑夜見主光</a:t>
             </a:r>
+            <a:endParaRPr lang="zh-TW" altLang="en-US" sz="5400" b="1" dirty="0" smtClean="0">
+              <a:solidFill>
+                <a:srgbClr val="660033"/>
+              </a:solidFill>
+              <a:effectLst>
+                <a:outerShdw blurRad="50000" dist="30000" dir="5400000" algn="tl" rotWithShape="0">
+                  <a:srgbClr val="000000">
+                    <a:alpha val="30000"/>
+                  </a:srgbClr>
+                </a:outerShdw>
+              </a:effectLst>
+              <a:latin typeface="微軟正黑體" pitchFamily="34" charset="-120"/>
+              <a:ea typeface="微軟正黑體" pitchFamily="34" charset="-120"/>
+            </a:endParaRPr>
           </a:p>
         </p:txBody>
       </p:sp>
@@ -8274,6 +8235,20 @@
               </a:rPr>
               <a:t>以你愛 還祂愛 永相愛</a:t>
             </a:r>
+            <a:endParaRPr lang="zh-TW" altLang="en-US" sz="5400" b="1" dirty="0" smtClean="0">
+              <a:solidFill>
+                <a:srgbClr val="660033"/>
+              </a:solidFill>
+              <a:effectLst>
+                <a:outerShdw blurRad="50000" dist="30000" dir="5400000" algn="tl" rotWithShape="0">
+                  <a:srgbClr val="000000">
+                    <a:alpha val="30000"/>
+                  </a:srgbClr>
+                </a:outerShdw>
+              </a:effectLst>
+              <a:latin typeface="微軟正黑體" pitchFamily="34" charset="-120"/>
+              <a:ea typeface="微軟正黑體" pitchFamily="34" charset="-120"/>
+            </a:endParaRPr>
           </a:p>
         </p:txBody>
       </p:sp>
@@ -8321,7 +8296,7 @@
         </p:nvSpPr>
         <p:spPr>
           <a:xfrm>
-            <a:off x="0" y="1851670"/>
+            <a:off x="0" y="2143135"/>
             <a:ext cx="9144000" cy="857250"/>
           </a:xfrm>
         </p:spPr>
@@ -8366,11 +8341,6 @@
         </p:txBody>
       </p:sp>
     </p:spTree>
-    <p:extLst>
-      <p:ext uri="{BB962C8B-B14F-4D97-AF65-F5344CB8AC3E}">
-        <p14:creationId xmlns:p14="http://schemas.microsoft.com/office/powerpoint/2010/main" val="2141905005"/>
-      </p:ext>
-    </p:extLst>
   </p:cSld>
   <p:clrMapOvr>
     <a:masterClrMapping/>
@@ -8407,7 +8377,7 @@
         </p:nvSpPr>
         <p:spPr>
           <a:xfrm>
-            <a:off x="0" y="1635646"/>
+            <a:off x="0" y="1669936"/>
             <a:ext cx="9144000" cy="1803647"/>
           </a:xfrm>
         </p:spPr>
@@ -8463,11 +8433,6 @@
         </p:txBody>
       </p:sp>
     </p:spTree>
-    <p:extLst>
-      <p:ext uri="{BB962C8B-B14F-4D97-AF65-F5344CB8AC3E}">
-        <p14:creationId xmlns:p14="http://schemas.microsoft.com/office/powerpoint/2010/main" val="2139965236"/>
-      </p:ext>
-    </p:extLst>
   </p:cSld>
   <p:clrMapOvr>
     <a:masterClrMapping/>
@@ -8684,7 +8649,7 @@
         </p:nvSpPr>
         <p:spPr>
           <a:xfrm>
-            <a:off x="0" y="2139702"/>
+            <a:off x="0" y="2257177"/>
             <a:ext cx="9144000" cy="628650"/>
           </a:xfrm>
         </p:spPr>
@@ -8730,11 +8695,6 @@
         </p:txBody>
       </p:sp>
     </p:spTree>
-    <p:extLst>
-      <p:ext uri="{BB962C8B-B14F-4D97-AF65-F5344CB8AC3E}">
-        <p14:creationId xmlns:p14="http://schemas.microsoft.com/office/powerpoint/2010/main" val="765722337"/>
-      </p:ext>
-    </p:extLst>
   </p:cSld>
   <p:clrMapOvr>
     <a:masterClrMapping/>
@@ -8826,9 +8786,7 @@
       <p:sp>
         <p:nvSpPr>
           <p:cNvPr id="4" name="標題 1"/>
-          <p:cNvSpPr txBox="1">
-            <a:spLocks/>
-          </p:cNvSpPr>
+          <p:cNvSpPr txBox="1"/>
           <p:nvPr/>
         </p:nvSpPr>
         <p:spPr>
@@ -9222,11 +9180,6 @@
         </p:txBody>
       </p:sp>
     </p:spTree>
-    <p:extLst>
-      <p:ext uri="{BB962C8B-B14F-4D97-AF65-F5344CB8AC3E}">
-        <p14:creationId xmlns:p14="http://schemas.microsoft.com/office/powerpoint/2010/main" val="1158726867"/>
-      </p:ext>
-    </p:extLst>
   </p:cSld>
   <p:clrMapOvr>
     <a:masterClrMapping/>
@@ -9519,8 +9472,11 @@
       </a:bgFillStyleLst>
     </a:fmtScheme>
   </a:themeElements>
-  <a:objectDefaults/>
-  <a:extraClrSchemeLst/>
+  <a:extLst>
+    <a:ext uri="{05A4C25C-085E-4340-85A3-A5531E510DB2}">
+      <thm15:themeFamily xmlns:thm15="http://schemas.microsoft.com/office/thememl/2012/main" name="Office Theme" id="{62F939B6-93AF-4DB8-9C6B-D6C7DFDC589F}" vid="{4A3C46E8-61CC-4603-A589-7422A47A8E4A}"/>
+    </a:ext>
+  </a:extLst>
 </a:theme>
 </file>
 
@@ -9802,7 +9758,10 @@
       </a:bgFillStyleLst>
     </a:fmtScheme>
   </a:themeElements>
-  <a:objectDefaults/>
-  <a:extraClrSchemeLst/>
+  <a:extLst>
+    <a:ext uri="{05A4C25C-085E-4340-85A3-A5531E510DB2}">
+      <thm15:themeFamily xmlns:thm15="http://schemas.microsoft.com/office/thememl/2012/main" name="Office Theme" id="{62F939B6-93AF-4DB8-9C6B-D6C7DFDC589F}" vid="{4A3C46E8-61CC-4603-A589-7422A47A8E4A}"/>
+    </a:ext>
+  </a:extLst>
 </a:theme>
 </file>
--- a/崇拜流程_version02.pptx
+++ b/崇拜流程_version02.pptx
@@ -5,40 +5,40 @@
     <p:sldMasterId id="2147483648" r:id="rId1"/>
   </p:sldMasterIdLst>
   <p:notesMasterIdLst>
-    <p:notesMasterId r:id="rId4"/>
+    <p:notesMasterId r:id="rId33"/>
   </p:notesMasterIdLst>
   <p:sldIdLst>
-    <p:sldId id="322" r:id="rId3"/>
-    <p:sldId id="323" r:id="rId5"/>
-    <p:sldId id="324" r:id="rId6"/>
-    <p:sldId id="353" r:id="rId7"/>
-    <p:sldId id="390" r:id="rId8"/>
-    <p:sldId id="259" r:id="rId9"/>
-    <p:sldId id="364" r:id="rId10"/>
-    <p:sldId id="260" r:id="rId11"/>
-    <p:sldId id="370" r:id="rId12"/>
-    <p:sldId id="371" r:id="rId13"/>
-    <p:sldId id="261" r:id="rId14"/>
-    <p:sldId id="332" r:id="rId15"/>
-    <p:sldId id="391" r:id="rId16"/>
-    <p:sldId id="392" r:id="rId17"/>
-    <p:sldId id="393" r:id="rId18"/>
-    <p:sldId id="281" r:id="rId19"/>
-    <p:sldId id="382" r:id="rId20"/>
-    <p:sldId id="282" r:id="rId21"/>
-    <p:sldId id="264" r:id="rId22"/>
-    <p:sldId id="265" r:id="rId23"/>
-    <p:sldId id="394" r:id="rId24"/>
-    <p:sldId id="267" r:id="rId25"/>
-    <p:sldId id="272" r:id="rId26"/>
-    <p:sldId id="319" r:id="rId27"/>
-    <p:sldId id="320" r:id="rId28"/>
-    <p:sldId id="321" r:id="rId29"/>
-    <p:sldId id="270" r:id="rId30"/>
-    <p:sldId id="291" r:id="rId31"/>
-    <p:sldId id="286" r:id="rId32"/>
-    <p:sldId id="287" r:id="rId33"/>
-    <p:sldId id="288" r:id="rId34"/>
+    <p:sldId id="322" r:id="rId2"/>
+    <p:sldId id="323" r:id="rId3"/>
+    <p:sldId id="324" r:id="rId4"/>
+    <p:sldId id="353" r:id="rId5"/>
+    <p:sldId id="390" r:id="rId6"/>
+    <p:sldId id="259" r:id="rId7"/>
+    <p:sldId id="364" r:id="rId8"/>
+    <p:sldId id="260" r:id="rId9"/>
+    <p:sldId id="370" r:id="rId10"/>
+    <p:sldId id="371" r:id="rId11"/>
+    <p:sldId id="261" r:id="rId12"/>
+    <p:sldId id="332" r:id="rId13"/>
+    <p:sldId id="391" r:id="rId14"/>
+    <p:sldId id="392" r:id="rId15"/>
+    <p:sldId id="393" r:id="rId16"/>
+    <p:sldId id="281" r:id="rId17"/>
+    <p:sldId id="382" r:id="rId18"/>
+    <p:sldId id="282" r:id="rId19"/>
+    <p:sldId id="264" r:id="rId20"/>
+    <p:sldId id="265" r:id="rId21"/>
+    <p:sldId id="394" r:id="rId22"/>
+    <p:sldId id="267" r:id="rId23"/>
+    <p:sldId id="272" r:id="rId24"/>
+    <p:sldId id="319" r:id="rId25"/>
+    <p:sldId id="320" r:id="rId26"/>
+    <p:sldId id="321" r:id="rId27"/>
+    <p:sldId id="270" r:id="rId28"/>
+    <p:sldId id="291" r:id="rId29"/>
+    <p:sldId id="286" r:id="rId30"/>
+    <p:sldId id="287" r:id="rId31"/>
+    <p:sldId id="288" r:id="rId32"/>
   </p:sldIdLst>
   <p:sldSz cx="9144000" cy="5143500" type="screen16x9"/>
   <p:notesSz cx="6858000" cy="9144000"/>
@@ -137,6 +137,27 @@
       </a:defRPr>
     </a:lvl9pPr>
   </p:defaultTextStyle>
+  <p:extLst>
+    <p:ext uri="{EFAFB233-063F-42B5-8137-9DF3F51BA10A}">
+      <p15:sldGuideLst xmlns:p15="http://schemas.microsoft.com/office/powerpoint/2012/main">
+        <p15:guide id="1" orient="horz" pos="2160">
+          <p15:clr>
+            <a:srgbClr val="A4A3A4"/>
+          </p15:clr>
+        </p15:guide>
+        <p15:guide id="2" pos="2880">
+          <p15:clr>
+            <a:srgbClr val="A4A3A4"/>
+          </p15:clr>
+        </p15:guide>
+        <p15:guide id="3" orient="horz" pos="1620">
+          <p15:clr>
+            <a:srgbClr val="A4A3A4"/>
+          </p15:clr>
+        </p15:guide>
+      </p15:sldGuideLst>
+    </p:ext>
+  </p:extLst>
 </p:presentation>
 </file>
 
@@ -222,6 +243,7 @@
           <a:p>
             <a:fld id="{2F30D4D0-EAC7-4980-A92D-C26C9148BA0F}" type="datetimeFigureOut">
               <a:rPr lang="zh-TW" altLang="en-US" smtClean="0"/>
+              <a:t>2020/1/18</a:t>
             </a:fld>
             <a:endParaRPr lang="zh-TW" altLang="en-US"/>
           </a:p>
@@ -290,7 +312,6 @@
               <a:rPr lang="zh-TW" altLang="en-US" smtClean="0"/>
               <a:t>按一下以編輯母片文字樣式</a:t>
             </a:r>
-            <a:endParaRPr lang="zh-TW" altLang="en-US" smtClean="0"/>
           </a:p>
           <a:p>
             <a:pPr lvl="1"/>
@@ -298,7 +319,6 @@
               <a:rPr lang="zh-TW" altLang="en-US" smtClean="0"/>
               <a:t>第二層</a:t>
             </a:r>
-            <a:endParaRPr lang="zh-TW" altLang="en-US" smtClean="0"/>
           </a:p>
           <a:p>
             <a:pPr lvl="2"/>
@@ -306,7 +326,6 @@
               <a:rPr lang="zh-TW" altLang="en-US" smtClean="0"/>
               <a:t>第三層</a:t>
             </a:r>
-            <a:endParaRPr lang="zh-TW" altLang="en-US" smtClean="0"/>
           </a:p>
           <a:p>
             <a:pPr lvl="3"/>
@@ -314,7 +333,6 @@
               <a:rPr lang="zh-TW" altLang="en-US" smtClean="0"/>
               <a:t>第四層</a:t>
             </a:r>
-            <a:endParaRPr lang="zh-TW" altLang="en-US" smtClean="0"/>
           </a:p>
           <a:p>
             <a:pPr lvl="4"/>
@@ -386,6 +404,7 @@
           <a:p>
             <a:fld id="{B580EBF6-10F3-448A-BB9E-552AD095990F}" type="slidenum">
               <a:rPr lang="zh-TW" altLang="en-US" smtClean="0"/>
+              <a:t>‹#›</a:t>
             </a:fld>
             <a:endParaRPr lang="zh-TW" altLang="en-US"/>
           </a:p>
@@ -561,6 +580,7 @@
           <a:p>
             <a:fld id="{B580EBF6-10F3-448A-BB9E-552AD095990F}" type="slidenum">
               <a:rPr lang="zh-TW" altLang="en-US" smtClean="0"/>
+              <a:t>1</a:t>
             </a:fld>
             <a:endParaRPr lang="zh-TW" altLang="en-US"/>
           </a:p>
@@ -646,6 +666,7 @@
           <a:p>
             <a:fld id="{B580EBF6-10F3-448A-BB9E-552AD095990F}" type="slidenum">
               <a:rPr lang="zh-TW" altLang="en-US" smtClean="0"/>
+              <a:t>2</a:t>
             </a:fld>
             <a:endParaRPr lang="zh-TW" altLang="en-US"/>
           </a:p>
@@ -731,6 +752,7 @@
           <a:p>
             <a:fld id="{B580EBF6-10F3-448A-BB9E-552AD095990F}" type="slidenum">
               <a:rPr lang="zh-TW" altLang="en-US" smtClean="0"/>
+              <a:t>6</a:t>
             </a:fld>
             <a:endParaRPr lang="zh-TW" altLang="en-US"/>
           </a:p>
@@ -816,6 +838,7 @@
           <a:p>
             <a:fld id="{B580EBF6-10F3-448A-BB9E-552AD095990F}" type="slidenum">
               <a:rPr lang="zh-TW" altLang="en-US" smtClean="0"/>
+              <a:t>13</a:t>
             </a:fld>
             <a:endParaRPr lang="zh-TW" altLang="en-US"/>
           </a:p>
@@ -901,6 +924,7 @@
           <a:p>
             <a:fld id="{B580EBF6-10F3-448A-BB9E-552AD095990F}" type="slidenum">
               <a:rPr lang="zh-TW" altLang="en-US" smtClean="0"/>
+              <a:t>18</a:t>
             </a:fld>
             <a:endParaRPr lang="zh-TW" altLang="en-US"/>
           </a:p>
@@ -1095,6 +1119,7 @@
           <a:p>
             <a:fld id="{5BBEAD13-0566-4C6C-97E7-55F17F24B09F}" type="datetimeFigureOut">
               <a:rPr lang="zh-TW" altLang="en-US" smtClean="0"/>
+              <a:t>2020/1/18</a:t>
             </a:fld>
             <a:endParaRPr lang="zh-TW" altLang="en-US"/>
           </a:p>
@@ -1136,6 +1161,7 @@
           <a:p>
             <a:fld id="{73DA0BB7-265A-403C-9275-D587AB510EDC}" type="slidenum">
               <a:rPr lang="zh-TW" altLang="en-US" smtClean="0"/>
+              <a:t>‹#›</a:t>
             </a:fld>
             <a:endParaRPr lang="zh-TW" altLang="en-US"/>
           </a:p>
@@ -1209,7 +1235,6 @@
               <a:rPr lang="zh-TW" altLang="en-US" smtClean="0"/>
               <a:t>按一下以編輯母片文字樣式</a:t>
             </a:r>
-            <a:endParaRPr lang="zh-TW" altLang="en-US" smtClean="0"/>
           </a:p>
           <a:p>
             <a:pPr lvl="1"/>
@@ -1217,7 +1242,6 @@
               <a:rPr lang="zh-TW" altLang="en-US" smtClean="0"/>
               <a:t>第二層</a:t>
             </a:r>
-            <a:endParaRPr lang="zh-TW" altLang="en-US" smtClean="0"/>
           </a:p>
           <a:p>
             <a:pPr lvl="2"/>
@@ -1225,7 +1249,6 @@
               <a:rPr lang="zh-TW" altLang="en-US" smtClean="0"/>
               <a:t>第三層</a:t>
             </a:r>
-            <a:endParaRPr lang="zh-TW" altLang="en-US" smtClean="0"/>
           </a:p>
           <a:p>
             <a:pPr lvl="3"/>
@@ -1233,7 +1256,6 @@
               <a:rPr lang="zh-TW" altLang="en-US" smtClean="0"/>
               <a:t>第四層</a:t>
             </a:r>
-            <a:endParaRPr lang="zh-TW" altLang="en-US" smtClean="0"/>
           </a:p>
           <a:p>
             <a:pPr lvl="4"/>
@@ -1262,6 +1284,7 @@
           <a:p>
             <a:fld id="{5BBEAD13-0566-4C6C-97E7-55F17F24B09F}" type="datetimeFigureOut">
               <a:rPr lang="zh-TW" altLang="en-US" smtClean="0"/>
+              <a:t>2020/1/18</a:t>
             </a:fld>
             <a:endParaRPr lang="zh-TW" altLang="en-US"/>
           </a:p>
@@ -1303,6 +1326,7 @@
           <a:p>
             <a:fld id="{73DA0BB7-265A-403C-9275-D587AB510EDC}" type="slidenum">
               <a:rPr lang="zh-TW" altLang="en-US" smtClean="0"/>
+              <a:t>‹#›</a:t>
             </a:fld>
             <a:endParaRPr lang="zh-TW" altLang="en-US"/>
           </a:p>
@@ -1386,7 +1410,6 @@
               <a:rPr lang="zh-TW" altLang="en-US" smtClean="0"/>
               <a:t>按一下以編輯母片文字樣式</a:t>
             </a:r>
-            <a:endParaRPr lang="zh-TW" altLang="en-US" smtClean="0"/>
           </a:p>
           <a:p>
             <a:pPr lvl="1"/>
@@ -1394,7 +1417,6 @@
               <a:rPr lang="zh-TW" altLang="en-US" smtClean="0"/>
               <a:t>第二層</a:t>
             </a:r>
-            <a:endParaRPr lang="zh-TW" altLang="en-US" smtClean="0"/>
           </a:p>
           <a:p>
             <a:pPr lvl="2"/>
@@ -1402,7 +1424,6 @@
               <a:rPr lang="zh-TW" altLang="en-US" smtClean="0"/>
               <a:t>第三層</a:t>
             </a:r>
-            <a:endParaRPr lang="zh-TW" altLang="en-US" smtClean="0"/>
           </a:p>
           <a:p>
             <a:pPr lvl="3"/>
@@ -1410,7 +1431,6 @@
               <a:rPr lang="zh-TW" altLang="en-US" smtClean="0"/>
               <a:t>第四層</a:t>
             </a:r>
-            <a:endParaRPr lang="zh-TW" altLang="en-US" smtClean="0"/>
           </a:p>
           <a:p>
             <a:pPr lvl="4"/>
@@ -1439,6 +1459,7 @@
           <a:p>
             <a:fld id="{5BBEAD13-0566-4C6C-97E7-55F17F24B09F}" type="datetimeFigureOut">
               <a:rPr lang="zh-TW" altLang="en-US" smtClean="0"/>
+              <a:t>2020/1/18</a:t>
             </a:fld>
             <a:endParaRPr lang="zh-TW" altLang="en-US"/>
           </a:p>
@@ -1480,6 +1501,7 @@
           <a:p>
             <a:fld id="{73DA0BB7-265A-403C-9275-D587AB510EDC}" type="slidenum">
               <a:rPr lang="zh-TW" altLang="en-US" smtClean="0"/>
+              <a:t>‹#›</a:t>
             </a:fld>
             <a:endParaRPr lang="zh-TW" altLang="en-US"/>
           </a:p>
@@ -1553,7 +1575,6 @@
               <a:rPr lang="zh-TW" altLang="en-US" smtClean="0"/>
               <a:t>按一下以編輯母片文字樣式</a:t>
             </a:r>
-            <a:endParaRPr lang="zh-TW" altLang="en-US" smtClean="0"/>
           </a:p>
           <a:p>
             <a:pPr lvl="1"/>
@@ -1561,7 +1582,6 @@
               <a:rPr lang="zh-TW" altLang="en-US" smtClean="0"/>
               <a:t>第二層</a:t>
             </a:r>
-            <a:endParaRPr lang="zh-TW" altLang="en-US" smtClean="0"/>
           </a:p>
           <a:p>
             <a:pPr lvl="2"/>
@@ -1569,7 +1589,6 @@
               <a:rPr lang="zh-TW" altLang="en-US" smtClean="0"/>
               <a:t>第三層</a:t>
             </a:r>
-            <a:endParaRPr lang="zh-TW" altLang="en-US" smtClean="0"/>
           </a:p>
           <a:p>
             <a:pPr lvl="3"/>
@@ -1577,7 +1596,6 @@
               <a:rPr lang="zh-TW" altLang="en-US" smtClean="0"/>
               <a:t>第四層</a:t>
             </a:r>
-            <a:endParaRPr lang="zh-TW" altLang="en-US" smtClean="0"/>
           </a:p>
           <a:p>
             <a:pPr lvl="4"/>
@@ -1606,6 +1624,7 @@
           <a:p>
             <a:fld id="{5BBEAD13-0566-4C6C-97E7-55F17F24B09F}" type="datetimeFigureOut">
               <a:rPr lang="zh-TW" altLang="en-US" smtClean="0"/>
+              <a:t>2020/1/18</a:t>
             </a:fld>
             <a:endParaRPr lang="zh-TW" altLang="en-US"/>
           </a:p>
@@ -1647,6 +1666,7 @@
           <a:p>
             <a:fld id="{73DA0BB7-265A-403C-9275-D587AB510EDC}" type="slidenum">
               <a:rPr lang="zh-TW" altLang="en-US" smtClean="0"/>
+              <a:t>‹#›</a:t>
             </a:fld>
             <a:endParaRPr lang="zh-TW" altLang="en-US"/>
           </a:p>
@@ -1825,7 +1845,6 @@
               <a:rPr lang="zh-TW" altLang="en-US" smtClean="0"/>
               <a:t>按一下以編輯母片文字樣式</a:t>
             </a:r>
-            <a:endParaRPr lang="zh-TW" altLang="en-US" smtClean="0"/>
           </a:p>
         </p:txBody>
       </p:sp>
@@ -1846,6 +1865,7 @@
           <a:p>
             <a:fld id="{5BBEAD13-0566-4C6C-97E7-55F17F24B09F}" type="datetimeFigureOut">
               <a:rPr lang="zh-TW" altLang="en-US" smtClean="0"/>
+              <a:t>2020/1/18</a:t>
             </a:fld>
             <a:endParaRPr lang="zh-TW" altLang="en-US"/>
           </a:p>
@@ -1887,6 +1907,7 @@
           <a:p>
             <a:fld id="{73DA0BB7-265A-403C-9275-D587AB510EDC}" type="slidenum">
               <a:rPr lang="zh-TW" altLang="en-US" smtClean="0"/>
+              <a:t>‹#›</a:t>
             </a:fld>
             <a:endParaRPr lang="zh-TW" altLang="en-US"/>
           </a:p>
@@ -1993,7 +2014,6 @@
               <a:rPr lang="zh-TW" altLang="en-US" smtClean="0"/>
               <a:t>按一下以編輯母片文字樣式</a:t>
             </a:r>
-            <a:endParaRPr lang="zh-TW" altLang="en-US" smtClean="0"/>
           </a:p>
           <a:p>
             <a:pPr lvl="1"/>
@@ -2001,7 +2021,6 @@
               <a:rPr lang="zh-TW" altLang="en-US" smtClean="0"/>
               <a:t>第二層</a:t>
             </a:r>
-            <a:endParaRPr lang="zh-TW" altLang="en-US" smtClean="0"/>
           </a:p>
           <a:p>
             <a:pPr lvl="2"/>
@@ -2009,7 +2028,6 @@
               <a:rPr lang="zh-TW" altLang="en-US" smtClean="0"/>
               <a:t>第三層</a:t>
             </a:r>
-            <a:endParaRPr lang="zh-TW" altLang="en-US" smtClean="0"/>
           </a:p>
           <a:p>
             <a:pPr lvl="3"/>
@@ -2017,7 +2035,6 @@
               <a:rPr lang="zh-TW" altLang="en-US" smtClean="0"/>
               <a:t>第四層</a:t>
             </a:r>
-            <a:endParaRPr lang="zh-TW" altLang="en-US" smtClean="0"/>
           </a:p>
           <a:p>
             <a:pPr lvl="4"/>
@@ -2082,7 +2099,6 @@
               <a:rPr lang="zh-TW" altLang="en-US" smtClean="0"/>
               <a:t>按一下以編輯母片文字樣式</a:t>
             </a:r>
-            <a:endParaRPr lang="zh-TW" altLang="en-US" smtClean="0"/>
           </a:p>
           <a:p>
             <a:pPr lvl="1"/>
@@ -2090,7 +2106,6 @@
               <a:rPr lang="zh-TW" altLang="en-US" smtClean="0"/>
               <a:t>第二層</a:t>
             </a:r>
-            <a:endParaRPr lang="zh-TW" altLang="en-US" smtClean="0"/>
           </a:p>
           <a:p>
             <a:pPr lvl="2"/>
@@ -2098,7 +2113,6 @@
               <a:rPr lang="zh-TW" altLang="en-US" smtClean="0"/>
               <a:t>第三層</a:t>
             </a:r>
-            <a:endParaRPr lang="zh-TW" altLang="en-US" smtClean="0"/>
           </a:p>
           <a:p>
             <a:pPr lvl="3"/>
@@ -2106,7 +2120,6 @@
               <a:rPr lang="zh-TW" altLang="en-US" smtClean="0"/>
               <a:t>第四層</a:t>
             </a:r>
-            <a:endParaRPr lang="zh-TW" altLang="en-US" smtClean="0"/>
           </a:p>
           <a:p>
             <a:pPr lvl="4"/>
@@ -2135,6 +2148,7 @@
           <a:p>
             <a:fld id="{5BBEAD13-0566-4C6C-97E7-55F17F24B09F}" type="datetimeFigureOut">
               <a:rPr lang="zh-TW" altLang="en-US" smtClean="0"/>
+              <a:t>2020/1/18</a:t>
             </a:fld>
             <a:endParaRPr lang="zh-TW" altLang="en-US"/>
           </a:p>
@@ -2176,6 +2190,7 @@
           <a:p>
             <a:fld id="{73DA0BB7-265A-403C-9275-D587AB510EDC}" type="slidenum">
               <a:rPr lang="zh-TW" altLang="en-US" smtClean="0"/>
+              <a:t>‹#›</a:t>
             </a:fld>
             <a:endParaRPr lang="zh-TW" altLang="en-US"/>
           </a:p>
@@ -2295,7 +2310,6 @@
               <a:rPr lang="zh-TW" altLang="en-US" smtClean="0"/>
               <a:t>按一下以編輯母片文字樣式</a:t>
             </a:r>
-            <a:endParaRPr lang="zh-TW" altLang="en-US" smtClean="0"/>
           </a:p>
         </p:txBody>
       </p:sp>
@@ -2352,7 +2366,6 @@
               <a:rPr lang="zh-TW" altLang="en-US" smtClean="0"/>
               <a:t>按一下以編輯母片文字樣式</a:t>
             </a:r>
-            <a:endParaRPr lang="zh-TW" altLang="en-US" smtClean="0"/>
           </a:p>
           <a:p>
             <a:pPr lvl="1"/>
@@ -2360,7 +2373,6 @@
               <a:rPr lang="zh-TW" altLang="en-US" smtClean="0"/>
               <a:t>第二層</a:t>
             </a:r>
-            <a:endParaRPr lang="zh-TW" altLang="en-US" smtClean="0"/>
           </a:p>
           <a:p>
             <a:pPr lvl="2"/>
@@ -2368,7 +2380,6 @@
               <a:rPr lang="zh-TW" altLang="en-US" smtClean="0"/>
               <a:t>第三層</a:t>
             </a:r>
-            <a:endParaRPr lang="zh-TW" altLang="en-US" smtClean="0"/>
           </a:p>
           <a:p>
             <a:pPr lvl="3"/>
@@ -2376,7 +2387,6 @@
               <a:rPr lang="zh-TW" altLang="en-US" smtClean="0"/>
               <a:t>第四層</a:t>
             </a:r>
-            <a:endParaRPr lang="zh-TW" altLang="en-US" smtClean="0"/>
           </a:p>
           <a:p>
             <a:pPr lvl="4"/>
@@ -2450,7 +2460,6 @@
               <a:rPr lang="zh-TW" altLang="en-US" smtClean="0"/>
               <a:t>按一下以編輯母片文字樣式</a:t>
             </a:r>
-            <a:endParaRPr lang="zh-TW" altLang="en-US" smtClean="0"/>
           </a:p>
         </p:txBody>
       </p:sp>
@@ -2507,7 +2516,6 @@
               <a:rPr lang="zh-TW" altLang="en-US" smtClean="0"/>
               <a:t>按一下以編輯母片文字樣式</a:t>
             </a:r>
-            <a:endParaRPr lang="zh-TW" altLang="en-US" smtClean="0"/>
           </a:p>
           <a:p>
             <a:pPr lvl="1"/>
@@ -2515,7 +2523,6 @@
               <a:rPr lang="zh-TW" altLang="en-US" smtClean="0"/>
               <a:t>第二層</a:t>
             </a:r>
-            <a:endParaRPr lang="zh-TW" altLang="en-US" smtClean="0"/>
           </a:p>
           <a:p>
             <a:pPr lvl="2"/>
@@ -2523,7 +2530,6 @@
               <a:rPr lang="zh-TW" altLang="en-US" smtClean="0"/>
               <a:t>第三層</a:t>
             </a:r>
-            <a:endParaRPr lang="zh-TW" altLang="en-US" smtClean="0"/>
           </a:p>
           <a:p>
             <a:pPr lvl="3"/>
@@ -2531,7 +2537,6 @@
               <a:rPr lang="zh-TW" altLang="en-US" smtClean="0"/>
               <a:t>第四層</a:t>
             </a:r>
-            <a:endParaRPr lang="zh-TW" altLang="en-US" smtClean="0"/>
           </a:p>
           <a:p>
             <a:pPr lvl="4"/>
@@ -2560,6 +2565,7 @@
           <a:p>
             <a:fld id="{5BBEAD13-0566-4C6C-97E7-55F17F24B09F}" type="datetimeFigureOut">
               <a:rPr lang="zh-TW" altLang="en-US" smtClean="0"/>
+              <a:t>2020/1/18</a:t>
             </a:fld>
             <a:endParaRPr lang="zh-TW" altLang="en-US"/>
           </a:p>
@@ -2601,6 +2607,7 @@
           <a:p>
             <a:fld id="{73DA0BB7-265A-403C-9275-D587AB510EDC}" type="slidenum">
               <a:rPr lang="zh-TW" altLang="en-US" smtClean="0"/>
+              <a:t>‹#›</a:t>
             </a:fld>
             <a:endParaRPr lang="zh-TW" altLang="en-US"/>
           </a:p>
@@ -2671,6 +2678,7 @@
           <a:p>
             <a:fld id="{5BBEAD13-0566-4C6C-97E7-55F17F24B09F}" type="datetimeFigureOut">
               <a:rPr lang="zh-TW" altLang="en-US" smtClean="0"/>
+              <a:t>2020/1/18</a:t>
             </a:fld>
             <a:endParaRPr lang="zh-TW" altLang="en-US"/>
           </a:p>
@@ -2712,6 +2720,7 @@
           <a:p>
             <a:fld id="{73DA0BB7-265A-403C-9275-D587AB510EDC}" type="slidenum">
               <a:rPr lang="zh-TW" altLang="en-US" smtClean="0"/>
+              <a:t>‹#›</a:t>
             </a:fld>
             <a:endParaRPr lang="zh-TW" altLang="en-US"/>
           </a:p>
@@ -2759,6 +2768,7 @@
           <a:p>
             <a:fld id="{5BBEAD13-0566-4C6C-97E7-55F17F24B09F}" type="datetimeFigureOut">
               <a:rPr lang="zh-TW" altLang="en-US" smtClean="0"/>
+              <a:t>2020/1/18</a:t>
             </a:fld>
             <a:endParaRPr lang="zh-TW" altLang="en-US"/>
           </a:p>
@@ -2800,6 +2810,7 @@
           <a:p>
             <a:fld id="{73DA0BB7-265A-403C-9275-D587AB510EDC}" type="slidenum">
               <a:rPr lang="zh-TW" altLang="en-US" smtClean="0"/>
+              <a:t>‹#›</a:t>
             </a:fld>
             <a:endParaRPr lang="zh-TW" altLang="en-US"/>
           </a:p>
@@ -2915,7 +2926,6 @@
               <a:rPr lang="zh-TW" altLang="en-US" smtClean="0"/>
               <a:t>按一下以編輯母片文字樣式</a:t>
             </a:r>
-            <a:endParaRPr lang="zh-TW" altLang="en-US" smtClean="0"/>
           </a:p>
           <a:p>
             <a:pPr lvl="1"/>
@@ -2923,7 +2933,6 @@
               <a:rPr lang="zh-TW" altLang="en-US" smtClean="0"/>
               <a:t>第二層</a:t>
             </a:r>
-            <a:endParaRPr lang="zh-TW" altLang="en-US" smtClean="0"/>
           </a:p>
           <a:p>
             <a:pPr lvl="2"/>
@@ -2931,7 +2940,6 @@
               <a:rPr lang="zh-TW" altLang="en-US" smtClean="0"/>
               <a:t>第三層</a:t>
             </a:r>
-            <a:endParaRPr lang="zh-TW" altLang="en-US" smtClean="0"/>
           </a:p>
           <a:p>
             <a:pPr lvl="3"/>
@@ -2939,7 +2947,6 @@
               <a:rPr lang="zh-TW" altLang="en-US" smtClean="0"/>
               <a:t>第四層</a:t>
             </a:r>
-            <a:endParaRPr lang="zh-TW" altLang="en-US" smtClean="0"/>
           </a:p>
           <a:p>
             <a:pPr lvl="4"/>
@@ -3013,7 +3020,6 @@
               <a:rPr lang="zh-TW" altLang="en-US" smtClean="0"/>
               <a:t>按一下以編輯母片文字樣式</a:t>
             </a:r>
-            <a:endParaRPr lang="zh-TW" altLang="en-US" smtClean="0"/>
           </a:p>
         </p:txBody>
       </p:sp>
@@ -3034,6 +3040,7 @@
           <a:p>
             <a:fld id="{5BBEAD13-0566-4C6C-97E7-55F17F24B09F}" type="datetimeFigureOut">
               <a:rPr lang="zh-TW" altLang="en-US" smtClean="0"/>
+              <a:t>2020/1/18</a:t>
             </a:fld>
             <a:endParaRPr lang="zh-TW" altLang="en-US"/>
           </a:p>
@@ -3075,6 +3082,7 @@
           <a:p>
             <a:fld id="{73DA0BB7-265A-403C-9275-D587AB510EDC}" type="slidenum">
               <a:rPr lang="zh-TW" altLang="en-US" smtClean="0"/>
+              <a:t>‹#›</a:t>
             </a:fld>
             <a:endParaRPr lang="zh-TW" altLang="en-US"/>
           </a:p>
@@ -3264,7 +3272,6 @@
               <a:rPr lang="zh-TW" altLang="en-US" smtClean="0"/>
               <a:t>按一下以編輯母片文字樣式</a:t>
             </a:r>
-            <a:endParaRPr lang="zh-TW" altLang="en-US" smtClean="0"/>
           </a:p>
         </p:txBody>
       </p:sp>
@@ -3285,6 +3292,7 @@
           <a:p>
             <a:fld id="{5BBEAD13-0566-4C6C-97E7-55F17F24B09F}" type="datetimeFigureOut">
               <a:rPr lang="zh-TW" altLang="en-US" smtClean="0"/>
+              <a:t>2020/1/18</a:t>
             </a:fld>
             <a:endParaRPr lang="zh-TW" altLang="en-US"/>
           </a:p>
@@ -3326,6 +3334,7 @@
           <a:p>
             <a:fld id="{73DA0BB7-265A-403C-9275-D587AB510EDC}" type="slidenum">
               <a:rPr lang="zh-TW" altLang="en-US" smtClean="0"/>
+              <a:t>‹#›</a:t>
             </a:fld>
             <a:endParaRPr lang="zh-TW" altLang="en-US"/>
           </a:p>
@@ -3345,7 +3354,7 @@
     <p:bg>
       <p:bgPr>
         <a:blipFill dpi="0" rotWithShape="1">
-          <a:blip r:embed="rId12"/>
+          <a:blip r:embed="rId13"/>
           <a:srcRect/>
           <a:tile tx="0" ty="0" sx="100000" sy="100000" flip="none" algn="tl"/>
         </a:blipFill>
@@ -3429,7 +3438,6 @@
               <a:rPr lang="zh-TW" altLang="en-US" smtClean="0"/>
               <a:t>按一下以編輯母片文字樣式</a:t>
             </a:r>
-            <a:endParaRPr lang="zh-TW" altLang="en-US" smtClean="0"/>
           </a:p>
           <a:p>
             <a:pPr lvl="1"/>
@@ -3437,7 +3445,6 @@
               <a:rPr lang="zh-TW" altLang="en-US" smtClean="0"/>
               <a:t>第二層</a:t>
             </a:r>
-            <a:endParaRPr lang="zh-TW" altLang="en-US" smtClean="0"/>
           </a:p>
           <a:p>
             <a:pPr lvl="2"/>
@@ -3445,7 +3452,6 @@
               <a:rPr lang="zh-TW" altLang="en-US" smtClean="0"/>
               <a:t>第三層</a:t>
             </a:r>
-            <a:endParaRPr lang="zh-TW" altLang="en-US" smtClean="0"/>
           </a:p>
           <a:p>
             <a:pPr lvl="3"/>
@@ -3453,7 +3459,6 @@
               <a:rPr lang="zh-TW" altLang="en-US" smtClean="0"/>
               <a:t>第四層</a:t>
             </a:r>
-            <a:endParaRPr lang="zh-TW" altLang="en-US" smtClean="0"/>
           </a:p>
           <a:p>
             <a:pPr lvl="4"/>
@@ -3500,6 +3505,7 @@
           <a:p>
             <a:fld id="{5BBEAD13-0566-4C6C-97E7-55F17F24B09F}" type="datetimeFigureOut">
               <a:rPr lang="zh-TW" altLang="en-US" smtClean="0"/>
+              <a:t>2020/1/18</a:t>
             </a:fld>
             <a:endParaRPr lang="zh-TW" altLang="en-US"/>
           </a:p>
@@ -3577,6 +3583,7 @@
           <a:p>
             <a:fld id="{73DA0BB7-265A-403C-9275-D587AB510EDC}" type="slidenum">
               <a:rPr lang="zh-TW" altLang="en-US" smtClean="0"/>
+              <a:t>‹#›</a:t>
             </a:fld>
             <a:endParaRPr lang="zh-TW" altLang="en-US"/>
           </a:p>
@@ -3999,13 +4006,6 @@
               </a:rPr>
               <a:t> </a:t>
             </a:r>
-            <a:endParaRPr lang="en-US" altLang="zh-TW" sz="4800" dirty="0" smtClean="0">
-              <a:solidFill>
-                <a:srgbClr val="660033"/>
-              </a:solidFill>
-              <a:latin typeface="微軟正黑體" pitchFamily="34" charset="-120"/>
-              <a:ea typeface="微軟正黑體" pitchFamily="34" charset="-120"/>
-            </a:endParaRPr>
           </a:p>
           <a:p>
             <a:r>
@@ -4018,13 +4018,6 @@
               </a:rPr>
               <a:t>你的寶座從太初立定；你從亙古就有。</a:t>
             </a:r>
-            <a:endParaRPr lang="zh-TW" altLang="en-US" sz="4800" b="1" dirty="0" smtClean="0">
-              <a:solidFill>
-                <a:srgbClr val="660033"/>
-              </a:solidFill>
-              <a:latin typeface="微軟正黑體" pitchFamily="34" charset="-120"/>
-              <a:ea typeface="微軟正黑體" pitchFamily="34" charset="-120"/>
-            </a:endParaRPr>
           </a:p>
         </p:txBody>
       </p:sp>
@@ -5061,13 +5054,6 @@
               </a:rPr>
               <a:t>我信永生。阿們。</a:t>
             </a:r>
-            <a:endParaRPr lang="zh-TW" altLang="en-US" sz="4800" b="1" dirty="0" smtClean="0">
-              <a:solidFill>
-                <a:srgbClr val="000066"/>
-              </a:solidFill>
-              <a:latin typeface="微軟正黑體" pitchFamily="34" charset="-120"/>
-              <a:ea typeface="微軟正黑體" pitchFamily="34" charset="-120"/>
-            </a:endParaRPr>
           </a:p>
         </p:txBody>
       </p:sp>
@@ -5342,13 +5328,6 @@
               </a:rPr>
               <a:t>  神曉諭摩西說：「我是耶和華。 </a:t>
             </a:r>
-            <a:endParaRPr lang="zh-TW" altLang="en-US" sz="4800" b="1" dirty="0">
-              <a:solidFill>
-                <a:srgbClr val="000066"/>
-              </a:solidFill>
-              <a:latin typeface="微軟正黑體" pitchFamily="34" charset="-120"/>
-              <a:ea typeface="微軟正黑體" pitchFamily="34" charset="-120"/>
-            </a:endParaRPr>
           </a:p>
           <a:p>
             <a:r>
@@ -5381,13 +5360,6 @@
               </a:rPr>
               <a:t>  我從前向亞伯拉罕、以撒、雅各顯現為全能的神；至於我名耶和華，他們未曾知道。 </a:t>
             </a:r>
-            <a:endParaRPr lang="zh-TW" altLang="en-US" sz="4800" b="1" dirty="0">
-              <a:solidFill>
-                <a:srgbClr val="000066"/>
-              </a:solidFill>
-              <a:latin typeface="微軟正黑體" pitchFamily="34" charset="-120"/>
-              <a:ea typeface="微軟正黑體" pitchFamily="34" charset="-120"/>
-            </a:endParaRPr>
           </a:p>
         </p:txBody>
       </p:sp>
@@ -6550,7 +6522,58 @@
                 <a:latin typeface="微軟正黑體" pitchFamily="34" charset="-120"/>
                 <a:ea typeface="微軟正黑體" pitchFamily="34" charset="-120"/>
               </a:rPr>
-              <a:t>願人都尊袮的名為聖</a:t>
+              <a:t>願人</a:t>
+            </a:r>
+            <a:r>
+              <a:rPr lang="zh-CN" altLang="en-US" sz="4800" b="1" smtClean="0">
+                <a:solidFill>
+                  <a:srgbClr val="000066"/>
+                </a:solidFill>
+                <a:effectLst>
+                  <a:outerShdw blurRad="50000" dist="30000" dir="5400000" algn="tl" rotWithShape="0">
+                    <a:srgbClr val="000000">
+                      <a:alpha val="30000"/>
+                    </a:srgbClr>
+                  </a:outerShdw>
+                </a:effectLst>
+                <a:latin typeface="微軟正黑體" pitchFamily="34" charset="-120"/>
+                <a:ea typeface="微軟正黑體" pitchFamily="34" charset="-120"/>
+              </a:rPr>
+              <a:t>都</a:t>
+            </a:r>
+            <a:r>
+              <a:rPr lang="zh-CN" altLang="en-US" sz="4800" b="1">
+                <a:solidFill>
+                  <a:srgbClr val="000066"/>
+                </a:solidFill>
+                <a:effectLst>
+                  <a:outerShdw blurRad="50000" dist="30000" dir="5400000" algn="tl" rotWithShape="0">
+                    <a:srgbClr val="000000">
+                      <a:alpha val="30000"/>
+                    </a:srgbClr>
+                  </a:outerShdw>
+                </a:effectLst>
+                <a:latin typeface="微軟正黑體" pitchFamily="34" charset="-120"/>
+                <a:ea typeface="微軟正黑體" pitchFamily="34" charset="-120"/>
+              </a:rPr>
+              <a:t>尊父的</a:t>
+            </a:r>
+            <a:r>
+              <a:rPr lang="zh-CN" altLang="en-US" sz="4800" b="1" dirty="0" smtClean="0">
+                <a:solidFill>
+                  <a:srgbClr val="000066"/>
+                </a:solidFill>
+                <a:effectLst>
+                  <a:outerShdw blurRad="50000" dist="30000" dir="5400000" algn="tl" rotWithShape="0">
+                    <a:srgbClr val="000000">
+                      <a:alpha val="30000"/>
+                    </a:srgbClr>
+                  </a:outerShdw>
+                </a:effectLst>
+                <a:latin typeface="微軟正黑體" pitchFamily="34" charset="-120"/>
+                <a:ea typeface="微軟正黑體" pitchFamily="34" charset="-120"/>
+              </a:rPr>
+              <a:t>名為聖</a:t>
             </a:r>
             <a:endParaRPr lang="en-US" altLang="zh-CN" sz="4800" b="1" dirty="0" smtClean="0">
               <a:solidFill>
@@ -7737,20 +7760,6 @@
               </a:rPr>
               <a:t>願祂祝福你心靈安康</a:t>
             </a:r>
-            <a:endParaRPr lang="zh-TW" altLang="en-US" sz="5400" b="1" dirty="0" smtClean="0">
-              <a:solidFill>
-                <a:srgbClr val="660033"/>
-              </a:solidFill>
-              <a:effectLst>
-                <a:outerShdw blurRad="50000" dist="30000" dir="5400000" algn="tl" rotWithShape="0">
-                  <a:srgbClr val="000000">
-                    <a:alpha val="30000"/>
-                  </a:srgbClr>
-                </a:outerShdw>
-              </a:effectLst>
-              <a:latin typeface="微軟正黑體" pitchFamily="34" charset="-120"/>
-              <a:ea typeface="微軟正黑體" pitchFamily="34" charset="-120"/>
-            </a:endParaRPr>
           </a:p>
         </p:txBody>
       </p:sp>
@@ -8030,20 +8039,6 @@
               </a:rPr>
               <a:t>在那漫漫的黑夜見主光</a:t>
             </a:r>
-            <a:endParaRPr lang="zh-TW" altLang="en-US" sz="5400" b="1" dirty="0" smtClean="0">
-              <a:solidFill>
-                <a:srgbClr val="660033"/>
-              </a:solidFill>
-              <a:effectLst>
-                <a:outerShdw blurRad="50000" dist="30000" dir="5400000" algn="tl" rotWithShape="0">
-                  <a:srgbClr val="000000">
-                    <a:alpha val="30000"/>
-                  </a:srgbClr>
-                </a:outerShdw>
-              </a:effectLst>
-              <a:latin typeface="微軟正黑體" pitchFamily="34" charset="-120"/>
-              <a:ea typeface="微軟正黑體" pitchFamily="34" charset="-120"/>
-            </a:endParaRPr>
           </a:p>
         </p:txBody>
       </p:sp>
@@ -8235,20 +8230,6 @@
               </a:rPr>
               <a:t>以你愛 還祂愛 永相愛</a:t>
             </a:r>
-            <a:endParaRPr lang="zh-TW" altLang="en-US" sz="5400" b="1" dirty="0" smtClean="0">
-              <a:solidFill>
-                <a:srgbClr val="660033"/>
-              </a:solidFill>
-              <a:effectLst>
-                <a:outerShdw blurRad="50000" dist="30000" dir="5400000" algn="tl" rotWithShape="0">
-                  <a:srgbClr val="000000">
-                    <a:alpha val="30000"/>
-                  </a:srgbClr>
-                </a:outerShdw>
-              </a:effectLst>
-              <a:latin typeface="微軟正黑體" pitchFamily="34" charset="-120"/>
-              <a:ea typeface="微軟正黑體" pitchFamily="34" charset="-120"/>
-            </a:endParaRPr>
           </a:p>
         </p:txBody>
       </p:sp>
@@ -8377,7 +8358,7 @@
         </p:nvSpPr>
         <p:spPr>
           <a:xfrm>
-            <a:off x="0" y="1669936"/>
+            <a:off x="0" y="1707654"/>
             <a:ext cx="9144000" cy="1803647"/>
           </a:xfrm>
         </p:spPr>
@@ -9472,6 +9453,8 @@
       </a:bgFillStyleLst>
     </a:fmtScheme>
   </a:themeElements>
+  <a:objectDefaults/>
+  <a:extraClrSchemeLst/>
   <a:extLst>
     <a:ext uri="{05A4C25C-085E-4340-85A3-A5531E510DB2}">
       <thm15:themeFamily xmlns:thm15="http://schemas.microsoft.com/office/thememl/2012/main" name="Office Theme" id="{62F939B6-93AF-4DB8-9C6B-D6C7DFDC589F}" vid="{4A3C46E8-61CC-4603-A589-7422A47A8E4A}"/>
@@ -9758,6 +9741,8 @@
       </a:bgFillStyleLst>
     </a:fmtScheme>
   </a:themeElements>
+  <a:objectDefaults/>
+  <a:extraClrSchemeLst/>
   <a:extLst>
     <a:ext uri="{05A4C25C-085E-4340-85A3-A5531E510DB2}">
       <thm15:themeFamily xmlns:thm15="http://schemas.microsoft.com/office/thememl/2012/main" name="Office Theme" id="{62F939B6-93AF-4DB8-9C6B-D6C7DFDC589F}" vid="{4A3C46E8-61CC-4603-A589-7422A47A8E4A}"/>

--- a/崇拜流程_version02.pptx
+++ b/崇拜流程_version02.pptx
@@ -243,7 +243,7 @@
           <a:p>
             <a:fld id="{2F30D4D0-EAC7-4980-A92D-C26C9148BA0F}" type="datetimeFigureOut">
               <a:rPr lang="zh-TW" altLang="en-US" smtClean="0"/>
-              <a:t>2020/1/18</a:t>
+              <a:t>2020/2/29</a:t>
             </a:fld>
             <a:endParaRPr lang="zh-TW" altLang="en-US"/>
           </a:p>
@@ -1119,7 +1119,7 @@
           <a:p>
             <a:fld id="{5BBEAD13-0566-4C6C-97E7-55F17F24B09F}" type="datetimeFigureOut">
               <a:rPr lang="zh-TW" altLang="en-US" smtClean="0"/>
-              <a:t>2020/1/18</a:t>
+              <a:t>2020/2/29</a:t>
             </a:fld>
             <a:endParaRPr lang="zh-TW" altLang="en-US"/>
           </a:p>
@@ -1284,7 +1284,7 @@
           <a:p>
             <a:fld id="{5BBEAD13-0566-4C6C-97E7-55F17F24B09F}" type="datetimeFigureOut">
               <a:rPr lang="zh-TW" altLang="en-US" smtClean="0"/>
-              <a:t>2020/1/18</a:t>
+              <a:t>2020/2/29</a:t>
             </a:fld>
             <a:endParaRPr lang="zh-TW" altLang="en-US"/>
           </a:p>
@@ -1459,7 +1459,7 @@
           <a:p>
             <a:fld id="{5BBEAD13-0566-4C6C-97E7-55F17F24B09F}" type="datetimeFigureOut">
               <a:rPr lang="zh-TW" altLang="en-US" smtClean="0"/>
-              <a:t>2020/1/18</a:t>
+              <a:t>2020/2/29</a:t>
             </a:fld>
             <a:endParaRPr lang="zh-TW" altLang="en-US"/>
           </a:p>
@@ -1624,7 +1624,7 @@
           <a:p>
             <a:fld id="{5BBEAD13-0566-4C6C-97E7-55F17F24B09F}" type="datetimeFigureOut">
               <a:rPr lang="zh-TW" altLang="en-US" smtClean="0"/>
-              <a:t>2020/1/18</a:t>
+              <a:t>2020/2/29</a:t>
             </a:fld>
             <a:endParaRPr lang="zh-TW" altLang="en-US"/>
           </a:p>
@@ -1865,7 +1865,7 @@
           <a:p>
             <a:fld id="{5BBEAD13-0566-4C6C-97E7-55F17F24B09F}" type="datetimeFigureOut">
               <a:rPr lang="zh-TW" altLang="en-US" smtClean="0"/>
-              <a:t>2020/1/18</a:t>
+              <a:t>2020/2/29</a:t>
             </a:fld>
             <a:endParaRPr lang="zh-TW" altLang="en-US"/>
           </a:p>
@@ -2148,7 +2148,7 @@
           <a:p>
             <a:fld id="{5BBEAD13-0566-4C6C-97E7-55F17F24B09F}" type="datetimeFigureOut">
               <a:rPr lang="zh-TW" altLang="en-US" smtClean="0"/>
-              <a:t>2020/1/18</a:t>
+              <a:t>2020/2/29</a:t>
             </a:fld>
             <a:endParaRPr lang="zh-TW" altLang="en-US"/>
           </a:p>
@@ -2565,7 +2565,7 @@
           <a:p>
             <a:fld id="{5BBEAD13-0566-4C6C-97E7-55F17F24B09F}" type="datetimeFigureOut">
               <a:rPr lang="zh-TW" altLang="en-US" smtClean="0"/>
-              <a:t>2020/1/18</a:t>
+              <a:t>2020/2/29</a:t>
             </a:fld>
             <a:endParaRPr lang="zh-TW" altLang="en-US"/>
           </a:p>
@@ -2678,7 +2678,7 @@
           <a:p>
             <a:fld id="{5BBEAD13-0566-4C6C-97E7-55F17F24B09F}" type="datetimeFigureOut">
               <a:rPr lang="zh-TW" altLang="en-US" smtClean="0"/>
-              <a:t>2020/1/18</a:t>
+              <a:t>2020/2/29</a:t>
             </a:fld>
             <a:endParaRPr lang="zh-TW" altLang="en-US"/>
           </a:p>
@@ -2768,7 +2768,7 @@
           <a:p>
             <a:fld id="{5BBEAD13-0566-4C6C-97E7-55F17F24B09F}" type="datetimeFigureOut">
               <a:rPr lang="zh-TW" altLang="en-US" smtClean="0"/>
-              <a:t>2020/1/18</a:t>
+              <a:t>2020/2/29</a:t>
             </a:fld>
             <a:endParaRPr lang="zh-TW" altLang="en-US"/>
           </a:p>
@@ -3040,7 +3040,7 @@
           <a:p>
             <a:fld id="{5BBEAD13-0566-4C6C-97E7-55F17F24B09F}" type="datetimeFigureOut">
               <a:rPr lang="zh-TW" altLang="en-US" smtClean="0"/>
-              <a:t>2020/1/18</a:t>
+              <a:t>2020/2/29</a:t>
             </a:fld>
             <a:endParaRPr lang="zh-TW" altLang="en-US"/>
           </a:p>
@@ -3292,7 +3292,7 @@
           <a:p>
             <a:fld id="{5BBEAD13-0566-4C6C-97E7-55F17F24B09F}" type="datetimeFigureOut">
               <a:rPr lang="zh-TW" altLang="en-US" smtClean="0"/>
-              <a:t>2020/1/18</a:t>
+              <a:t>2020/2/29</a:t>
             </a:fld>
             <a:endParaRPr lang="zh-TW" altLang="en-US"/>
           </a:p>
@@ -3505,7 +3505,7 @@
           <a:p>
             <a:fld id="{5BBEAD13-0566-4C6C-97E7-55F17F24B09F}" type="datetimeFigureOut">
               <a:rPr lang="zh-TW" altLang="en-US" smtClean="0"/>
-              <a:t>2020/1/18</a:t>
+              <a:t>2020/2/29</a:t>
             </a:fld>
             <a:endParaRPr lang="zh-TW" altLang="en-US"/>
           </a:p>
@@ -8363,7 +8363,7 @@
           </a:xfrm>
         </p:spPr>
         <p:txBody>
-          <a:bodyPr>
+          <a:bodyPr anchor="ctr">
             <a:normAutofit/>
           </a:bodyPr>
           <a:lstStyle/>

--- a/崇拜流程_version02.pptx
+++ b/崇拜流程_version02.pptx
@@ -243,7 +243,7 @@
           <a:p>
             <a:fld id="{2F30D4D0-EAC7-4980-A92D-C26C9148BA0F}" type="datetimeFigureOut">
               <a:rPr lang="zh-TW" altLang="en-US" smtClean="0"/>
-              <a:t>2020/2/29</a:t>
+              <a:t>2020/4/10</a:t>
             </a:fld>
             <a:endParaRPr lang="zh-TW" altLang="en-US"/>
           </a:p>
@@ -1119,7 +1119,7 @@
           <a:p>
             <a:fld id="{5BBEAD13-0566-4C6C-97E7-55F17F24B09F}" type="datetimeFigureOut">
               <a:rPr lang="zh-TW" altLang="en-US" smtClean="0"/>
-              <a:t>2020/2/29</a:t>
+              <a:t>2020/4/10</a:t>
             </a:fld>
             <a:endParaRPr lang="zh-TW" altLang="en-US"/>
           </a:p>
@@ -1284,7 +1284,7 @@
           <a:p>
             <a:fld id="{5BBEAD13-0566-4C6C-97E7-55F17F24B09F}" type="datetimeFigureOut">
               <a:rPr lang="zh-TW" altLang="en-US" smtClean="0"/>
-              <a:t>2020/2/29</a:t>
+              <a:t>2020/4/10</a:t>
             </a:fld>
             <a:endParaRPr lang="zh-TW" altLang="en-US"/>
           </a:p>
@@ -1459,7 +1459,7 @@
           <a:p>
             <a:fld id="{5BBEAD13-0566-4C6C-97E7-55F17F24B09F}" type="datetimeFigureOut">
               <a:rPr lang="zh-TW" altLang="en-US" smtClean="0"/>
-              <a:t>2020/2/29</a:t>
+              <a:t>2020/4/10</a:t>
             </a:fld>
             <a:endParaRPr lang="zh-TW" altLang="en-US"/>
           </a:p>
@@ -1624,7 +1624,7 @@
           <a:p>
             <a:fld id="{5BBEAD13-0566-4C6C-97E7-55F17F24B09F}" type="datetimeFigureOut">
               <a:rPr lang="zh-TW" altLang="en-US" smtClean="0"/>
-              <a:t>2020/2/29</a:t>
+              <a:t>2020/4/10</a:t>
             </a:fld>
             <a:endParaRPr lang="zh-TW" altLang="en-US"/>
           </a:p>
@@ -1865,7 +1865,7 @@
           <a:p>
             <a:fld id="{5BBEAD13-0566-4C6C-97E7-55F17F24B09F}" type="datetimeFigureOut">
               <a:rPr lang="zh-TW" altLang="en-US" smtClean="0"/>
-              <a:t>2020/2/29</a:t>
+              <a:t>2020/4/10</a:t>
             </a:fld>
             <a:endParaRPr lang="zh-TW" altLang="en-US"/>
           </a:p>
@@ -2148,7 +2148,7 @@
           <a:p>
             <a:fld id="{5BBEAD13-0566-4C6C-97E7-55F17F24B09F}" type="datetimeFigureOut">
               <a:rPr lang="zh-TW" altLang="en-US" smtClean="0"/>
-              <a:t>2020/2/29</a:t>
+              <a:t>2020/4/10</a:t>
             </a:fld>
             <a:endParaRPr lang="zh-TW" altLang="en-US"/>
           </a:p>
@@ -2565,7 +2565,7 @@
           <a:p>
             <a:fld id="{5BBEAD13-0566-4C6C-97E7-55F17F24B09F}" type="datetimeFigureOut">
               <a:rPr lang="zh-TW" altLang="en-US" smtClean="0"/>
-              <a:t>2020/2/29</a:t>
+              <a:t>2020/4/10</a:t>
             </a:fld>
             <a:endParaRPr lang="zh-TW" altLang="en-US"/>
           </a:p>
@@ -2678,7 +2678,7 @@
           <a:p>
             <a:fld id="{5BBEAD13-0566-4C6C-97E7-55F17F24B09F}" type="datetimeFigureOut">
               <a:rPr lang="zh-TW" altLang="en-US" smtClean="0"/>
-              <a:t>2020/2/29</a:t>
+              <a:t>2020/4/10</a:t>
             </a:fld>
             <a:endParaRPr lang="zh-TW" altLang="en-US"/>
           </a:p>
@@ -2768,7 +2768,7 @@
           <a:p>
             <a:fld id="{5BBEAD13-0566-4C6C-97E7-55F17F24B09F}" type="datetimeFigureOut">
               <a:rPr lang="zh-TW" altLang="en-US" smtClean="0"/>
-              <a:t>2020/2/29</a:t>
+              <a:t>2020/4/10</a:t>
             </a:fld>
             <a:endParaRPr lang="zh-TW" altLang="en-US"/>
           </a:p>
@@ -3040,7 +3040,7 @@
           <a:p>
             <a:fld id="{5BBEAD13-0566-4C6C-97E7-55F17F24B09F}" type="datetimeFigureOut">
               <a:rPr lang="zh-TW" altLang="en-US" smtClean="0"/>
-              <a:t>2020/2/29</a:t>
+              <a:t>2020/4/10</a:t>
             </a:fld>
             <a:endParaRPr lang="zh-TW" altLang="en-US"/>
           </a:p>
@@ -3292,7 +3292,7 @@
           <a:p>
             <a:fld id="{5BBEAD13-0566-4C6C-97E7-55F17F24B09F}" type="datetimeFigureOut">
               <a:rPr lang="zh-TW" altLang="en-US" smtClean="0"/>
-              <a:t>2020/2/29</a:t>
+              <a:t>2020/4/10</a:t>
             </a:fld>
             <a:endParaRPr lang="zh-TW" altLang="en-US"/>
           </a:p>
@@ -3505,7 +3505,7 @@
           <a:p>
             <a:fld id="{5BBEAD13-0566-4C6C-97E7-55F17F24B09F}" type="datetimeFigureOut">
               <a:rPr lang="zh-TW" altLang="en-US" smtClean="0"/>
-              <a:t>2020/2/29</a:t>
+              <a:t>2020/4/10</a:t>
             </a:fld>
             <a:endParaRPr lang="zh-TW" altLang="en-US"/>
           </a:p>
@@ -8358,7 +8358,7 @@
         </p:nvSpPr>
         <p:spPr>
           <a:xfrm>
-            <a:off x="0" y="1707654"/>
+            <a:off x="0" y="1563638"/>
             <a:ext cx="9144000" cy="1803647"/>
           </a:xfrm>
         </p:spPr>

--- a/崇拜流程_version02.pptx
+++ b/崇拜流程_version02.pptx
@@ -243,7 +243,7 @@
           <a:p>
             <a:fld id="{2F30D4D0-EAC7-4980-A92D-C26C9148BA0F}" type="datetimeFigureOut">
               <a:rPr lang="zh-TW" altLang="en-US" smtClean="0"/>
-              <a:t>2020/4/10</a:t>
+              <a:t>2020/5/1</a:t>
             </a:fld>
             <a:endParaRPr lang="zh-TW" altLang="en-US"/>
           </a:p>
@@ -1119,7 +1119,7 @@
           <a:p>
             <a:fld id="{5BBEAD13-0566-4C6C-97E7-55F17F24B09F}" type="datetimeFigureOut">
               <a:rPr lang="zh-TW" altLang="en-US" smtClean="0"/>
-              <a:t>2020/4/10</a:t>
+              <a:t>2020/5/1</a:t>
             </a:fld>
             <a:endParaRPr lang="zh-TW" altLang="en-US"/>
           </a:p>
@@ -1284,7 +1284,7 @@
           <a:p>
             <a:fld id="{5BBEAD13-0566-4C6C-97E7-55F17F24B09F}" type="datetimeFigureOut">
               <a:rPr lang="zh-TW" altLang="en-US" smtClean="0"/>
-              <a:t>2020/4/10</a:t>
+              <a:t>2020/5/1</a:t>
             </a:fld>
             <a:endParaRPr lang="zh-TW" altLang="en-US"/>
           </a:p>
@@ -1459,7 +1459,7 @@
           <a:p>
             <a:fld id="{5BBEAD13-0566-4C6C-97E7-55F17F24B09F}" type="datetimeFigureOut">
               <a:rPr lang="zh-TW" altLang="en-US" smtClean="0"/>
-              <a:t>2020/4/10</a:t>
+              <a:t>2020/5/1</a:t>
             </a:fld>
             <a:endParaRPr lang="zh-TW" altLang="en-US"/>
           </a:p>
@@ -1624,7 +1624,7 @@
           <a:p>
             <a:fld id="{5BBEAD13-0566-4C6C-97E7-55F17F24B09F}" type="datetimeFigureOut">
               <a:rPr lang="zh-TW" altLang="en-US" smtClean="0"/>
-              <a:t>2020/4/10</a:t>
+              <a:t>2020/5/1</a:t>
             </a:fld>
             <a:endParaRPr lang="zh-TW" altLang="en-US"/>
           </a:p>
@@ -1865,7 +1865,7 @@
           <a:p>
             <a:fld id="{5BBEAD13-0566-4C6C-97E7-55F17F24B09F}" type="datetimeFigureOut">
               <a:rPr lang="zh-TW" altLang="en-US" smtClean="0"/>
-              <a:t>2020/4/10</a:t>
+              <a:t>2020/5/1</a:t>
             </a:fld>
             <a:endParaRPr lang="zh-TW" altLang="en-US"/>
           </a:p>
@@ -2148,7 +2148,7 @@
           <a:p>
             <a:fld id="{5BBEAD13-0566-4C6C-97E7-55F17F24B09F}" type="datetimeFigureOut">
               <a:rPr lang="zh-TW" altLang="en-US" smtClean="0"/>
-              <a:t>2020/4/10</a:t>
+              <a:t>2020/5/1</a:t>
             </a:fld>
             <a:endParaRPr lang="zh-TW" altLang="en-US"/>
           </a:p>
@@ -2565,7 +2565,7 @@
           <a:p>
             <a:fld id="{5BBEAD13-0566-4C6C-97E7-55F17F24B09F}" type="datetimeFigureOut">
               <a:rPr lang="zh-TW" altLang="en-US" smtClean="0"/>
-              <a:t>2020/4/10</a:t>
+              <a:t>2020/5/1</a:t>
             </a:fld>
             <a:endParaRPr lang="zh-TW" altLang="en-US"/>
           </a:p>
@@ -2678,7 +2678,7 @@
           <a:p>
             <a:fld id="{5BBEAD13-0566-4C6C-97E7-55F17F24B09F}" type="datetimeFigureOut">
               <a:rPr lang="zh-TW" altLang="en-US" smtClean="0"/>
-              <a:t>2020/4/10</a:t>
+              <a:t>2020/5/1</a:t>
             </a:fld>
             <a:endParaRPr lang="zh-TW" altLang="en-US"/>
           </a:p>
@@ -2768,7 +2768,7 @@
           <a:p>
             <a:fld id="{5BBEAD13-0566-4C6C-97E7-55F17F24B09F}" type="datetimeFigureOut">
               <a:rPr lang="zh-TW" altLang="en-US" smtClean="0"/>
-              <a:t>2020/4/10</a:t>
+              <a:t>2020/5/1</a:t>
             </a:fld>
             <a:endParaRPr lang="zh-TW" altLang="en-US"/>
           </a:p>
@@ -3040,7 +3040,7 @@
           <a:p>
             <a:fld id="{5BBEAD13-0566-4C6C-97E7-55F17F24B09F}" type="datetimeFigureOut">
               <a:rPr lang="zh-TW" altLang="en-US" smtClean="0"/>
-              <a:t>2020/4/10</a:t>
+              <a:t>2020/5/1</a:t>
             </a:fld>
             <a:endParaRPr lang="zh-TW" altLang="en-US"/>
           </a:p>
@@ -3292,7 +3292,7 @@
           <a:p>
             <a:fld id="{5BBEAD13-0566-4C6C-97E7-55F17F24B09F}" type="datetimeFigureOut">
               <a:rPr lang="zh-TW" altLang="en-US" smtClean="0"/>
-              <a:t>2020/4/10</a:t>
+              <a:t>2020/5/1</a:t>
             </a:fld>
             <a:endParaRPr lang="zh-TW" altLang="en-US"/>
           </a:p>
@@ -3505,7 +3505,7 @@
           <a:p>
             <a:fld id="{5BBEAD13-0566-4C6C-97E7-55F17F24B09F}" type="datetimeFigureOut">
               <a:rPr lang="zh-TW" altLang="en-US" smtClean="0"/>
-              <a:t>2020/4/10</a:t>
+              <a:t>2020/5/1</a:t>
             </a:fld>
             <a:endParaRPr lang="zh-TW" altLang="en-US"/>
           </a:p>
@@ -5479,7 +5479,7 @@
               </a:spcBef>
             </a:pPr>
             <a:r>
-              <a:rPr lang="zh-CN" altLang="en-US" sz="4800" b="1" dirty="0" smtClean="0">
+              <a:rPr lang="zh-CN" altLang="en-US" sz="5400" b="1" i="1" dirty="0" smtClean="0">
                 <a:solidFill>
                   <a:srgbClr val="000066"/>
                 </a:solidFill>
@@ -5494,7 +5494,43 @@
                 <a:ea typeface="微軟正黑體" pitchFamily="34" charset="-120"/>
                 <a:cs typeface="+mj-cs"/>
               </a:rPr>
-              <a:t>黃德光傳道</a:t>
+              <a:t>黃德光</a:t>
+            </a:r>
+            <a:r>
+              <a:rPr lang="zh-CN" altLang="en-US" sz="4800" b="1" dirty="0" smtClean="0">
+                <a:solidFill>
+                  <a:srgbClr val="000066"/>
+                </a:solidFill>
+                <a:effectLst>
+                  <a:outerShdw blurRad="38100" dist="38100" dir="2700000" algn="tl">
+                    <a:srgbClr val="000000">
+                      <a:alpha val="43137"/>
+                    </a:srgbClr>
+                  </a:outerShdw>
+                </a:effectLst>
+                <a:latin typeface="微軟正黑體" pitchFamily="34" charset="-120"/>
+                <a:ea typeface="微軟正黑體" pitchFamily="34" charset="-120"/>
+                <a:cs typeface="+mj-cs"/>
+              </a:rPr>
+              <a:t> </a:t>
+            </a:r>
+            <a:r>
+              <a:rPr lang="zh-CN" altLang="en-US" sz="4000" b="1" dirty="0" smtClean="0">
+                <a:solidFill>
+                  <a:srgbClr val="000066"/>
+                </a:solidFill>
+                <a:effectLst>
+                  <a:outerShdw blurRad="38100" dist="38100" dir="2700000" algn="tl">
+                    <a:srgbClr val="000000">
+                      <a:alpha val="43137"/>
+                    </a:srgbClr>
+                  </a:outerShdw>
+                </a:effectLst>
+                <a:latin typeface="微軟正黑體" pitchFamily="34" charset="-120"/>
+                <a:ea typeface="微軟正黑體" pitchFamily="34" charset="-120"/>
+                <a:cs typeface="+mj-cs"/>
+              </a:rPr>
+              <a:t>傳道</a:t>
             </a:r>
             <a:endParaRPr lang="zh-TW" altLang="en-US" sz="4800" b="1" dirty="0">
               <a:solidFill>
@@ -7260,7 +7296,7 @@
         </p:nvSpPr>
         <p:spPr>
           <a:xfrm>
-            <a:off x="0" y="1779662"/>
+            <a:off x="0" y="1635646"/>
             <a:ext cx="9144000" cy="628650"/>
           </a:xfrm>
         </p:spPr>
@@ -7439,8 +7475,8 @@
         </p:nvSpPr>
         <p:spPr>
           <a:xfrm>
-            <a:off x="-6724" y="1728103"/>
-            <a:ext cx="9144000" cy="830997"/>
+            <a:off x="0" y="1570336"/>
+            <a:ext cx="9144000" cy="923330"/>
           </a:xfrm>
           <a:prstGeom prst="rect">
             <a:avLst/>
@@ -7454,7 +7490,7 @@
           <a:p>
             <a:pPr algn="ctr"/>
             <a:r>
-              <a:rPr lang="zh-CN" altLang="en-US" sz="4800" b="1" dirty="0" smtClean="0">
+              <a:rPr lang="zh-CN" altLang="en-US" sz="5400" b="1" dirty="0" smtClean="0">
                 <a:solidFill>
                   <a:srgbClr val="000066"/>
                 </a:solidFill>
@@ -7471,7 +7507,7 @@
               </a:rPr>
               <a:t>聚會祝福歌</a:t>
             </a:r>
-            <a:endParaRPr lang="zh-TW" altLang="en-US" sz="4800" b="1" dirty="0" smtClean="0">
+            <a:endParaRPr lang="zh-TW" altLang="en-US" sz="5400" b="1" dirty="0" smtClean="0">
               <a:solidFill>
                 <a:srgbClr val="000066"/>
               </a:solidFill>
@@ -7497,7 +7533,7 @@
         </p:nvSpPr>
         <p:spPr>
           <a:xfrm>
-            <a:off x="0" y="2376175"/>
+            <a:off x="0" y="2435611"/>
             <a:ext cx="9144000" cy="964405"/>
           </a:xfrm>
           <a:prstGeom prst="rect">
@@ -7527,7 +7563,7 @@
               <a:defRPr/>
             </a:pPr>
             <a:r>
-              <a:rPr kumimoji="0" lang="zh-CN" altLang="en-US" sz="4400" b="1" i="0" u="none" strike="noStrike" kern="1200" cap="none" spc="0" normalizeH="0" baseline="0" noProof="0" dirty="0" smtClean="0">
+              <a:rPr kumimoji="0" lang="zh-CN" altLang="en-US" sz="4800" b="1" i="0" u="none" strike="noStrike" kern="1200" cap="none" spc="0" normalizeH="0" baseline="0" noProof="0" dirty="0" smtClean="0">
                 <a:ln>
                   <a:noFill/>
                 </a:ln>
@@ -7549,7 +7585,7 @@
               </a:rPr>
               <a:t>本堂牧師領詩班退堂</a:t>
             </a:r>
-            <a:endParaRPr kumimoji="0" lang="zh-TW" altLang="en-US" sz="4400" b="1" i="0" u="none" strike="noStrike" kern="1200" cap="none" spc="0" normalizeH="0" baseline="0" noProof="0" dirty="0">
+            <a:endParaRPr kumimoji="0" lang="zh-TW" altLang="en-US" sz="4800" b="1" i="0" u="none" strike="noStrike" kern="1200" cap="none" spc="0" normalizeH="0" baseline="0" noProof="0" dirty="0">
               <a:ln>
                 <a:noFill/>
               </a:ln>

--- a/崇拜流程_version02.pptx
+++ b/崇拜流程_version02.pptx
@@ -243,7 +243,7 @@
           <a:p>
             <a:fld id="{2F30D4D0-EAC7-4980-A92D-C26C9148BA0F}" type="datetimeFigureOut">
               <a:rPr lang="zh-TW" altLang="en-US" smtClean="0"/>
-              <a:t>2020/5/1</a:t>
+              <a:t>2020/5/9</a:t>
             </a:fld>
             <a:endParaRPr lang="zh-TW" altLang="en-US"/>
           </a:p>
@@ -1119,7 +1119,7 @@
           <a:p>
             <a:fld id="{5BBEAD13-0566-4C6C-97E7-55F17F24B09F}" type="datetimeFigureOut">
               <a:rPr lang="zh-TW" altLang="en-US" smtClean="0"/>
-              <a:t>2020/5/1</a:t>
+              <a:t>2020/5/9</a:t>
             </a:fld>
             <a:endParaRPr lang="zh-TW" altLang="en-US"/>
           </a:p>
@@ -1284,7 +1284,7 @@
           <a:p>
             <a:fld id="{5BBEAD13-0566-4C6C-97E7-55F17F24B09F}" type="datetimeFigureOut">
               <a:rPr lang="zh-TW" altLang="en-US" smtClean="0"/>
-              <a:t>2020/5/1</a:t>
+              <a:t>2020/5/9</a:t>
             </a:fld>
             <a:endParaRPr lang="zh-TW" altLang="en-US"/>
           </a:p>
@@ -1459,7 +1459,7 @@
           <a:p>
             <a:fld id="{5BBEAD13-0566-4C6C-97E7-55F17F24B09F}" type="datetimeFigureOut">
               <a:rPr lang="zh-TW" altLang="en-US" smtClean="0"/>
-              <a:t>2020/5/1</a:t>
+              <a:t>2020/5/9</a:t>
             </a:fld>
             <a:endParaRPr lang="zh-TW" altLang="en-US"/>
           </a:p>
@@ -1624,7 +1624,7 @@
           <a:p>
             <a:fld id="{5BBEAD13-0566-4C6C-97E7-55F17F24B09F}" type="datetimeFigureOut">
               <a:rPr lang="zh-TW" altLang="en-US" smtClean="0"/>
-              <a:t>2020/5/1</a:t>
+              <a:t>2020/5/9</a:t>
             </a:fld>
             <a:endParaRPr lang="zh-TW" altLang="en-US"/>
           </a:p>
@@ -1865,7 +1865,7 @@
           <a:p>
             <a:fld id="{5BBEAD13-0566-4C6C-97E7-55F17F24B09F}" type="datetimeFigureOut">
               <a:rPr lang="zh-TW" altLang="en-US" smtClean="0"/>
-              <a:t>2020/5/1</a:t>
+              <a:t>2020/5/9</a:t>
             </a:fld>
             <a:endParaRPr lang="zh-TW" altLang="en-US"/>
           </a:p>
@@ -2148,7 +2148,7 @@
           <a:p>
             <a:fld id="{5BBEAD13-0566-4C6C-97E7-55F17F24B09F}" type="datetimeFigureOut">
               <a:rPr lang="zh-TW" altLang="en-US" smtClean="0"/>
-              <a:t>2020/5/1</a:t>
+              <a:t>2020/5/9</a:t>
             </a:fld>
             <a:endParaRPr lang="zh-TW" altLang="en-US"/>
           </a:p>
@@ -2565,7 +2565,7 @@
           <a:p>
             <a:fld id="{5BBEAD13-0566-4C6C-97E7-55F17F24B09F}" type="datetimeFigureOut">
               <a:rPr lang="zh-TW" altLang="en-US" smtClean="0"/>
-              <a:t>2020/5/1</a:t>
+              <a:t>2020/5/9</a:t>
             </a:fld>
             <a:endParaRPr lang="zh-TW" altLang="en-US"/>
           </a:p>
@@ -2678,7 +2678,7 @@
           <a:p>
             <a:fld id="{5BBEAD13-0566-4C6C-97E7-55F17F24B09F}" type="datetimeFigureOut">
               <a:rPr lang="zh-TW" altLang="en-US" smtClean="0"/>
-              <a:t>2020/5/1</a:t>
+              <a:t>2020/5/9</a:t>
             </a:fld>
             <a:endParaRPr lang="zh-TW" altLang="en-US"/>
           </a:p>
@@ -2768,7 +2768,7 @@
           <a:p>
             <a:fld id="{5BBEAD13-0566-4C6C-97E7-55F17F24B09F}" type="datetimeFigureOut">
               <a:rPr lang="zh-TW" altLang="en-US" smtClean="0"/>
-              <a:t>2020/5/1</a:t>
+              <a:t>2020/5/9</a:t>
             </a:fld>
             <a:endParaRPr lang="zh-TW" altLang="en-US"/>
           </a:p>
@@ -3040,7 +3040,7 @@
           <a:p>
             <a:fld id="{5BBEAD13-0566-4C6C-97E7-55F17F24B09F}" type="datetimeFigureOut">
               <a:rPr lang="zh-TW" altLang="en-US" smtClean="0"/>
-              <a:t>2020/5/1</a:t>
+              <a:t>2020/5/9</a:t>
             </a:fld>
             <a:endParaRPr lang="zh-TW" altLang="en-US"/>
           </a:p>
@@ -3292,7 +3292,7 @@
           <a:p>
             <a:fld id="{5BBEAD13-0566-4C6C-97E7-55F17F24B09F}" type="datetimeFigureOut">
               <a:rPr lang="zh-TW" altLang="en-US" smtClean="0"/>
-              <a:t>2020/5/1</a:t>
+              <a:t>2020/5/9</a:t>
             </a:fld>
             <a:endParaRPr lang="zh-TW" altLang="en-US"/>
           </a:p>
@@ -3505,7 +3505,7 @@
           <a:p>
             <a:fld id="{5BBEAD13-0566-4C6C-97E7-55F17F24B09F}" type="datetimeFigureOut">
               <a:rPr lang="zh-TW" altLang="en-US" smtClean="0"/>
-              <a:t>2020/5/1</a:t>
+              <a:t>2020/5/9</a:t>
             </a:fld>
             <a:endParaRPr lang="zh-TW" altLang="en-US"/>
           </a:p>
@@ -5479,7 +5479,7 @@
               </a:spcBef>
             </a:pPr>
             <a:r>
-              <a:rPr lang="zh-CN" altLang="en-US" sz="5400" b="1" i="1" dirty="0" smtClean="0">
+              <a:rPr lang="zh-CN" altLang="en-US" sz="5400" b="1" dirty="0" smtClean="0">
                 <a:solidFill>
                   <a:srgbClr val="000066"/>
                 </a:solidFill>
@@ -5633,6 +5633,68 @@
             <a:endParaRPr lang="zh-TW" altLang="en-US" sz="6000" b="1" dirty="0">
               <a:solidFill>
                 <a:srgbClr val="660033"/>
+              </a:solidFill>
+              <a:effectLst>
+                <a:outerShdw blurRad="38100" dist="38100" dir="2700000" algn="tl">
+                  <a:srgbClr val="000000">
+                    <a:alpha val="43137"/>
+                  </a:srgbClr>
+                </a:outerShdw>
+              </a:effectLst>
+              <a:latin typeface="微軟正黑體" pitchFamily="34" charset="-120"/>
+              <a:ea typeface="微軟正黑體" pitchFamily="34" charset="-120"/>
+              <a:cs typeface="+mj-cs"/>
+            </a:endParaRPr>
+          </a:p>
+        </p:txBody>
+      </p:sp>
+      <p:sp>
+        <p:nvSpPr>
+          <p:cNvPr id="6" name="標題 1"/>
+          <p:cNvSpPr txBox="1"/>
+          <p:nvPr/>
+        </p:nvSpPr>
+        <p:spPr>
+          <a:xfrm>
+            <a:off x="0" y="4415572"/>
+            <a:ext cx="9144000" cy="628650"/>
+          </a:xfrm>
+          <a:prstGeom prst="rect">
+            <a:avLst/>
+          </a:prstGeom>
+        </p:spPr>
+        <p:txBody>
+          <a:bodyPr anchor="ctr">
+            <a:noAutofit/>
+          </a:bodyPr>
+          <a:lstStyle/>
+          <a:p>
+            <a:pPr lvl="0" algn="ctr">
+              <a:spcBef>
+                <a:spcPct val="0"/>
+              </a:spcBef>
+            </a:pPr>
+            <a:r>
+              <a:rPr lang="zh-CN" altLang="en-US" sz="4800" b="1" smtClean="0">
+                <a:solidFill>
+                  <a:srgbClr val="000066"/>
+                </a:solidFill>
+                <a:effectLst>
+                  <a:outerShdw blurRad="38100" dist="38100" dir="2700000" algn="tl">
+                    <a:srgbClr val="000000">
+                      <a:alpha val="43137"/>
+                    </a:srgbClr>
+                  </a:outerShdw>
+                </a:effectLst>
+                <a:latin typeface="微軟正黑體" pitchFamily="34" charset="-120"/>
+                <a:ea typeface="微軟正黑體" pitchFamily="34" charset="-120"/>
+                <a:cs typeface="+mj-cs"/>
+              </a:rPr>
+              <a:t>主任牧師</a:t>
+            </a:r>
+            <a:endParaRPr lang="zh-TW" altLang="en-US" sz="4800" b="1" dirty="0">
+              <a:solidFill>
+                <a:srgbClr val="000066"/>
               </a:solidFill>
               <a:effectLst>
                 <a:outerShdw blurRad="38100" dist="38100" dir="2700000" algn="tl">

--- a/崇拜流程_version02.pptx
+++ b/崇拜流程_version02.pptx
@@ -243,7 +243,7 @@
           <a:p>
             <a:fld id="{2F30D4D0-EAC7-4980-A92D-C26C9148BA0F}" type="datetimeFigureOut">
               <a:rPr lang="zh-TW" altLang="en-US" smtClean="0"/>
-              <a:t>2020/5/9</a:t>
+              <a:t>2020/5/16</a:t>
             </a:fld>
             <a:endParaRPr lang="zh-TW" altLang="en-US"/>
           </a:p>
@@ -1119,7 +1119,7 @@
           <a:p>
             <a:fld id="{5BBEAD13-0566-4C6C-97E7-55F17F24B09F}" type="datetimeFigureOut">
               <a:rPr lang="zh-TW" altLang="en-US" smtClean="0"/>
-              <a:t>2020/5/9</a:t>
+              <a:t>2020/5/16</a:t>
             </a:fld>
             <a:endParaRPr lang="zh-TW" altLang="en-US"/>
           </a:p>
@@ -1284,7 +1284,7 @@
           <a:p>
             <a:fld id="{5BBEAD13-0566-4C6C-97E7-55F17F24B09F}" type="datetimeFigureOut">
               <a:rPr lang="zh-TW" altLang="en-US" smtClean="0"/>
-              <a:t>2020/5/9</a:t>
+              <a:t>2020/5/16</a:t>
             </a:fld>
             <a:endParaRPr lang="zh-TW" altLang="en-US"/>
           </a:p>
@@ -1459,7 +1459,7 @@
           <a:p>
             <a:fld id="{5BBEAD13-0566-4C6C-97E7-55F17F24B09F}" type="datetimeFigureOut">
               <a:rPr lang="zh-TW" altLang="en-US" smtClean="0"/>
-              <a:t>2020/5/9</a:t>
+              <a:t>2020/5/16</a:t>
             </a:fld>
             <a:endParaRPr lang="zh-TW" altLang="en-US"/>
           </a:p>
@@ -1624,7 +1624,7 @@
           <a:p>
             <a:fld id="{5BBEAD13-0566-4C6C-97E7-55F17F24B09F}" type="datetimeFigureOut">
               <a:rPr lang="zh-TW" altLang="en-US" smtClean="0"/>
-              <a:t>2020/5/9</a:t>
+              <a:t>2020/5/16</a:t>
             </a:fld>
             <a:endParaRPr lang="zh-TW" altLang="en-US"/>
           </a:p>
@@ -1865,7 +1865,7 @@
           <a:p>
             <a:fld id="{5BBEAD13-0566-4C6C-97E7-55F17F24B09F}" type="datetimeFigureOut">
               <a:rPr lang="zh-TW" altLang="en-US" smtClean="0"/>
-              <a:t>2020/5/9</a:t>
+              <a:t>2020/5/16</a:t>
             </a:fld>
             <a:endParaRPr lang="zh-TW" altLang="en-US"/>
           </a:p>
@@ -2148,7 +2148,7 @@
           <a:p>
             <a:fld id="{5BBEAD13-0566-4C6C-97E7-55F17F24B09F}" type="datetimeFigureOut">
               <a:rPr lang="zh-TW" altLang="en-US" smtClean="0"/>
-              <a:t>2020/5/9</a:t>
+              <a:t>2020/5/16</a:t>
             </a:fld>
             <a:endParaRPr lang="zh-TW" altLang="en-US"/>
           </a:p>
@@ -2565,7 +2565,7 @@
           <a:p>
             <a:fld id="{5BBEAD13-0566-4C6C-97E7-55F17F24B09F}" type="datetimeFigureOut">
               <a:rPr lang="zh-TW" altLang="en-US" smtClean="0"/>
-              <a:t>2020/5/9</a:t>
+              <a:t>2020/5/16</a:t>
             </a:fld>
             <a:endParaRPr lang="zh-TW" altLang="en-US"/>
           </a:p>
@@ -2678,7 +2678,7 @@
           <a:p>
             <a:fld id="{5BBEAD13-0566-4C6C-97E7-55F17F24B09F}" type="datetimeFigureOut">
               <a:rPr lang="zh-TW" altLang="en-US" smtClean="0"/>
-              <a:t>2020/5/9</a:t>
+              <a:t>2020/5/16</a:t>
             </a:fld>
             <a:endParaRPr lang="zh-TW" altLang="en-US"/>
           </a:p>
@@ -2768,7 +2768,7 @@
           <a:p>
             <a:fld id="{5BBEAD13-0566-4C6C-97E7-55F17F24B09F}" type="datetimeFigureOut">
               <a:rPr lang="zh-TW" altLang="en-US" smtClean="0"/>
-              <a:t>2020/5/9</a:t>
+              <a:t>2020/5/16</a:t>
             </a:fld>
             <a:endParaRPr lang="zh-TW" altLang="en-US"/>
           </a:p>
@@ -3040,7 +3040,7 @@
           <a:p>
             <a:fld id="{5BBEAD13-0566-4C6C-97E7-55F17F24B09F}" type="datetimeFigureOut">
               <a:rPr lang="zh-TW" altLang="en-US" smtClean="0"/>
-              <a:t>2020/5/9</a:t>
+              <a:t>2020/5/16</a:t>
             </a:fld>
             <a:endParaRPr lang="zh-TW" altLang="en-US"/>
           </a:p>
@@ -3292,7 +3292,7 @@
           <a:p>
             <a:fld id="{5BBEAD13-0566-4C6C-97E7-55F17F24B09F}" type="datetimeFigureOut">
               <a:rPr lang="zh-TW" altLang="en-US" smtClean="0"/>
-              <a:t>2020/5/9</a:t>
+              <a:t>2020/5/16</a:t>
             </a:fld>
             <a:endParaRPr lang="zh-TW" altLang="en-US"/>
           </a:p>
@@ -3505,7 +3505,7 @@
           <a:p>
             <a:fld id="{5BBEAD13-0566-4C6C-97E7-55F17F24B09F}" type="datetimeFigureOut">
               <a:rPr lang="zh-TW" altLang="en-US" smtClean="0"/>
-              <a:t>2020/5/9</a:t>
+              <a:t>2020/5/16</a:t>
             </a:fld>
             <a:endParaRPr lang="zh-TW" altLang="en-US"/>
           </a:p>
@@ -3981,7 +3981,7 @@
           </a:xfrm>
         </p:spPr>
         <p:txBody>
-          <a:bodyPr>
+          <a:bodyPr anchor="ctr">
             <a:normAutofit/>
           </a:bodyPr>
           <a:lstStyle/>
@@ -4575,7 +4575,7 @@
           </a:xfrm>
         </p:spPr>
         <p:txBody>
-          <a:bodyPr>
+          <a:bodyPr anchor="ctr">
             <a:noAutofit/>
           </a:bodyPr>
           <a:lstStyle/>
@@ -4889,7 +4889,7 @@
           </a:xfrm>
         </p:spPr>
         <p:txBody>
-          <a:bodyPr>
+          <a:bodyPr anchor="ctr">
             <a:noAutofit/>
           </a:bodyPr>
           <a:lstStyle/>
@@ -5293,7 +5293,7 @@
           </a:xfrm>
         </p:spPr>
         <p:txBody>
-          <a:bodyPr>
+          <a:bodyPr anchor="ctr">
             <a:noAutofit/>
           </a:bodyPr>
           <a:lstStyle/>

--- a/崇拜流程_version02.pptx
+++ b/崇拜流程_version02.pptx
@@ -5,7 +5,7 @@
     <p:sldMasterId id="2147483648" r:id="rId1"/>
   </p:sldMasterIdLst>
   <p:notesMasterIdLst>
-    <p:notesMasterId r:id="rId33"/>
+    <p:notesMasterId r:id="rId31"/>
   </p:notesMasterIdLst>
   <p:sldIdLst>
     <p:sldId id="322" r:id="rId2"/>
@@ -20,25 +20,23 @@
     <p:sldId id="371" r:id="rId11"/>
     <p:sldId id="261" r:id="rId12"/>
     <p:sldId id="332" r:id="rId13"/>
-    <p:sldId id="391" r:id="rId14"/>
-    <p:sldId id="392" r:id="rId15"/>
-    <p:sldId id="393" r:id="rId16"/>
-    <p:sldId id="281" r:id="rId17"/>
-    <p:sldId id="382" r:id="rId18"/>
-    <p:sldId id="282" r:id="rId19"/>
-    <p:sldId id="264" r:id="rId20"/>
-    <p:sldId id="265" r:id="rId21"/>
-    <p:sldId id="394" r:id="rId22"/>
-    <p:sldId id="267" r:id="rId23"/>
-    <p:sldId id="272" r:id="rId24"/>
-    <p:sldId id="319" r:id="rId25"/>
-    <p:sldId id="320" r:id="rId26"/>
-    <p:sldId id="321" r:id="rId27"/>
-    <p:sldId id="270" r:id="rId28"/>
-    <p:sldId id="291" r:id="rId29"/>
-    <p:sldId id="286" r:id="rId30"/>
-    <p:sldId id="287" r:id="rId31"/>
-    <p:sldId id="288" r:id="rId32"/>
+    <p:sldId id="281" r:id="rId14"/>
+    <p:sldId id="382" r:id="rId15"/>
+    <p:sldId id="282" r:id="rId16"/>
+    <p:sldId id="264" r:id="rId17"/>
+    <p:sldId id="265" r:id="rId18"/>
+    <p:sldId id="391" r:id="rId19"/>
+    <p:sldId id="392" r:id="rId20"/>
+    <p:sldId id="267" r:id="rId21"/>
+    <p:sldId id="272" r:id="rId22"/>
+    <p:sldId id="319" r:id="rId23"/>
+    <p:sldId id="320" r:id="rId24"/>
+    <p:sldId id="321" r:id="rId25"/>
+    <p:sldId id="270" r:id="rId26"/>
+    <p:sldId id="291" r:id="rId27"/>
+    <p:sldId id="286" r:id="rId28"/>
+    <p:sldId id="287" r:id="rId29"/>
+    <p:sldId id="288" r:id="rId30"/>
   </p:sldIdLst>
   <p:sldSz cx="9144000" cy="5143500" type="screen16x9"/>
   <p:notesSz cx="6858000" cy="9144000"/>
@@ -243,7 +241,7 @@
           <a:p>
             <a:fld id="{2F30D4D0-EAC7-4980-A92D-C26C9148BA0F}" type="datetimeFigureOut">
               <a:rPr lang="zh-TW" altLang="en-US" smtClean="0"/>
-              <a:t>2020/5/16</a:t>
+              <a:t>2020/9/12</a:t>
             </a:fld>
             <a:endParaRPr lang="zh-TW" altLang="en-US"/>
           </a:p>
@@ -838,93 +836,7 @@
           <a:p>
             <a:fld id="{B580EBF6-10F3-448A-BB9E-552AD095990F}" type="slidenum">
               <a:rPr lang="zh-TW" altLang="en-US" smtClean="0"/>
-              <a:t>13</a:t>
-            </a:fld>
-            <a:endParaRPr lang="zh-TW" altLang="en-US"/>
-          </a:p>
-        </p:txBody>
-      </p:sp>
-    </p:spTree>
-  </p:cSld>
-  <p:clrMapOvr>
-    <a:masterClrMapping/>
-  </p:clrMapOvr>
-</p:notes>
-</file>
-
-<file path=ppt/notesSlides/notesSlide5.xml><?xml version="1.0" encoding="utf-8"?>
-<p:notes xmlns:a="http://schemas.openxmlformats.org/drawingml/2006/main" xmlns:r="http://schemas.openxmlformats.org/officeDocument/2006/relationships" xmlns:p="http://schemas.openxmlformats.org/presentationml/2006/main">
-  <p:cSld>
-    <p:spTree>
-      <p:nvGrpSpPr>
-        <p:cNvPr id="1" name=""/>
-        <p:cNvGrpSpPr/>
-        <p:nvPr/>
-      </p:nvGrpSpPr>
-      <p:grpSpPr>
-        <a:xfrm>
-          <a:off x="0" y="0"/>
-          <a:ext cx="0" cy="0"/>
-          <a:chOff x="0" y="0"/>
-          <a:chExt cx="0" cy="0"/>
-        </a:xfrm>
-      </p:grpSpPr>
-      <p:sp>
-        <p:nvSpPr>
-          <p:cNvPr id="2" name="投影片圖像版面配置區 1"/>
-          <p:cNvSpPr>
-            <a:spLocks noGrp="1" noRot="1" noChangeAspect="1"/>
-          </p:cNvSpPr>
-          <p:nvPr>
-            <p:ph type="sldImg"/>
-          </p:nvPr>
-        </p:nvSpPr>
-        <p:spPr>
-          <a:xfrm>
-            <a:off x="381000" y="685800"/>
-            <a:ext cx="6096000" cy="3429000"/>
-          </a:xfrm>
-        </p:spPr>
-      </p:sp>
-      <p:sp>
-        <p:nvSpPr>
-          <p:cNvPr id="3" name="備忘稿版面配置區 2"/>
-          <p:cNvSpPr>
-            <a:spLocks noGrp="1"/>
-          </p:cNvSpPr>
-          <p:nvPr>
-            <p:ph type="body" idx="1"/>
-          </p:nvPr>
-        </p:nvSpPr>
-        <p:spPr/>
-        <p:txBody>
-          <a:bodyPr>
-            <a:normAutofit/>
-          </a:bodyPr>
-          <a:lstStyle/>
-          <a:p>
-            <a:endParaRPr lang="zh-TW" altLang="en-US" dirty="0"/>
-          </a:p>
-        </p:txBody>
-      </p:sp>
-      <p:sp>
-        <p:nvSpPr>
-          <p:cNvPr id="4" name="投影片編號版面配置區 3"/>
-          <p:cNvSpPr>
-            <a:spLocks noGrp="1"/>
-          </p:cNvSpPr>
-          <p:nvPr>
-            <p:ph type="sldNum" sz="quarter" idx="10"/>
-          </p:nvPr>
-        </p:nvSpPr>
-        <p:spPr/>
-        <p:txBody>
-          <a:bodyPr/>
-          <a:lstStyle/>
-          <a:p>
-            <a:fld id="{B580EBF6-10F3-448A-BB9E-552AD095990F}" type="slidenum">
-              <a:rPr lang="zh-TW" altLang="en-US" smtClean="0"/>
-              <a:t>18</a:t>
+              <a:t>15</a:t>
             </a:fld>
             <a:endParaRPr lang="zh-TW" altLang="en-US"/>
           </a:p>
@@ -1119,7 +1031,7 @@
           <a:p>
             <a:fld id="{5BBEAD13-0566-4C6C-97E7-55F17F24B09F}" type="datetimeFigureOut">
               <a:rPr lang="zh-TW" altLang="en-US" smtClean="0"/>
-              <a:t>2020/5/16</a:t>
+              <a:t>2020/9/12</a:t>
             </a:fld>
             <a:endParaRPr lang="zh-TW" altLang="en-US"/>
           </a:p>
@@ -1284,7 +1196,7 @@
           <a:p>
             <a:fld id="{5BBEAD13-0566-4C6C-97E7-55F17F24B09F}" type="datetimeFigureOut">
               <a:rPr lang="zh-TW" altLang="en-US" smtClean="0"/>
-              <a:t>2020/5/16</a:t>
+              <a:t>2020/9/12</a:t>
             </a:fld>
             <a:endParaRPr lang="zh-TW" altLang="en-US"/>
           </a:p>
@@ -1459,7 +1371,7 @@
           <a:p>
             <a:fld id="{5BBEAD13-0566-4C6C-97E7-55F17F24B09F}" type="datetimeFigureOut">
               <a:rPr lang="zh-TW" altLang="en-US" smtClean="0"/>
-              <a:t>2020/5/16</a:t>
+              <a:t>2020/9/12</a:t>
             </a:fld>
             <a:endParaRPr lang="zh-TW" altLang="en-US"/>
           </a:p>
@@ -1624,7 +1536,7 @@
           <a:p>
             <a:fld id="{5BBEAD13-0566-4C6C-97E7-55F17F24B09F}" type="datetimeFigureOut">
               <a:rPr lang="zh-TW" altLang="en-US" smtClean="0"/>
-              <a:t>2020/5/16</a:t>
+              <a:t>2020/9/12</a:t>
             </a:fld>
             <a:endParaRPr lang="zh-TW" altLang="en-US"/>
           </a:p>
@@ -1865,7 +1777,7 @@
           <a:p>
             <a:fld id="{5BBEAD13-0566-4C6C-97E7-55F17F24B09F}" type="datetimeFigureOut">
               <a:rPr lang="zh-TW" altLang="en-US" smtClean="0"/>
-              <a:t>2020/5/16</a:t>
+              <a:t>2020/9/12</a:t>
             </a:fld>
             <a:endParaRPr lang="zh-TW" altLang="en-US"/>
           </a:p>
@@ -2148,7 +2060,7 @@
           <a:p>
             <a:fld id="{5BBEAD13-0566-4C6C-97E7-55F17F24B09F}" type="datetimeFigureOut">
               <a:rPr lang="zh-TW" altLang="en-US" smtClean="0"/>
-              <a:t>2020/5/16</a:t>
+              <a:t>2020/9/12</a:t>
             </a:fld>
             <a:endParaRPr lang="zh-TW" altLang="en-US"/>
           </a:p>
@@ -2565,7 +2477,7 @@
           <a:p>
             <a:fld id="{5BBEAD13-0566-4C6C-97E7-55F17F24B09F}" type="datetimeFigureOut">
               <a:rPr lang="zh-TW" altLang="en-US" smtClean="0"/>
-              <a:t>2020/5/16</a:t>
+              <a:t>2020/9/12</a:t>
             </a:fld>
             <a:endParaRPr lang="zh-TW" altLang="en-US"/>
           </a:p>
@@ -2678,7 +2590,7 @@
           <a:p>
             <a:fld id="{5BBEAD13-0566-4C6C-97E7-55F17F24B09F}" type="datetimeFigureOut">
               <a:rPr lang="zh-TW" altLang="en-US" smtClean="0"/>
-              <a:t>2020/5/16</a:t>
+              <a:t>2020/9/12</a:t>
             </a:fld>
             <a:endParaRPr lang="zh-TW" altLang="en-US"/>
           </a:p>
@@ -2768,7 +2680,7 @@
           <a:p>
             <a:fld id="{5BBEAD13-0566-4C6C-97E7-55F17F24B09F}" type="datetimeFigureOut">
               <a:rPr lang="zh-TW" altLang="en-US" smtClean="0"/>
-              <a:t>2020/5/16</a:t>
+              <a:t>2020/9/12</a:t>
             </a:fld>
             <a:endParaRPr lang="zh-TW" altLang="en-US"/>
           </a:p>
@@ -3040,7 +2952,7 @@
           <a:p>
             <a:fld id="{5BBEAD13-0566-4C6C-97E7-55F17F24B09F}" type="datetimeFigureOut">
               <a:rPr lang="zh-TW" altLang="en-US" smtClean="0"/>
-              <a:t>2020/5/16</a:t>
+              <a:t>2020/9/12</a:t>
             </a:fld>
             <a:endParaRPr lang="zh-TW" altLang="en-US"/>
           </a:p>
@@ -3292,7 +3204,7 @@
           <a:p>
             <a:fld id="{5BBEAD13-0566-4C6C-97E7-55F17F24B09F}" type="datetimeFigureOut">
               <a:rPr lang="zh-TW" altLang="en-US" smtClean="0"/>
-              <a:t>2020/5/16</a:t>
+              <a:t>2020/9/12</a:t>
             </a:fld>
             <a:endParaRPr lang="zh-TW" altLang="en-US"/>
           </a:p>
@@ -3505,7 +3417,7 @@
           <a:p>
             <a:fld id="{5BBEAD13-0566-4C6C-97E7-55F17F24B09F}" type="datetimeFigureOut">
               <a:rPr lang="zh-TW" altLang="en-US" smtClean="0"/>
-              <a:t>2020/5/16</a:t>
+              <a:t>2020/9/12</a:t>
             </a:fld>
             <a:endParaRPr lang="zh-TW" altLang="en-US"/>
           </a:p>
@@ -4260,7 +4172,7 @@
         </p:nvSpPr>
         <p:spPr>
           <a:xfrm>
-            <a:off x="22330" y="2257425"/>
+            <a:off x="0" y="1851670"/>
             <a:ext cx="9144000" cy="628650"/>
           </a:xfrm>
         </p:spPr>
@@ -4272,7 +4184,7 @@
           <a:p>
             <a:pPr algn="ctr"/>
             <a:r>
-              <a:rPr lang="zh-TW" altLang="en-US" sz="8000" b="1" dirty="0" smtClean="0">
+              <a:rPr lang="zh-CN" altLang="en-US" sz="8000" b="1" dirty="0" smtClean="0">
                 <a:solidFill>
                   <a:srgbClr val="000066"/>
                 </a:solidFill>
@@ -4286,7 +4198,7 @@
                 <a:latin typeface="微軟正黑體" pitchFamily="34" charset="-120"/>
                 <a:ea typeface="微軟正黑體" pitchFamily="34" charset="-120"/>
               </a:rPr>
-              <a:t>使徒信經</a:t>
+              <a:t>恭讀經訓</a:t>
             </a:r>
             <a:endParaRPr lang="zh-TW" altLang="en-US" sz="8000" b="1" dirty="0">
               <a:solidFill>
@@ -4313,8 +4225,8 @@
         </p:nvSpPr>
         <p:spPr>
           <a:xfrm>
-            <a:off x="457200" y="2210993"/>
-            <a:ext cx="8686800" cy="628650"/>
+            <a:off x="0" y="2859782"/>
+            <a:ext cx="9144000" cy="628650"/>
           </a:xfrm>
           <a:prstGeom prst="rect">
             <a:avLst/>
@@ -4331,48 +4243,8 @@
                 <a:spcPct val="0"/>
               </a:spcBef>
             </a:pPr>
-            <a:endParaRPr lang="zh-TW" altLang="en-US" sz="4000" b="1" dirty="0">
-              <a:solidFill>
-                <a:srgbClr val="000066"/>
-              </a:solidFill>
-              <a:effectLst>
-                <a:outerShdw blurRad="38100" dist="38100" dir="2700000" algn="tl">
-                  <a:srgbClr val="000000">
-                    <a:alpha val="43137"/>
-                  </a:srgbClr>
-                </a:outerShdw>
-              </a:effectLst>
-              <a:latin typeface="微軟正黑體" pitchFamily="34" charset="-120"/>
-              <a:ea typeface="微軟正黑體" pitchFamily="34" charset="-120"/>
-              <a:cs typeface="+mj-cs"/>
-            </a:endParaRPr>
-          </a:p>
-        </p:txBody>
-      </p:sp>
-      <p:sp>
-        <p:nvSpPr>
-          <p:cNvPr id="5" name="矩形 4"/>
-          <p:cNvSpPr/>
-          <p:nvPr/>
-        </p:nvSpPr>
-        <p:spPr>
-          <a:xfrm>
-            <a:off x="0" y="3147814"/>
-            <a:ext cx="9144000" cy="1323439"/>
-          </a:xfrm>
-          <a:prstGeom prst="rect">
-            <a:avLst/>
-          </a:prstGeom>
-        </p:spPr>
-        <p:txBody>
-          <a:bodyPr wrap="square">
-            <a:spAutoFit/>
-          </a:bodyPr>
-          <a:lstStyle/>
-          <a:p>
-            <a:pPr algn="ctr"/>
-            <a:r>
-              <a:rPr lang="en-US" altLang="zh-CN" sz="8000" b="1" dirty="0" smtClean="0">
+            <a:r>
+              <a:rPr lang="zh-CN" altLang="en-US" sz="4800" b="1" dirty="0">
                 <a:solidFill>
                   <a:srgbClr val="660033"/>
                 </a:solidFill>
@@ -4387,10 +4259,10 @@
                 <a:ea typeface="微軟正黑體" pitchFamily="34" charset="-120"/>
                 <a:cs typeface="+mj-cs"/>
               </a:rPr>
-              <a:t>(</a:t>
-            </a:r>
-            <a:r>
-              <a:rPr lang="zh-CN" altLang="en-US" sz="8000" b="1" dirty="0" smtClean="0">
+              <a:t>出</a:t>
+            </a:r>
+            <a:r>
+              <a:rPr lang="zh-CN" altLang="en-US" sz="4800" b="1" dirty="0" smtClean="0">
                 <a:solidFill>
                   <a:srgbClr val="660033"/>
                 </a:solidFill>
@@ -4405,10 +4277,10 @@
                 <a:ea typeface="微軟正黑體" pitchFamily="34" charset="-120"/>
                 <a:cs typeface="+mj-cs"/>
               </a:rPr>
-              <a:t>眾立</a:t>
-            </a:r>
-            <a:r>
-              <a:rPr lang="en-US" altLang="zh-CN" sz="8000" b="1" dirty="0" smtClean="0">
+              <a:t> 六：</a:t>
+            </a:r>
+            <a:r>
+              <a:rPr lang="en-US" altLang="zh-CN" sz="4800" b="1" dirty="0" smtClean="0">
                 <a:solidFill>
                   <a:srgbClr val="660033"/>
                 </a:solidFill>
@@ -4423,9 +4295,9 @@
                 <a:ea typeface="微軟正黑體" pitchFamily="34" charset="-120"/>
                 <a:cs typeface="+mj-cs"/>
               </a:rPr>
-              <a:t>)</a:t>
-            </a:r>
-            <a:endParaRPr lang="zh-TW" altLang="en-US" sz="8000" b="1" dirty="0" smtClean="0">
+              <a:t>2 - 4</a:t>
+            </a:r>
+            <a:endParaRPr lang="zh-TW" altLang="en-US" sz="4800" b="1" dirty="0">
               <a:solidFill>
                 <a:srgbClr val="660033"/>
               </a:solidFill>
@@ -4436,89 +4308,6 @@
                   </a:srgbClr>
                 </a:outerShdw>
               </a:effectLst>
-              <a:latin typeface="微軟正黑體" pitchFamily="34" charset="-120"/>
-              <a:ea typeface="微軟正黑體" pitchFamily="34" charset="-120"/>
-              <a:cs typeface="+mj-cs"/>
-            </a:endParaRPr>
-          </a:p>
-        </p:txBody>
-      </p:sp>
-      <p:sp>
-        <p:nvSpPr>
-          <p:cNvPr id="6" name="標題 1"/>
-          <p:cNvSpPr txBox="1"/>
-          <p:nvPr/>
-        </p:nvSpPr>
-        <p:spPr>
-          <a:xfrm>
-            <a:off x="0" y="1059582"/>
-            <a:ext cx="9144000" cy="628650"/>
-          </a:xfrm>
-          <a:prstGeom prst="rect">
-            <a:avLst/>
-          </a:prstGeom>
-        </p:spPr>
-        <p:txBody>
-          <a:bodyPr anchor="ctr">
-            <a:noAutofit/>
-          </a:bodyPr>
-          <a:lstStyle/>
-          <a:p>
-            <a:pPr marL="0" marR="0" lvl="0" indent="0" algn="ctr" defTabSz="914400" rtl="0" eaLnBrk="1" fontAlgn="auto" latinLnBrk="0" hangingPunct="1">
-              <a:lnSpc>
-                <a:spcPct val="100000"/>
-              </a:lnSpc>
-              <a:spcBef>
-                <a:spcPct val="0"/>
-              </a:spcBef>
-              <a:spcAft>
-                <a:spcPts val="0"/>
-              </a:spcAft>
-              <a:buClrTx/>
-              <a:buSzTx/>
-              <a:buFontTx/>
-              <a:buNone/>
-              <a:defRPr/>
-            </a:pPr>
-            <a:r>
-              <a:rPr kumimoji="0" lang="zh-CN" altLang="en-US" sz="8000" b="1" i="0" u="none" strike="noStrike" kern="1200" cap="none" spc="0" normalizeH="0" baseline="0" noProof="0" dirty="0" smtClean="0">
-                <a:ln>
-                  <a:noFill/>
-                </a:ln>
-                <a:solidFill>
-                  <a:srgbClr val="000066"/>
-                </a:solidFill>
-                <a:effectLst>
-                  <a:outerShdw blurRad="38100" dist="38100" dir="2700000" algn="tl">
-                    <a:srgbClr val="000000">
-                      <a:alpha val="43137"/>
-                    </a:srgbClr>
-                  </a:outerShdw>
-                </a:effectLst>
-                <a:uLnTx/>
-                <a:uFillTx/>
-                <a:latin typeface="微軟正黑體" pitchFamily="34" charset="-120"/>
-                <a:ea typeface="微軟正黑體" pitchFamily="34" charset="-120"/>
-                <a:cs typeface="+mj-cs"/>
-              </a:rPr>
-              <a:t>信仰宣告</a:t>
-            </a:r>
-            <a:endParaRPr kumimoji="0" lang="zh-TW" altLang="en-US" sz="8000" b="1" i="0" u="none" strike="noStrike" kern="1200" cap="none" spc="0" normalizeH="0" baseline="0" noProof="0" dirty="0">
-              <a:ln>
-                <a:noFill/>
-              </a:ln>
-              <a:solidFill>
-                <a:srgbClr val="000066"/>
-              </a:solidFill>
-              <a:effectLst>
-                <a:outerShdw blurRad="38100" dist="38100" dir="2700000" algn="tl">
-                  <a:srgbClr val="000000">
-                    <a:alpha val="43137"/>
-                  </a:srgbClr>
-                </a:outerShdw>
-              </a:effectLst>
-              <a:uLnTx/>
-              <a:uFillTx/>
               <a:latin typeface="微軟正黑體" pitchFamily="34" charset="-120"/>
               <a:ea typeface="微軟正黑體" pitchFamily="34" charset="-120"/>
               <a:cs typeface="+mj-cs"/>
@@ -4565,13 +4354,13 @@
             <a:spLocks noGrp="1"/>
           </p:cNvSpPr>
           <p:nvPr>
-            <p:ph idx="1"/>
+            <p:ph idx="4294967295"/>
           </p:nvPr>
         </p:nvSpPr>
         <p:spPr>
           <a:xfrm>
             <a:off x="0" y="0"/>
-            <a:ext cx="9144000" cy="5143500"/>
+            <a:ext cx="8892480" cy="5143500"/>
           </a:xfrm>
         </p:spPr>
         <p:txBody>
@@ -4581,6 +4370,26 @@
           <a:lstStyle/>
           <a:p>
             <a:r>
+              <a:rPr lang="en-US" altLang="zh-TW" sz="4800" b="1" dirty="0" err="1">
+                <a:solidFill>
+                  <a:srgbClr val="000066"/>
+                </a:solidFill>
+                <a:latin typeface="微軟正黑體" pitchFamily="34" charset="-120"/>
+                <a:ea typeface="微軟正黑體" pitchFamily="34" charset="-120"/>
+              </a:rPr>
+              <a:t>Exo</a:t>
+            </a:r>
+            <a:r>
+              <a:rPr lang="en-US" altLang="zh-TW" sz="4800" b="1" dirty="0">
+                <a:solidFill>
+                  <a:srgbClr val="000066"/>
+                </a:solidFill>
+                <a:latin typeface="微軟正黑體" pitchFamily="34" charset="-120"/>
+                <a:ea typeface="微軟正黑體" pitchFamily="34" charset="-120"/>
+              </a:rPr>
+              <a:t> 6:2</a:t>
+            </a:r>
+            <a:r>
               <a:rPr lang="zh-TW" altLang="en-US" sz="4800" b="1" dirty="0">
                 <a:solidFill>
                   <a:srgbClr val="000066"/>
@@ -4588,7 +4397,19 @@
                 <a:latin typeface="微軟正黑體" pitchFamily="34" charset="-120"/>
                 <a:ea typeface="微軟正黑體" pitchFamily="34" charset="-120"/>
               </a:rPr>
-              <a:t>我信神</a:t>
+              <a:t>  神曉諭摩西說：「我是耶和華。 </a:t>
+            </a:r>
+          </a:p>
+          <a:p>
+            <a:r>
+              <a:rPr lang="en-US" altLang="zh-TW" sz="4800" b="1" dirty="0" err="1">
+                <a:solidFill>
+                  <a:srgbClr val="000066"/>
+                </a:solidFill>
+                <a:latin typeface="微軟正黑體" pitchFamily="34" charset="-120"/>
+                <a:ea typeface="微軟正黑體" pitchFamily="34" charset="-120"/>
+              </a:rPr>
+              <a:t>Exo</a:t>
             </a:r>
             <a:r>
               <a:rPr lang="en-US" altLang="zh-TW" sz="4800" b="1" dirty="0">
@@ -4598,7 +4419,7 @@
                 <a:latin typeface="微軟正黑體" pitchFamily="34" charset="-120"/>
                 <a:ea typeface="微軟正黑體" pitchFamily="34" charset="-120"/>
               </a:rPr>
-              <a:t>﹐</a:t>
+              <a:t> 6:3</a:t>
             </a:r>
             <a:r>
               <a:rPr lang="zh-TW" altLang="en-US" sz="4800" b="1" dirty="0">
@@ -4608,235 +4429,8 @@
                 <a:latin typeface="微軟正黑體" pitchFamily="34" charset="-120"/>
                 <a:ea typeface="微軟正黑體" pitchFamily="34" charset="-120"/>
               </a:rPr>
-              <a:t>全能的父</a:t>
-            </a:r>
-            <a:r>
-              <a:rPr lang="en-US" altLang="zh-TW" sz="4800" b="1" dirty="0">
-                <a:solidFill>
-                  <a:srgbClr val="000066"/>
-                </a:solidFill>
-                <a:latin typeface="微軟正黑體" pitchFamily="34" charset="-120"/>
-                <a:ea typeface="微軟正黑體" pitchFamily="34" charset="-120"/>
-              </a:rPr>
-              <a:t>﹐</a:t>
-            </a:r>
-            <a:r>
-              <a:rPr lang="zh-TW" altLang="en-US" sz="4800" b="1" dirty="0">
-                <a:solidFill>
-                  <a:srgbClr val="000066"/>
-                </a:solidFill>
-                <a:latin typeface="微軟正黑體" pitchFamily="34" charset="-120"/>
-                <a:ea typeface="微軟正黑體" pitchFamily="34" charset="-120"/>
-              </a:rPr>
-              <a:t>創造天地的主</a:t>
-            </a:r>
-            <a:r>
-              <a:rPr lang="en-US" altLang="zh-TW" sz="4800" b="1" dirty="0">
-                <a:solidFill>
-                  <a:srgbClr val="000066"/>
-                </a:solidFill>
-                <a:latin typeface="微軟正黑體" pitchFamily="34" charset="-120"/>
-                <a:ea typeface="微軟正黑體" pitchFamily="34" charset="-120"/>
-              </a:rPr>
-              <a:t>﹔</a:t>
-            </a:r>
-            <a:r>
-              <a:rPr lang="zh-TW" altLang="en-US" sz="4800" b="1" dirty="0">
-                <a:solidFill>
-                  <a:srgbClr val="000066"/>
-                </a:solidFill>
-                <a:latin typeface="微軟正黑體" pitchFamily="34" charset="-120"/>
-                <a:ea typeface="微軟正黑體" pitchFamily="34" charset="-120"/>
-              </a:rPr>
-              <a:t>我信我主耶穌基督</a:t>
-            </a:r>
-            <a:r>
-              <a:rPr lang="en-US" altLang="zh-TW" sz="4800" b="1" dirty="0" smtClean="0">
-                <a:solidFill>
-                  <a:srgbClr val="000066"/>
-                </a:solidFill>
-                <a:latin typeface="微軟正黑體" pitchFamily="34" charset="-120"/>
-                <a:ea typeface="微軟正黑體" pitchFamily="34" charset="-120"/>
-              </a:rPr>
-              <a:t>﹐</a:t>
-            </a:r>
-            <a:r>
-              <a:rPr lang="zh-TW" altLang="en-US" sz="4800" b="1" dirty="0" smtClean="0">
-                <a:solidFill>
-                  <a:srgbClr val="000066"/>
-                </a:solidFill>
-                <a:latin typeface="微軟正黑體" pitchFamily="34" charset="-120"/>
-                <a:ea typeface="微軟正黑體" pitchFamily="34" charset="-120"/>
-              </a:rPr>
-              <a:t>神</a:t>
-            </a:r>
-            <a:r>
-              <a:rPr lang="zh-TW" altLang="en-US" sz="4800" b="1" dirty="0">
-                <a:solidFill>
-                  <a:srgbClr val="000066"/>
-                </a:solidFill>
-                <a:latin typeface="微軟正黑體" pitchFamily="34" charset="-120"/>
-                <a:ea typeface="微軟正黑體" pitchFamily="34" charset="-120"/>
-              </a:rPr>
-              <a:t>的獨生子</a:t>
-            </a:r>
-            <a:r>
-              <a:rPr lang="en-US" altLang="zh-TW" sz="4800" b="1" dirty="0" smtClean="0">
-                <a:solidFill>
-                  <a:srgbClr val="000066"/>
-                </a:solidFill>
-                <a:latin typeface="微軟正黑體" pitchFamily="34" charset="-120"/>
-                <a:ea typeface="微軟正黑體" pitchFamily="34" charset="-120"/>
-              </a:rPr>
-              <a:t>﹔</a:t>
-            </a:r>
-            <a:r>
-              <a:rPr lang="zh-TW" altLang="en-US" sz="4800" b="1" dirty="0" smtClean="0">
-                <a:solidFill>
-                  <a:srgbClr val="000066"/>
-                </a:solidFill>
-                <a:latin typeface="微軟正黑體" pitchFamily="34" charset="-120"/>
-                <a:ea typeface="微軟正黑體" pitchFamily="34" charset="-120"/>
-              </a:rPr>
-              <a:t>因聖靈感孕</a:t>
-            </a:r>
-            <a:r>
-              <a:rPr lang="en-US" altLang="zh-TW" sz="4800" b="1" dirty="0" smtClean="0">
-                <a:solidFill>
-                  <a:srgbClr val="000066"/>
-                </a:solidFill>
-                <a:latin typeface="微軟正黑體" pitchFamily="34" charset="-120"/>
-                <a:ea typeface="微軟正黑體" pitchFamily="34" charset="-120"/>
-              </a:rPr>
-              <a:t>﹐</a:t>
-            </a:r>
-            <a:r>
-              <a:rPr lang="zh-TW" altLang="en-US" sz="4800" b="1" dirty="0" smtClean="0">
-                <a:solidFill>
-                  <a:srgbClr val="000066"/>
-                </a:solidFill>
-                <a:latin typeface="微軟正黑體" pitchFamily="34" charset="-120"/>
-                <a:ea typeface="微軟正黑體" pitchFamily="34" charset="-120"/>
-              </a:rPr>
-              <a:t>由童貞女馬利亞所生</a:t>
-            </a:r>
-            <a:r>
-              <a:rPr lang="en-US" altLang="zh-TW" sz="4800" b="1" dirty="0" smtClean="0">
-                <a:solidFill>
-                  <a:srgbClr val="000066"/>
-                </a:solidFill>
-                <a:latin typeface="微軟正黑體" pitchFamily="34" charset="-120"/>
-                <a:ea typeface="微軟正黑體" pitchFamily="34" charset="-120"/>
-              </a:rPr>
-              <a:t>﹐</a:t>
-            </a:r>
-            <a:r>
-              <a:rPr lang="zh-TW" altLang="en-US" sz="4800" b="1" dirty="0" smtClean="0">
-                <a:solidFill>
-                  <a:srgbClr val="000066"/>
-                </a:solidFill>
-                <a:latin typeface="微軟正黑體" pitchFamily="34" charset="-120"/>
-                <a:ea typeface="微軟正黑體" pitchFamily="34" charset="-120"/>
-              </a:rPr>
-              <a:t>在本丟彼拉多手下受難</a:t>
-            </a:r>
-            <a:r>
-              <a:rPr lang="en-US" altLang="zh-TW" sz="4800" b="1" dirty="0" smtClean="0">
-                <a:solidFill>
-                  <a:srgbClr val="000066"/>
-                </a:solidFill>
-                <a:latin typeface="微軟正黑體" pitchFamily="34" charset="-120"/>
-                <a:ea typeface="微軟正黑體" pitchFamily="34" charset="-120"/>
-              </a:rPr>
-              <a:t>﹐</a:t>
-            </a:r>
-            <a:r>
-              <a:rPr lang="zh-TW" altLang="en-US" sz="4800" b="1" dirty="0" smtClean="0">
-                <a:solidFill>
-                  <a:srgbClr val="000066"/>
-                </a:solidFill>
-                <a:latin typeface="微軟正黑體" pitchFamily="34" charset="-120"/>
-                <a:ea typeface="微軟正黑體" pitchFamily="34" charset="-120"/>
-              </a:rPr>
-              <a:t>被釘於十字架</a:t>
-            </a:r>
-            <a:r>
-              <a:rPr lang="en-US" altLang="zh-TW" sz="4800" b="1" dirty="0" smtClean="0">
-                <a:solidFill>
-                  <a:srgbClr val="000066"/>
-                </a:solidFill>
-                <a:latin typeface="微軟正黑體" pitchFamily="34" charset="-120"/>
-                <a:ea typeface="微軟正黑體" pitchFamily="34" charset="-120"/>
-              </a:rPr>
-              <a:t>﹐</a:t>
-            </a:r>
-            <a:r>
-              <a:rPr lang="zh-TW" altLang="en-US" sz="4800" b="1" dirty="0" smtClean="0">
-                <a:solidFill>
-                  <a:srgbClr val="000066"/>
-                </a:solidFill>
-                <a:latin typeface="微軟正黑體" pitchFamily="34" charset="-120"/>
-                <a:ea typeface="微軟正黑體" pitchFamily="34" charset="-120"/>
-              </a:rPr>
-              <a:t>受死</a:t>
-            </a:r>
-            <a:r>
-              <a:rPr lang="en-US" altLang="zh-TW" sz="4800" b="1" dirty="0" smtClean="0">
-                <a:solidFill>
-                  <a:srgbClr val="000066"/>
-                </a:solidFill>
-                <a:latin typeface="微軟正黑體" pitchFamily="34" charset="-120"/>
-                <a:ea typeface="微軟正黑體" pitchFamily="34" charset="-120"/>
-              </a:rPr>
-              <a:t>﹐</a:t>
-            </a:r>
-            <a:r>
-              <a:rPr lang="zh-TW" altLang="en-US" sz="4800" b="1" dirty="0" smtClean="0">
-                <a:solidFill>
-                  <a:srgbClr val="000066"/>
-                </a:solidFill>
-                <a:latin typeface="微軟正黑體" pitchFamily="34" charset="-120"/>
-                <a:ea typeface="微軟正黑體" pitchFamily="34" charset="-120"/>
-              </a:rPr>
-              <a:t>埋葬</a:t>
-            </a:r>
-            <a:r>
-              <a:rPr lang="en-US" altLang="zh-TW" sz="4800" b="1" dirty="0" smtClean="0">
-                <a:solidFill>
-                  <a:srgbClr val="000066"/>
-                </a:solidFill>
-                <a:latin typeface="微軟正黑體" pitchFamily="34" charset="-120"/>
-                <a:ea typeface="微軟正黑體" pitchFamily="34" charset="-120"/>
-              </a:rPr>
-              <a:t>﹔</a:t>
-            </a:r>
-            <a:r>
-              <a:rPr lang="zh-TW" altLang="en-US" sz="4800" b="1" dirty="0" smtClean="0">
-                <a:solidFill>
-                  <a:srgbClr val="000066"/>
-                </a:solidFill>
-                <a:latin typeface="微軟正黑體" pitchFamily="34" charset="-120"/>
-                <a:ea typeface="微軟正黑體" pitchFamily="34" charset="-120"/>
-              </a:rPr>
-              <a:t>降在陰間</a:t>
-            </a:r>
-            <a:r>
-              <a:rPr lang="en-US" altLang="zh-TW" sz="4800" b="1" dirty="0" smtClean="0">
-                <a:solidFill>
-                  <a:srgbClr val="000066"/>
-                </a:solidFill>
-                <a:latin typeface="微軟正黑體" pitchFamily="34" charset="-120"/>
-                <a:ea typeface="微軟正黑體" pitchFamily="34" charset="-120"/>
-              </a:rPr>
-              <a:t>﹔</a:t>
-            </a:r>
-            <a:endParaRPr lang="en-US" sz="4800" b="1" dirty="0" smtClean="0">
-              <a:solidFill>
-                <a:srgbClr val="000066"/>
-              </a:solidFill>
-              <a:latin typeface="微軟正黑體" pitchFamily="34" charset="-120"/>
-              <a:ea typeface="微軟正黑體" pitchFamily="34" charset="-120"/>
-            </a:endParaRPr>
+              <a:t>  我從前向亞伯拉罕、以撒、雅各顯現為全能的神；至於我名耶和華，他們未曾知道。 </a:t>
+            </a:r>
           </a:p>
         </p:txBody>
       </p:sp>
@@ -4874,19 +4468,75 @@
       </p:grpSpPr>
       <p:sp>
         <p:nvSpPr>
-          <p:cNvPr id="5" name="Content Placeholder 4"/>
-          <p:cNvSpPr>
-            <a:spLocks noGrp="1"/>
-          </p:cNvSpPr>
-          <p:nvPr>
-            <p:ph idx="1"/>
+          <p:cNvPr id="2" name="標題 1"/>
+          <p:cNvSpPr>
+            <a:spLocks noGrp="1"/>
+          </p:cNvSpPr>
+          <p:nvPr>
+            <p:ph type="title" idx="4294967295"/>
           </p:nvPr>
         </p:nvSpPr>
         <p:spPr>
           <a:xfrm>
-            <a:off x="0" y="0"/>
-            <a:ext cx="9144000" cy="5143500"/>
+            <a:off x="0" y="550069"/>
+            <a:ext cx="9144000" cy="628650"/>
           </a:xfrm>
+        </p:spPr>
+        <p:txBody>
+          <a:bodyPr>
+            <a:noAutofit/>
+          </a:bodyPr>
+          <a:lstStyle/>
+          <a:p>
+            <a:pPr algn="ctr"/>
+            <a:r>
+              <a:rPr lang="zh-CN" altLang="en-US" sz="8800" b="1" dirty="0" smtClean="0">
+                <a:solidFill>
+                  <a:srgbClr val="000066"/>
+                </a:solidFill>
+                <a:effectLst>
+                  <a:outerShdw blurRad="38100" dist="38100" dir="2700000" algn="tl">
+                    <a:srgbClr val="000000">
+                      <a:alpha val="43137"/>
+                    </a:srgbClr>
+                  </a:outerShdw>
+                </a:effectLst>
+                <a:latin typeface="微軟正黑體" pitchFamily="34" charset="-120"/>
+                <a:ea typeface="微軟正黑體" pitchFamily="34" charset="-120"/>
+              </a:rPr>
+              <a:t>證道</a:t>
+            </a:r>
+            <a:endParaRPr lang="zh-TW" altLang="en-US" sz="8800" b="1" dirty="0">
+              <a:solidFill>
+                <a:srgbClr val="000066"/>
+              </a:solidFill>
+              <a:effectLst>
+                <a:outerShdw blurRad="38100" dist="38100" dir="2700000" algn="tl">
+                  <a:srgbClr val="000000">
+                    <a:alpha val="43137"/>
+                  </a:srgbClr>
+                </a:outerShdw>
+              </a:effectLst>
+              <a:latin typeface="微軟正黑體" pitchFamily="34" charset="-120"/>
+              <a:ea typeface="微軟正黑體" pitchFamily="34" charset="-120"/>
+            </a:endParaRPr>
+          </a:p>
+        </p:txBody>
+      </p:sp>
+      <p:sp>
+        <p:nvSpPr>
+          <p:cNvPr id="4" name="標題 1"/>
+          <p:cNvSpPr txBox="1"/>
+          <p:nvPr/>
+        </p:nvSpPr>
+        <p:spPr>
+          <a:xfrm>
+            <a:off x="0" y="3589742"/>
+            <a:ext cx="9144000" cy="628650"/>
+          </a:xfrm>
+          <a:prstGeom prst="rect">
+            <a:avLst/>
+          </a:prstGeom>
         </p:spPr>
         <p:txBody>
           <a:bodyPr anchor="ctr">
@@ -4894,166 +4544,240 @@
           </a:bodyPr>
           <a:lstStyle/>
           <a:p>
+            <a:pPr lvl="0" algn="ctr">
+              <a:spcBef>
+                <a:spcPct val="0"/>
+              </a:spcBef>
+            </a:pPr>
+            <a:r>
+              <a:rPr lang="zh-CN" altLang="en-US" sz="5400" b="1" dirty="0" smtClean="0">
+                <a:solidFill>
+                  <a:srgbClr val="000066"/>
+                </a:solidFill>
+                <a:effectLst>
+                  <a:outerShdw blurRad="38100" dist="38100" dir="2700000" algn="tl">
+                    <a:srgbClr val="000000">
+                      <a:alpha val="43137"/>
+                    </a:srgbClr>
+                  </a:outerShdw>
+                </a:effectLst>
+                <a:latin typeface="微軟正黑體" pitchFamily="34" charset="-120"/>
+                <a:ea typeface="微軟正黑體" pitchFamily="34" charset="-120"/>
+                <a:cs typeface="+mj-cs"/>
+              </a:rPr>
+              <a:t>黃德光</a:t>
+            </a:r>
             <a:r>
               <a:rPr lang="zh-CN" altLang="en-US" sz="4800" b="1" dirty="0" smtClean="0">
                 <a:solidFill>
                   <a:srgbClr val="000066"/>
                 </a:solidFill>
-                <a:latin typeface="微軟正黑體" pitchFamily="34" charset="-120"/>
-                <a:ea typeface="微軟正黑體" pitchFamily="34" charset="-120"/>
-              </a:rPr>
-              <a:t>第三天從死人中復活，</a:t>
-            </a:r>
-            <a:r>
-              <a:rPr lang="zh-TW" altLang="en-US" sz="4800" b="1" dirty="0" smtClean="0">
+                <a:effectLst>
+                  <a:outerShdw blurRad="38100" dist="38100" dir="2700000" algn="tl">
+                    <a:srgbClr val="000000">
+                      <a:alpha val="43137"/>
+                    </a:srgbClr>
+                  </a:outerShdw>
+                </a:effectLst>
+                <a:latin typeface="微軟正黑體" pitchFamily="34" charset="-120"/>
+                <a:ea typeface="微軟正黑體" pitchFamily="34" charset="-120"/>
+                <a:cs typeface="+mj-cs"/>
+              </a:rPr>
+              <a:t> </a:t>
+            </a:r>
+            <a:r>
+              <a:rPr lang="zh-CN" altLang="en-US" sz="4000" b="1" dirty="0" smtClean="0">
                 <a:solidFill>
                   <a:srgbClr val="000066"/>
                 </a:solidFill>
-                <a:latin typeface="微軟正黑體" pitchFamily="34" charset="-120"/>
-                <a:ea typeface="微軟正黑體" pitchFamily="34" charset="-120"/>
-              </a:rPr>
-              <a:t>升天</a:t>
-            </a:r>
-            <a:r>
-              <a:rPr lang="en-US" altLang="zh-TW" sz="4800" b="1" dirty="0" smtClean="0">
+                <a:effectLst>
+                  <a:outerShdw blurRad="38100" dist="38100" dir="2700000" algn="tl">
+                    <a:srgbClr val="000000">
+                      <a:alpha val="43137"/>
+                    </a:srgbClr>
+                  </a:outerShdw>
+                </a:effectLst>
+                <a:latin typeface="微軟正黑體" pitchFamily="34" charset="-120"/>
+                <a:ea typeface="微軟正黑體" pitchFamily="34" charset="-120"/>
+                <a:cs typeface="+mj-cs"/>
+              </a:rPr>
+              <a:t>傳道</a:t>
+            </a:r>
+            <a:endParaRPr lang="zh-TW" altLang="en-US" sz="4800" b="1" dirty="0">
+              <a:solidFill>
+                <a:srgbClr val="000066"/>
+              </a:solidFill>
+              <a:effectLst>
+                <a:outerShdw blurRad="38100" dist="38100" dir="2700000" algn="tl">
+                  <a:srgbClr val="000000">
+                    <a:alpha val="43137"/>
+                  </a:srgbClr>
+                </a:outerShdw>
+              </a:effectLst>
+              <a:latin typeface="微軟正黑體" pitchFamily="34" charset="-120"/>
+              <a:ea typeface="微軟正黑體" pitchFamily="34" charset="-120"/>
+              <a:cs typeface="+mj-cs"/>
+            </a:endParaRPr>
+          </a:p>
+        </p:txBody>
+      </p:sp>
+      <p:sp>
+        <p:nvSpPr>
+          <p:cNvPr id="5" name="標題 1"/>
+          <p:cNvSpPr txBox="1"/>
+          <p:nvPr/>
+        </p:nvSpPr>
+        <p:spPr>
+          <a:xfrm>
+            <a:off x="0" y="2103836"/>
+            <a:ext cx="9144000" cy="628650"/>
+          </a:xfrm>
+          <a:prstGeom prst="rect">
+            <a:avLst/>
+          </a:prstGeom>
+        </p:spPr>
+        <p:txBody>
+          <a:bodyPr anchor="ctr">
+            <a:noAutofit/>
+          </a:bodyPr>
+          <a:lstStyle/>
+          <a:p>
+            <a:pPr lvl="0" algn="ctr">
+              <a:spcBef>
+                <a:spcPct val="0"/>
+              </a:spcBef>
+            </a:pPr>
+            <a:r>
+              <a:rPr lang="zh-CN" altLang="en-US" sz="6000" b="1" dirty="0" smtClean="0">
+                <a:solidFill>
+                  <a:srgbClr val="660033"/>
+                </a:solidFill>
+                <a:effectLst>
+                  <a:outerShdw blurRad="38100" dist="38100" dir="2700000" algn="tl">
+                    <a:srgbClr val="000000">
+                      <a:alpha val="43137"/>
+                    </a:srgbClr>
+                  </a:outerShdw>
+                </a:effectLst>
+                <a:latin typeface="微軟正黑體" pitchFamily="34" charset="-120"/>
+                <a:ea typeface="微軟正黑體" pitchFamily="34" charset="-120"/>
+                <a:cs typeface="+mj-cs"/>
+              </a:rPr>
+              <a:t>主題：</a:t>
+            </a:r>
+            <a:r>
+              <a:rPr lang="zh-CN" altLang="en-US" sz="6000" b="1" dirty="0">
+                <a:solidFill>
+                  <a:srgbClr val="660033"/>
+                </a:solidFill>
+                <a:effectLst>
+                  <a:outerShdw blurRad="38100" dist="38100" dir="2700000" algn="tl">
+                    <a:srgbClr val="000000">
+                      <a:alpha val="43137"/>
+                    </a:srgbClr>
+                  </a:outerShdw>
+                </a:effectLst>
+                <a:latin typeface="微軟正黑體" pitchFamily="34" charset="-120"/>
+                <a:ea typeface="微軟正黑體" pitchFamily="34" charset="-120"/>
+                <a:cs typeface="+mj-cs"/>
+              </a:rPr>
+              <a:t>全</a:t>
+            </a:r>
+            <a:r>
+              <a:rPr lang="zh-CN" altLang="en-US" sz="6000" b="1" dirty="0" smtClean="0">
+                <a:solidFill>
+                  <a:srgbClr val="660033"/>
+                </a:solidFill>
+                <a:effectLst>
+                  <a:outerShdw blurRad="38100" dist="38100" dir="2700000" algn="tl">
+                    <a:srgbClr val="000000">
+                      <a:alpha val="43137"/>
+                    </a:srgbClr>
+                  </a:outerShdw>
+                </a:effectLst>
+                <a:latin typeface="微軟正黑體" pitchFamily="34" charset="-120"/>
+                <a:ea typeface="微軟正黑體" pitchFamily="34" charset="-120"/>
+                <a:cs typeface="+mj-cs"/>
+              </a:rPr>
+              <a:t>能的神</a:t>
+            </a:r>
+            <a:endParaRPr lang="zh-TW" altLang="en-US" sz="6000" b="1" dirty="0">
+              <a:solidFill>
+                <a:srgbClr val="660033"/>
+              </a:solidFill>
+              <a:effectLst>
+                <a:outerShdw blurRad="38100" dist="38100" dir="2700000" algn="tl">
+                  <a:srgbClr val="000000">
+                    <a:alpha val="43137"/>
+                  </a:srgbClr>
+                </a:outerShdw>
+              </a:effectLst>
+              <a:latin typeface="微軟正黑體" pitchFamily="34" charset="-120"/>
+              <a:ea typeface="微軟正黑體" pitchFamily="34" charset="-120"/>
+              <a:cs typeface="+mj-cs"/>
+            </a:endParaRPr>
+          </a:p>
+        </p:txBody>
+      </p:sp>
+      <p:sp>
+        <p:nvSpPr>
+          <p:cNvPr id="6" name="標題 1"/>
+          <p:cNvSpPr txBox="1"/>
+          <p:nvPr/>
+        </p:nvSpPr>
+        <p:spPr>
+          <a:xfrm>
+            <a:off x="0" y="4415572"/>
+            <a:ext cx="9144000" cy="628650"/>
+          </a:xfrm>
+          <a:prstGeom prst="rect">
+            <a:avLst/>
+          </a:prstGeom>
+        </p:spPr>
+        <p:txBody>
+          <a:bodyPr anchor="ctr">
+            <a:noAutofit/>
+          </a:bodyPr>
+          <a:lstStyle/>
+          <a:p>
+            <a:pPr lvl="0" algn="ctr">
+              <a:spcBef>
+                <a:spcPct val="0"/>
+              </a:spcBef>
+            </a:pPr>
+            <a:r>
+              <a:rPr lang="zh-CN" altLang="en-US" sz="4800" b="1" smtClean="0">
                 <a:solidFill>
                   <a:srgbClr val="000066"/>
                 </a:solidFill>
-                <a:latin typeface="微軟正黑體" pitchFamily="34" charset="-120"/>
-                <a:ea typeface="微軟正黑體" pitchFamily="34" charset="-120"/>
-              </a:rPr>
-              <a:t>﹐</a:t>
-            </a:r>
-            <a:r>
-              <a:rPr lang="zh-TW" altLang="en-US" sz="4800" b="1" dirty="0" smtClean="0">
-                <a:solidFill>
-                  <a:srgbClr val="000066"/>
-                </a:solidFill>
-                <a:latin typeface="微軟正黑體" pitchFamily="34" charset="-120"/>
-                <a:ea typeface="微軟正黑體" pitchFamily="34" charset="-120"/>
-              </a:rPr>
-              <a:t>坐在全能父神的右邊將來必從那裏降臨</a:t>
-            </a:r>
-            <a:r>
-              <a:rPr lang="en-US" altLang="zh-TW" sz="4800" b="1" dirty="0" smtClean="0">
-                <a:solidFill>
-                  <a:srgbClr val="000066"/>
-                </a:solidFill>
-                <a:latin typeface="微軟正黑體" pitchFamily="34" charset="-120"/>
-                <a:ea typeface="微軟正黑體" pitchFamily="34" charset="-120"/>
-              </a:rPr>
-              <a:t>﹐</a:t>
-            </a:r>
-            <a:r>
-              <a:rPr lang="zh-TW" altLang="en-US" sz="4800" b="1" dirty="0" smtClean="0">
-                <a:solidFill>
-                  <a:srgbClr val="000066"/>
-                </a:solidFill>
-                <a:latin typeface="微軟正黑體" pitchFamily="34" charset="-120"/>
-                <a:ea typeface="微軟正黑體" pitchFamily="34" charset="-120"/>
-              </a:rPr>
-              <a:t>審判活人死人。我信聖靈</a:t>
-            </a:r>
-            <a:r>
-              <a:rPr lang="en-US" altLang="zh-TW" sz="4800" b="1" dirty="0" smtClean="0">
-                <a:solidFill>
-                  <a:srgbClr val="000066"/>
-                </a:solidFill>
-                <a:latin typeface="微軟正黑體" pitchFamily="34" charset="-120"/>
-                <a:ea typeface="微軟正黑體" pitchFamily="34" charset="-120"/>
-              </a:rPr>
-              <a:t>﹔</a:t>
-            </a:r>
-            <a:r>
-              <a:rPr lang="zh-TW" altLang="en-US" sz="4800" b="1" dirty="0" smtClean="0">
-                <a:solidFill>
-                  <a:srgbClr val="000066"/>
-                </a:solidFill>
-                <a:latin typeface="微軟正黑體" pitchFamily="34" charset="-120"/>
-                <a:ea typeface="微軟正黑體" pitchFamily="34" charset="-120"/>
-              </a:rPr>
-              <a:t>我信聖而公之教會</a:t>
-            </a:r>
-            <a:r>
-              <a:rPr lang="en-US" altLang="zh-TW" sz="4800" b="1" dirty="0" smtClean="0">
-                <a:solidFill>
-                  <a:srgbClr val="000066"/>
-                </a:solidFill>
-                <a:latin typeface="微軟正黑體" pitchFamily="34" charset="-120"/>
-                <a:ea typeface="微軟正黑體" pitchFamily="34" charset="-120"/>
-              </a:rPr>
-              <a:t>﹔</a:t>
-            </a:r>
-            <a:r>
-              <a:rPr lang="zh-TW" altLang="en-US" sz="4800" b="1" dirty="0" smtClean="0">
-                <a:solidFill>
-                  <a:srgbClr val="000066"/>
-                </a:solidFill>
-                <a:latin typeface="微軟正黑體" pitchFamily="34" charset="-120"/>
-                <a:ea typeface="微軟正黑體" pitchFamily="34" charset="-120"/>
-              </a:rPr>
-              <a:t>我信聖徒相通</a:t>
-            </a:r>
-            <a:r>
-              <a:rPr lang="en-US" altLang="zh-TW" sz="4800" b="1" dirty="0" smtClean="0">
-                <a:solidFill>
-                  <a:srgbClr val="000066"/>
-                </a:solidFill>
-                <a:latin typeface="微軟正黑體" pitchFamily="34" charset="-120"/>
-                <a:ea typeface="微軟正黑體" pitchFamily="34" charset="-120"/>
-              </a:rPr>
-              <a:t>﹔</a:t>
-            </a:r>
-            <a:r>
-              <a:rPr lang="zh-TW" altLang="en-US" sz="4800" b="1" dirty="0" smtClean="0">
-                <a:solidFill>
-                  <a:srgbClr val="000066"/>
-                </a:solidFill>
-                <a:latin typeface="微軟正黑體" pitchFamily="34" charset="-120"/>
-                <a:ea typeface="微軟正黑體" pitchFamily="34" charset="-120"/>
-              </a:rPr>
-              <a:t>我信罪得赦免</a:t>
-            </a:r>
-            <a:r>
-              <a:rPr lang="en-US" altLang="zh-TW" sz="4800" b="1" dirty="0" smtClean="0">
-                <a:solidFill>
-                  <a:srgbClr val="000066"/>
-                </a:solidFill>
-                <a:latin typeface="微軟正黑體" pitchFamily="34" charset="-120"/>
-                <a:ea typeface="微軟正黑體" pitchFamily="34" charset="-120"/>
-              </a:rPr>
-              <a:t>﹔</a:t>
-            </a:r>
-            <a:r>
-              <a:rPr lang="zh-TW" altLang="en-US" sz="4800" b="1" dirty="0" smtClean="0">
-                <a:solidFill>
-                  <a:srgbClr val="000066"/>
-                </a:solidFill>
-                <a:latin typeface="微軟正黑體" pitchFamily="34" charset="-120"/>
-                <a:ea typeface="微軟正黑體" pitchFamily="34" charset="-120"/>
-              </a:rPr>
-              <a:t>我信身體復活</a:t>
-            </a:r>
-            <a:r>
-              <a:rPr lang="en-US" altLang="zh-TW" sz="4800" b="1" dirty="0" smtClean="0">
-                <a:solidFill>
-                  <a:srgbClr val="000066"/>
-                </a:solidFill>
-                <a:latin typeface="微軟正黑體" pitchFamily="34" charset="-120"/>
-                <a:ea typeface="微軟正黑體" pitchFamily="34" charset="-120"/>
-              </a:rPr>
-              <a:t>﹔</a:t>
-            </a:r>
-            <a:r>
-              <a:rPr lang="zh-TW" altLang="en-US" sz="4800" b="1" dirty="0" smtClean="0">
-                <a:solidFill>
-                  <a:srgbClr val="000066"/>
-                </a:solidFill>
-                <a:latin typeface="微軟正黑體" pitchFamily="34" charset="-120"/>
-                <a:ea typeface="微軟正黑體" pitchFamily="34" charset="-120"/>
-              </a:rPr>
-              <a:t>我信永生。阿們。</a:t>
-            </a:r>
+                <a:effectLst>
+                  <a:outerShdw blurRad="38100" dist="38100" dir="2700000" algn="tl">
+                    <a:srgbClr val="000000">
+                      <a:alpha val="43137"/>
+                    </a:srgbClr>
+                  </a:outerShdw>
+                </a:effectLst>
+                <a:latin typeface="微軟正黑體" pitchFamily="34" charset="-120"/>
+                <a:ea typeface="微軟正黑體" pitchFamily="34" charset="-120"/>
+                <a:cs typeface="+mj-cs"/>
+              </a:rPr>
+              <a:t>主任牧師</a:t>
+            </a:r>
+            <a:endParaRPr lang="zh-TW" altLang="en-US" sz="4800" b="1" dirty="0">
+              <a:solidFill>
+                <a:srgbClr val="000066"/>
+              </a:solidFill>
+              <a:effectLst>
+                <a:outerShdw blurRad="38100" dist="38100" dir="2700000" algn="tl">
+                  <a:srgbClr val="000000">
+                    <a:alpha val="43137"/>
+                  </a:srgbClr>
+                </a:outerShdw>
+              </a:effectLst>
+              <a:latin typeface="微軟正黑體" pitchFamily="34" charset="-120"/>
+              <a:ea typeface="微軟正黑體" pitchFamily="34" charset="-120"/>
+              <a:cs typeface="+mj-cs"/>
+            </a:endParaRPr>
           </a:p>
         </p:txBody>
       </p:sp>
@@ -5101,7 +4825,7 @@
         </p:nvSpPr>
         <p:spPr>
           <a:xfrm>
-            <a:off x="0" y="1851670"/>
+            <a:off x="0" y="2257425"/>
             <a:ext cx="9144000" cy="628650"/>
           </a:xfrm>
         </p:spPr>
@@ -5113,7 +4837,7 @@
           <a:p>
             <a:pPr algn="ctr"/>
             <a:r>
-              <a:rPr lang="zh-CN" altLang="en-US" sz="8000" b="1" dirty="0" smtClean="0">
+              <a:rPr lang="zh-CN" altLang="en-US" sz="7200" b="1" dirty="0" smtClean="0">
                 <a:solidFill>
                   <a:srgbClr val="000066"/>
                 </a:solidFill>
@@ -5127,9 +4851,9 @@
                 <a:latin typeface="微軟正黑體" pitchFamily="34" charset="-120"/>
                 <a:ea typeface="微軟正黑體" pitchFamily="34" charset="-120"/>
               </a:rPr>
-              <a:t>恭讀經訓</a:t>
-            </a:r>
-            <a:endParaRPr lang="zh-TW" altLang="en-US" sz="8000" b="1" dirty="0">
+              <a:t>回應禱告</a:t>
+            </a:r>
+            <a:endParaRPr lang="zh-TW" altLang="en-US" sz="7200" b="1" dirty="0">
               <a:solidFill>
                 <a:srgbClr val="000066"/>
               </a:solidFill>
@@ -5142,104 +4866,6 @@
               </a:effectLst>
               <a:latin typeface="微軟正黑體" pitchFamily="34" charset="-120"/>
               <a:ea typeface="微軟正黑體" pitchFamily="34" charset="-120"/>
-            </a:endParaRPr>
-          </a:p>
-        </p:txBody>
-      </p:sp>
-      <p:sp>
-        <p:nvSpPr>
-          <p:cNvPr id="4" name="標題 1"/>
-          <p:cNvSpPr txBox="1"/>
-          <p:nvPr/>
-        </p:nvSpPr>
-        <p:spPr>
-          <a:xfrm>
-            <a:off x="0" y="2859782"/>
-            <a:ext cx="9144000" cy="628650"/>
-          </a:xfrm>
-          <a:prstGeom prst="rect">
-            <a:avLst/>
-          </a:prstGeom>
-        </p:spPr>
-        <p:txBody>
-          <a:bodyPr anchor="ctr">
-            <a:noAutofit/>
-          </a:bodyPr>
-          <a:lstStyle/>
-          <a:p>
-            <a:pPr lvl="0" algn="ctr">
-              <a:spcBef>
-                <a:spcPct val="0"/>
-              </a:spcBef>
-            </a:pPr>
-            <a:r>
-              <a:rPr lang="zh-CN" altLang="en-US" sz="4800" b="1" dirty="0">
-                <a:solidFill>
-                  <a:srgbClr val="660033"/>
-                </a:solidFill>
-                <a:effectLst>
-                  <a:outerShdw blurRad="38100" dist="38100" dir="2700000" algn="tl">
-                    <a:srgbClr val="000000">
-                      <a:alpha val="43137"/>
-                    </a:srgbClr>
-                  </a:outerShdw>
-                </a:effectLst>
-                <a:latin typeface="微軟正黑體" pitchFamily="34" charset="-120"/>
-                <a:ea typeface="微軟正黑體" pitchFamily="34" charset="-120"/>
-                <a:cs typeface="+mj-cs"/>
-              </a:rPr>
-              <a:t>出</a:t>
-            </a:r>
-            <a:r>
-              <a:rPr lang="zh-CN" altLang="en-US" sz="4800" b="1" dirty="0" smtClean="0">
-                <a:solidFill>
-                  <a:srgbClr val="660033"/>
-                </a:solidFill>
-                <a:effectLst>
-                  <a:outerShdw blurRad="38100" dist="38100" dir="2700000" algn="tl">
-                    <a:srgbClr val="000000">
-                      <a:alpha val="43137"/>
-                    </a:srgbClr>
-                  </a:outerShdw>
-                </a:effectLst>
-                <a:latin typeface="微軟正黑體" pitchFamily="34" charset="-120"/>
-                <a:ea typeface="微軟正黑體" pitchFamily="34" charset="-120"/>
-                <a:cs typeface="+mj-cs"/>
-              </a:rPr>
-              <a:t> 六：</a:t>
-            </a:r>
-            <a:r>
-              <a:rPr lang="en-US" altLang="zh-CN" sz="4800" b="1" dirty="0" smtClean="0">
-                <a:solidFill>
-                  <a:srgbClr val="660033"/>
-                </a:solidFill>
-                <a:effectLst>
-                  <a:outerShdw blurRad="38100" dist="38100" dir="2700000" algn="tl">
-                    <a:srgbClr val="000000">
-                      <a:alpha val="43137"/>
-                    </a:srgbClr>
-                  </a:outerShdw>
-                </a:effectLst>
-                <a:latin typeface="微軟正黑體" pitchFamily="34" charset="-120"/>
-                <a:ea typeface="微軟正黑體" pitchFamily="34" charset="-120"/>
-                <a:cs typeface="+mj-cs"/>
-              </a:rPr>
-              <a:t>2 - 4</a:t>
-            </a:r>
-            <a:endParaRPr lang="zh-TW" altLang="en-US" sz="4800" b="1" dirty="0">
-              <a:solidFill>
-                <a:srgbClr val="660033"/>
-              </a:solidFill>
-              <a:effectLst>
-                <a:outerShdw blurRad="38100" dist="38100" dir="2700000" algn="tl">
-                  <a:srgbClr val="000000">
-                    <a:alpha val="43137"/>
-                  </a:srgbClr>
-                </a:outerShdw>
-              </a:effectLst>
-              <a:latin typeface="微軟正黑體" pitchFamily="34" charset="-120"/>
-              <a:ea typeface="微軟正黑體" pitchFamily="34" charset="-120"/>
-              <a:cs typeface="+mj-cs"/>
             </a:endParaRPr>
           </a:p>
         </p:txBody>
@@ -5278,88 +4904,58 @@
       </p:grpSpPr>
       <p:sp>
         <p:nvSpPr>
-          <p:cNvPr id="5" name="Content Placeholder 4"/>
-          <p:cNvSpPr>
-            <a:spLocks noGrp="1"/>
-          </p:cNvSpPr>
-          <p:nvPr>
-            <p:ph idx="4294967295"/>
+          <p:cNvPr id="2" name="標題 1"/>
+          <p:cNvSpPr>
+            <a:spLocks noGrp="1"/>
+          </p:cNvSpPr>
+          <p:nvPr>
+            <p:ph type="title" idx="4294967295"/>
           </p:nvPr>
         </p:nvSpPr>
         <p:spPr>
           <a:xfrm>
-            <a:off x="0" y="0"/>
-            <a:ext cx="8892480" cy="5143500"/>
+            <a:off x="0" y="2257425"/>
+            <a:ext cx="9144000" cy="628650"/>
           </a:xfrm>
         </p:spPr>
         <p:txBody>
-          <a:bodyPr anchor="ctr">
+          <a:bodyPr>
             <a:noAutofit/>
           </a:bodyPr>
           <a:lstStyle/>
           <a:p>
-            <a:r>
-              <a:rPr lang="en-US" altLang="zh-TW" sz="4800" b="1" dirty="0" err="1">
+            <a:pPr algn="ctr"/>
+            <a:r>
+              <a:rPr lang="zh-CN" altLang="en-US" sz="7200" b="1" dirty="0">
                 <a:solidFill>
                   <a:srgbClr val="000066"/>
                 </a:solidFill>
-                <a:latin typeface="微軟正黑體" pitchFamily="34" charset="-120"/>
-                <a:ea typeface="微軟正黑體" pitchFamily="34" charset="-120"/>
-              </a:rPr>
-              <a:t>Exo</a:t>
-            </a:r>
-            <a:r>
-              <a:rPr lang="en-US" altLang="zh-TW" sz="4800" b="1" dirty="0">
-                <a:solidFill>
-                  <a:srgbClr val="000066"/>
-                </a:solidFill>
-                <a:latin typeface="微軟正黑體" pitchFamily="34" charset="-120"/>
-                <a:ea typeface="微軟正黑體" pitchFamily="34" charset="-120"/>
-              </a:rPr>
-              <a:t> 6:2</a:t>
-            </a:r>
-            <a:r>
-              <a:rPr lang="zh-TW" altLang="en-US" sz="4800" b="1" dirty="0">
-                <a:solidFill>
-                  <a:srgbClr val="000066"/>
-                </a:solidFill>
-                <a:latin typeface="微軟正黑體" pitchFamily="34" charset="-120"/>
-                <a:ea typeface="微軟正黑體" pitchFamily="34" charset="-120"/>
-              </a:rPr>
-              <a:t>  神曉諭摩西說：「我是耶和華。 </a:t>
-            </a:r>
-          </a:p>
-          <a:p>
-            <a:r>
-              <a:rPr lang="en-US" altLang="zh-TW" sz="4800" b="1" dirty="0" err="1">
-                <a:solidFill>
-                  <a:srgbClr val="000066"/>
-                </a:solidFill>
-                <a:latin typeface="微軟正黑體" pitchFamily="34" charset="-120"/>
-                <a:ea typeface="微軟正黑體" pitchFamily="34" charset="-120"/>
-              </a:rPr>
-              <a:t>Exo</a:t>
-            </a:r>
-            <a:r>
-              <a:rPr lang="en-US" altLang="zh-TW" sz="4800" b="1" dirty="0">
-                <a:solidFill>
-                  <a:srgbClr val="000066"/>
-                </a:solidFill>
-                <a:latin typeface="微軟正黑體" pitchFamily="34" charset="-120"/>
-                <a:ea typeface="微軟正黑體" pitchFamily="34" charset="-120"/>
-              </a:rPr>
-              <a:t> 6:3</a:t>
-            </a:r>
-            <a:r>
-              <a:rPr lang="zh-TW" altLang="en-US" sz="4800" b="1" dirty="0">
-                <a:solidFill>
-                  <a:srgbClr val="000066"/>
-                </a:solidFill>
-                <a:latin typeface="微軟正黑體" pitchFamily="34" charset="-120"/>
-                <a:ea typeface="微軟正黑體" pitchFamily="34" charset="-120"/>
-              </a:rPr>
-              <a:t>  我從前向亞伯拉罕、以撒、雅各顯現為全能的神；至於我名耶和華，他們未曾知道。 </a:t>
-            </a:r>
+                <a:effectLst>
+                  <a:outerShdw blurRad="38100" dist="38100" dir="2700000" algn="tl">
+                    <a:srgbClr val="000000">
+                      <a:alpha val="43137"/>
+                    </a:srgbClr>
+                  </a:outerShdw>
+                </a:effectLst>
+                <a:latin typeface="微軟正黑體" pitchFamily="34" charset="-120"/>
+                <a:ea typeface="微軟正黑體" pitchFamily="34" charset="-120"/>
+              </a:rPr>
+              <a:t>回應詩歌</a:t>
+            </a:r>
+            <a:endParaRPr lang="zh-TW" altLang="en-US" sz="7200" b="1" dirty="0">
+              <a:solidFill>
+                <a:srgbClr val="000066"/>
+              </a:solidFill>
+              <a:effectLst>
+                <a:outerShdw blurRad="38100" dist="38100" dir="2700000" algn="tl">
+                  <a:srgbClr val="000000">
+                    <a:alpha val="43137"/>
+                  </a:srgbClr>
+                </a:outerShdw>
+              </a:effectLst>
+              <a:latin typeface="微軟正黑體" pitchFamily="34" charset="-120"/>
+              <a:ea typeface="微軟正黑體" pitchFamily="34" charset="-120"/>
+            </a:endParaRPr>
           </a:p>
         </p:txBody>
       </p:sp>
@@ -5397,18 +4993,18 @@
       </p:grpSpPr>
       <p:sp>
         <p:nvSpPr>
-          <p:cNvPr id="2" name="標題 1"/>
-          <p:cNvSpPr>
-            <a:spLocks noGrp="1"/>
-          </p:cNvSpPr>
-          <p:nvPr>
-            <p:ph type="title" idx="4294967295"/>
+          <p:cNvPr id="4" name="標題 3"/>
+          <p:cNvSpPr>
+            <a:spLocks noGrp="1"/>
+          </p:cNvSpPr>
+          <p:nvPr>
+            <p:ph type="title"/>
           </p:nvPr>
         </p:nvSpPr>
         <p:spPr>
           <a:xfrm>
-            <a:off x="0" y="550069"/>
-            <a:ext cx="9144000" cy="628650"/>
+            <a:off x="0" y="2143135"/>
+            <a:ext cx="9144000" cy="857250"/>
           </a:xfrm>
         </p:spPr>
         <p:txBody>
@@ -5417,9 +5013,8 @@
           </a:bodyPr>
           <a:lstStyle/>
           <a:p>
-            <a:pPr algn="ctr"/>
-            <a:r>
-              <a:rPr lang="zh-CN" altLang="en-US" sz="8800" b="1" dirty="0" smtClean="0">
+            <a:r>
+              <a:rPr lang="zh-CN" altLang="en-US" sz="4000" b="1" u="sng" dirty="0" smtClean="0">
                 <a:solidFill>
                   <a:srgbClr val="000066"/>
                 </a:solidFill>
@@ -5433,53 +5028,10 @@
                 <a:latin typeface="微軟正黑體" pitchFamily="34" charset="-120"/>
                 <a:ea typeface="微軟正黑體" pitchFamily="34" charset="-120"/>
               </a:rPr>
-              <a:t>證道</a:t>
-            </a:r>
-            <a:endParaRPr lang="zh-TW" altLang="en-US" sz="8800" b="1" dirty="0">
-              <a:solidFill>
-                <a:srgbClr val="000066"/>
-              </a:solidFill>
-              <a:effectLst>
-                <a:outerShdw blurRad="38100" dist="38100" dir="2700000" algn="tl">
-                  <a:srgbClr val="000000">
-                    <a:alpha val="43137"/>
-                  </a:srgbClr>
-                </a:outerShdw>
-              </a:effectLst>
-              <a:latin typeface="微軟正黑體" pitchFamily="34" charset="-120"/>
-              <a:ea typeface="微軟正黑體" pitchFamily="34" charset="-120"/>
-            </a:endParaRPr>
-          </a:p>
-        </p:txBody>
-      </p:sp>
-      <p:sp>
-        <p:nvSpPr>
-          <p:cNvPr id="4" name="標題 1"/>
-          <p:cNvSpPr txBox="1"/>
-          <p:nvPr/>
-        </p:nvSpPr>
-        <p:spPr>
-          <a:xfrm>
-            <a:off x="0" y="3589742"/>
-            <a:ext cx="9144000" cy="628650"/>
-          </a:xfrm>
-          <a:prstGeom prst="rect">
-            <a:avLst/>
-          </a:prstGeom>
-        </p:spPr>
-        <p:txBody>
-          <a:bodyPr anchor="ctr">
-            <a:noAutofit/>
-          </a:bodyPr>
-          <a:lstStyle/>
-          <a:p>
-            <a:pPr lvl="0" algn="ctr">
-              <a:spcBef>
-                <a:spcPct val="0"/>
-              </a:spcBef>
-            </a:pPr>
-            <a:r>
-              <a:rPr lang="zh-CN" altLang="en-US" sz="5400" b="1" dirty="0" smtClean="0">
+              <a:t>宣道詩 </a:t>
+            </a:r>
+            <a:r>
+              <a:rPr lang="en-US" altLang="zh-CN" sz="4000" b="1" u="sng" dirty="0" smtClean="0">
                 <a:solidFill>
                   <a:srgbClr val="000066"/>
                 </a:solidFill>
@@ -5492,14 +5044,13 @@
                 </a:effectLst>
                 <a:latin typeface="微軟正黑體" pitchFamily="34" charset="-120"/>
                 <a:ea typeface="微軟正黑體" pitchFamily="34" charset="-120"/>
-                <a:cs typeface="+mj-cs"/>
-              </a:rPr>
-              <a:t>黃德光</a:t>
-            </a:r>
-            <a:r>
-              <a:rPr lang="zh-CN" altLang="en-US" sz="4800" b="1" dirty="0" smtClean="0">
-                <a:solidFill>
-                  <a:srgbClr val="000066"/>
+              </a:rPr>
+              <a:t>101</a:t>
+            </a:r>
+            <a:r>
+              <a:rPr lang="en-US" altLang="zh-CN" sz="5400" b="1" i="1" dirty="0" smtClean="0">
+                <a:solidFill>
+                  <a:srgbClr val="660033"/>
                 </a:solidFill>
                 <a:effectLst>
                   <a:outerShdw blurRad="38100" dist="38100" dir="2700000" algn="tl">
@@ -5510,14 +5061,13 @@
                 </a:effectLst>
                 <a:latin typeface="微軟正黑體" pitchFamily="34" charset="-120"/>
                 <a:ea typeface="微軟正黑體" pitchFamily="34" charset="-120"/>
-                <a:cs typeface="+mj-cs"/>
-              </a:rPr>
-              <a:t> </a:t>
-            </a:r>
-            <a:r>
-              <a:rPr lang="zh-CN" altLang="en-US" sz="4000" b="1" dirty="0" smtClean="0">
-                <a:solidFill>
-                  <a:srgbClr val="000066"/>
+              </a:rPr>
+              <a:t/>
+            </a:r>
+            <a:br>
+              <a:rPr lang="en-US" altLang="zh-CN" sz="5400" b="1" i="1" dirty="0" smtClean="0">
+                <a:solidFill>
+                  <a:srgbClr val="660033"/>
                 </a:solidFill>
                 <a:effectLst>
                   <a:outerShdw blurRad="38100" dist="38100" dir="2700000" algn="tl">
@@ -5528,56 +5078,10 @@
                 </a:effectLst>
                 <a:latin typeface="微軟正黑體" pitchFamily="34" charset="-120"/>
                 <a:ea typeface="微軟正黑體" pitchFamily="34" charset="-120"/>
-                <a:cs typeface="+mj-cs"/>
-              </a:rPr>
-              <a:t>傳道</a:t>
-            </a:r>
-            <a:endParaRPr lang="zh-TW" altLang="en-US" sz="4800" b="1" dirty="0">
-              <a:solidFill>
-                <a:srgbClr val="000066"/>
-              </a:solidFill>
-              <a:effectLst>
-                <a:outerShdw blurRad="38100" dist="38100" dir="2700000" algn="tl">
-                  <a:srgbClr val="000000">
-                    <a:alpha val="43137"/>
-                  </a:srgbClr>
-                </a:outerShdw>
-              </a:effectLst>
-              <a:latin typeface="微軟正黑體" pitchFamily="34" charset="-120"/>
-              <a:ea typeface="微軟正黑體" pitchFamily="34" charset="-120"/>
-              <a:cs typeface="+mj-cs"/>
-            </a:endParaRPr>
-          </a:p>
-        </p:txBody>
-      </p:sp>
-      <p:sp>
-        <p:nvSpPr>
-          <p:cNvPr id="5" name="標題 1"/>
-          <p:cNvSpPr txBox="1"/>
-          <p:nvPr/>
-        </p:nvSpPr>
-        <p:spPr>
-          <a:xfrm>
-            <a:off x="0" y="2103836"/>
-            <a:ext cx="9144000" cy="628650"/>
-          </a:xfrm>
-          <a:prstGeom prst="rect">
-            <a:avLst/>
-          </a:prstGeom>
-        </p:spPr>
-        <p:txBody>
-          <a:bodyPr anchor="ctr">
-            <a:noAutofit/>
-          </a:bodyPr>
-          <a:lstStyle/>
-          <a:p>
-            <a:pPr lvl="0" algn="ctr">
-              <a:spcBef>
-                <a:spcPct val="0"/>
-              </a:spcBef>
-            </a:pPr>
-            <a:r>
-              <a:rPr lang="zh-CN" altLang="en-US" sz="6000" b="1" dirty="0" smtClean="0">
+              </a:rPr>
+            </a:br>
+            <a:r>
+              <a:rPr lang="zh-TW" altLang="en-US" sz="6000" b="1" dirty="0" smtClean="0">
                 <a:solidFill>
                   <a:srgbClr val="660033"/>
                 </a:solidFill>
@@ -5590,12 +5094,11 @@
                 </a:effectLst>
                 <a:latin typeface="微軟正黑體" pitchFamily="34" charset="-120"/>
                 <a:ea typeface="微軟正黑體" pitchFamily="34" charset="-120"/>
-                <a:cs typeface="+mj-cs"/>
-              </a:rPr>
-              <a:t>主題：</a:t>
-            </a:r>
-            <a:r>
-              <a:rPr lang="zh-CN" altLang="en-US" sz="6000" b="1" dirty="0">
+              </a:rPr>
+              <a:t>我</a:t>
+            </a:r>
+            <a:r>
+              <a:rPr lang="zh-TW" altLang="en-US" sz="6000" b="1" dirty="0">
                 <a:solidFill>
                   <a:srgbClr val="660033"/>
                 </a:solidFill>
@@ -5608,109 +5111,18 @@
                 </a:effectLst>
                 <a:latin typeface="微軟正黑體" pitchFamily="34" charset="-120"/>
                 <a:ea typeface="微軟正黑體" pitchFamily="34" charset="-120"/>
-                <a:cs typeface="+mj-cs"/>
-              </a:rPr>
-              <a:t>全</a:t>
-            </a:r>
-            <a:r>
-              <a:rPr lang="zh-CN" altLang="en-US" sz="6000" b="1" dirty="0" smtClean="0">
-                <a:solidFill>
-                  <a:srgbClr val="660033"/>
-                </a:solidFill>
-                <a:effectLst>
-                  <a:outerShdw blurRad="38100" dist="38100" dir="2700000" algn="tl">
-                    <a:srgbClr val="000000">
-                      <a:alpha val="43137"/>
-                    </a:srgbClr>
-                  </a:outerShdw>
-                </a:effectLst>
-                <a:latin typeface="微軟正黑體" pitchFamily="34" charset="-120"/>
-                <a:ea typeface="微軟正黑體" pitchFamily="34" charset="-120"/>
-                <a:cs typeface="+mj-cs"/>
-              </a:rPr>
-              <a:t>能的神</a:t>
-            </a:r>
-            <a:endParaRPr lang="zh-TW" altLang="en-US" sz="6000" b="1" dirty="0">
-              <a:solidFill>
-                <a:srgbClr val="660033"/>
-              </a:solidFill>
-              <a:effectLst>
-                <a:outerShdw blurRad="38100" dist="38100" dir="2700000" algn="tl">
-                  <a:srgbClr val="000000">
-                    <a:alpha val="43137"/>
-                  </a:srgbClr>
-                </a:outerShdw>
-              </a:effectLst>
-              <a:latin typeface="微軟正黑體" pitchFamily="34" charset="-120"/>
-              <a:ea typeface="微軟正黑體" pitchFamily="34" charset="-120"/>
-              <a:cs typeface="+mj-cs"/>
-            </a:endParaRPr>
-          </a:p>
-        </p:txBody>
-      </p:sp>
-      <p:sp>
-        <p:nvSpPr>
-          <p:cNvPr id="6" name="標題 1"/>
-          <p:cNvSpPr txBox="1"/>
-          <p:nvPr/>
-        </p:nvSpPr>
-        <p:spPr>
-          <a:xfrm>
-            <a:off x="0" y="4415572"/>
-            <a:ext cx="9144000" cy="628650"/>
-          </a:xfrm>
-          <a:prstGeom prst="rect">
-            <a:avLst/>
-          </a:prstGeom>
-        </p:spPr>
-        <p:txBody>
-          <a:bodyPr anchor="ctr">
-            <a:noAutofit/>
-          </a:bodyPr>
-          <a:lstStyle/>
-          <a:p>
-            <a:pPr lvl="0" algn="ctr">
-              <a:spcBef>
-                <a:spcPct val="0"/>
-              </a:spcBef>
-            </a:pPr>
-            <a:r>
-              <a:rPr lang="zh-CN" altLang="en-US" sz="4800" b="1" smtClean="0">
-                <a:solidFill>
-                  <a:srgbClr val="000066"/>
-                </a:solidFill>
-                <a:effectLst>
-                  <a:outerShdw blurRad="38100" dist="38100" dir="2700000" algn="tl">
-                    <a:srgbClr val="000000">
-                      <a:alpha val="43137"/>
-                    </a:srgbClr>
-                  </a:outerShdw>
-                </a:effectLst>
-                <a:latin typeface="微軟正黑體" pitchFamily="34" charset="-120"/>
-                <a:ea typeface="微軟正黑體" pitchFamily="34" charset="-120"/>
-                <a:cs typeface="+mj-cs"/>
-              </a:rPr>
-              <a:t>主任牧師</a:t>
-            </a:r>
-            <a:endParaRPr lang="zh-TW" altLang="en-US" sz="4800" b="1" dirty="0">
-              <a:solidFill>
-                <a:srgbClr val="000066"/>
-              </a:solidFill>
-              <a:effectLst>
-                <a:outerShdw blurRad="38100" dist="38100" dir="2700000" algn="tl">
-                  <a:srgbClr val="000000">
-                    <a:alpha val="43137"/>
-                  </a:srgbClr>
-                </a:outerShdw>
-              </a:effectLst>
-              <a:latin typeface="微軟正黑體" pitchFamily="34" charset="-120"/>
-              <a:ea typeface="微軟正黑體" pitchFamily="34" charset="-120"/>
-              <a:cs typeface="+mj-cs"/>
-            </a:endParaRPr>
+              </a:rPr>
+              <a:t>只是個罪人</a:t>
+            </a:r>
           </a:p>
         </p:txBody>
       </p:sp>
     </p:spTree>
+    <p:extLst>
+      <p:ext uri="{BB962C8B-B14F-4D97-AF65-F5344CB8AC3E}">
+        <p14:creationId xmlns:p14="http://schemas.microsoft.com/office/powerpoint/2010/main" val="3724263107"/>
+      </p:ext>
+    </p:extLst>
   </p:cSld>
   <p:clrMapOvr>
     <a:masterClrMapping/>
@@ -5744,62 +5156,115 @@
       </p:grpSpPr>
       <p:sp>
         <p:nvSpPr>
-          <p:cNvPr id="2" name="標題 1"/>
-          <p:cNvSpPr>
-            <a:spLocks noGrp="1"/>
-          </p:cNvSpPr>
-          <p:nvPr>
-            <p:ph type="title" idx="4294967295"/>
+          <p:cNvPr id="5" name="內容版面配置區 4"/>
+          <p:cNvSpPr>
+            <a:spLocks noGrp="1"/>
+          </p:cNvSpPr>
+          <p:nvPr>
+            <p:ph idx="1"/>
           </p:nvPr>
         </p:nvSpPr>
         <p:spPr>
           <a:xfrm>
-            <a:off x="0" y="2257425"/>
-            <a:ext cx="9144000" cy="628650"/>
+            <a:off x="0" y="1563638"/>
+            <a:ext cx="9144000" cy="1803647"/>
           </a:xfrm>
         </p:spPr>
         <p:txBody>
-          <a:bodyPr>
-            <a:noAutofit/>
+          <a:bodyPr anchor="ctr">
+            <a:normAutofit/>
           </a:bodyPr>
           <a:lstStyle/>
           <a:p>
-            <a:pPr algn="ctr"/>
-            <a:r>
-              <a:rPr lang="zh-CN" altLang="en-US" sz="7200" b="1" dirty="0" smtClean="0">
-                <a:solidFill>
-                  <a:srgbClr val="000066"/>
-                </a:solidFill>
-                <a:effectLst>
-                  <a:outerShdw blurRad="38100" dist="38100" dir="2700000" algn="tl">
-                    <a:srgbClr val="000000">
-                      <a:alpha val="43137"/>
-                    </a:srgbClr>
-                  </a:outerShdw>
-                </a:effectLst>
-                <a:latin typeface="微軟正黑體" pitchFamily="34" charset="-120"/>
-                <a:ea typeface="微軟正黑體" pitchFamily="34" charset="-120"/>
-              </a:rPr>
-              <a:t>回應禱告</a:t>
-            </a:r>
-            <a:endParaRPr lang="zh-TW" altLang="en-US" sz="7200" b="1" dirty="0">
+            <a:pPr marL="0" indent="0" algn="ctr">
+              <a:buNone/>
+            </a:pPr>
+            <a:r>
+              <a:rPr lang="zh-TW" altLang="en-US" sz="4800" b="1" dirty="0">
+                <a:solidFill>
+                  <a:srgbClr val="660033"/>
+                </a:solidFill>
+                <a:latin typeface="Microsoft JhengHei" pitchFamily="34" charset="-120"/>
+                <a:ea typeface="Microsoft JhengHei" pitchFamily="34" charset="-120"/>
+              </a:rPr>
+              <a:t>我一切所有  無非是接受</a:t>
+            </a:r>
+            <a:endParaRPr lang="en-US" altLang="zh-TW" sz="4800" b="1" dirty="0">
               <a:solidFill>
-                <a:srgbClr val="000066"/>
+                <a:srgbClr val="660033"/>
               </a:solidFill>
-              <a:effectLst>
-                <a:outerShdw blurRad="38100" dist="38100" dir="2700000" algn="tl">
-                  <a:srgbClr val="000000">
-                    <a:alpha val="43137"/>
-                  </a:srgbClr>
-                </a:outerShdw>
-              </a:effectLst>
-              <a:latin typeface="微軟正黑體" pitchFamily="34" charset="-120"/>
-              <a:ea typeface="微軟正黑體" pitchFamily="34" charset="-120"/>
+              <a:latin typeface="Microsoft JhengHei" pitchFamily="34" charset="-120"/>
+              <a:ea typeface="Microsoft JhengHei" pitchFamily="34" charset="-120"/>
             </a:endParaRPr>
           </a:p>
+          <a:p>
+            <a:pPr marL="0" indent="0" algn="ctr">
+              <a:buNone/>
+            </a:pPr>
+            <a:r>
+              <a:rPr lang="zh-TW" altLang="en-US" sz="4800" b="1" dirty="0">
+                <a:solidFill>
+                  <a:srgbClr val="660033"/>
+                </a:solidFill>
+                <a:latin typeface="Microsoft JhengHei" pitchFamily="34" charset="-120"/>
+                <a:ea typeface="Microsoft JhengHei" pitchFamily="34" charset="-120"/>
+              </a:rPr>
+              <a:t>都是主賜下  在我信之後</a:t>
+            </a:r>
+            <a:endParaRPr lang="en-US" altLang="zh-TW" sz="4800" b="1" dirty="0">
+              <a:solidFill>
+                <a:srgbClr val="660033"/>
+              </a:solidFill>
+              <a:latin typeface="Microsoft JhengHei" pitchFamily="34" charset="-120"/>
+              <a:ea typeface="Microsoft JhengHei" pitchFamily="34" charset="-120"/>
+            </a:endParaRPr>
+          </a:p>
+        </p:txBody>
+      </p:sp>
+      <p:sp>
+        <p:nvSpPr>
+          <p:cNvPr id="3" name="TextBox 2"/>
+          <p:cNvSpPr txBox="1"/>
+          <p:nvPr/>
+        </p:nvSpPr>
+        <p:spPr>
+          <a:xfrm>
+            <a:off x="251520" y="1659230"/>
+            <a:ext cx="936104" cy="830997"/>
+          </a:xfrm>
+          <a:prstGeom prst="rect">
+            <a:avLst/>
+          </a:prstGeom>
+          <a:noFill/>
+        </p:spPr>
+        <p:txBody>
+          <a:bodyPr wrap="square" rtlCol="0">
+            <a:spAutoFit/>
+          </a:bodyPr>
+          <a:lstStyle/>
+          <a:p>
+            <a:r>
+              <a:rPr lang="en-US" sz="4800" b="1" dirty="0" smtClean="0">
+                <a:solidFill>
+                  <a:srgbClr val="660033"/>
+                </a:solidFill>
+              </a:rPr>
+              <a:t>1.</a:t>
+            </a:r>
+            <a:endParaRPr lang="vi-VN" sz="4800" b="1" dirty="0">
+              <a:solidFill>
+                <a:srgbClr val="660033"/>
+              </a:solidFill>
+            </a:endParaRPr>
+          </a:p>
         </p:txBody>
       </p:sp>
     </p:spTree>
+    <p:extLst>
+      <p:ext uri="{BB962C8B-B14F-4D97-AF65-F5344CB8AC3E}">
+        <p14:creationId xmlns:p14="http://schemas.microsoft.com/office/powerpoint/2010/main" val="399046055"/>
+      </p:ext>
+    </p:extLst>
   </p:cSld>
   <p:clrMapOvr>
     <a:masterClrMapping/>
@@ -5965,7 +5430,7 @@
         </p:nvSpPr>
         <p:spPr>
           <a:xfrm>
-            <a:off x="0" y="2257425"/>
+            <a:off x="149" y="2257505"/>
             <a:ext cx="9144000" cy="628650"/>
           </a:xfrm>
         </p:spPr>
@@ -5975,7 +5440,6 @@
           </a:bodyPr>
           <a:lstStyle/>
           <a:p>
-            <a:pPr algn="ctr"/>
             <a:r>
               <a:rPr lang="zh-CN" altLang="en-US" sz="7200" b="1" dirty="0">
                 <a:solidFill>
@@ -5991,7 +5455,41 @@
                 <a:latin typeface="微軟正黑體" pitchFamily="34" charset="-120"/>
                 <a:ea typeface="微軟正黑體" pitchFamily="34" charset="-120"/>
               </a:rPr>
-              <a:t>回應詩歌</a:t>
+              <a:t>家事分</a:t>
+            </a:r>
+            <a:r>
+              <a:rPr lang="zh-CN" altLang="en-US" sz="7200" b="1" dirty="0" smtClean="0">
+                <a:solidFill>
+                  <a:srgbClr val="000066"/>
+                </a:solidFill>
+                <a:effectLst>
+                  <a:outerShdw blurRad="38100" dist="38100" dir="2700000" algn="tl">
+                    <a:srgbClr val="000000">
+                      <a:alpha val="43137"/>
+                    </a:srgbClr>
+                  </a:outerShdw>
+                </a:effectLst>
+                <a:latin typeface="微軟正黑體" pitchFamily="34" charset="-120"/>
+                <a:ea typeface="微軟正黑體" pitchFamily="34" charset="-120"/>
+              </a:rPr>
+              <a:t>享代</a:t>
+            </a:r>
+            <a:r>
+              <a:rPr lang="zh-CN" altLang="en-US" sz="7200" b="1" dirty="0">
+                <a:solidFill>
+                  <a:srgbClr val="000066"/>
+                </a:solidFill>
+                <a:effectLst>
+                  <a:outerShdw blurRad="38100" dist="38100" dir="2700000" algn="tl">
+                    <a:srgbClr val="000000">
+                      <a:alpha val="43137"/>
+                    </a:srgbClr>
+                  </a:outerShdw>
+                </a:effectLst>
+                <a:latin typeface="微軟正黑體" pitchFamily="34" charset="-120"/>
+                <a:ea typeface="微軟正黑體" pitchFamily="34" charset="-120"/>
+              </a:rPr>
+              <a:t>禱</a:t>
             </a:r>
             <a:endParaRPr lang="zh-TW" altLang="en-US" sz="7200" b="1" dirty="0">
               <a:solidFill>
@@ -6049,13 +5547,13 @@
             <a:spLocks noGrp="1"/>
           </p:cNvSpPr>
           <p:nvPr>
-            <p:ph type="title" idx="4294967295"/>
+            <p:ph type="title"/>
           </p:nvPr>
         </p:nvSpPr>
         <p:spPr>
           <a:xfrm>
-            <a:off x="0" y="2257430"/>
-            <a:ext cx="9144000" cy="628650"/>
+            <a:off x="0" y="300026"/>
+            <a:ext cx="8991600" cy="628650"/>
           </a:xfrm>
         </p:spPr>
         <p:txBody>
@@ -6065,35 +5563,196 @@
           <a:lstStyle/>
           <a:p>
             <a:r>
-              <a:rPr lang="zh-CN" altLang="en-US" sz="7200" b="1" dirty="0">
+              <a:rPr lang="zh-CN" altLang="en-US" sz="4000" b="1" dirty="0" smtClean="0">
                 <a:solidFill>
                   <a:srgbClr val="000066"/>
                 </a:solidFill>
+                <a:latin typeface="微軟正黑體" pitchFamily="34" charset="-120"/>
+                <a:ea typeface="微軟正黑體" pitchFamily="34" charset="-120"/>
+              </a:rPr>
+              <a:t>三一頌</a:t>
+            </a:r>
+            <a:endParaRPr lang="zh-TW" altLang="en-US" sz="4000" b="1" dirty="0">
+              <a:solidFill>
+                <a:srgbClr val="000066"/>
+              </a:solidFill>
+              <a:latin typeface="微軟正黑體" pitchFamily="34" charset="-120"/>
+              <a:ea typeface="微軟正黑體" pitchFamily="34" charset="-120"/>
+            </a:endParaRPr>
+          </a:p>
+        </p:txBody>
+      </p:sp>
+      <p:sp>
+        <p:nvSpPr>
+          <p:cNvPr id="4" name="內容版面配置區 3"/>
+          <p:cNvSpPr>
+            <a:spLocks noGrp="1"/>
+          </p:cNvSpPr>
+          <p:nvPr>
+            <p:ph idx="1"/>
+          </p:nvPr>
+        </p:nvSpPr>
+        <p:spPr>
+          <a:xfrm>
+            <a:off x="0" y="1285866"/>
+            <a:ext cx="9144000" cy="3857634"/>
+          </a:xfrm>
+        </p:spPr>
+        <p:txBody>
+          <a:bodyPr>
+            <a:noAutofit/>
+          </a:bodyPr>
+          <a:lstStyle/>
+          <a:p>
+            <a:pPr algn="ctr">
+              <a:buNone/>
+            </a:pPr>
+            <a:r>
+              <a:rPr lang="zh-CN" altLang="en-US" sz="4800" b="1" dirty="0" smtClean="0">
+                <a:solidFill>
+                  <a:srgbClr val="000066"/>
+                </a:solidFill>
                 <a:effectLst>
-                  <a:outerShdw blurRad="38100" dist="38100" dir="2700000" algn="tl">
+                  <a:outerShdw blurRad="50000" dist="30000" dir="5400000" algn="tl" rotWithShape="0">
                     <a:srgbClr val="000000">
-                      <a:alpha val="43137"/>
+                      <a:alpha val="30000"/>
                     </a:srgbClr>
                   </a:outerShdw>
                 </a:effectLst>
                 <a:latin typeface="微軟正黑體" pitchFamily="34" charset="-120"/>
                 <a:ea typeface="微軟正黑體" pitchFamily="34" charset="-120"/>
-              </a:rPr>
-              <a:t>聖餐禮</a:t>
-            </a:r>
-            <a:endParaRPr lang="zh-TW" altLang="en-US" sz="7200" b="1" dirty="0">
+                <a:cs typeface="+mj-cs"/>
+              </a:rPr>
+              <a:t>讚美天父愛世慈仁</a:t>
+            </a:r>
+            <a:endParaRPr lang="en-US" altLang="zh-CN" sz="4800" b="1" dirty="0" smtClean="0">
               <a:solidFill>
                 <a:srgbClr val="000066"/>
               </a:solidFill>
               <a:effectLst>
-                <a:outerShdw blurRad="38100" dist="38100" dir="2700000" algn="tl">
+                <a:outerShdw blurRad="50000" dist="30000" dir="5400000" algn="tl" rotWithShape="0">
                   <a:srgbClr val="000000">
-                    <a:alpha val="43137"/>
+                    <a:alpha val="30000"/>
                   </a:srgbClr>
                 </a:outerShdw>
               </a:effectLst>
               <a:latin typeface="微軟正黑體" pitchFamily="34" charset="-120"/>
               <a:ea typeface="微軟正黑體" pitchFamily="34" charset="-120"/>
+              <a:cs typeface="+mj-cs"/>
+            </a:endParaRPr>
+          </a:p>
+          <a:p>
+            <a:pPr algn="ctr">
+              <a:buNone/>
+            </a:pPr>
+            <a:r>
+              <a:rPr lang="zh-CN" altLang="en-US" sz="4800" b="1" dirty="0" smtClean="0">
+                <a:solidFill>
+                  <a:srgbClr val="000066"/>
+                </a:solidFill>
+                <a:effectLst>
+                  <a:outerShdw blurRad="50000" dist="30000" dir="5400000" algn="tl" rotWithShape="0">
+                    <a:srgbClr val="000000">
+                      <a:alpha val="30000"/>
+                    </a:srgbClr>
+                  </a:outerShdw>
+                </a:effectLst>
+                <a:latin typeface="微軟正黑體" pitchFamily="34" charset="-120"/>
+                <a:ea typeface="微軟正黑體" pitchFamily="34" charset="-120"/>
+                <a:cs typeface="+mj-cs"/>
+              </a:rPr>
+              <a:t>讚美耶穌代贖洪恩</a:t>
+            </a:r>
+            <a:endParaRPr lang="en-US" altLang="zh-CN" sz="4800" b="1" dirty="0" smtClean="0">
+              <a:solidFill>
+                <a:srgbClr val="000066"/>
+              </a:solidFill>
+              <a:effectLst>
+                <a:outerShdw blurRad="50000" dist="30000" dir="5400000" algn="tl" rotWithShape="0">
+                  <a:srgbClr val="000000">
+                    <a:alpha val="30000"/>
+                  </a:srgbClr>
+                </a:outerShdw>
+              </a:effectLst>
+              <a:latin typeface="微軟正黑體" pitchFamily="34" charset="-120"/>
+              <a:ea typeface="微軟正黑體" pitchFamily="34" charset="-120"/>
+              <a:cs typeface="+mj-cs"/>
+            </a:endParaRPr>
+          </a:p>
+          <a:p>
+            <a:pPr algn="ctr">
+              <a:buNone/>
+            </a:pPr>
+            <a:r>
+              <a:rPr lang="zh-CN" altLang="en-US" sz="4800" b="1" dirty="0" smtClean="0">
+                <a:solidFill>
+                  <a:srgbClr val="000066"/>
+                </a:solidFill>
+                <a:effectLst>
+                  <a:outerShdw blurRad="50000" dist="30000" dir="5400000" algn="tl" rotWithShape="0">
+                    <a:srgbClr val="000000">
+                      <a:alpha val="30000"/>
+                    </a:srgbClr>
+                  </a:outerShdw>
+                </a:effectLst>
+                <a:latin typeface="微軟正黑體" pitchFamily="34" charset="-120"/>
+                <a:ea typeface="微軟正黑體" pitchFamily="34" charset="-120"/>
+                <a:cs typeface="+mj-cs"/>
+              </a:rPr>
+              <a:t>讚美聖靈開我茅塞</a:t>
+            </a:r>
+            <a:endParaRPr lang="en-US" altLang="zh-CN" sz="4800" b="1" dirty="0" smtClean="0">
+              <a:solidFill>
+                <a:srgbClr val="000066"/>
+              </a:solidFill>
+              <a:effectLst>
+                <a:outerShdw blurRad="50000" dist="30000" dir="5400000" algn="tl" rotWithShape="0">
+                  <a:srgbClr val="000000">
+                    <a:alpha val="30000"/>
+                  </a:srgbClr>
+                </a:outerShdw>
+              </a:effectLst>
+              <a:latin typeface="微軟正黑體" pitchFamily="34" charset="-120"/>
+              <a:ea typeface="微軟正黑體" pitchFamily="34" charset="-120"/>
+              <a:cs typeface="+mj-cs"/>
+            </a:endParaRPr>
+          </a:p>
+          <a:p>
+            <a:pPr algn="ctr">
+              <a:buNone/>
+            </a:pPr>
+            <a:r>
+              <a:rPr lang="zh-CN" altLang="en-US" sz="4800" b="1" dirty="0" smtClean="0">
+                <a:solidFill>
+                  <a:srgbClr val="000066"/>
+                </a:solidFill>
+                <a:effectLst>
+                  <a:outerShdw blurRad="50000" dist="30000" dir="5400000" algn="tl" rotWithShape="0">
+                    <a:srgbClr val="000000">
+                      <a:alpha val="30000"/>
+                    </a:srgbClr>
+                  </a:outerShdw>
+                </a:effectLst>
+                <a:latin typeface="微軟正黑體" pitchFamily="34" charset="-120"/>
+                <a:ea typeface="微軟正黑體" pitchFamily="34" charset="-120"/>
+                <a:cs typeface="+mj-cs"/>
+              </a:rPr>
+              <a:t>讚美三位合一真神</a:t>
+            </a:r>
+            <a:endParaRPr lang="zh-TW" altLang="en-US" sz="4800" b="1" dirty="0">
+              <a:solidFill>
+                <a:srgbClr val="000066"/>
+              </a:solidFill>
+              <a:effectLst>
+                <a:outerShdw blurRad="50000" dist="30000" dir="5400000" algn="tl" rotWithShape="0">
+                  <a:srgbClr val="000000">
+                    <a:alpha val="30000"/>
+                  </a:srgbClr>
+                </a:outerShdw>
+              </a:effectLst>
+              <a:latin typeface="微軟正黑體" pitchFamily="34" charset="-120"/>
+              <a:ea typeface="微軟正黑體" pitchFamily="34" charset="-120"/>
+              <a:cs typeface="+mj-cs"/>
             </a:endParaRPr>
           </a:p>
         </p:txBody>
@@ -6103,7 +5762,6 @@
   <p:clrMapOvr>
     <a:masterClrMapping/>
   </p:clrMapOvr>
-  <p:transition/>
   <p:timing>
     <p:tnLst>
       <p:par>
@@ -6138,13 +5796,13 @@
             <a:spLocks noGrp="1"/>
           </p:cNvSpPr>
           <p:nvPr>
-            <p:ph type="title" idx="4294967295"/>
+            <p:ph type="title"/>
           </p:nvPr>
         </p:nvSpPr>
         <p:spPr>
           <a:xfrm>
-            <a:off x="149" y="2257505"/>
-            <a:ext cx="9144000" cy="628650"/>
+            <a:off x="0" y="85712"/>
+            <a:ext cx="8991600" cy="628650"/>
           </a:xfrm>
         </p:spPr>
         <p:txBody>
@@ -6154,64 +5812,270 @@
           <a:lstStyle/>
           <a:p>
             <a:r>
-              <a:rPr lang="zh-CN" altLang="en-US" sz="7200" b="1" dirty="0">
+              <a:rPr lang="zh-CN" altLang="en-US" sz="4000" b="1" dirty="0" smtClean="0">
                 <a:solidFill>
                   <a:srgbClr val="000066"/>
                 </a:solidFill>
+                <a:latin typeface="微軟正黑體" pitchFamily="34" charset="-120"/>
+                <a:ea typeface="微軟正黑體" pitchFamily="34" charset="-120"/>
+              </a:rPr>
+              <a:t>公禱文</a:t>
+            </a:r>
+            <a:endParaRPr lang="zh-TW" altLang="en-US" sz="4000" b="1" dirty="0">
+              <a:solidFill>
+                <a:srgbClr val="000066"/>
+              </a:solidFill>
+              <a:latin typeface="微軟正黑體" pitchFamily="34" charset="-120"/>
+              <a:ea typeface="微軟正黑體" pitchFamily="34" charset="-120"/>
+            </a:endParaRPr>
+          </a:p>
+        </p:txBody>
+      </p:sp>
+      <p:sp>
+        <p:nvSpPr>
+          <p:cNvPr id="4" name="內容版面配置區 3"/>
+          <p:cNvSpPr>
+            <a:spLocks noGrp="1"/>
+          </p:cNvSpPr>
+          <p:nvPr>
+            <p:ph idx="1"/>
+          </p:nvPr>
+        </p:nvSpPr>
+        <p:spPr>
+          <a:xfrm>
+            <a:off x="0" y="785800"/>
+            <a:ext cx="9144000" cy="4357718"/>
+          </a:xfrm>
+        </p:spPr>
+        <p:txBody>
+          <a:bodyPr>
+            <a:noAutofit/>
+          </a:bodyPr>
+          <a:lstStyle/>
+          <a:p>
+            <a:pPr algn="ctr">
+              <a:buNone/>
+            </a:pPr>
+            <a:r>
+              <a:rPr lang="zh-CN" altLang="en-US" sz="4800" b="1" dirty="0" smtClean="0">
+                <a:solidFill>
+                  <a:srgbClr val="000066"/>
+                </a:solidFill>
                 <a:effectLst>
-                  <a:outerShdw blurRad="38100" dist="38100" dir="2700000" algn="tl">
+                  <a:outerShdw blurRad="50000" dist="30000" dir="5400000" algn="tl" rotWithShape="0">
                     <a:srgbClr val="000000">
-                      <a:alpha val="43137"/>
+                      <a:alpha val="30000"/>
                     </a:srgbClr>
                   </a:outerShdw>
                 </a:effectLst>
                 <a:latin typeface="微軟正黑體" pitchFamily="34" charset="-120"/>
                 <a:ea typeface="微軟正黑體" pitchFamily="34" charset="-120"/>
               </a:rPr>
-              <a:t>家事分</a:t>
-            </a:r>
-            <a:r>
-              <a:rPr lang="zh-CN" altLang="en-US" sz="7200" b="1" dirty="0" smtClean="0">
-                <a:solidFill>
-                  <a:srgbClr val="000066"/>
-                </a:solidFill>
-                <a:effectLst>
-                  <a:outerShdw blurRad="38100" dist="38100" dir="2700000" algn="tl">
-                    <a:srgbClr val="000000">
-                      <a:alpha val="43137"/>
-                    </a:srgbClr>
-                  </a:outerShdw>
-                </a:effectLst>
-                <a:latin typeface="微軟正黑體" pitchFamily="34" charset="-120"/>
-                <a:ea typeface="微軟正黑體" pitchFamily="34" charset="-120"/>
-              </a:rPr>
-              <a:t>享代</a:t>
-            </a:r>
-            <a:r>
-              <a:rPr lang="zh-CN" altLang="en-US" sz="7200" b="1" dirty="0">
-                <a:solidFill>
-                  <a:srgbClr val="000066"/>
-                </a:solidFill>
-                <a:effectLst>
-                  <a:outerShdw blurRad="38100" dist="38100" dir="2700000" algn="tl">
-                    <a:srgbClr val="000000">
-                      <a:alpha val="43137"/>
-                    </a:srgbClr>
-                  </a:outerShdw>
-                </a:effectLst>
-                <a:latin typeface="微軟正黑體" pitchFamily="34" charset="-120"/>
-                <a:ea typeface="微軟正黑體" pitchFamily="34" charset="-120"/>
-              </a:rPr>
-              <a:t>禱</a:t>
-            </a:r>
-            <a:endParaRPr lang="zh-TW" altLang="en-US" sz="7200" b="1" dirty="0">
+              <a:t>我們在天上的父</a:t>
+            </a:r>
+            <a:endParaRPr lang="en-US" altLang="zh-CN" sz="4800" b="1" dirty="0" smtClean="0">
               <a:solidFill>
                 <a:srgbClr val="000066"/>
               </a:solidFill>
               <a:effectLst>
-                <a:outerShdw blurRad="38100" dist="38100" dir="2700000" algn="tl">
+                <a:outerShdw blurRad="50000" dist="30000" dir="5400000" algn="tl" rotWithShape="0">
                   <a:srgbClr val="000000">
-                    <a:alpha val="43137"/>
+                    <a:alpha val="30000"/>
+                  </a:srgbClr>
+                </a:outerShdw>
+              </a:effectLst>
+              <a:latin typeface="微軟正黑體" pitchFamily="34" charset="-120"/>
+              <a:ea typeface="微軟正黑體" pitchFamily="34" charset="-120"/>
+            </a:endParaRPr>
+          </a:p>
+          <a:p>
+            <a:pPr algn="ctr">
+              <a:buNone/>
+            </a:pPr>
+            <a:r>
+              <a:rPr lang="zh-CN" altLang="en-US" sz="4800" b="1" dirty="0" smtClean="0">
+                <a:solidFill>
+                  <a:srgbClr val="000066"/>
+                </a:solidFill>
+                <a:effectLst>
+                  <a:outerShdw blurRad="50000" dist="30000" dir="5400000" algn="tl" rotWithShape="0">
+                    <a:srgbClr val="000000">
+                      <a:alpha val="30000"/>
+                    </a:srgbClr>
+                  </a:outerShdw>
+                </a:effectLst>
+                <a:latin typeface="微軟正黑體" pitchFamily="34" charset="-120"/>
+                <a:ea typeface="微軟正黑體" pitchFamily="34" charset="-120"/>
+              </a:rPr>
+              <a:t>願人</a:t>
+            </a:r>
+            <a:r>
+              <a:rPr lang="zh-CN" altLang="en-US" sz="4800" b="1" smtClean="0">
+                <a:solidFill>
+                  <a:srgbClr val="000066"/>
+                </a:solidFill>
+                <a:effectLst>
+                  <a:outerShdw blurRad="50000" dist="30000" dir="5400000" algn="tl" rotWithShape="0">
+                    <a:srgbClr val="000000">
+                      <a:alpha val="30000"/>
+                    </a:srgbClr>
+                  </a:outerShdw>
+                </a:effectLst>
+                <a:latin typeface="微軟正黑體" pitchFamily="34" charset="-120"/>
+                <a:ea typeface="微軟正黑體" pitchFamily="34" charset="-120"/>
+              </a:rPr>
+              <a:t>都</a:t>
+            </a:r>
+            <a:r>
+              <a:rPr lang="zh-CN" altLang="en-US" sz="4800" b="1">
+                <a:solidFill>
+                  <a:srgbClr val="000066"/>
+                </a:solidFill>
+                <a:effectLst>
+                  <a:outerShdw blurRad="50000" dist="30000" dir="5400000" algn="tl" rotWithShape="0">
+                    <a:srgbClr val="000000">
+                      <a:alpha val="30000"/>
+                    </a:srgbClr>
+                  </a:outerShdw>
+                </a:effectLst>
+                <a:latin typeface="微軟正黑體" pitchFamily="34" charset="-120"/>
+                <a:ea typeface="微軟正黑體" pitchFamily="34" charset="-120"/>
+              </a:rPr>
+              <a:t>尊父的</a:t>
+            </a:r>
+            <a:r>
+              <a:rPr lang="zh-CN" altLang="en-US" sz="4800" b="1" dirty="0" smtClean="0">
+                <a:solidFill>
+                  <a:srgbClr val="000066"/>
+                </a:solidFill>
+                <a:effectLst>
+                  <a:outerShdw blurRad="50000" dist="30000" dir="5400000" algn="tl" rotWithShape="0">
+                    <a:srgbClr val="000000">
+                      <a:alpha val="30000"/>
+                    </a:srgbClr>
+                  </a:outerShdw>
+                </a:effectLst>
+                <a:latin typeface="微軟正黑體" pitchFamily="34" charset="-120"/>
+                <a:ea typeface="微軟正黑體" pitchFamily="34" charset="-120"/>
+              </a:rPr>
+              <a:t>名為聖</a:t>
+            </a:r>
+            <a:endParaRPr lang="en-US" altLang="zh-CN" sz="4800" b="1" dirty="0" smtClean="0">
+              <a:solidFill>
+                <a:srgbClr val="000066"/>
+              </a:solidFill>
+              <a:effectLst>
+                <a:outerShdw blurRad="50000" dist="30000" dir="5400000" algn="tl" rotWithShape="0">
+                  <a:srgbClr val="000000">
+                    <a:alpha val="30000"/>
+                  </a:srgbClr>
+                </a:outerShdw>
+              </a:effectLst>
+              <a:latin typeface="微軟正黑體" pitchFamily="34" charset="-120"/>
+              <a:ea typeface="微軟正黑體" pitchFamily="34" charset="-120"/>
+            </a:endParaRPr>
+          </a:p>
+          <a:p>
+            <a:pPr algn="ctr">
+              <a:buNone/>
+            </a:pPr>
+            <a:r>
+              <a:rPr lang="zh-CN" altLang="en-US" sz="4800" b="1" dirty="0" smtClean="0">
+                <a:solidFill>
+                  <a:srgbClr val="000066"/>
+                </a:solidFill>
+                <a:effectLst>
+                  <a:outerShdw blurRad="50000" dist="30000" dir="5400000" algn="tl" rotWithShape="0">
+                    <a:srgbClr val="000000">
+                      <a:alpha val="30000"/>
+                    </a:srgbClr>
+                  </a:outerShdw>
+                </a:effectLst>
+                <a:latin typeface="微軟正黑體" pitchFamily="34" charset="-120"/>
+                <a:ea typeface="微軟正黑體" pitchFamily="34" charset="-120"/>
+              </a:rPr>
+              <a:t>願父的國降臨</a:t>
+            </a:r>
+            <a:endParaRPr lang="en-US" altLang="zh-CN" sz="4800" b="1" dirty="0" smtClean="0">
+              <a:solidFill>
+                <a:srgbClr val="000066"/>
+              </a:solidFill>
+              <a:effectLst>
+                <a:outerShdw blurRad="50000" dist="30000" dir="5400000" algn="tl" rotWithShape="0">
+                  <a:srgbClr val="000000">
+                    <a:alpha val="30000"/>
+                  </a:srgbClr>
+                </a:outerShdw>
+              </a:effectLst>
+              <a:latin typeface="微軟正黑體" pitchFamily="34" charset="-120"/>
+              <a:ea typeface="微軟正黑體" pitchFamily="34" charset="-120"/>
+            </a:endParaRPr>
+          </a:p>
+          <a:p>
+            <a:pPr algn="ctr">
+              <a:buNone/>
+            </a:pPr>
+            <a:r>
+              <a:rPr lang="zh-CN" altLang="en-US" sz="4800" b="1" dirty="0" smtClean="0">
+                <a:solidFill>
+                  <a:srgbClr val="000066"/>
+                </a:solidFill>
+                <a:effectLst>
+                  <a:outerShdw blurRad="50000" dist="30000" dir="5400000" algn="tl" rotWithShape="0">
+                    <a:srgbClr val="000000">
+                      <a:alpha val="30000"/>
+                    </a:srgbClr>
+                  </a:outerShdw>
+                </a:effectLst>
+                <a:latin typeface="微軟正黑體" pitchFamily="34" charset="-120"/>
+                <a:ea typeface="微軟正黑體" pitchFamily="34" charset="-120"/>
+              </a:rPr>
+              <a:t>願父的旨意行在地上</a:t>
+            </a:r>
+            <a:endParaRPr lang="en-US" altLang="zh-CN" sz="4800" b="1" dirty="0" smtClean="0">
+              <a:solidFill>
+                <a:srgbClr val="000066"/>
+              </a:solidFill>
+              <a:effectLst>
+                <a:outerShdw blurRad="50000" dist="30000" dir="5400000" algn="tl" rotWithShape="0">
+                  <a:srgbClr val="000000">
+                    <a:alpha val="30000"/>
+                  </a:srgbClr>
+                </a:outerShdw>
+              </a:effectLst>
+              <a:latin typeface="微軟正黑體" pitchFamily="34" charset="-120"/>
+              <a:ea typeface="微軟正黑體" pitchFamily="34" charset="-120"/>
+            </a:endParaRPr>
+          </a:p>
+          <a:p>
+            <a:pPr algn="ctr">
+              <a:buNone/>
+            </a:pPr>
+            <a:r>
+              <a:rPr lang="zh-CN" altLang="en-US" sz="4800" b="1" dirty="0" smtClean="0">
+                <a:solidFill>
+                  <a:srgbClr val="000066"/>
+                </a:solidFill>
+                <a:effectLst>
+                  <a:outerShdw blurRad="50000" dist="30000" dir="5400000" algn="tl" rotWithShape="0">
+                    <a:srgbClr val="000000">
+                      <a:alpha val="30000"/>
+                    </a:srgbClr>
+                  </a:outerShdw>
+                </a:effectLst>
+                <a:latin typeface="微軟正黑體" pitchFamily="34" charset="-120"/>
+                <a:ea typeface="微軟正黑體" pitchFamily="34" charset="-120"/>
+              </a:rPr>
+              <a:t>如同行在天上</a:t>
+            </a:r>
+            <a:endParaRPr lang="zh-TW" altLang="en-US" sz="4800" b="1" dirty="0">
+              <a:solidFill>
+                <a:srgbClr val="000066"/>
+              </a:solidFill>
+              <a:effectLst>
+                <a:outerShdw blurRad="50000" dist="30000" dir="5400000" algn="tl" rotWithShape="0">
+                  <a:srgbClr val="000000">
+                    <a:alpha val="30000"/>
                   </a:srgbClr>
                 </a:outerShdw>
               </a:effectLst>
@@ -6265,7 +6129,7 @@
         </p:nvSpPr>
         <p:spPr>
           <a:xfrm>
-            <a:off x="0" y="300026"/>
+            <a:off x="0" y="85712"/>
             <a:ext cx="8991600" cy="628650"/>
           </a:xfrm>
         </p:spPr>
@@ -6283,7 +6147,7 @@
                 <a:latin typeface="微軟正黑體" pitchFamily="34" charset="-120"/>
                 <a:ea typeface="微軟正黑體" pitchFamily="34" charset="-120"/>
               </a:rPr>
-              <a:t>三一頌</a:t>
+              <a:t>公禱文</a:t>
             </a:r>
             <a:endParaRPr lang="zh-TW" altLang="en-US" sz="4000" b="1" dirty="0">
               <a:solidFill>
@@ -6307,8 +6171,8 @@
         </p:nvSpPr>
         <p:spPr>
           <a:xfrm>
-            <a:off x="0" y="1285866"/>
-            <a:ext cx="9144000" cy="3857634"/>
+            <a:off x="0" y="1142990"/>
+            <a:ext cx="9144000" cy="4000528"/>
           </a:xfrm>
         </p:spPr>
         <p:txBody>
@@ -6334,9 +6198,8 @@
                 </a:effectLst>
                 <a:latin typeface="微軟正黑體" pitchFamily="34" charset="-120"/>
                 <a:ea typeface="微軟正黑體" pitchFamily="34" charset="-120"/>
-                <a:cs typeface="+mj-cs"/>
-              </a:rPr>
-              <a:t>讚美天父愛世慈仁</a:t>
+              </a:rPr>
+              <a:t>我們日用的飲食</a:t>
             </a:r>
             <a:endParaRPr lang="en-US" altLang="zh-CN" sz="4800" b="1" dirty="0" smtClean="0">
               <a:solidFill>
@@ -6351,7 +6214,6 @@
               </a:effectLst>
               <a:latin typeface="微軟正黑體" pitchFamily="34" charset="-120"/>
               <a:ea typeface="微軟正黑體" pitchFamily="34" charset="-120"/>
-              <a:cs typeface="+mj-cs"/>
             </a:endParaRPr>
           </a:p>
           <a:p>
@@ -6372,9 +6234,8 @@
                 </a:effectLst>
                 <a:latin typeface="微軟正黑體" pitchFamily="34" charset="-120"/>
                 <a:ea typeface="微軟正黑體" pitchFamily="34" charset="-120"/>
-                <a:cs typeface="+mj-cs"/>
-              </a:rPr>
-              <a:t>讚美耶穌代贖洪恩</a:t>
+              </a:rPr>
+              <a:t>今日賜給我們</a:t>
             </a:r>
             <a:endParaRPr lang="en-US" altLang="zh-CN" sz="4800" b="1" dirty="0" smtClean="0">
               <a:solidFill>
@@ -6389,7 +6250,6 @@
               </a:effectLst>
               <a:latin typeface="微軟正黑體" pitchFamily="34" charset="-120"/>
               <a:ea typeface="微軟正黑體" pitchFamily="34" charset="-120"/>
-              <a:cs typeface="+mj-cs"/>
             </a:endParaRPr>
           </a:p>
           <a:p>
@@ -6410,9 +6270,8 @@
                 </a:effectLst>
                 <a:latin typeface="微軟正黑體" pitchFamily="34" charset="-120"/>
                 <a:ea typeface="微軟正黑體" pitchFamily="34" charset="-120"/>
-                <a:cs typeface="+mj-cs"/>
-              </a:rPr>
-              <a:t>讚美聖靈開我茅塞</a:t>
+              </a:rPr>
+              <a:t>免我們的債</a:t>
             </a:r>
             <a:endParaRPr lang="en-US" altLang="zh-CN" sz="4800" b="1" dirty="0" smtClean="0">
               <a:solidFill>
@@ -6427,7 +6286,6 @@
               </a:effectLst>
               <a:latin typeface="微軟正黑體" pitchFamily="34" charset="-120"/>
               <a:ea typeface="微軟正黑體" pitchFamily="34" charset="-120"/>
-              <a:cs typeface="+mj-cs"/>
             </a:endParaRPr>
           </a:p>
           <a:p>
@@ -6448,11 +6306,10 @@
                 </a:effectLst>
                 <a:latin typeface="微軟正黑體" pitchFamily="34" charset="-120"/>
                 <a:ea typeface="微軟正黑體" pitchFamily="34" charset="-120"/>
-                <a:cs typeface="+mj-cs"/>
-              </a:rPr>
-              <a:t>讚美三位合一真神</a:t>
-            </a:r>
-            <a:endParaRPr lang="zh-TW" altLang="en-US" sz="4800" b="1" dirty="0">
+              </a:rPr>
+              <a:t>如同我們免了人的債</a:t>
+            </a:r>
+            <a:endParaRPr lang="zh-TW" altLang="en-US" sz="4800" b="1" dirty="0" smtClean="0">
               <a:solidFill>
                 <a:srgbClr val="000066"/>
               </a:solidFill>
@@ -6465,7 +6322,6 @@
               </a:effectLst>
               <a:latin typeface="微軟正黑體" pitchFamily="34" charset="-120"/>
               <a:ea typeface="微軟正黑體" pitchFamily="34" charset="-120"/>
-              <a:cs typeface="+mj-cs"/>
             </a:endParaRPr>
           </a:p>
         </p:txBody>
@@ -6556,8 +6412,8 @@
         </p:nvSpPr>
         <p:spPr>
           <a:xfrm>
-            <a:off x="0" y="785800"/>
-            <a:ext cx="9144000" cy="4357718"/>
+            <a:off x="0" y="1071552"/>
+            <a:ext cx="9144000" cy="4071966"/>
           </a:xfrm>
         </p:spPr>
         <p:txBody>
@@ -6584,7 +6440,7 @@
                 <a:latin typeface="微軟正黑體" pitchFamily="34" charset="-120"/>
                 <a:ea typeface="微軟正黑體" pitchFamily="34" charset="-120"/>
               </a:rPr>
-              <a:t>我們在天上的父</a:t>
+              <a:t>不叫我們遇見試探</a:t>
             </a:r>
             <a:endParaRPr lang="en-US" altLang="zh-CN" sz="4800" b="1" dirty="0" smtClean="0">
               <a:solidFill>
@@ -6620,58 +6476,7 @@
                 <a:latin typeface="微軟正黑體" pitchFamily="34" charset="-120"/>
                 <a:ea typeface="微軟正黑體" pitchFamily="34" charset="-120"/>
               </a:rPr>
-              <a:t>願人</a:t>
-            </a:r>
-            <a:r>
-              <a:rPr lang="zh-CN" altLang="en-US" sz="4800" b="1" smtClean="0">
-                <a:solidFill>
-                  <a:srgbClr val="000066"/>
-                </a:solidFill>
-                <a:effectLst>
-                  <a:outerShdw blurRad="50000" dist="30000" dir="5400000" algn="tl" rotWithShape="0">
-                    <a:srgbClr val="000000">
-                      <a:alpha val="30000"/>
-                    </a:srgbClr>
-                  </a:outerShdw>
-                </a:effectLst>
-                <a:latin typeface="微軟正黑體" pitchFamily="34" charset="-120"/>
-                <a:ea typeface="微軟正黑體" pitchFamily="34" charset="-120"/>
-              </a:rPr>
-              <a:t>都</a:t>
-            </a:r>
-            <a:r>
-              <a:rPr lang="zh-CN" altLang="en-US" sz="4800" b="1">
-                <a:solidFill>
-                  <a:srgbClr val="000066"/>
-                </a:solidFill>
-                <a:effectLst>
-                  <a:outerShdw blurRad="50000" dist="30000" dir="5400000" algn="tl" rotWithShape="0">
-                    <a:srgbClr val="000000">
-                      <a:alpha val="30000"/>
-                    </a:srgbClr>
-                  </a:outerShdw>
-                </a:effectLst>
-                <a:latin typeface="微軟正黑體" pitchFamily="34" charset="-120"/>
-                <a:ea typeface="微軟正黑體" pitchFamily="34" charset="-120"/>
-              </a:rPr>
-              <a:t>尊父的</a:t>
-            </a:r>
-            <a:r>
-              <a:rPr lang="zh-CN" altLang="en-US" sz="4800" b="1" dirty="0" smtClean="0">
-                <a:solidFill>
-                  <a:srgbClr val="000066"/>
-                </a:solidFill>
-                <a:effectLst>
-                  <a:outerShdw blurRad="50000" dist="30000" dir="5400000" algn="tl" rotWithShape="0">
-                    <a:srgbClr val="000000">
-                      <a:alpha val="30000"/>
-                    </a:srgbClr>
-                  </a:outerShdw>
-                </a:effectLst>
-                <a:latin typeface="微軟正黑體" pitchFamily="34" charset="-120"/>
-                <a:ea typeface="微軟正黑體" pitchFamily="34" charset="-120"/>
-              </a:rPr>
-              <a:t>名為聖</a:t>
+              <a:t>救我們脫離兇惡</a:t>
             </a:r>
             <a:endParaRPr lang="en-US" altLang="zh-CN" sz="4800" b="1" dirty="0" smtClean="0">
               <a:solidFill>
@@ -6707,7 +6512,7 @@
                 <a:latin typeface="微軟正黑體" pitchFamily="34" charset="-120"/>
                 <a:ea typeface="微軟正黑體" pitchFamily="34" charset="-120"/>
               </a:rPr>
-              <a:t>願父的國降臨</a:t>
+              <a:t>因為國度 權柄 榮耀</a:t>
             </a:r>
             <a:endParaRPr lang="en-US" altLang="zh-CN" sz="4800" b="1" dirty="0" smtClean="0">
               <a:solidFill>
@@ -6743,29 +6548,10 @@
                 <a:latin typeface="微軟正黑體" pitchFamily="34" charset="-120"/>
                 <a:ea typeface="微軟正黑體" pitchFamily="34" charset="-120"/>
               </a:rPr>
-              <a:t>願父的旨意行在地上</a:t>
-            </a:r>
-            <a:endParaRPr lang="en-US" altLang="zh-CN" sz="4800" b="1" dirty="0" smtClean="0">
-              <a:solidFill>
-                <a:srgbClr val="000066"/>
-              </a:solidFill>
-              <a:effectLst>
-                <a:outerShdw blurRad="50000" dist="30000" dir="5400000" algn="tl" rotWithShape="0">
-                  <a:srgbClr val="000000">
-                    <a:alpha val="30000"/>
-                  </a:srgbClr>
-                </a:outerShdw>
-              </a:effectLst>
-              <a:latin typeface="微軟正黑體" pitchFamily="34" charset="-120"/>
-              <a:ea typeface="微軟正黑體" pitchFamily="34" charset="-120"/>
-            </a:endParaRPr>
-          </a:p>
-          <a:p>
-            <a:pPr algn="ctr">
-              <a:buNone/>
-            </a:pPr>
-            <a:r>
-              <a:rPr lang="zh-CN" altLang="en-US" sz="4800" b="1" dirty="0" smtClean="0">
+              <a:t>全是父的 直到永遠</a:t>
+            </a:r>
+            <a:r>
+              <a:rPr lang="en-US" altLang="zh-CN" sz="4800" b="1" dirty="0" smtClean="0">
                 <a:solidFill>
                   <a:srgbClr val="000066"/>
                 </a:solidFill>
@@ -6779,9 +6565,26 @@
                 <a:latin typeface="微軟正黑體" pitchFamily="34" charset="-120"/>
                 <a:ea typeface="微軟正黑體" pitchFamily="34" charset="-120"/>
               </a:rPr>
-              <a:t>如同行在天上</a:t>
-            </a:r>
-            <a:endParaRPr lang="zh-TW" altLang="en-US" sz="4800" b="1" dirty="0">
+              <a:t>  </a:t>
+            </a:r>
+            <a:r>
+              <a:rPr lang="zh-CN" altLang="en-US" sz="4800" b="1" dirty="0" smtClean="0">
+                <a:solidFill>
+                  <a:srgbClr val="000066"/>
+                </a:solidFill>
+                <a:effectLst>
+                  <a:outerShdw blurRad="50000" dist="30000" dir="5400000" algn="tl" rotWithShape="0">
+                    <a:srgbClr val="000000">
+                      <a:alpha val="30000"/>
+                    </a:srgbClr>
+                  </a:outerShdw>
+                </a:effectLst>
+                <a:latin typeface="微軟正黑體" pitchFamily="34" charset="-120"/>
+                <a:ea typeface="微軟正黑體" pitchFamily="34" charset="-120"/>
+              </a:rPr>
+              <a:t>阿門</a:t>
+            </a:r>
+            <a:endParaRPr lang="zh-TW" altLang="en-US" sz="4800" b="1" dirty="0" smtClean="0">
               <a:solidFill>
                 <a:srgbClr val="000066"/>
               </a:solidFill>
@@ -6837,13 +6640,13 @@
             <a:spLocks noGrp="1"/>
           </p:cNvSpPr>
           <p:nvPr>
-            <p:ph type="title"/>
+            <p:ph type="title" idx="4294967295"/>
           </p:nvPr>
         </p:nvSpPr>
         <p:spPr>
           <a:xfrm>
-            <a:off x="0" y="85712"/>
-            <a:ext cx="8991600" cy="628650"/>
+            <a:off x="0" y="1635646"/>
+            <a:ext cx="9144000" cy="628650"/>
           </a:xfrm>
         </p:spPr>
         <p:txBody>
@@ -6852,76 +6655,32 @@
           </a:bodyPr>
           <a:lstStyle/>
           <a:p>
-            <a:r>
-              <a:rPr lang="zh-CN" altLang="en-US" sz="4000" b="1" dirty="0" smtClean="0">
+            <a:pPr algn="ctr"/>
+            <a:r>
+              <a:rPr lang="zh-CN" altLang="en-US" sz="5400" b="1" dirty="0" smtClean="0">
                 <a:solidFill>
                   <a:srgbClr val="000066"/>
                 </a:solidFill>
-                <a:latin typeface="微軟正黑體" pitchFamily="34" charset="-120"/>
-                <a:ea typeface="微軟正黑體" pitchFamily="34" charset="-120"/>
-              </a:rPr>
-              <a:t>公禱文</a:t>
-            </a:r>
-            <a:endParaRPr lang="zh-TW" altLang="en-US" sz="4000" b="1" dirty="0">
-              <a:solidFill>
-                <a:srgbClr val="000066"/>
-              </a:solidFill>
-              <a:latin typeface="微軟正黑體" pitchFamily="34" charset="-120"/>
-              <a:ea typeface="微軟正黑體" pitchFamily="34" charset="-120"/>
-            </a:endParaRPr>
-          </a:p>
-        </p:txBody>
-      </p:sp>
-      <p:sp>
-        <p:nvSpPr>
-          <p:cNvPr id="4" name="內容版面配置區 3"/>
-          <p:cNvSpPr>
-            <a:spLocks noGrp="1"/>
-          </p:cNvSpPr>
-          <p:nvPr>
-            <p:ph idx="1"/>
-          </p:nvPr>
-        </p:nvSpPr>
-        <p:spPr>
-          <a:xfrm>
-            <a:off x="0" y="1142990"/>
-            <a:ext cx="9144000" cy="4000528"/>
-          </a:xfrm>
-        </p:spPr>
-        <p:txBody>
-          <a:bodyPr>
-            <a:noAutofit/>
-          </a:bodyPr>
-          <a:lstStyle/>
-          <a:p>
-            <a:pPr algn="ctr">
-              <a:buNone/>
-            </a:pPr>
-            <a:r>
-              <a:rPr lang="zh-CN" altLang="en-US" sz="4800" b="1" dirty="0" smtClean="0">
-                <a:solidFill>
-                  <a:srgbClr val="000066"/>
-                </a:solidFill>
                 <a:effectLst>
-                  <a:outerShdw blurRad="50000" dist="30000" dir="5400000" algn="tl" rotWithShape="0">
+                  <a:outerShdw blurRad="38100" dist="38100" dir="2700000" algn="tl">
                     <a:srgbClr val="000000">
-                      <a:alpha val="30000"/>
+                      <a:alpha val="43137"/>
                     </a:srgbClr>
                   </a:outerShdw>
                 </a:effectLst>
                 <a:latin typeface="微軟正黑體" pitchFamily="34" charset="-120"/>
                 <a:ea typeface="微軟正黑體" pitchFamily="34" charset="-120"/>
               </a:rPr>
-              <a:t>我們日用的飲食</a:t>
-            </a:r>
-            <a:endParaRPr lang="en-US" altLang="zh-CN" sz="4800" b="1" dirty="0" smtClean="0">
+              <a:t>祝福</a:t>
+            </a:r>
+            <a:endParaRPr lang="zh-TW" altLang="en-US" sz="5400" b="1" dirty="0">
               <a:solidFill>
                 <a:srgbClr val="000066"/>
               </a:solidFill>
               <a:effectLst>
-                <a:outerShdw blurRad="50000" dist="30000" dir="5400000" algn="tl" rotWithShape="0">
+                <a:outerShdw blurRad="38100" dist="38100" dir="2700000" algn="tl">
                   <a:srgbClr val="000000">
-                    <a:alpha val="30000"/>
+                    <a:alpha val="43137"/>
                   </a:srgbClr>
                 </a:outerShdw>
               </a:effectLst>
@@ -6929,112 +6688,98 @@
               <a:ea typeface="微軟正黑體" pitchFamily="34" charset="-120"/>
             </a:endParaRPr>
           </a:p>
-          <a:p>
-            <a:pPr algn="ctr">
-              <a:buNone/>
-            </a:pPr>
-            <a:r>
-              <a:rPr lang="zh-CN" altLang="en-US" sz="4800" b="1" dirty="0" smtClean="0">
-                <a:solidFill>
-                  <a:srgbClr val="000066"/>
+        </p:txBody>
+      </p:sp>
+      <p:sp>
+        <p:nvSpPr>
+          <p:cNvPr id="3" name="矩形 2"/>
+          <p:cNvSpPr/>
+          <p:nvPr/>
+        </p:nvSpPr>
+        <p:spPr>
+          <a:xfrm>
+            <a:off x="0" y="2499742"/>
+            <a:ext cx="9144000" cy="830997"/>
+          </a:xfrm>
+          <a:prstGeom prst="rect">
+            <a:avLst/>
+          </a:prstGeom>
+        </p:spPr>
+        <p:txBody>
+          <a:bodyPr wrap="square">
+            <a:spAutoFit/>
+          </a:bodyPr>
+          <a:lstStyle/>
+          <a:p>
+            <a:pPr algn="ctr"/>
+            <a:r>
+              <a:rPr lang="en-US" altLang="zh-CN" sz="4800" b="1" dirty="0" smtClean="0">
+                <a:solidFill>
+                  <a:srgbClr val="660033"/>
                 </a:solidFill>
                 <a:effectLst>
-                  <a:outerShdw blurRad="50000" dist="30000" dir="5400000" algn="tl" rotWithShape="0">
+                  <a:outerShdw blurRad="38100" dist="38100" dir="2700000" algn="tl">
                     <a:srgbClr val="000000">
-                      <a:alpha val="30000"/>
+                      <a:alpha val="43137"/>
                     </a:srgbClr>
                   </a:outerShdw>
                 </a:effectLst>
                 <a:latin typeface="微軟正黑體" pitchFamily="34" charset="-120"/>
                 <a:ea typeface="微軟正黑體" pitchFamily="34" charset="-120"/>
-              </a:rPr>
-              <a:t>今日賜給我們</a:t>
-            </a:r>
-            <a:endParaRPr lang="en-US" altLang="zh-CN" sz="4800" b="1" dirty="0" smtClean="0">
+                <a:cs typeface="+mj-cs"/>
+              </a:rPr>
+              <a:t>(</a:t>
+            </a:r>
+            <a:r>
+              <a:rPr lang="zh-CN" altLang="en-US" sz="4800" b="1" dirty="0" smtClean="0">
+                <a:solidFill>
+                  <a:srgbClr val="660033"/>
+                </a:solidFill>
+                <a:effectLst>
+                  <a:outerShdw blurRad="38100" dist="38100" dir="2700000" algn="tl">
+                    <a:srgbClr val="000000">
+                      <a:alpha val="43137"/>
+                    </a:srgbClr>
+                  </a:outerShdw>
+                </a:effectLst>
+                <a:latin typeface="微軟正黑體" pitchFamily="34" charset="-120"/>
+                <a:ea typeface="微軟正黑體" pitchFamily="34" charset="-120"/>
+                <a:cs typeface="+mj-cs"/>
+              </a:rPr>
+              <a:t>主禮牧師</a:t>
+            </a:r>
+            <a:r>
+              <a:rPr lang="en-US" altLang="zh-CN" sz="4800" b="1" dirty="0" smtClean="0">
+                <a:solidFill>
+                  <a:srgbClr val="660033"/>
+                </a:solidFill>
+                <a:effectLst>
+                  <a:outerShdw blurRad="38100" dist="38100" dir="2700000" algn="tl">
+                    <a:srgbClr val="000000">
+                      <a:alpha val="43137"/>
+                    </a:srgbClr>
+                  </a:outerShdw>
+                </a:effectLst>
+                <a:latin typeface="微軟正黑體" pitchFamily="34" charset="-120"/>
+                <a:ea typeface="微軟正黑體" pitchFamily="34" charset="-120"/>
+                <a:cs typeface="+mj-cs"/>
+              </a:rPr>
+              <a:t>)</a:t>
+            </a:r>
+            <a:endParaRPr lang="zh-TW" altLang="en-US" sz="4800" b="1" dirty="0" smtClean="0">
               <a:solidFill>
-                <a:srgbClr val="000066"/>
+                <a:srgbClr val="660033"/>
               </a:solidFill>
               <a:effectLst>
-                <a:outerShdw blurRad="50000" dist="30000" dir="5400000" algn="tl" rotWithShape="0">
+                <a:outerShdw blurRad="38100" dist="38100" dir="2700000" algn="tl">
                   <a:srgbClr val="000000">
-                    <a:alpha val="30000"/>
+                    <a:alpha val="43137"/>
                   </a:srgbClr>
                 </a:outerShdw>
               </a:effectLst>
               <a:latin typeface="微軟正黑體" pitchFamily="34" charset="-120"/>
               <a:ea typeface="微軟正黑體" pitchFamily="34" charset="-120"/>
-            </a:endParaRPr>
-          </a:p>
-          <a:p>
-            <a:pPr algn="ctr">
-              <a:buNone/>
-            </a:pPr>
-            <a:r>
-              <a:rPr lang="zh-CN" altLang="en-US" sz="4800" b="1" dirty="0" smtClean="0">
-                <a:solidFill>
-                  <a:srgbClr val="000066"/>
-                </a:solidFill>
-                <a:effectLst>
-                  <a:outerShdw blurRad="50000" dist="30000" dir="5400000" algn="tl" rotWithShape="0">
-                    <a:srgbClr val="000000">
-                      <a:alpha val="30000"/>
-                    </a:srgbClr>
-                  </a:outerShdw>
-                </a:effectLst>
-                <a:latin typeface="微軟正黑體" pitchFamily="34" charset="-120"/>
-                <a:ea typeface="微軟正黑體" pitchFamily="34" charset="-120"/>
-              </a:rPr>
-              <a:t>免我們的債</a:t>
-            </a:r>
-            <a:endParaRPr lang="en-US" altLang="zh-CN" sz="4800" b="1" dirty="0" smtClean="0">
-              <a:solidFill>
-                <a:srgbClr val="000066"/>
-              </a:solidFill>
-              <a:effectLst>
-                <a:outerShdw blurRad="50000" dist="30000" dir="5400000" algn="tl" rotWithShape="0">
-                  <a:srgbClr val="000000">
-                    <a:alpha val="30000"/>
-                  </a:srgbClr>
-                </a:outerShdw>
-              </a:effectLst>
-              <a:latin typeface="微軟正黑體" pitchFamily="34" charset="-120"/>
-              <a:ea typeface="微軟正黑體" pitchFamily="34" charset="-120"/>
-            </a:endParaRPr>
-          </a:p>
-          <a:p>
-            <a:pPr algn="ctr">
-              <a:buNone/>
-            </a:pPr>
-            <a:r>
-              <a:rPr lang="zh-CN" altLang="en-US" sz="4800" b="1" dirty="0" smtClean="0">
-                <a:solidFill>
-                  <a:srgbClr val="000066"/>
-                </a:solidFill>
-                <a:effectLst>
-                  <a:outerShdw blurRad="50000" dist="30000" dir="5400000" algn="tl" rotWithShape="0">
-                    <a:srgbClr val="000000">
-                      <a:alpha val="30000"/>
-                    </a:srgbClr>
-                  </a:outerShdw>
-                </a:effectLst>
-                <a:latin typeface="微軟正黑體" pitchFamily="34" charset="-120"/>
-                <a:ea typeface="微軟正黑體" pitchFamily="34" charset="-120"/>
-              </a:rPr>
-              <a:t>如同我們免了人的債</a:t>
-            </a:r>
-            <a:endParaRPr lang="zh-TW" altLang="en-US" sz="4800" b="1" dirty="0" smtClean="0">
-              <a:solidFill>
-                <a:srgbClr val="000066"/>
-              </a:solidFill>
-              <a:effectLst>
-                <a:outerShdw blurRad="50000" dist="30000" dir="5400000" algn="tl" rotWithShape="0">
-                  <a:srgbClr val="000000">
-                    <a:alpha val="30000"/>
-                  </a:srgbClr>
-                </a:outerShdw>
-              </a:effectLst>
-              <a:latin typeface="微軟正黑體" pitchFamily="34" charset="-120"/>
-              <a:ea typeface="微軟正黑體" pitchFamily="34" charset="-120"/>
+              <a:cs typeface="+mj-cs"/>
             </a:endParaRPr>
           </a:p>
         </p:txBody>
@@ -7073,73 +6818,28 @@
       </p:grpSpPr>
       <p:sp>
         <p:nvSpPr>
-          <p:cNvPr id="2" name="標題 1"/>
-          <p:cNvSpPr>
-            <a:spLocks noGrp="1"/>
-          </p:cNvSpPr>
-          <p:nvPr>
-            <p:ph type="title"/>
-          </p:nvPr>
+          <p:cNvPr id="2" name="矩形 1"/>
+          <p:cNvSpPr/>
+          <p:nvPr/>
         </p:nvSpPr>
         <p:spPr>
           <a:xfrm>
-            <a:off x="0" y="85712"/>
-            <a:ext cx="8991600" cy="628650"/>
+            <a:off x="0" y="1570336"/>
+            <a:ext cx="9144000" cy="923330"/>
           </a:xfrm>
+          <a:prstGeom prst="rect">
+            <a:avLst/>
+          </a:prstGeom>
         </p:spPr>
         <p:txBody>
-          <a:bodyPr>
-            <a:noAutofit/>
+          <a:bodyPr wrap="square">
+            <a:spAutoFit/>
           </a:bodyPr>
           <a:lstStyle/>
           <a:p>
-            <a:r>
-              <a:rPr lang="zh-CN" altLang="en-US" sz="4000" b="1" dirty="0" smtClean="0">
-                <a:solidFill>
-                  <a:srgbClr val="000066"/>
-                </a:solidFill>
-                <a:latin typeface="微軟正黑體" pitchFamily="34" charset="-120"/>
-                <a:ea typeface="微軟正黑體" pitchFamily="34" charset="-120"/>
-              </a:rPr>
-              <a:t>公禱文</a:t>
-            </a:r>
-            <a:endParaRPr lang="zh-TW" altLang="en-US" sz="4000" b="1" dirty="0">
-              <a:solidFill>
-                <a:srgbClr val="000066"/>
-              </a:solidFill>
-              <a:latin typeface="微軟正黑體" pitchFamily="34" charset="-120"/>
-              <a:ea typeface="微軟正黑體" pitchFamily="34" charset="-120"/>
-            </a:endParaRPr>
-          </a:p>
-        </p:txBody>
-      </p:sp>
-      <p:sp>
-        <p:nvSpPr>
-          <p:cNvPr id="4" name="內容版面配置區 3"/>
-          <p:cNvSpPr>
-            <a:spLocks noGrp="1"/>
-          </p:cNvSpPr>
-          <p:nvPr>
-            <p:ph idx="1"/>
-          </p:nvPr>
-        </p:nvSpPr>
-        <p:spPr>
-          <a:xfrm>
-            <a:off x="0" y="1071552"/>
-            <a:ext cx="9144000" cy="4071966"/>
-          </a:xfrm>
-        </p:spPr>
-        <p:txBody>
-          <a:bodyPr>
-            <a:noAutofit/>
-          </a:bodyPr>
-          <a:lstStyle/>
-          <a:p>
-            <a:pPr algn="ctr">
-              <a:buNone/>
-            </a:pPr>
-            <a:r>
-              <a:rPr lang="zh-CN" altLang="en-US" sz="4800" b="1" dirty="0" smtClean="0">
+            <a:pPr algn="ctr"/>
+            <a:r>
+              <a:rPr lang="zh-CN" altLang="en-US" sz="5400" b="1" dirty="0" smtClean="0">
                 <a:solidFill>
                   <a:srgbClr val="000066"/>
                 </a:solidFill>
@@ -7152,10 +6852,11 @@
                 </a:effectLst>
                 <a:latin typeface="微軟正黑體" pitchFamily="34" charset="-120"/>
                 <a:ea typeface="微軟正黑體" pitchFamily="34" charset="-120"/>
-              </a:rPr>
-              <a:t>不叫我們遇見試探</a:t>
-            </a:r>
-            <a:endParaRPr lang="en-US" altLang="zh-CN" sz="4800" b="1" dirty="0" smtClean="0">
+                <a:cs typeface="+mj-cs"/>
+              </a:rPr>
+              <a:t>聚會祝福歌</a:t>
+            </a:r>
+            <a:endParaRPr lang="zh-TW" altLang="en-US" sz="5400" b="1" dirty="0" smtClean="0">
               <a:solidFill>
                 <a:srgbClr val="000066"/>
               </a:solidFill>
@@ -7168,16 +6869,55 @@
               </a:effectLst>
               <a:latin typeface="微軟正黑體" pitchFamily="34" charset="-120"/>
               <a:ea typeface="微軟正黑體" pitchFamily="34" charset="-120"/>
+              <a:cs typeface="+mj-cs"/>
             </a:endParaRPr>
           </a:p>
-          <a:p>
-            <a:pPr algn="ctr">
-              <a:buNone/>
+        </p:txBody>
+      </p:sp>
+      <p:sp>
+        <p:nvSpPr>
+          <p:cNvPr id="3" name="標題 1"/>
+          <p:cNvSpPr txBox="1"/>
+          <p:nvPr/>
+        </p:nvSpPr>
+        <p:spPr>
+          <a:xfrm>
+            <a:off x="0" y="2435611"/>
+            <a:ext cx="9144000" cy="964405"/>
+          </a:xfrm>
+          <a:prstGeom prst="rect">
+            <a:avLst/>
+          </a:prstGeom>
+        </p:spPr>
+        <p:txBody>
+          <a:bodyPr anchor="ctr">
+            <a:noAutofit/>
+          </a:bodyPr>
+          <a:lstStyle/>
+          <a:p>
+            <a:pPr marL="0" marR="0" lvl="0" indent="0" algn="ctr" defTabSz="914400" rtl="0" eaLnBrk="1" fontAlgn="auto" latinLnBrk="0" hangingPunct="1">
+              <a:lnSpc>
+                <a:spcPct val="100000"/>
+              </a:lnSpc>
+              <a:spcBef>
+                <a:spcPct val="0"/>
+              </a:spcBef>
+              <a:spcAft>
+                <a:spcPts val="0"/>
+              </a:spcAft>
+              <a:buClrTx/>
+              <a:buSzTx/>
+              <a:buFontTx/>
+              <a:buNone/>
+              <a:defRPr/>
             </a:pPr>
             <a:r>
-              <a:rPr lang="zh-CN" altLang="en-US" sz="4800" b="1" dirty="0" smtClean="0">
-                <a:solidFill>
-                  <a:srgbClr val="000066"/>
+              <a:rPr kumimoji="0" lang="zh-CN" altLang="en-US" sz="4800" b="1" i="0" u="none" strike="noStrike" kern="1200" cap="none" spc="0" normalizeH="0" baseline="0" noProof="0" dirty="0" smtClean="0">
+                <a:ln>
+                  <a:noFill/>
+                </a:ln>
+                <a:solidFill>
+                  <a:srgbClr val="660033"/>
                 </a:solidFill>
                 <a:effectLst>
                   <a:outerShdw blurRad="50000" dist="30000" dir="5400000" algn="tl" rotWithShape="0">
@@ -7186,14 +6926,20 @@
                     </a:srgbClr>
                   </a:outerShdw>
                 </a:effectLst>
-                <a:latin typeface="微軟正黑體" pitchFamily="34" charset="-120"/>
-                <a:ea typeface="微軟正黑體" pitchFamily="34" charset="-120"/>
-              </a:rPr>
-              <a:t>救我們脫離兇惡</a:t>
-            </a:r>
-            <a:endParaRPr lang="en-US" altLang="zh-CN" sz="4800" b="1" dirty="0" smtClean="0">
+                <a:uLnTx/>
+                <a:uFillTx/>
+                <a:latin typeface="微軟正黑體" pitchFamily="34" charset="-120"/>
+                <a:ea typeface="微軟正黑體" pitchFamily="34" charset="-120"/>
+                <a:cs typeface="+mj-cs"/>
+              </a:rPr>
+              <a:t>本堂牧師領詩班退堂</a:t>
+            </a:r>
+            <a:endParaRPr kumimoji="0" lang="zh-TW" altLang="en-US" sz="4800" b="1" i="0" u="none" strike="noStrike" kern="1200" cap="none" spc="0" normalizeH="0" baseline="0" noProof="0" dirty="0">
+              <a:ln>
+                <a:noFill/>
+              </a:ln>
               <a:solidFill>
-                <a:srgbClr val="000066"/>
+                <a:srgbClr val="660033"/>
               </a:solidFill>
               <a:effectLst>
                 <a:outerShdw blurRad="50000" dist="30000" dir="5400000" algn="tl" rotWithShape="0">
@@ -7202,114 +6948,11 @@
                   </a:srgbClr>
                 </a:outerShdw>
               </a:effectLst>
+              <a:uLnTx/>
+              <a:uFillTx/>
               <a:latin typeface="微軟正黑體" pitchFamily="34" charset="-120"/>
               <a:ea typeface="微軟正黑體" pitchFamily="34" charset="-120"/>
-            </a:endParaRPr>
-          </a:p>
-          <a:p>
-            <a:pPr algn="ctr">
-              <a:buNone/>
-            </a:pPr>
-            <a:r>
-              <a:rPr lang="zh-CN" altLang="en-US" sz="4800" b="1" dirty="0" smtClean="0">
-                <a:solidFill>
-                  <a:srgbClr val="000066"/>
-                </a:solidFill>
-                <a:effectLst>
-                  <a:outerShdw blurRad="50000" dist="30000" dir="5400000" algn="tl" rotWithShape="0">
-                    <a:srgbClr val="000000">
-                      <a:alpha val="30000"/>
-                    </a:srgbClr>
-                  </a:outerShdw>
-                </a:effectLst>
-                <a:latin typeface="微軟正黑體" pitchFamily="34" charset="-120"/>
-                <a:ea typeface="微軟正黑體" pitchFamily="34" charset="-120"/>
-              </a:rPr>
-              <a:t>因為國度 權柄 榮耀</a:t>
-            </a:r>
-            <a:endParaRPr lang="en-US" altLang="zh-CN" sz="4800" b="1" dirty="0" smtClean="0">
-              <a:solidFill>
-                <a:srgbClr val="000066"/>
-              </a:solidFill>
-              <a:effectLst>
-                <a:outerShdw blurRad="50000" dist="30000" dir="5400000" algn="tl" rotWithShape="0">
-                  <a:srgbClr val="000000">
-                    <a:alpha val="30000"/>
-                  </a:srgbClr>
-                </a:outerShdw>
-              </a:effectLst>
-              <a:latin typeface="微軟正黑體" pitchFamily="34" charset="-120"/>
-              <a:ea typeface="微軟正黑體" pitchFamily="34" charset="-120"/>
-            </a:endParaRPr>
-          </a:p>
-          <a:p>
-            <a:pPr algn="ctr">
-              <a:buNone/>
-            </a:pPr>
-            <a:r>
-              <a:rPr lang="zh-CN" altLang="en-US" sz="4800" b="1" dirty="0" smtClean="0">
-                <a:solidFill>
-                  <a:srgbClr val="000066"/>
-                </a:solidFill>
-                <a:effectLst>
-                  <a:outerShdw blurRad="50000" dist="30000" dir="5400000" algn="tl" rotWithShape="0">
-                    <a:srgbClr val="000000">
-                      <a:alpha val="30000"/>
-                    </a:srgbClr>
-                  </a:outerShdw>
-                </a:effectLst>
-                <a:latin typeface="微軟正黑體" pitchFamily="34" charset="-120"/>
-                <a:ea typeface="微軟正黑體" pitchFamily="34" charset="-120"/>
-              </a:rPr>
-              <a:t>全是父的 直到永遠</a:t>
-            </a:r>
-            <a:r>
-              <a:rPr lang="en-US" altLang="zh-CN" sz="4800" b="1" dirty="0" smtClean="0">
-                <a:solidFill>
-                  <a:srgbClr val="000066"/>
-                </a:solidFill>
-                <a:effectLst>
-                  <a:outerShdw blurRad="50000" dist="30000" dir="5400000" algn="tl" rotWithShape="0">
-                    <a:srgbClr val="000000">
-                      <a:alpha val="30000"/>
-                    </a:srgbClr>
-                  </a:outerShdw>
-                </a:effectLst>
-                <a:latin typeface="微軟正黑體" pitchFamily="34" charset="-120"/>
-                <a:ea typeface="微軟正黑體" pitchFamily="34" charset="-120"/>
-              </a:rPr>
-              <a:t>  </a:t>
-            </a:r>
-            <a:r>
-              <a:rPr lang="zh-CN" altLang="en-US" sz="4800" b="1" dirty="0" smtClean="0">
-                <a:solidFill>
-                  <a:srgbClr val="000066"/>
-                </a:solidFill>
-                <a:effectLst>
-                  <a:outerShdw blurRad="50000" dist="30000" dir="5400000" algn="tl" rotWithShape="0">
-                    <a:srgbClr val="000000">
-                      <a:alpha val="30000"/>
-                    </a:srgbClr>
-                  </a:outerShdw>
-                </a:effectLst>
-                <a:latin typeface="微軟正黑體" pitchFamily="34" charset="-120"/>
-                <a:ea typeface="微軟正黑體" pitchFamily="34" charset="-120"/>
-              </a:rPr>
-              <a:t>阿門</a:t>
-            </a:r>
-            <a:endParaRPr lang="zh-TW" altLang="en-US" sz="4800" b="1" dirty="0" smtClean="0">
-              <a:solidFill>
-                <a:srgbClr val="000066"/>
-              </a:solidFill>
-              <a:effectLst>
-                <a:outerShdw blurRad="50000" dist="30000" dir="5400000" algn="tl" rotWithShape="0">
-                  <a:srgbClr val="000000">
-                    <a:alpha val="30000"/>
-                  </a:srgbClr>
-                </a:outerShdw>
-              </a:effectLst>
-              <a:latin typeface="微軟正黑體" pitchFamily="34" charset="-120"/>
-              <a:ea typeface="微軟正黑體" pitchFamily="34" charset="-120"/>
+              <a:cs typeface="+mj-cs"/>
             </a:endParaRPr>
           </a:p>
         </p:txBody>
@@ -7353,13 +6996,13 @@
             <a:spLocks noGrp="1"/>
           </p:cNvSpPr>
           <p:nvPr>
-            <p:ph type="title" idx="4294967295"/>
+            <p:ph type="title"/>
           </p:nvPr>
         </p:nvSpPr>
         <p:spPr>
           <a:xfrm>
-            <a:off x="0" y="1635646"/>
-            <a:ext cx="9144000" cy="628650"/>
+            <a:off x="0" y="282167"/>
+            <a:ext cx="8991600" cy="628650"/>
           </a:xfrm>
         </p:spPr>
         <p:txBody>
@@ -7368,32 +7011,76 @@
           </a:bodyPr>
           <a:lstStyle/>
           <a:p>
-            <a:pPr algn="ctr"/>
-            <a:r>
-              <a:rPr lang="zh-CN" altLang="en-US" sz="5400" b="1" dirty="0" smtClean="0">
-                <a:solidFill>
-                  <a:srgbClr val="000066"/>
+            <a:r>
+              <a:rPr lang="zh-CN" altLang="en-US" b="1" dirty="0" smtClean="0">
+                <a:solidFill>
+                  <a:srgbClr val="660033"/>
+                </a:solidFill>
+                <a:latin typeface="微軟正黑體" pitchFamily="34" charset="-120"/>
+                <a:ea typeface="微軟正黑體" pitchFamily="34" charset="-120"/>
+              </a:rPr>
+              <a:t>主的愛</a:t>
+            </a:r>
+            <a:endParaRPr lang="zh-TW" altLang="en-US" b="1" dirty="0">
+              <a:solidFill>
+                <a:srgbClr val="660033"/>
+              </a:solidFill>
+              <a:latin typeface="微軟正黑體" pitchFamily="34" charset="-120"/>
+              <a:ea typeface="微軟正黑體" pitchFamily="34" charset="-120"/>
+            </a:endParaRPr>
+          </a:p>
+        </p:txBody>
+      </p:sp>
+      <p:sp>
+        <p:nvSpPr>
+          <p:cNvPr id="4" name="內容版面配置區 3"/>
+          <p:cNvSpPr>
+            <a:spLocks noGrp="1"/>
+          </p:cNvSpPr>
+          <p:nvPr>
+            <p:ph idx="1"/>
+          </p:nvPr>
+        </p:nvSpPr>
+        <p:spPr>
+          <a:xfrm>
+            <a:off x="0" y="1085850"/>
+            <a:ext cx="9144000" cy="3600450"/>
+          </a:xfrm>
+        </p:spPr>
+        <p:txBody>
+          <a:bodyPr>
+            <a:noAutofit/>
+          </a:bodyPr>
+          <a:lstStyle/>
+          <a:p>
+            <a:pPr algn="ctr">
+              <a:buNone/>
+            </a:pPr>
+            <a:r>
+              <a:rPr lang="zh-TW" altLang="en-US" sz="5400" b="1" dirty="0" smtClean="0">
+                <a:solidFill>
+                  <a:srgbClr val="660033"/>
                 </a:solidFill>
                 <a:effectLst>
-                  <a:outerShdw blurRad="38100" dist="38100" dir="2700000" algn="tl">
+                  <a:outerShdw blurRad="50000" dist="30000" dir="5400000" algn="tl" rotWithShape="0">
                     <a:srgbClr val="000000">
-                      <a:alpha val="43137"/>
+                      <a:alpha val="30000"/>
                     </a:srgbClr>
                   </a:outerShdw>
                 </a:effectLst>
                 <a:latin typeface="微軟正黑體" pitchFamily="34" charset="-120"/>
                 <a:ea typeface="微軟正黑體" pitchFamily="34" charset="-120"/>
               </a:rPr>
-              <a:t>祝福</a:t>
-            </a:r>
-            <a:endParaRPr lang="zh-TW" altLang="en-US" sz="5400" b="1" dirty="0">
+              <a:t>願主的愛與你同在</a:t>
+            </a:r>
+            <a:endParaRPr lang="en-US" altLang="zh-TW" sz="5400" b="1" dirty="0" smtClean="0">
               <a:solidFill>
-                <a:srgbClr val="000066"/>
+                <a:srgbClr val="660033"/>
               </a:solidFill>
               <a:effectLst>
-                <a:outerShdw blurRad="38100" dist="38100" dir="2700000" algn="tl">
+                <a:outerShdw blurRad="50000" dist="30000" dir="5400000" algn="tl" rotWithShape="0">
                   <a:srgbClr val="000000">
-                    <a:alpha val="43137"/>
+                    <a:alpha val="30000"/>
                   </a:srgbClr>
                 </a:outerShdw>
               </a:effectLst>
@@ -7401,99 +7088,63 @@
               <a:ea typeface="微軟正黑體" pitchFamily="34" charset="-120"/>
             </a:endParaRPr>
           </a:p>
-        </p:txBody>
-      </p:sp>
-      <p:sp>
-        <p:nvSpPr>
-          <p:cNvPr id="3" name="矩形 2"/>
-          <p:cNvSpPr/>
-          <p:nvPr/>
-        </p:nvSpPr>
-        <p:spPr>
-          <a:xfrm>
-            <a:off x="0" y="2499742"/>
-            <a:ext cx="9144000" cy="830997"/>
-          </a:xfrm>
-          <a:prstGeom prst="rect">
-            <a:avLst/>
-          </a:prstGeom>
-        </p:spPr>
-        <p:txBody>
-          <a:bodyPr wrap="square">
-            <a:spAutoFit/>
-          </a:bodyPr>
-          <a:lstStyle/>
-          <a:p>
-            <a:pPr algn="ctr"/>
-            <a:r>
-              <a:rPr lang="en-US" altLang="zh-CN" sz="4800" b="1" dirty="0" smtClean="0">
+          <a:p>
+            <a:pPr algn="ctr">
+              <a:buNone/>
+            </a:pPr>
+            <a:r>
+              <a:rPr lang="zh-TW" altLang="en-US" sz="5400" b="1" dirty="0" smtClean="0">
                 <a:solidFill>
                   <a:srgbClr val="660033"/>
                 </a:solidFill>
                 <a:effectLst>
-                  <a:outerShdw blurRad="38100" dist="38100" dir="2700000" algn="tl">
+                  <a:outerShdw blurRad="50000" dist="30000" dir="5400000" algn="tl" rotWithShape="0">
                     <a:srgbClr val="000000">
-                      <a:alpha val="43137"/>
+                      <a:alpha val="30000"/>
                     </a:srgbClr>
                   </a:outerShdw>
                 </a:effectLst>
                 <a:latin typeface="微軟正黑體" pitchFamily="34" charset="-120"/>
                 <a:ea typeface="微軟正黑體" pitchFamily="34" charset="-120"/>
-                <a:cs typeface="+mj-cs"/>
-              </a:rPr>
-              <a:t>(</a:t>
-            </a:r>
-            <a:r>
-              <a:rPr lang="zh-CN" altLang="en-US" sz="4800" b="1" dirty="0" smtClean="0">
-                <a:solidFill>
-                  <a:srgbClr val="660033"/>
-                </a:solidFill>
-                <a:effectLst>
-                  <a:outerShdw blurRad="38100" dist="38100" dir="2700000" algn="tl">
-                    <a:srgbClr val="000000">
-                      <a:alpha val="43137"/>
-                    </a:srgbClr>
-                  </a:outerShdw>
-                </a:effectLst>
-                <a:latin typeface="微軟正黑體" pitchFamily="34" charset="-120"/>
-                <a:ea typeface="微軟正黑體" pitchFamily="34" charset="-120"/>
-                <a:cs typeface="+mj-cs"/>
-              </a:rPr>
-              <a:t>主禮牧師</a:t>
-            </a:r>
-            <a:r>
-              <a:rPr lang="en-US" altLang="zh-CN" sz="4800" b="1" dirty="0" smtClean="0">
-                <a:solidFill>
-                  <a:srgbClr val="660033"/>
-                </a:solidFill>
-                <a:effectLst>
-                  <a:outerShdw blurRad="38100" dist="38100" dir="2700000" algn="tl">
-                    <a:srgbClr val="000000">
-                      <a:alpha val="43137"/>
-                    </a:srgbClr>
-                  </a:outerShdw>
-                </a:effectLst>
-                <a:latin typeface="微軟正黑體" pitchFamily="34" charset="-120"/>
-                <a:ea typeface="微軟正黑體" pitchFamily="34" charset="-120"/>
-                <a:cs typeface="+mj-cs"/>
-              </a:rPr>
-              <a:t>)</a:t>
-            </a:r>
-            <a:endParaRPr lang="zh-TW" altLang="en-US" sz="4800" b="1" dirty="0" smtClean="0">
+              </a:rPr>
+              <a:t>無論你在何方</a:t>
+            </a:r>
+            <a:endParaRPr lang="en-US" altLang="zh-TW" sz="5400" b="1" dirty="0" smtClean="0">
               <a:solidFill>
                 <a:srgbClr val="660033"/>
               </a:solidFill>
               <a:effectLst>
-                <a:outerShdw blurRad="38100" dist="38100" dir="2700000" algn="tl">
+                <a:outerShdw blurRad="50000" dist="30000" dir="5400000" algn="tl" rotWithShape="0">
                   <a:srgbClr val="000000">
-                    <a:alpha val="43137"/>
+                    <a:alpha val="30000"/>
                   </a:srgbClr>
                 </a:outerShdw>
               </a:effectLst>
               <a:latin typeface="微軟正黑體" pitchFamily="34" charset="-120"/>
               <a:ea typeface="微軟正黑體" pitchFamily="34" charset="-120"/>
-              <a:cs typeface="+mj-cs"/>
             </a:endParaRPr>
+          </a:p>
+          <a:p>
+            <a:pPr algn="ctr">
+              <a:buNone/>
+            </a:pPr>
+            <a:r>
+              <a:rPr lang="zh-TW" altLang="en-US" sz="5400" b="1" dirty="0" smtClean="0">
+                <a:solidFill>
+                  <a:srgbClr val="660033"/>
+                </a:solidFill>
+                <a:effectLst>
+                  <a:outerShdw blurRad="50000" dist="30000" dir="5400000" algn="tl" rotWithShape="0">
+                    <a:srgbClr val="000000">
+                      <a:alpha val="30000"/>
+                    </a:srgbClr>
+                  </a:outerShdw>
+                </a:effectLst>
+                <a:latin typeface="微軟正黑體" pitchFamily="34" charset="-120"/>
+                <a:ea typeface="微軟正黑體" pitchFamily="34" charset="-120"/>
+              </a:rPr>
+              <a:t>願祂祝福你心靈安康</a:t>
+            </a:r>
           </a:p>
         </p:txBody>
       </p:sp>
@@ -7531,30 +7182,75 @@
       </p:grpSpPr>
       <p:sp>
         <p:nvSpPr>
-          <p:cNvPr id="2" name="矩形 1"/>
-          <p:cNvSpPr/>
-          <p:nvPr/>
+          <p:cNvPr id="2" name="標題 1"/>
+          <p:cNvSpPr>
+            <a:spLocks noGrp="1"/>
+          </p:cNvSpPr>
+          <p:nvPr>
+            <p:ph type="title"/>
+          </p:nvPr>
         </p:nvSpPr>
         <p:spPr>
           <a:xfrm>
-            <a:off x="0" y="1570336"/>
-            <a:ext cx="9144000" cy="923330"/>
+            <a:off x="0" y="282167"/>
+            <a:ext cx="8991600" cy="628650"/>
           </a:xfrm>
-          <a:prstGeom prst="rect">
-            <a:avLst/>
-          </a:prstGeom>
         </p:spPr>
         <p:txBody>
-          <a:bodyPr wrap="square">
-            <a:spAutoFit/>
+          <a:bodyPr>
+            <a:noAutofit/>
           </a:bodyPr>
           <a:lstStyle/>
           <a:p>
-            <a:pPr algn="ctr"/>
-            <a:r>
-              <a:rPr lang="zh-CN" altLang="en-US" sz="5400" b="1" dirty="0" smtClean="0">
-                <a:solidFill>
-                  <a:srgbClr val="000066"/>
+            <a:r>
+              <a:rPr lang="zh-CN" altLang="en-US" b="1" dirty="0" smtClean="0">
+                <a:solidFill>
+                  <a:srgbClr val="660033"/>
+                </a:solidFill>
+                <a:latin typeface="微軟正黑體" pitchFamily="34" charset="-120"/>
+                <a:ea typeface="微軟正黑體" pitchFamily="34" charset="-120"/>
+              </a:rPr>
+              <a:t>主的愛</a:t>
+            </a:r>
+            <a:endParaRPr lang="zh-TW" altLang="en-US" b="1" dirty="0">
+              <a:solidFill>
+                <a:srgbClr val="660033"/>
+              </a:solidFill>
+              <a:latin typeface="微軟正黑體" pitchFamily="34" charset="-120"/>
+              <a:ea typeface="微軟正黑體" pitchFamily="34" charset="-120"/>
+            </a:endParaRPr>
+          </a:p>
+        </p:txBody>
+      </p:sp>
+      <p:sp>
+        <p:nvSpPr>
+          <p:cNvPr id="4" name="內容版面配置區 3"/>
+          <p:cNvSpPr>
+            <a:spLocks noGrp="1"/>
+          </p:cNvSpPr>
+          <p:nvPr>
+            <p:ph idx="1"/>
+          </p:nvPr>
+        </p:nvSpPr>
+        <p:spPr>
+          <a:xfrm>
+            <a:off x="0" y="1085850"/>
+            <a:ext cx="9144000" cy="3600450"/>
+          </a:xfrm>
+        </p:spPr>
+        <p:txBody>
+          <a:bodyPr>
+            <a:noAutofit/>
+          </a:bodyPr>
+          <a:lstStyle/>
+          <a:p>
+            <a:pPr algn="ctr">
+              <a:buNone/>
+            </a:pPr>
+            <a:r>
+              <a:rPr lang="zh-TW" altLang="en-US" sz="5400" b="1" dirty="0" smtClean="0">
+                <a:solidFill>
+                  <a:srgbClr val="660033"/>
                 </a:solidFill>
                 <a:effectLst>
                   <a:outerShdw blurRad="50000" dist="30000" dir="5400000" algn="tl" rotWithShape="0">
@@ -7565,13 +7261,12 @@
                 </a:effectLst>
                 <a:latin typeface="微軟正黑體" pitchFamily="34" charset="-120"/>
                 <a:ea typeface="微軟正黑體" pitchFamily="34" charset="-120"/>
-                <a:cs typeface="+mj-cs"/>
-              </a:rPr>
-              <a:t>聚會祝福歌</a:t>
-            </a:r>
-            <a:endParaRPr lang="zh-TW" altLang="en-US" sz="5400" b="1" dirty="0" smtClean="0">
+              </a:rPr>
+              <a:t>主的愛如流水淙淙</a:t>
+            </a:r>
+            <a:endParaRPr lang="en-US" altLang="zh-TW" sz="5400" b="1" dirty="0" smtClean="0">
               <a:solidFill>
-                <a:srgbClr val="000066"/>
+                <a:srgbClr val="660033"/>
               </a:solidFill>
               <a:effectLst>
                 <a:outerShdw blurRad="50000" dist="30000" dir="5400000" algn="tl" rotWithShape="0">
@@ -7582,53 +7277,14 @@
               </a:effectLst>
               <a:latin typeface="微軟正黑體" pitchFamily="34" charset="-120"/>
               <a:ea typeface="微軟正黑體" pitchFamily="34" charset="-120"/>
-              <a:cs typeface="+mj-cs"/>
             </a:endParaRPr>
           </a:p>
-        </p:txBody>
-      </p:sp>
-      <p:sp>
-        <p:nvSpPr>
-          <p:cNvPr id="3" name="標題 1"/>
-          <p:cNvSpPr txBox="1"/>
-          <p:nvPr/>
-        </p:nvSpPr>
-        <p:spPr>
-          <a:xfrm>
-            <a:off x="0" y="2435611"/>
-            <a:ext cx="9144000" cy="964405"/>
-          </a:xfrm>
-          <a:prstGeom prst="rect">
-            <a:avLst/>
-          </a:prstGeom>
-        </p:spPr>
-        <p:txBody>
-          <a:bodyPr anchor="ctr">
-            <a:noAutofit/>
-          </a:bodyPr>
-          <a:lstStyle/>
-          <a:p>
-            <a:pPr marL="0" marR="0" lvl="0" indent="0" algn="ctr" defTabSz="914400" rtl="0" eaLnBrk="1" fontAlgn="auto" latinLnBrk="0" hangingPunct="1">
-              <a:lnSpc>
-                <a:spcPct val="100000"/>
-              </a:lnSpc>
-              <a:spcBef>
-                <a:spcPct val="0"/>
-              </a:spcBef>
-              <a:spcAft>
-                <a:spcPts val="0"/>
-              </a:spcAft>
-              <a:buClrTx/>
-              <a:buSzTx/>
-              <a:buFontTx/>
-              <a:buNone/>
-              <a:defRPr/>
+          <a:p>
+            <a:pPr algn="ctr">
+              <a:buNone/>
             </a:pPr>
             <a:r>
-              <a:rPr kumimoji="0" lang="zh-CN" altLang="en-US" sz="4800" b="1" i="0" u="none" strike="noStrike" kern="1200" cap="none" spc="0" normalizeH="0" baseline="0" noProof="0" dirty="0" smtClean="0">
-                <a:ln>
-                  <a:noFill/>
-                </a:ln>
+              <a:rPr lang="zh-TW" altLang="en-US" sz="5400" b="1" dirty="0" smtClean="0">
                 <a:solidFill>
                   <a:srgbClr val="660033"/>
                 </a:solidFill>
@@ -7639,18 +7295,12 @@
                     </a:srgbClr>
                   </a:outerShdw>
                 </a:effectLst>
-                <a:uLnTx/>
-                <a:uFillTx/>
-                <a:latin typeface="微軟正黑體" pitchFamily="34" charset="-120"/>
-                <a:ea typeface="微軟正黑體" pitchFamily="34" charset="-120"/>
-                <a:cs typeface="+mj-cs"/>
-              </a:rPr>
-              <a:t>本堂牧師領詩班退堂</a:t>
-            </a:r>
-            <a:endParaRPr kumimoji="0" lang="zh-TW" altLang="en-US" sz="4800" b="1" i="0" u="none" strike="noStrike" kern="1200" cap="none" spc="0" normalizeH="0" baseline="0" noProof="0" dirty="0">
-              <a:ln>
-                <a:noFill/>
-              </a:ln>
+                <a:latin typeface="微軟正黑體" pitchFamily="34" charset="-120"/>
+                <a:ea typeface="微軟正黑體" pitchFamily="34" charset="-120"/>
+              </a:rPr>
+              <a:t>願你分享祂這愛</a:t>
+            </a:r>
+            <a:endParaRPr lang="en-US" altLang="zh-TW" sz="5400" b="1" dirty="0" smtClean="0">
               <a:solidFill>
                 <a:srgbClr val="660033"/>
               </a:solidFill>
@@ -7661,12 +7311,31 @@
                   </a:srgbClr>
                 </a:outerShdw>
               </a:effectLst>
-              <a:uLnTx/>
-              <a:uFillTx/>
               <a:latin typeface="微軟正黑體" pitchFamily="34" charset="-120"/>
               <a:ea typeface="微軟正黑體" pitchFamily="34" charset="-120"/>
-              <a:cs typeface="+mj-cs"/>
             </a:endParaRPr>
+          </a:p>
+          <a:p>
+            <a:pPr algn="ctr">
+              <a:buNone/>
+            </a:pPr>
+            <a:r>
+              <a:rPr lang="zh-TW" altLang="en-US" sz="5400" b="1" dirty="0" smtClean="0">
+                <a:solidFill>
+                  <a:srgbClr val="660033"/>
+                </a:solidFill>
+                <a:effectLst>
+                  <a:outerShdw blurRad="50000" dist="30000" dir="5400000" algn="tl" rotWithShape="0">
+                    <a:srgbClr val="000000">
+                      <a:alpha val="30000"/>
+                    </a:srgbClr>
+                  </a:outerShdw>
+                </a:effectLst>
+                <a:latin typeface="微軟正黑體" pitchFamily="34" charset="-120"/>
+                <a:ea typeface="微軟正黑體" pitchFamily="34" charset="-120"/>
+              </a:rPr>
+              <a:t>在那漫漫的黑夜見主光</a:t>
+            </a:r>
           </a:p>
         </p:txBody>
       </p:sp>
@@ -7784,7 +7453,7 @@
                 <a:latin typeface="微軟正黑體" pitchFamily="34" charset="-120"/>
                 <a:ea typeface="微軟正黑體" pitchFamily="34" charset="-120"/>
               </a:rPr>
-              <a:t>願主的愛與你同在</a:t>
+              <a:t>主的愛如流水淙淙</a:t>
             </a:r>
             <a:endParaRPr lang="en-US" altLang="zh-TW" sz="5400" b="1" dirty="0" smtClean="0">
               <a:solidFill>
@@ -7820,7 +7489,7 @@
                 <a:latin typeface="微軟正黑體" pitchFamily="34" charset="-120"/>
                 <a:ea typeface="微軟正黑體" pitchFamily="34" charset="-120"/>
               </a:rPr>
-              <a:t>無論你在何方</a:t>
+              <a:t>願你分享祂這愛</a:t>
             </a:r>
             <a:endParaRPr lang="en-US" altLang="zh-TW" sz="5400" b="1" dirty="0" smtClean="0">
               <a:solidFill>
@@ -7856,7 +7525,7 @@
                 <a:latin typeface="微軟正黑體" pitchFamily="34" charset="-120"/>
                 <a:ea typeface="微軟正黑體" pitchFamily="34" charset="-120"/>
               </a:rPr>
-              <a:t>願祂祝福你心靈安康</a:t>
+              <a:t>以你愛 還祂愛 永相愛</a:t>
             </a:r>
           </a:p>
         </p:txBody>
@@ -7946,388 +7615,6 @@
               <a:latin typeface="微軟正黑體" pitchFamily="34" charset="-120"/>
               <a:ea typeface="微軟正黑體" pitchFamily="34" charset="-120"/>
             </a:endParaRPr>
-          </a:p>
-        </p:txBody>
-      </p:sp>
-    </p:spTree>
-  </p:cSld>
-  <p:clrMapOvr>
-    <a:masterClrMapping/>
-  </p:clrMapOvr>
-  <p:timing>
-    <p:tnLst>
-      <p:par>
-        <p:cTn id="1" dur="indefinite" restart="never" nodeType="tmRoot"/>
-      </p:par>
-    </p:tnLst>
-  </p:timing>
-</p:sld>
-</file>
-
-<file path=ppt/slides/slide30.xml><?xml version="1.0" encoding="utf-8"?>
-<p:sld xmlns:a="http://schemas.openxmlformats.org/drawingml/2006/main" xmlns:r="http://schemas.openxmlformats.org/officeDocument/2006/relationships" xmlns:p="http://schemas.openxmlformats.org/presentationml/2006/main">
-  <p:cSld>
-    <p:spTree>
-      <p:nvGrpSpPr>
-        <p:cNvPr id="1" name=""/>
-        <p:cNvGrpSpPr/>
-        <p:nvPr/>
-      </p:nvGrpSpPr>
-      <p:grpSpPr>
-        <a:xfrm>
-          <a:off x="0" y="0"/>
-          <a:ext cx="0" cy="0"/>
-          <a:chOff x="0" y="0"/>
-          <a:chExt cx="0" cy="0"/>
-        </a:xfrm>
-      </p:grpSpPr>
-      <p:sp>
-        <p:nvSpPr>
-          <p:cNvPr id="2" name="標題 1"/>
-          <p:cNvSpPr>
-            <a:spLocks noGrp="1"/>
-          </p:cNvSpPr>
-          <p:nvPr>
-            <p:ph type="title"/>
-          </p:nvPr>
-        </p:nvSpPr>
-        <p:spPr>
-          <a:xfrm>
-            <a:off x="0" y="282167"/>
-            <a:ext cx="8991600" cy="628650"/>
-          </a:xfrm>
-        </p:spPr>
-        <p:txBody>
-          <a:bodyPr>
-            <a:noAutofit/>
-          </a:bodyPr>
-          <a:lstStyle/>
-          <a:p>
-            <a:r>
-              <a:rPr lang="zh-CN" altLang="en-US" b="1" dirty="0" smtClean="0">
-                <a:solidFill>
-                  <a:srgbClr val="660033"/>
-                </a:solidFill>
-                <a:latin typeface="微軟正黑體" pitchFamily="34" charset="-120"/>
-                <a:ea typeface="微軟正黑體" pitchFamily="34" charset="-120"/>
-              </a:rPr>
-              <a:t>主的愛</a:t>
-            </a:r>
-            <a:endParaRPr lang="zh-TW" altLang="en-US" b="1" dirty="0">
-              <a:solidFill>
-                <a:srgbClr val="660033"/>
-              </a:solidFill>
-              <a:latin typeface="微軟正黑體" pitchFamily="34" charset="-120"/>
-              <a:ea typeface="微軟正黑體" pitchFamily="34" charset="-120"/>
-            </a:endParaRPr>
-          </a:p>
-        </p:txBody>
-      </p:sp>
-      <p:sp>
-        <p:nvSpPr>
-          <p:cNvPr id="4" name="內容版面配置區 3"/>
-          <p:cNvSpPr>
-            <a:spLocks noGrp="1"/>
-          </p:cNvSpPr>
-          <p:nvPr>
-            <p:ph idx="1"/>
-          </p:nvPr>
-        </p:nvSpPr>
-        <p:spPr>
-          <a:xfrm>
-            <a:off x="0" y="1085850"/>
-            <a:ext cx="9144000" cy="3600450"/>
-          </a:xfrm>
-        </p:spPr>
-        <p:txBody>
-          <a:bodyPr>
-            <a:noAutofit/>
-          </a:bodyPr>
-          <a:lstStyle/>
-          <a:p>
-            <a:pPr algn="ctr">
-              <a:buNone/>
-            </a:pPr>
-            <a:r>
-              <a:rPr lang="zh-TW" altLang="en-US" sz="5400" b="1" dirty="0" smtClean="0">
-                <a:solidFill>
-                  <a:srgbClr val="660033"/>
-                </a:solidFill>
-                <a:effectLst>
-                  <a:outerShdw blurRad="50000" dist="30000" dir="5400000" algn="tl" rotWithShape="0">
-                    <a:srgbClr val="000000">
-                      <a:alpha val="30000"/>
-                    </a:srgbClr>
-                  </a:outerShdw>
-                </a:effectLst>
-                <a:latin typeface="微軟正黑體" pitchFamily="34" charset="-120"/>
-                <a:ea typeface="微軟正黑體" pitchFamily="34" charset="-120"/>
-              </a:rPr>
-              <a:t>主的愛如流水淙淙</a:t>
-            </a:r>
-            <a:endParaRPr lang="en-US" altLang="zh-TW" sz="5400" b="1" dirty="0" smtClean="0">
-              <a:solidFill>
-                <a:srgbClr val="660033"/>
-              </a:solidFill>
-              <a:effectLst>
-                <a:outerShdw blurRad="50000" dist="30000" dir="5400000" algn="tl" rotWithShape="0">
-                  <a:srgbClr val="000000">
-                    <a:alpha val="30000"/>
-                  </a:srgbClr>
-                </a:outerShdw>
-              </a:effectLst>
-              <a:latin typeface="微軟正黑體" pitchFamily="34" charset="-120"/>
-              <a:ea typeface="微軟正黑體" pitchFamily="34" charset="-120"/>
-            </a:endParaRPr>
-          </a:p>
-          <a:p>
-            <a:pPr algn="ctr">
-              <a:buNone/>
-            </a:pPr>
-            <a:r>
-              <a:rPr lang="zh-TW" altLang="en-US" sz="5400" b="1" dirty="0" smtClean="0">
-                <a:solidFill>
-                  <a:srgbClr val="660033"/>
-                </a:solidFill>
-                <a:effectLst>
-                  <a:outerShdw blurRad="50000" dist="30000" dir="5400000" algn="tl" rotWithShape="0">
-                    <a:srgbClr val="000000">
-                      <a:alpha val="30000"/>
-                    </a:srgbClr>
-                  </a:outerShdw>
-                </a:effectLst>
-                <a:latin typeface="微軟正黑體" pitchFamily="34" charset="-120"/>
-                <a:ea typeface="微軟正黑體" pitchFamily="34" charset="-120"/>
-              </a:rPr>
-              <a:t>願你分享祂這愛</a:t>
-            </a:r>
-            <a:endParaRPr lang="en-US" altLang="zh-TW" sz="5400" b="1" dirty="0" smtClean="0">
-              <a:solidFill>
-                <a:srgbClr val="660033"/>
-              </a:solidFill>
-              <a:effectLst>
-                <a:outerShdw blurRad="50000" dist="30000" dir="5400000" algn="tl" rotWithShape="0">
-                  <a:srgbClr val="000000">
-                    <a:alpha val="30000"/>
-                  </a:srgbClr>
-                </a:outerShdw>
-              </a:effectLst>
-              <a:latin typeface="微軟正黑體" pitchFamily="34" charset="-120"/>
-              <a:ea typeface="微軟正黑體" pitchFamily="34" charset="-120"/>
-            </a:endParaRPr>
-          </a:p>
-          <a:p>
-            <a:pPr algn="ctr">
-              <a:buNone/>
-            </a:pPr>
-            <a:r>
-              <a:rPr lang="zh-TW" altLang="en-US" sz="5400" b="1" dirty="0" smtClean="0">
-                <a:solidFill>
-                  <a:srgbClr val="660033"/>
-                </a:solidFill>
-                <a:effectLst>
-                  <a:outerShdw blurRad="50000" dist="30000" dir="5400000" algn="tl" rotWithShape="0">
-                    <a:srgbClr val="000000">
-                      <a:alpha val="30000"/>
-                    </a:srgbClr>
-                  </a:outerShdw>
-                </a:effectLst>
-                <a:latin typeface="微軟正黑體" pitchFamily="34" charset="-120"/>
-                <a:ea typeface="微軟正黑體" pitchFamily="34" charset="-120"/>
-              </a:rPr>
-              <a:t>在那漫漫的黑夜見主光</a:t>
-            </a:r>
-          </a:p>
-        </p:txBody>
-      </p:sp>
-    </p:spTree>
-  </p:cSld>
-  <p:clrMapOvr>
-    <a:masterClrMapping/>
-  </p:clrMapOvr>
-  <p:timing>
-    <p:tnLst>
-      <p:par>
-        <p:cTn id="1" dur="indefinite" restart="never" nodeType="tmRoot"/>
-      </p:par>
-    </p:tnLst>
-  </p:timing>
-</p:sld>
-</file>
-
-<file path=ppt/slides/slide31.xml><?xml version="1.0" encoding="utf-8"?>
-<p:sld xmlns:a="http://schemas.openxmlformats.org/drawingml/2006/main" xmlns:r="http://schemas.openxmlformats.org/officeDocument/2006/relationships" xmlns:p="http://schemas.openxmlformats.org/presentationml/2006/main">
-  <p:cSld>
-    <p:spTree>
-      <p:nvGrpSpPr>
-        <p:cNvPr id="1" name=""/>
-        <p:cNvGrpSpPr/>
-        <p:nvPr/>
-      </p:nvGrpSpPr>
-      <p:grpSpPr>
-        <a:xfrm>
-          <a:off x="0" y="0"/>
-          <a:ext cx="0" cy="0"/>
-          <a:chOff x="0" y="0"/>
-          <a:chExt cx="0" cy="0"/>
-        </a:xfrm>
-      </p:grpSpPr>
-      <p:sp>
-        <p:nvSpPr>
-          <p:cNvPr id="2" name="標題 1"/>
-          <p:cNvSpPr>
-            <a:spLocks noGrp="1"/>
-          </p:cNvSpPr>
-          <p:nvPr>
-            <p:ph type="title"/>
-          </p:nvPr>
-        </p:nvSpPr>
-        <p:spPr>
-          <a:xfrm>
-            <a:off x="0" y="282167"/>
-            <a:ext cx="8991600" cy="628650"/>
-          </a:xfrm>
-        </p:spPr>
-        <p:txBody>
-          <a:bodyPr>
-            <a:noAutofit/>
-          </a:bodyPr>
-          <a:lstStyle/>
-          <a:p>
-            <a:r>
-              <a:rPr lang="zh-CN" altLang="en-US" b="1" dirty="0" smtClean="0">
-                <a:solidFill>
-                  <a:srgbClr val="660033"/>
-                </a:solidFill>
-                <a:latin typeface="微軟正黑體" pitchFamily="34" charset="-120"/>
-                <a:ea typeface="微軟正黑體" pitchFamily="34" charset="-120"/>
-              </a:rPr>
-              <a:t>主的愛</a:t>
-            </a:r>
-            <a:endParaRPr lang="zh-TW" altLang="en-US" b="1" dirty="0">
-              <a:solidFill>
-                <a:srgbClr val="660033"/>
-              </a:solidFill>
-              <a:latin typeface="微軟正黑體" pitchFamily="34" charset="-120"/>
-              <a:ea typeface="微軟正黑體" pitchFamily="34" charset="-120"/>
-            </a:endParaRPr>
-          </a:p>
-        </p:txBody>
-      </p:sp>
-      <p:sp>
-        <p:nvSpPr>
-          <p:cNvPr id="4" name="內容版面配置區 3"/>
-          <p:cNvSpPr>
-            <a:spLocks noGrp="1"/>
-          </p:cNvSpPr>
-          <p:nvPr>
-            <p:ph idx="1"/>
-          </p:nvPr>
-        </p:nvSpPr>
-        <p:spPr>
-          <a:xfrm>
-            <a:off x="0" y="1085850"/>
-            <a:ext cx="9144000" cy="3600450"/>
-          </a:xfrm>
-        </p:spPr>
-        <p:txBody>
-          <a:bodyPr>
-            <a:noAutofit/>
-          </a:bodyPr>
-          <a:lstStyle/>
-          <a:p>
-            <a:pPr algn="ctr">
-              <a:buNone/>
-            </a:pPr>
-            <a:r>
-              <a:rPr lang="zh-TW" altLang="en-US" sz="5400" b="1" dirty="0" smtClean="0">
-                <a:solidFill>
-                  <a:srgbClr val="660033"/>
-                </a:solidFill>
-                <a:effectLst>
-                  <a:outerShdw blurRad="50000" dist="30000" dir="5400000" algn="tl" rotWithShape="0">
-                    <a:srgbClr val="000000">
-                      <a:alpha val="30000"/>
-                    </a:srgbClr>
-                  </a:outerShdw>
-                </a:effectLst>
-                <a:latin typeface="微軟正黑體" pitchFamily="34" charset="-120"/>
-                <a:ea typeface="微軟正黑體" pitchFamily="34" charset="-120"/>
-              </a:rPr>
-              <a:t>主的愛如流水淙淙</a:t>
-            </a:r>
-            <a:endParaRPr lang="en-US" altLang="zh-TW" sz="5400" b="1" dirty="0" smtClean="0">
-              <a:solidFill>
-                <a:srgbClr val="660033"/>
-              </a:solidFill>
-              <a:effectLst>
-                <a:outerShdw blurRad="50000" dist="30000" dir="5400000" algn="tl" rotWithShape="0">
-                  <a:srgbClr val="000000">
-                    <a:alpha val="30000"/>
-                  </a:srgbClr>
-                </a:outerShdw>
-              </a:effectLst>
-              <a:latin typeface="微軟正黑體" pitchFamily="34" charset="-120"/>
-              <a:ea typeface="微軟正黑體" pitchFamily="34" charset="-120"/>
-            </a:endParaRPr>
-          </a:p>
-          <a:p>
-            <a:pPr algn="ctr">
-              <a:buNone/>
-            </a:pPr>
-            <a:r>
-              <a:rPr lang="zh-TW" altLang="en-US" sz="5400" b="1" dirty="0" smtClean="0">
-                <a:solidFill>
-                  <a:srgbClr val="660033"/>
-                </a:solidFill>
-                <a:effectLst>
-                  <a:outerShdw blurRad="50000" dist="30000" dir="5400000" algn="tl" rotWithShape="0">
-                    <a:srgbClr val="000000">
-                      <a:alpha val="30000"/>
-                    </a:srgbClr>
-                  </a:outerShdw>
-                </a:effectLst>
-                <a:latin typeface="微軟正黑體" pitchFamily="34" charset="-120"/>
-                <a:ea typeface="微軟正黑體" pitchFamily="34" charset="-120"/>
-              </a:rPr>
-              <a:t>願你分享祂這愛</a:t>
-            </a:r>
-            <a:endParaRPr lang="en-US" altLang="zh-TW" sz="5400" b="1" dirty="0" smtClean="0">
-              <a:solidFill>
-                <a:srgbClr val="660033"/>
-              </a:solidFill>
-              <a:effectLst>
-                <a:outerShdw blurRad="50000" dist="30000" dir="5400000" algn="tl" rotWithShape="0">
-                  <a:srgbClr val="000000">
-                    <a:alpha val="30000"/>
-                  </a:srgbClr>
-                </a:outerShdw>
-              </a:effectLst>
-              <a:latin typeface="微軟正黑體" pitchFamily="34" charset="-120"/>
-              <a:ea typeface="微軟正黑體" pitchFamily="34" charset="-120"/>
-            </a:endParaRPr>
-          </a:p>
-          <a:p>
-            <a:pPr algn="ctr">
-              <a:buNone/>
-            </a:pPr>
-            <a:r>
-              <a:rPr lang="zh-TW" altLang="en-US" sz="5400" b="1" dirty="0" smtClean="0">
-                <a:solidFill>
-                  <a:srgbClr val="660033"/>
-                </a:solidFill>
-                <a:effectLst>
-                  <a:outerShdw blurRad="50000" dist="30000" dir="5400000" algn="tl" rotWithShape="0">
-                    <a:srgbClr val="000000">
-                      <a:alpha val="30000"/>
-                    </a:srgbClr>
-                  </a:outerShdw>
-                </a:effectLst>
-                <a:latin typeface="微軟正黑體" pitchFamily="34" charset="-120"/>
-                <a:ea typeface="微軟正黑體" pitchFamily="34" charset="-120"/>
-              </a:rPr>
-              <a:t>以你愛 還祂愛 永相愛</a:t>
-            </a:r>
           </a:p>
         </p:txBody>
       </p:sp>

--- a/崇拜流程_version02.pptx
+++ b/崇拜流程_version02.pptx
@@ -5,7 +5,7 @@
     <p:sldMasterId id="2147483648" r:id="rId1"/>
   </p:sldMasterIdLst>
   <p:notesMasterIdLst>
-    <p:notesMasterId r:id="rId31"/>
+    <p:notesMasterId r:id="rId42"/>
   </p:notesMasterIdLst>
   <p:sldIdLst>
     <p:sldId id="322" r:id="rId2"/>
@@ -28,15 +28,26 @@
     <p:sldId id="391" r:id="rId19"/>
     <p:sldId id="392" r:id="rId20"/>
     <p:sldId id="267" r:id="rId21"/>
-    <p:sldId id="272" r:id="rId22"/>
-    <p:sldId id="319" r:id="rId23"/>
-    <p:sldId id="320" r:id="rId24"/>
-    <p:sldId id="321" r:id="rId25"/>
-    <p:sldId id="270" r:id="rId26"/>
-    <p:sldId id="291" r:id="rId27"/>
-    <p:sldId id="286" r:id="rId28"/>
-    <p:sldId id="287" r:id="rId29"/>
-    <p:sldId id="288" r:id="rId30"/>
+    <p:sldId id="393" r:id="rId22"/>
+    <p:sldId id="394" r:id="rId23"/>
+    <p:sldId id="395" r:id="rId24"/>
+    <p:sldId id="396" r:id="rId25"/>
+    <p:sldId id="397" r:id="rId26"/>
+    <p:sldId id="398" r:id="rId27"/>
+    <p:sldId id="399" r:id="rId28"/>
+    <p:sldId id="400" r:id="rId29"/>
+    <p:sldId id="401" r:id="rId30"/>
+    <p:sldId id="402" r:id="rId31"/>
+    <p:sldId id="403" r:id="rId32"/>
+    <p:sldId id="270" r:id="rId33"/>
+    <p:sldId id="291" r:id="rId34"/>
+    <p:sldId id="404" r:id="rId35"/>
+    <p:sldId id="405" r:id="rId36"/>
+    <p:sldId id="406" r:id="rId37"/>
+    <p:sldId id="407" r:id="rId38"/>
+    <p:sldId id="408" r:id="rId39"/>
+    <p:sldId id="409" r:id="rId40"/>
+    <p:sldId id="410" r:id="rId41"/>
   </p:sldIdLst>
   <p:sldSz cx="9144000" cy="5143500" type="screen16x9"/>
   <p:notesSz cx="6858000" cy="9144000"/>
@@ -241,7 +252,7 @@
           <a:p>
             <a:fld id="{2F30D4D0-EAC7-4980-A92D-C26C9148BA0F}" type="datetimeFigureOut">
               <a:rPr lang="zh-TW" altLang="en-US" smtClean="0"/>
-              <a:t>2020/9/12</a:t>
+              <a:t>2020/10/25</a:t>
             </a:fld>
             <a:endParaRPr lang="zh-TW" altLang="en-US"/>
           </a:p>
@@ -1031,7 +1042,7 @@
           <a:p>
             <a:fld id="{5BBEAD13-0566-4C6C-97E7-55F17F24B09F}" type="datetimeFigureOut">
               <a:rPr lang="zh-TW" altLang="en-US" smtClean="0"/>
-              <a:t>2020/9/12</a:t>
+              <a:t>2020/10/25</a:t>
             </a:fld>
             <a:endParaRPr lang="zh-TW" altLang="en-US"/>
           </a:p>
@@ -1196,7 +1207,7 @@
           <a:p>
             <a:fld id="{5BBEAD13-0566-4C6C-97E7-55F17F24B09F}" type="datetimeFigureOut">
               <a:rPr lang="zh-TW" altLang="en-US" smtClean="0"/>
-              <a:t>2020/9/12</a:t>
+              <a:t>2020/10/25</a:t>
             </a:fld>
             <a:endParaRPr lang="zh-TW" altLang="en-US"/>
           </a:p>
@@ -1371,7 +1382,7 @@
           <a:p>
             <a:fld id="{5BBEAD13-0566-4C6C-97E7-55F17F24B09F}" type="datetimeFigureOut">
               <a:rPr lang="zh-TW" altLang="en-US" smtClean="0"/>
-              <a:t>2020/9/12</a:t>
+              <a:t>2020/10/25</a:t>
             </a:fld>
             <a:endParaRPr lang="zh-TW" altLang="en-US"/>
           </a:p>
@@ -1536,7 +1547,7 @@
           <a:p>
             <a:fld id="{5BBEAD13-0566-4C6C-97E7-55F17F24B09F}" type="datetimeFigureOut">
               <a:rPr lang="zh-TW" altLang="en-US" smtClean="0"/>
-              <a:t>2020/9/12</a:t>
+              <a:t>2020/10/25</a:t>
             </a:fld>
             <a:endParaRPr lang="zh-TW" altLang="en-US"/>
           </a:p>
@@ -1777,7 +1788,7 @@
           <a:p>
             <a:fld id="{5BBEAD13-0566-4C6C-97E7-55F17F24B09F}" type="datetimeFigureOut">
               <a:rPr lang="zh-TW" altLang="en-US" smtClean="0"/>
-              <a:t>2020/9/12</a:t>
+              <a:t>2020/10/25</a:t>
             </a:fld>
             <a:endParaRPr lang="zh-TW" altLang="en-US"/>
           </a:p>
@@ -2060,7 +2071,7 @@
           <a:p>
             <a:fld id="{5BBEAD13-0566-4C6C-97E7-55F17F24B09F}" type="datetimeFigureOut">
               <a:rPr lang="zh-TW" altLang="en-US" smtClean="0"/>
-              <a:t>2020/9/12</a:t>
+              <a:t>2020/10/25</a:t>
             </a:fld>
             <a:endParaRPr lang="zh-TW" altLang="en-US"/>
           </a:p>
@@ -2477,7 +2488,7 @@
           <a:p>
             <a:fld id="{5BBEAD13-0566-4C6C-97E7-55F17F24B09F}" type="datetimeFigureOut">
               <a:rPr lang="zh-TW" altLang="en-US" smtClean="0"/>
-              <a:t>2020/9/12</a:t>
+              <a:t>2020/10/25</a:t>
             </a:fld>
             <a:endParaRPr lang="zh-TW" altLang="en-US"/>
           </a:p>
@@ -2590,7 +2601,7 @@
           <a:p>
             <a:fld id="{5BBEAD13-0566-4C6C-97E7-55F17F24B09F}" type="datetimeFigureOut">
               <a:rPr lang="zh-TW" altLang="en-US" smtClean="0"/>
-              <a:t>2020/9/12</a:t>
+              <a:t>2020/10/25</a:t>
             </a:fld>
             <a:endParaRPr lang="zh-TW" altLang="en-US"/>
           </a:p>
@@ -2680,7 +2691,7 @@
           <a:p>
             <a:fld id="{5BBEAD13-0566-4C6C-97E7-55F17F24B09F}" type="datetimeFigureOut">
               <a:rPr lang="zh-TW" altLang="en-US" smtClean="0"/>
-              <a:t>2020/9/12</a:t>
+              <a:t>2020/10/25</a:t>
             </a:fld>
             <a:endParaRPr lang="zh-TW" altLang="en-US"/>
           </a:p>
@@ -2952,7 +2963,7 @@
           <a:p>
             <a:fld id="{5BBEAD13-0566-4C6C-97E7-55F17F24B09F}" type="datetimeFigureOut">
               <a:rPr lang="zh-TW" altLang="en-US" smtClean="0"/>
-              <a:t>2020/9/12</a:t>
+              <a:t>2020/10/25</a:t>
             </a:fld>
             <a:endParaRPr lang="zh-TW" altLang="en-US"/>
           </a:p>
@@ -3204,7 +3215,7 @@
           <a:p>
             <a:fld id="{5BBEAD13-0566-4C6C-97E7-55F17F24B09F}" type="datetimeFigureOut">
               <a:rPr lang="zh-TW" altLang="en-US" smtClean="0"/>
-              <a:t>2020/9/12</a:t>
+              <a:t>2020/10/25</a:t>
             </a:fld>
             <a:endParaRPr lang="zh-TW" altLang="en-US"/>
           </a:p>
@@ -3417,7 +3428,7 @@
           <a:p>
             <a:fld id="{5BBEAD13-0566-4C6C-97E7-55F17F24B09F}" type="datetimeFigureOut">
               <a:rPr lang="zh-TW" altLang="en-US" smtClean="0"/>
-              <a:t>2020/9/12</a:t>
+              <a:t>2020/10/25</a:t>
             </a:fld>
             <a:endParaRPr lang="zh-TW" altLang="en-US"/>
           </a:p>
@@ -5542,7 +5553,7 @@
       </p:grpSpPr>
       <p:sp>
         <p:nvSpPr>
-          <p:cNvPr id="2" name="標題 1"/>
+          <p:cNvPr id="4" name="標題 3"/>
           <p:cNvSpPr>
             <a:spLocks noGrp="1"/>
           </p:cNvSpPr>
@@ -5552,8 +5563,8 @@
         </p:nvSpPr>
         <p:spPr>
           <a:xfrm>
-            <a:off x="0" y="300026"/>
-            <a:ext cx="8991600" cy="628650"/>
+            <a:off x="0" y="2143135"/>
+            <a:ext cx="9144000" cy="857250"/>
           </a:xfrm>
         </p:spPr>
         <p:txBody>
@@ -5563,212 +5574,66 @@
           <a:lstStyle/>
           <a:p>
             <a:r>
-              <a:rPr lang="zh-CN" altLang="en-US" sz="4000" b="1" dirty="0" smtClean="0">
+              <a:rPr lang="zh-CN" altLang="en-US" sz="7200" b="1" dirty="0" smtClean="0">
                 <a:solidFill>
                   <a:srgbClr val="000066"/>
                 </a:solidFill>
-                <a:latin typeface="微軟正黑體" pitchFamily="34" charset="-120"/>
-                <a:ea typeface="微軟正黑體" pitchFamily="34" charset="-120"/>
-              </a:rPr>
-              <a:t>三一頌</a:t>
-            </a:r>
-            <a:endParaRPr lang="zh-TW" altLang="en-US" sz="4000" b="1" dirty="0">
-              <a:solidFill>
-                <a:srgbClr val="000066"/>
-              </a:solidFill>
-              <a:latin typeface="微軟正黑體" pitchFamily="34" charset="-120"/>
-              <a:ea typeface="微軟正黑體" pitchFamily="34" charset="-120"/>
-            </a:endParaRPr>
-          </a:p>
-        </p:txBody>
-      </p:sp>
-      <p:sp>
-        <p:nvSpPr>
-          <p:cNvPr id="4" name="內容版面配置區 3"/>
-          <p:cNvSpPr>
-            <a:spLocks noGrp="1"/>
-          </p:cNvSpPr>
-          <p:nvPr>
-            <p:ph idx="1"/>
-          </p:nvPr>
-        </p:nvSpPr>
-        <p:spPr>
-          <a:xfrm>
-            <a:off x="0" y="1285866"/>
-            <a:ext cx="9144000" cy="3857634"/>
-          </a:xfrm>
-        </p:spPr>
-        <p:txBody>
-          <a:bodyPr>
-            <a:noAutofit/>
-          </a:bodyPr>
-          <a:lstStyle/>
-          <a:p>
-            <a:pPr algn="ctr">
-              <a:buNone/>
-            </a:pPr>
-            <a:r>
-              <a:rPr lang="zh-CN" altLang="en-US" sz="4800" b="1" dirty="0" smtClean="0">
-                <a:solidFill>
-                  <a:srgbClr val="000066"/>
-                </a:solidFill>
                 <a:effectLst>
-                  <a:outerShdw blurRad="50000" dist="30000" dir="5400000" algn="tl" rotWithShape="0">
+                  <a:outerShdw blurRad="38100" dist="38100" dir="2700000" algn="tl">
                     <a:srgbClr val="000000">
-                      <a:alpha val="30000"/>
+                      <a:alpha val="43137"/>
                     </a:srgbClr>
                   </a:outerShdw>
                 </a:effectLst>
                 <a:latin typeface="微軟正黑體" pitchFamily="34" charset="-120"/>
                 <a:ea typeface="微軟正黑體" pitchFamily="34" charset="-120"/>
-                <a:cs typeface="+mj-cs"/>
-              </a:rPr>
-              <a:t>讚美天父愛世慈仁</a:t>
-            </a:r>
-            <a:endParaRPr lang="en-US" altLang="zh-CN" sz="4800" b="1" dirty="0" smtClean="0">
+              </a:rPr>
+              <a:t>三</a:t>
+            </a:r>
+            <a:r>
+              <a:rPr lang="zh-CN" altLang="en-US" sz="7200" b="1" dirty="0">
+                <a:solidFill>
+                  <a:srgbClr val="000066"/>
+                </a:solidFill>
+                <a:effectLst>
+                  <a:outerShdw blurRad="38100" dist="38100" dir="2700000" algn="tl">
+                    <a:srgbClr val="000000">
+                      <a:alpha val="43137"/>
+                    </a:srgbClr>
+                  </a:outerShdw>
+                </a:effectLst>
+                <a:latin typeface="微軟正黑體" pitchFamily="34" charset="-120"/>
+                <a:ea typeface="微軟正黑體" pitchFamily="34" charset="-120"/>
+              </a:rPr>
+              <a:t>一頌</a:t>
+            </a:r>
+            <a:endParaRPr lang="zh-TW" altLang="en-US" sz="7200" b="1" dirty="0">
               <a:solidFill>
                 <a:srgbClr val="000066"/>
               </a:solidFill>
               <a:effectLst>
-                <a:outerShdw blurRad="50000" dist="30000" dir="5400000" algn="tl" rotWithShape="0">
+                <a:outerShdw blurRad="38100" dist="38100" dir="2700000" algn="tl">
                   <a:srgbClr val="000000">
-                    <a:alpha val="30000"/>
+                    <a:alpha val="43137"/>
                   </a:srgbClr>
                 </a:outerShdw>
               </a:effectLst>
               <a:latin typeface="微軟正黑體" pitchFamily="34" charset="-120"/>
               <a:ea typeface="微軟正黑體" pitchFamily="34" charset="-120"/>
-              <a:cs typeface="+mj-cs"/>
             </a:endParaRPr>
           </a:p>
-          <a:p>
-            <a:pPr algn="ctr">
-              <a:buNone/>
-            </a:pPr>
-            <a:r>
-              <a:rPr lang="zh-CN" altLang="en-US" sz="4800" b="1" dirty="0" smtClean="0">
-                <a:solidFill>
-                  <a:srgbClr val="000066"/>
-                </a:solidFill>
-                <a:effectLst>
-                  <a:outerShdw blurRad="50000" dist="30000" dir="5400000" algn="tl" rotWithShape="0">
-                    <a:srgbClr val="000000">
-                      <a:alpha val="30000"/>
-                    </a:srgbClr>
-                  </a:outerShdw>
-                </a:effectLst>
-                <a:latin typeface="微軟正黑體" pitchFamily="34" charset="-120"/>
-                <a:ea typeface="微軟正黑體" pitchFamily="34" charset="-120"/>
-                <a:cs typeface="+mj-cs"/>
-              </a:rPr>
-              <a:t>讚美耶穌代贖洪恩</a:t>
-            </a:r>
-            <a:endParaRPr lang="en-US" altLang="zh-CN" sz="4800" b="1" dirty="0" smtClean="0">
-              <a:solidFill>
-                <a:srgbClr val="000066"/>
-              </a:solidFill>
-              <a:effectLst>
-                <a:outerShdw blurRad="50000" dist="30000" dir="5400000" algn="tl" rotWithShape="0">
-                  <a:srgbClr val="000000">
-                    <a:alpha val="30000"/>
-                  </a:srgbClr>
-                </a:outerShdw>
-              </a:effectLst>
-              <a:latin typeface="微軟正黑體" pitchFamily="34" charset="-120"/>
-              <a:ea typeface="微軟正黑體" pitchFamily="34" charset="-120"/>
-              <a:cs typeface="+mj-cs"/>
-            </a:endParaRPr>
-          </a:p>
-          <a:p>
-            <a:pPr algn="ctr">
-              <a:buNone/>
-            </a:pPr>
-            <a:r>
-              <a:rPr lang="zh-CN" altLang="en-US" sz="4800" b="1" dirty="0" smtClean="0">
-                <a:solidFill>
-                  <a:srgbClr val="000066"/>
-                </a:solidFill>
-                <a:effectLst>
-                  <a:outerShdw blurRad="50000" dist="30000" dir="5400000" algn="tl" rotWithShape="0">
-                    <a:srgbClr val="000000">
-                      <a:alpha val="30000"/>
-                    </a:srgbClr>
-                  </a:outerShdw>
-                </a:effectLst>
-                <a:latin typeface="微軟正黑體" pitchFamily="34" charset="-120"/>
-                <a:ea typeface="微軟正黑體" pitchFamily="34" charset="-120"/>
-                <a:cs typeface="+mj-cs"/>
-              </a:rPr>
-              <a:t>讚美聖靈開我茅塞</a:t>
-            </a:r>
-            <a:endParaRPr lang="en-US" altLang="zh-CN" sz="4800" b="1" dirty="0" smtClean="0">
-              <a:solidFill>
-                <a:srgbClr val="000066"/>
-              </a:solidFill>
-              <a:effectLst>
-                <a:outerShdw blurRad="50000" dist="30000" dir="5400000" algn="tl" rotWithShape="0">
-                  <a:srgbClr val="000000">
-                    <a:alpha val="30000"/>
-                  </a:srgbClr>
-                </a:outerShdw>
-              </a:effectLst>
-              <a:latin typeface="微軟正黑體" pitchFamily="34" charset="-120"/>
-              <a:ea typeface="微軟正黑體" pitchFamily="34" charset="-120"/>
-              <a:cs typeface="+mj-cs"/>
-            </a:endParaRPr>
-          </a:p>
-          <a:p>
-            <a:pPr algn="ctr">
-              <a:buNone/>
-            </a:pPr>
-            <a:r>
-              <a:rPr lang="zh-CN" altLang="en-US" sz="4800" b="1" dirty="0" smtClean="0">
-                <a:solidFill>
-                  <a:srgbClr val="000066"/>
-                </a:solidFill>
-                <a:effectLst>
-                  <a:outerShdw blurRad="50000" dist="30000" dir="5400000" algn="tl" rotWithShape="0">
-                    <a:srgbClr val="000000">
-                      <a:alpha val="30000"/>
-                    </a:srgbClr>
-                  </a:outerShdw>
-                </a:effectLst>
-                <a:latin typeface="微軟正黑體" pitchFamily="34" charset="-120"/>
-                <a:ea typeface="微軟正黑體" pitchFamily="34" charset="-120"/>
-                <a:cs typeface="+mj-cs"/>
-              </a:rPr>
-              <a:t>讚美三位合一真神</a:t>
-            </a:r>
-            <a:endParaRPr lang="zh-TW" altLang="en-US" sz="4800" b="1" dirty="0">
-              <a:solidFill>
-                <a:srgbClr val="000066"/>
-              </a:solidFill>
-              <a:effectLst>
-                <a:outerShdw blurRad="50000" dist="30000" dir="5400000" algn="tl" rotWithShape="0">
-                  <a:srgbClr val="000000">
-                    <a:alpha val="30000"/>
-                  </a:srgbClr>
-                </a:outerShdw>
-              </a:effectLst>
-              <a:latin typeface="微軟正黑體" pitchFamily="34" charset="-120"/>
-              <a:ea typeface="微軟正黑體" pitchFamily="34" charset="-120"/>
-              <a:cs typeface="+mj-cs"/>
-            </a:endParaRPr>
-          </a:p>
         </p:txBody>
       </p:sp>
     </p:spTree>
+    <p:extLst>
+      <p:ext uri="{BB962C8B-B14F-4D97-AF65-F5344CB8AC3E}">
+        <p14:creationId xmlns:p14="http://schemas.microsoft.com/office/powerpoint/2010/main" val="4276309469"/>
+      </p:ext>
+    </p:extLst>
   </p:cSld>
   <p:clrMapOvr>
     <a:masterClrMapping/>
   </p:clrMapOvr>
-  <p:timing>
-    <p:tnLst>
-      <p:par>
-        <p:cTn id="1" dur="indefinite" restart="never" nodeType="tmRoot"/>
-      </p:par>
-    </p:tnLst>
-  </p:timing>
 </p:sld>
 </file>
 
@@ -5791,65 +5656,23 @@
       </p:grpSpPr>
       <p:sp>
         <p:nvSpPr>
-          <p:cNvPr id="2" name="標題 1"/>
-          <p:cNvSpPr>
-            <a:spLocks noGrp="1"/>
-          </p:cNvSpPr>
-          <p:nvPr>
-            <p:ph type="title"/>
+          <p:cNvPr id="5" name="內容版面配置區 4"/>
+          <p:cNvSpPr>
+            <a:spLocks noGrp="1"/>
+          </p:cNvSpPr>
+          <p:nvPr>
+            <p:ph idx="1"/>
           </p:nvPr>
         </p:nvSpPr>
         <p:spPr>
           <a:xfrm>
-            <a:off x="0" y="85712"/>
-            <a:ext cx="8991600" cy="628650"/>
+            <a:off x="0" y="1563638"/>
+            <a:ext cx="9144000" cy="1803647"/>
           </a:xfrm>
         </p:spPr>
         <p:txBody>
-          <a:bodyPr>
-            <a:noAutofit/>
-          </a:bodyPr>
-          <a:lstStyle/>
-          <a:p>
-            <a:r>
-              <a:rPr lang="zh-CN" altLang="en-US" sz="4000" b="1" dirty="0" smtClean="0">
-                <a:solidFill>
-                  <a:srgbClr val="000066"/>
-                </a:solidFill>
-                <a:latin typeface="微軟正黑體" pitchFamily="34" charset="-120"/>
-                <a:ea typeface="微軟正黑體" pitchFamily="34" charset="-120"/>
-              </a:rPr>
-              <a:t>公禱文</a:t>
-            </a:r>
-            <a:endParaRPr lang="zh-TW" altLang="en-US" sz="4000" b="1" dirty="0">
-              <a:solidFill>
-                <a:srgbClr val="000066"/>
-              </a:solidFill>
-              <a:latin typeface="微軟正黑體" pitchFamily="34" charset="-120"/>
-              <a:ea typeface="微軟正黑體" pitchFamily="34" charset="-120"/>
-            </a:endParaRPr>
-          </a:p>
-        </p:txBody>
-      </p:sp>
-      <p:sp>
-        <p:nvSpPr>
-          <p:cNvPr id="4" name="內容版面配置區 3"/>
-          <p:cNvSpPr>
-            <a:spLocks noGrp="1"/>
-          </p:cNvSpPr>
-          <p:nvPr>
-            <p:ph idx="1"/>
-          </p:nvPr>
-        </p:nvSpPr>
-        <p:spPr>
-          <a:xfrm>
-            <a:off x="0" y="785800"/>
-            <a:ext cx="9144000" cy="4357718"/>
-          </a:xfrm>
-        </p:spPr>
-        <p:txBody>
-          <a:bodyPr>
-            <a:noAutofit/>
+          <a:bodyPr anchor="ctr">
+            <a:normAutofit/>
           </a:bodyPr>
           <a:lstStyle/>
           <a:p>
@@ -5857,7 +5680,7 @@
               <a:buNone/>
             </a:pPr>
             <a:r>
-              <a:rPr lang="zh-CN" altLang="en-US" sz="4800" b="1" dirty="0" smtClean="0">
+              <a:rPr lang="zh-CN" altLang="en-US" sz="4800" b="1" dirty="0">
                 <a:solidFill>
                   <a:srgbClr val="000066"/>
                 </a:solidFill>
@@ -5871,9 +5694,9 @@
                 <a:latin typeface="微軟正黑體" pitchFamily="34" charset="-120"/>
                 <a:ea typeface="微軟正黑體" pitchFamily="34" charset="-120"/>
               </a:rPr>
-              <a:t>我們在天上的父</a:t>
-            </a:r>
-            <a:endParaRPr lang="en-US" altLang="zh-CN" sz="4800" b="1" dirty="0" smtClean="0">
+              <a:t>讚美天父愛世慈仁</a:t>
+            </a:r>
+            <a:endParaRPr lang="en-US" altLang="zh-CN" sz="4800" b="1" dirty="0">
               <a:solidFill>
                 <a:srgbClr val="000066"/>
               </a:solidFill>
@@ -5893,7 +5716,7 @@
               <a:buNone/>
             </a:pPr>
             <a:r>
-              <a:rPr lang="zh-CN" altLang="en-US" sz="4800" b="1" dirty="0" smtClean="0">
+              <a:rPr lang="zh-CN" altLang="en-US" sz="4800" b="1" dirty="0">
                 <a:solidFill>
                   <a:srgbClr val="000066"/>
                 </a:solidFill>
@@ -5907,60 +5730,9 @@
                 <a:latin typeface="微軟正黑體" pitchFamily="34" charset="-120"/>
                 <a:ea typeface="微軟正黑體" pitchFamily="34" charset="-120"/>
               </a:rPr>
-              <a:t>願人</a:t>
-            </a:r>
-            <a:r>
-              <a:rPr lang="zh-CN" altLang="en-US" sz="4800" b="1" smtClean="0">
-                <a:solidFill>
-                  <a:srgbClr val="000066"/>
-                </a:solidFill>
-                <a:effectLst>
-                  <a:outerShdw blurRad="50000" dist="30000" dir="5400000" algn="tl" rotWithShape="0">
-                    <a:srgbClr val="000000">
-                      <a:alpha val="30000"/>
-                    </a:srgbClr>
-                  </a:outerShdw>
-                </a:effectLst>
-                <a:latin typeface="微軟正黑體" pitchFamily="34" charset="-120"/>
-                <a:ea typeface="微軟正黑體" pitchFamily="34" charset="-120"/>
-              </a:rPr>
-              <a:t>都</a:t>
-            </a:r>
-            <a:r>
-              <a:rPr lang="zh-CN" altLang="en-US" sz="4800" b="1">
-                <a:solidFill>
-                  <a:srgbClr val="000066"/>
-                </a:solidFill>
-                <a:effectLst>
-                  <a:outerShdw blurRad="50000" dist="30000" dir="5400000" algn="tl" rotWithShape="0">
-                    <a:srgbClr val="000000">
-                      <a:alpha val="30000"/>
-                    </a:srgbClr>
-                  </a:outerShdw>
-                </a:effectLst>
-                <a:latin typeface="微軟正黑體" pitchFamily="34" charset="-120"/>
-                <a:ea typeface="微軟正黑體" pitchFamily="34" charset="-120"/>
-              </a:rPr>
-              <a:t>尊父的</a:t>
-            </a:r>
-            <a:r>
-              <a:rPr lang="zh-CN" altLang="en-US" sz="4800" b="1" dirty="0" smtClean="0">
-                <a:solidFill>
-                  <a:srgbClr val="000066"/>
-                </a:solidFill>
-                <a:effectLst>
-                  <a:outerShdw blurRad="50000" dist="30000" dir="5400000" algn="tl" rotWithShape="0">
-                    <a:srgbClr val="000000">
-                      <a:alpha val="30000"/>
-                    </a:srgbClr>
-                  </a:outerShdw>
-                </a:effectLst>
-                <a:latin typeface="微軟正黑體" pitchFamily="34" charset="-120"/>
-                <a:ea typeface="微軟正黑體" pitchFamily="34" charset="-120"/>
-              </a:rPr>
-              <a:t>名為聖</a:t>
-            </a:r>
-            <a:endParaRPr lang="en-US" altLang="zh-CN" sz="4800" b="1" dirty="0" smtClean="0">
+              <a:t>讚美耶穌代贖洪恩</a:t>
+            </a:r>
+            <a:endParaRPr lang="en-US" altLang="zh-CN" sz="4800" b="1" dirty="0">
               <a:solidFill>
                 <a:srgbClr val="000066"/>
               </a:solidFill>
@@ -5975,128 +5747,18 @@
               <a:ea typeface="微軟正黑體" pitchFamily="34" charset="-120"/>
             </a:endParaRPr>
           </a:p>
-          <a:p>
-            <a:pPr algn="ctr">
-              <a:buNone/>
-            </a:pPr>
-            <a:r>
-              <a:rPr lang="zh-CN" altLang="en-US" sz="4800" b="1" dirty="0" smtClean="0">
-                <a:solidFill>
-                  <a:srgbClr val="000066"/>
-                </a:solidFill>
-                <a:effectLst>
-                  <a:outerShdw blurRad="50000" dist="30000" dir="5400000" algn="tl" rotWithShape="0">
-                    <a:srgbClr val="000000">
-                      <a:alpha val="30000"/>
-                    </a:srgbClr>
-                  </a:outerShdw>
-                </a:effectLst>
-                <a:latin typeface="微軟正黑體" pitchFamily="34" charset="-120"/>
-                <a:ea typeface="微軟正黑體" pitchFamily="34" charset="-120"/>
-              </a:rPr>
-              <a:t>願父的國降臨</a:t>
-            </a:r>
-            <a:endParaRPr lang="en-US" altLang="zh-CN" sz="4800" b="1" dirty="0" smtClean="0">
-              <a:solidFill>
-                <a:srgbClr val="000066"/>
-              </a:solidFill>
-              <a:effectLst>
-                <a:outerShdw blurRad="50000" dist="30000" dir="5400000" algn="tl" rotWithShape="0">
-                  <a:srgbClr val="000000">
-                    <a:alpha val="30000"/>
-                  </a:srgbClr>
-                </a:outerShdw>
-              </a:effectLst>
-              <a:latin typeface="微軟正黑體" pitchFamily="34" charset="-120"/>
-              <a:ea typeface="微軟正黑體" pitchFamily="34" charset="-120"/>
-            </a:endParaRPr>
-          </a:p>
-          <a:p>
-            <a:pPr algn="ctr">
-              <a:buNone/>
-            </a:pPr>
-            <a:r>
-              <a:rPr lang="zh-CN" altLang="en-US" sz="4800" b="1" dirty="0" smtClean="0">
-                <a:solidFill>
-                  <a:srgbClr val="000066"/>
-                </a:solidFill>
-                <a:effectLst>
-                  <a:outerShdw blurRad="50000" dist="30000" dir="5400000" algn="tl" rotWithShape="0">
-                    <a:srgbClr val="000000">
-                      <a:alpha val="30000"/>
-                    </a:srgbClr>
-                  </a:outerShdw>
-                </a:effectLst>
-                <a:latin typeface="微軟正黑體" pitchFamily="34" charset="-120"/>
-                <a:ea typeface="微軟正黑體" pitchFamily="34" charset="-120"/>
-              </a:rPr>
-              <a:t>願父的旨意行在地上</a:t>
-            </a:r>
-            <a:endParaRPr lang="en-US" altLang="zh-CN" sz="4800" b="1" dirty="0" smtClean="0">
-              <a:solidFill>
-                <a:srgbClr val="000066"/>
-              </a:solidFill>
-              <a:effectLst>
-                <a:outerShdw blurRad="50000" dist="30000" dir="5400000" algn="tl" rotWithShape="0">
-                  <a:srgbClr val="000000">
-                    <a:alpha val="30000"/>
-                  </a:srgbClr>
-                </a:outerShdw>
-              </a:effectLst>
-              <a:latin typeface="微軟正黑體" pitchFamily="34" charset="-120"/>
-              <a:ea typeface="微軟正黑體" pitchFamily="34" charset="-120"/>
-            </a:endParaRPr>
-          </a:p>
-          <a:p>
-            <a:pPr algn="ctr">
-              <a:buNone/>
-            </a:pPr>
-            <a:r>
-              <a:rPr lang="zh-CN" altLang="en-US" sz="4800" b="1" dirty="0" smtClean="0">
-                <a:solidFill>
-                  <a:srgbClr val="000066"/>
-                </a:solidFill>
-                <a:effectLst>
-                  <a:outerShdw blurRad="50000" dist="30000" dir="5400000" algn="tl" rotWithShape="0">
-                    <a:srgbClr val="000000">
-                      <a:alpha val="30000"/>
-                    </a:srgbClr>
-                  </a:outerShdw>
-                </a:effectLst>
-                <a:latin typeface="微軟正黑體" pitchFamily="34" charset="-120"/>
-                <a:ea typeface="微軟正黑體" pitchFamily="34" charset="-120"/>
-              </a:rPr>
-              <a:t>如同行在天上</a:t>
-            </a:r>
-            <a:endParaRPr lang="zh-TW" altLang="en-US" sz="4800" b="1" dirty="0">
-              <a:solidFill>
-                <a:srgbClr val="000066"/>
-              </a:solidFill>
-              <a:effectLst>
-                <a:outerShdw blurRad="50000" dist="30000" dir="5400000" algn="tl" rotWithShape="0">
-                  <a:srgbClr val="000000">
-                    <a:alpha val="30000"/>
-                  </a:srgbClr>
-                </a:outerShdw>
-              </a:effectLst>
-              <a:latin typeface="微軟正黑體" pitchFamily="34" charset="-120"/>
-              <a:ea typeface="微軟正黑體" pitchFamily="34" charset="-120"/>
-            </a:endParaRPr>
-          </a:p>
         </p:txBody>
       </p:sp>
     </p:spTree>
+    <p:extLst>
+      <p:ext uri="{BB962C8B-B14F-4D97-AF65-F5344CB8AC3E}">
+        <p14:creationId xmlns:p14="http://schemas.microsoft.com/office/powerpoint/2010/main" val="1986925349"/>
+      </p:ext>
+    </p:extLst>
   </p:cSld>
   <p:clrMapOvr>
     <a:masterClrMapping/>
   </p:clrMapOvr>
-  <p:timing>
-    <p:tnLst>
-      <p:par>
-        <p:cTn id="1" dur="indefinite" restart="never" nodeType="tmRoot"/>
-      </p:par>
-    </p:tnLst>
-  </p:timing>
 </p:sld>
 </file>
 
@@ -6119,65 +5781,23 @@
       </p:grpSpPr>
       <p:sp>
         <p:nvSpPr>
-          <p:cNvPr id="2" name="標題 1"/>
-          <p:cNvSpPr>
-            <a:spLocks noGrp="1"/>
-          </p:cNvSpPr>
-          <p:nvPr>
-            <p:ph type="title"/>
+          <p:cNvPr id="5" name="內容版面配置區 4"/>
+          <p:cNvSpPr>
+            <a:spLocks noGrp="1"/>
+          </p:cNvSpPr>
+          <p:nvPr>
+            <p:ph idx="1"/>
           </p:nvPr>
         </p:nvSpPr>
         <p:spPr>
           <a:xfrm>
-            <a:off x="0" y="85712"/>
-            <a:ext cx="8991600" cy="628650"/>
+            <a:off x="0" y="1563638"/>
+            <a:ext cx="9144000" cy="1803647"/>
           </a:xfrm>
         </p:spPr>
         <p:txBody>
-          <a:bodyPr>
-            <a:noAutofit/>
-          </a:bodyPr>
-          <a:lstStyle/>
-          <a:p>
-            <a:r>
-              <a:rPr lang="zh-CN" altLang="en-US" sz="4000" b="1" dirty="0" smtClean="0">
-                <a:solidFill>
-                  <a:srgbClr val="000066"/>
-                </a:solidFill>
-                <a:latin typeface="微軟正黑體" pitchFamily="34" charset="-120"/>
-                <a:ea typeface="微軟正黑體" pitchFamily="34" charset="-120"/>
-              </a:rPr>
-              <a:t>公禱文</a:t>
-            </a:r>
-            <a:endParaRPr lang="zh-TW" altLang="en-US" sz="4000" b="1" dirty="0">
-              <a:solidFill>
-                <a:srgbClr val="000066"/>
-              </a:solidFill>
-              <a:latin typeface="微軟正黑體" pitchFamily="34" charset="-120"/>
-              <a:ea typeface="微軟正黑體" pitchFamily="34" charset="-120"/>
-            </a:endParaRPr>
-          </a:p>
-        </p:txBody>
-      </p:sp>
-      <p:sp>
-        <p:nvSpPr>
-          <p:cNvPr id="4" name="內容版面配置區 3"/>
-          <p:cNvSpPr>
-            <a:spLocks noGrp="1"/>
-          </p:cNvSpPr>
-          <p:nvPr>
-            <p:ph idx="1"/>
-          </p:nvPr>
-        </p:nvSpPr>
-        <p:spPr>
-          <a:xfrm>
-            <a:off x="0" y="1142990"/>
-            <a:ext cx="9144000" cy="4000528"/>
-          </a:xfrm>
-        </p:spPr>
-        <p:txBody>
-          <a:bodyPr>
-            <a:noAutofit/>
+          <a:bodyPr anchor="ctr">
+            <a:normAutofit/>
           </a:bodyPr>
           <a:lstStyle/>
           <a:p>
@@ -6185,7 +5805,7 @@
               <a:buNone/>
             </a:pPr>
             <a:r>
-              <a:rPr lang="zh-CN" altLang="en-US" sz="4800" b="1" dirty="0" smtClean="0">
+              <a:rPr lang="zh-CN" altLang="en-US" sz="4800" b="1" dirty="0">
                 <a:solidFill>
                   <a:srgbClr val="000066"/>
                 </a:solidFill>
@@ -6199,9 +5819,9 @@
                 <a:latin typeface="微軟正黑體" pitchFamily="34" charset="-120"/>
                 <a:ea typeface="微軟正黑體" pitchFamily="34" charset="-120"/>
               </a:rPr>
-              <a:t>我們日用的飲食</a:t>
-            </a:r>
-            <a:endParaRPr lang="en-US" altLang="zh-CN" sz="4800" b="1" dirty="0" smtClean="0">
+              <a:t>讚美聖靈開我茅塞</a:t>
+            </a:r>
+            <a:endParaRPr lang="en-US" altLang="zh-CN" sz="4800" b="1" dirty="0">
               <a:solidFill>
                 <a:srgbClr val="000066"/>
               </a:solidFill>
@@ -6221,7 +5841,7 @@
               <a:buNone/>
             </a:pPr>
             <a:r>
-              <a:rPr lang="zh-CN" altLang="en-US" sz="4800" b="1" dirty="0" smtClean="0">
+              <a:rPr lang="zh-CN" altLang="en-US" sz="4800" b="1" dirty="0">
                 <a:solidFill>
                   <a:srgbClr val="000066"/>
                 </a:solidFill>
@@ -6235,9 +5855,9 @@
                 <a:latin typeface="微軟正黑體" pitchFamily="34" charset="-120"/>
                 <a:ea typeface="微軟正黑體" pitchFamily="34" charset="-120"/>
               </a:rPr>
-              <a:t>今日賜給我們</a:t>
-            </a:r>
-            <a:endParaRPr lang="en-US" altLang="zh-CN" sz="4800" b="1" dirty="0" smtClean="0">
+              <a:t>讚美三位合一真神</a:t>
+            </a:r>
+            <a:endParaRPr lang="zh-TW" altLang="en-US" sz="4800" b="1" dirty="0">
               <a:solidFill>
                 <a:srgbClr val="000066"/>
               </a:solidFill>
@@ -6252,92 +5872,18 @@
               <a:ea typeface="微軟正黑體" pitchFamily="34" charset="-120"/>
             </a:endParaRPr>
           </a:p>
-          <a:p>
-            <a:pPr algn="ctr">
-              <a:buNone/>
-            </a:pPr>
-            <a:r>
-              <a:rPr lang="zh-CN" altLang="en-US" sz="4800" b="1" dirty="0" smtClean="0">
-                <a:solidFill>
-                  <a:srgbClr val="000066"/>
-                </a:solidFill>
-                <a:effectLst>
-                  <a:outerShdw blurRad="50000" dist="30000" dir="5400000" algn="tl" rotWithShape="0">
-                    <a:srgbClr val="000000">
-                      <a:alpha val="30000"/>
-                    </a:srgbClr>
-                  </a:outerShdw>
-                </a:effectLst>
-                <a:latin typeface="微軟正黑體" pitchFamily="34" charset="-120"/>
-                <a:ea typeface="微軟正黑體" pitchFamily="34" charset="-120"/>
-              </a:rPr>
-              <a:t>免我們的債</a:t>
-            </a:r>
-            <a:endParaRPr lang="en-US" altLang="zh-CN" sz="4800" b="1" dirty="0" smtClean="0">
-              <a:solidFill>
-                <a:srgbClr val="000066"/>
-              </a:solidFill>
-              <a:effectLst>
-                <a:outerShdw blurRad="50000" dist="30000" dir="5400000" algn="tl" rotWithShape="0">
-                  <a:srgbClr val="000000">
-                    <a:alpha val="30000"/>
-                  </a:srgbClr>
-                </a:outerShdw>
-              </a:effectLst>
-              <a:latin typeface="微軟正黑體" pitchFamily="34" charset="-120"/>
-              <a:ea typeface="微軟正黑體" pitchFamily="34" charset="-120"/>
-            </a:endParaRPr>
-          </a:p>
-          <a:p>
-            <a:pPr algn="ctr">
-              <a:buNone/>
-            </a:pPr>
-            <a:r>
-              <a:rPr lang="zh-CN" altLang="en-US" sz="4800" b="1" dirty="0" smtClean="0">
-                <a:solidFill>
-                  <a:srgbClr val="000066"/>
-                </a:solidFill>
-                <a:effectLst>
-                  <a:outerShdw blurRad="50000" dist="30000" dir="5400000" algn="tl" rotWithShape="0">
-                    <a:srgbClr val="000000">
-                      <a:alpha val="30000"/>
-                    </a:srgbClr>
-                  </a:outerShdw>
-                </a:effectLst>
-                <a:latin typeface="微軟正黑體" pitchFamily="34" charset="-120"/>
-                <a:ea typeface="微軟正黑體" pitchFamily="34" charset="-120"/>
-              </a:rPr>
-              <a:t>如同我們免了人的債</a:t>
-            </a:r>
-            <a:endParaRPr lang="zh-TW" altLang="en-US" sz="4800" b="1" dirty="0" smtClean="0">
-              <a:solidFill>
-                <a:srgbClr val="000066"/>
-              </a:solidFill>
-              <a:effectLst>
-                <a:outerShdw blurRad="50000" dist="30000" dir="5400000" algn="tl" rotWithShape="0">
-                  <a:srgbClr val="000000">
-                    <a:alpha val="30000"/>
-                  </a:srgbClr>
-                </a:outerShdw>
-              </a:effectLst>
-              <a:latin typeface="微軟正黑體" pitchFamily="34" charset="-120"/>
-              <a:ea typeface="微軟正黑體" pitchFamily="34" charset="-120"/>
-            </a:endParaRPr>
-          </a:p>
         </p:txBody>
       </p:sp>
     </p:spTree>
+    <p:extLst>
+      <p:ext uri="{BB962C8B-B14F-4D97-AF65-F5344CB8AC3E}">
+        <p14:creationId xmlns:p14="http://schemas.microsoft.com/office/powerpoint/2010/main" val="129030455"/>
+      </p:ext>
+    </p:extLst>
   </p:cSld>
   <p:clrMapOvr>
     <a:masterClrMapping/>
   </p:clrMapOvr>
-  <p:timing>
-    <p:tnLst>
-      <p:par>
-        <p:cTn id="1" dur="indefinite" restart="never" nodeType="tmRoot"/>
-      </p:par>
-    </p:tnLst>
-  </p:timing>
 </p:sld>
 </file>
 
@@ -6360,7 +5906,7 @@
       </p:grpSpPr>
       <p:sp>
         <p:nvSpPr>
-          <p:cNvPr id="2" name="標題 1"/>
+          <p:cNvPr id="4" name="標題 3"/>
           <p:cNvSpPr>
             <a:spLocks noGrp="1"/>
           </p:cNvSpPr>
@@ -6370,8 +5916,8 @@
         </p:nvSpPr>
         <p:spPr>
           <a:xfrm>
-            <a:off x="0" y="85712"/>
-            <a:ext cx="8991600" cy="628650"/>
+            <a:off x="0" y="2143135"/>
+            <a:ext cx="9144000" cy="857250"/>
           </a:xfrm>
         </p:spPr>
         <p:txBody>
@@ -6381,75 +5927,47 @@
           <a:lstStyle/>
           <a:p>
             <a:r>
-              <a:rPr lang="zh-CN" altLang="en-US" sz="4000" b="1" dirty="0" smtClean="0">
-                <a:solidFill>
-                  <a:srgbClr val="000066"/>
-                </a:solidFill>
-                <a:latin typeface="微軟正黑體" pitchFamily="34" charset="-120"/>
-                <a:ea typeface="微軟正黑體" pitchFamily="34" charset="-120"/>
-              </a:rPr>
-              <a:t>公禱文</a:t>
-            </a:r>
-            <a:endParaRPr lang="zh-TW" altLang="en-US" sz="4000" b="1" dirty="0">
-              <a:solidFill>
-                <a:srgbClr val="000066"/>
-              </a:solidFill>
-              <a:latin typeface="微軟正黑體" pitchFamily="34" charset="-120"/>
-              <a:ea typeface="微軟正黑體" pitchFamily="34" charset="-120"/>
-            </a:endParaRPr>
-          </a:p>
-        </p:txBody>
-      </p:sp>
-      <p:sp>
-        <p:nvSpPr>
-          <p:cNvPr id="4" name="內容版面配置區 3"/>
-          <p:cNvSpPr>
-            <a:spLocks noGrp="1"/>
-          </p:cNvSpPr>
-          <p:nvPr>
-            <p:ph idx="1"/>
-          </p:nvPr>
-        </p:nvSpPr>
-        <p:spPr>
-          <a:xfrm>
-            <a:off x="0" y="1071552"/>
-            <a:ext cx="9144000" cy="4071966"/>
-          </a:xfrm>
-        </p:spPr>
-        <p:txBody>
-          <a:bodyPr>
-            <a:noAutofit/>
-          </a:bodyPr>
-          <a:lstStyle/>
-          <a:p>
-            <a:pPr algn="ctr">
-              <a:buNone/>
-            </a:pPr>
-            <a:r>
-              <a:rPr lang="zh-CN" altLang="en-US" sz="4800" b="1" dirty="0" smtClean="0">
-                <a:solidFill>
-                  <a:srgbClr val="000066"/>
+              <a:rPr lang="zh-CN" altLang="en-US" sz="7200" b="1" dirty="0" smtClean="0">
+                <a:solidFill>
+                  <a:srgbClr val="660033"/>
                 </a:solidFill>
                 <a:effectLst>
-                  <a:outerShdw blurRad="50000" dist="30000" dir="5400000" algn="tl" rotWithShape="0">
+                  <a:outerShdw blurRad="38100" dist="38100" dir="2700000" algn="tl">
                     <a:srgbClr val="000000">
-                      <a:alpha val="30000"/>
+                      <a:alpha val="43137"/>
                     </a:srgbClr>
                   </a:outerShdw>
                 </a:effectLst>
                 <a:latin typeface="微軟正黑體" pitchFamily="34" charset="-120"/>
                 <a:ea typeface="微軟正黑體" pitchFamily="34" charset="-120"/>
               </a:rPr>
-              <a:t>不叫我們遇見試探</a:t>
-            </a:r>
-            <a:endParaRPr lang="en-US" altLang="zh-CN" sz="4800" b="1" dirty="0" smtClean="0">
+              <a:t>公</a:t>
+            </a:r>
+            <a:r>
+              <a:rPr lang="zh-CN" altLang="en-US" sz="7200" b="1" dirty="0">
+                <a:solidFill>
+                  <a:srgbClr val="660033"/>
+                </a:solidFill>
+                <a:effectLst>
+                  <a:outerShdw blurRad="38100" dist="38100" dir="2700000" algn="tl">
+                    <a:srgbClr val="000000">
+                      <a:alpha val="43137"/>
+                    </a:srgbClr>
+                  </a:outerShdw>
+                </a:effectLst>
+                <a:latin typeface="微軟正黑體" pitchFamily="34" charset="-120"/>
+                <a:ea typeface="微軟正黑體" pitchFamily="34" charset="-120"/>
+              </a:rPr>
+              <a:t>禱文</a:t>
+            </a:r>
+            <a:endParaRPr lang="zh-TW" altLang="en-US" sz="7200" b="1" dirty="0">
               <a:solidFill>
-                <a:srgbClr val="000066"/>
+                <a:srgbClr val="660033"/>
               </a:solidFill>
               <a:effectLst>
-                <a:outerShdw blurRad="50000" dist="30000" dir="5400000" algn="tl" rotWithShape="0">
+                <a:outerShdw blurRad="38100" dist="38100" dir="2700000" algn="tl">
                   <a:srgbClr val="000000">
-                    <a:alpha val="30000"/>
+                    <a:alpha val="43137"/>
                   </a:srgbClr>
                 </a:outerShdw>
               </a:effectLst>
@@ -6457,162 +5975,18 @@
               <a:ea typeface="微軟正黑體" pitchFamily="34" charset="-120"/>
             </a:endParaRPr>
           </a:p>
-          <a:p>
-            <a:pPr algn="ctr">
-              <a:buNone/>
-            </a:pPr>
-            <a:r>
-              <a:rPr lang="zh-CN" altLang="en-US" sz="4800" b="1" dirty="0" smtClean="0">
-                <a:solidFill>
-                  <a:srgbClr val="000066"/>
-                </a:solidFill>
-                <a:effectLst>
-                  <a:outerShdw blurRad="50000" dist="30000" dir="5400000" algn="tl" rotWithShape="0">
-                    <a:srgbClr val="000000">
-                      <a:alpha val="30000"/>
-                    </a:srgbClr>
-                  </a:outerShdw>
-                </a:effectLst>
-                <a:latin typeface="微軟正黑體" pitchFamily="34" charset="-120"/>
-                <a:ea typeface="微軟正黑體" pitchFamily="34" charset="-120"/>
-              </a:rPr>
-              <a:t>救我們脫離兇惡</a:t>
-            </a:r>
-            <a:endParaRPr lang="en-US" altLang="zh-CN" sz="4800" b="1" dirty="0" smtClean="0">
-              <a:solidFill>
-                <a:srgbClr val="000066"/>
-              </a:solidFill>
-              <a:effectLst>
-                <a:outerShdw blurRad="50000" dist="30000" dir="5400000" algn="tl" rotWithShape="0">
-                  <a:srgbClr val="000000">
-                    <a:alpha val="30000"/>
-                  </a:srgbClr>
-                </a:outerShdw>
-              </a:effectLst>
-              <a:latin typeface="微軟正黑體" pitchFamily="34" charset="-120"/>
-              <a:ea typeface="微軟正黑體" pitchFamily="34" charset="-120"/>
-            </a:endParaRPr>
-          </a:p>
-          <a:p>
-            <a:pPr algn="ctr">
-              <a:buNone/>
-            </a:pPr>
-            <a:r>
-              <a:rPr lang="zh-CN" altLang="en-US" sz="4800" b="1" dirty="0" smtClean="0">
-                <a:solidFill>
-                  <a:srgbClr val="000066"/>
-                </a:solidFill>
-                <a:effectLst>
-                  <a:outerShdw blurRad="50000" dist="30000" dir="5400000" algn="tl" rotWithShape="0">
-                    <a:srgbClr val="000000">
-                      <a:alpha val="30000"/>
-                    </a:srgbClr>
-                  </a:outerShdw>
-                </a:effectLst>
-                <a:latin typeface="微軟正黑體" pitchFamily="34" charset="-120"/>
-                <a:ea typeface="微軟正黑體" pitchFamily="34" charset="-120"/>
-              </a:rPr>
-              <a:t>因為國度 權柄 榮耀</a:t>
-            </a:r>
-            <a:endParaRPr lang="en-US" altLang="zh-CN" sz="4800" b="1" dirty="0" smtClean="0">
-              <a:solidFill>
-                <a:srgbClr val="000066"/>
-              </a:solidFill>
-              <a:effectLst>
-                <a:outerShdw blurRad="50000" dist="30000" dir="5400000" algn="tl" rotWithShape="0">
-                  <a:srgbClr val="000000">
-                    <a:alpha val="30000"/>
-                  </a:srgbClr>
-                </a:outerShdw>
-              </a:effectLst>
-              <a:latin typeface="微軟正黑體" pitchFamily="34" charset="-120"/>
-              <a:ea typeface="微軟正黑體" pitchFamily="34" charset="-120"/>
-            </a:endParaRPr>
-          </a:p>
-          <a:p>
-            <a:pPr algn="ctr">
-              <a:buNone/>
-            </a:pPr>
-            <a:r>
-              <a:rPr lang="zh-CN" altLang="en-US" sz="4800" b="1" dirty="0" smtClean="0">
-                <a:solidFill>
-                  <a:srgbClr val="000066"/>
-                </a:solidFill>
-                <a:effectLst>
-                  <a:outerShdw blurRad="50000" dist="30000" dir="5400000" algn="tl" rotWithShape="0">
-                    <a:srgbClr val="000000">
-                      <a:alpha val="30000"/>
-                    </a:srgbClr>
-                  </a:outerShdw>
-                </a:effectLst>
-                <a:latin typeface="微軟正黑體" pitchFamily="34" charset="-120"/>
-                <a:ea typeface="微軟正黑體" pitchFamily="34" charset="-120"/>
-              </a:rPr>
-              <a:t>全是父的 直到永遠</a:t>
-            </a:r>
-            <a:r>
-              <a:rPr lang="en-US" altLang="zh-CN" sz="4800" b="1" dirty="0" smtClean="0">
-                <a:solidFill>
-                  <a:srgbClr val="000066"/>
-                </a:solidFill>
-                <a:effectLst>
-                  <a:outerShdw blurRad="50000" dist="30000" dir="5400000" algn="tl" rotWithShape="0">
-                    <a:srgbClr val="000000">
-                      <a:alpha val="30000"/>
-                    </a:srgbClr>
-                  </a:outerShdw>
-                </a:effectLst>
-                <a:latin typeface="微軟正黑體" pitchFamily="34" charset="-120"/>
-                <a:ea typeface="微軟正黑體" pitchFamily="34" charset="-120"/>
-              </a:rPr>
-              <a:t>  </a:t>
-            </a:r>
-            <a:r>
-              <a:rPr lang="zh-CN" altLang="en-US" sz="4800" b="1" dirty="0" smtClean="0">
-                <a:solidFill>
-                  <a:srgbClr val="000066"/>
-                </a:solidFill>
-                <a:effectLst>
-                  <a:outerShdw blurRad="50000" dist="30000" dir="5400000" algn="tl" rotWithShape="0">
-                    <a:srgbClr val="000000">
-                      <a:alpha val="30000"/>
-                    </a:srgbClr>
-                  </a:outerShdw>
-                </a:effectLst>
-                <a:latin typeface="微軟正黑體" pitchFamily="34" charset="-120"/>
-                <a:ea typeface="微軟正黑體" pitchFamily="34" charset="-120"/>
-              </a:rPr>
-              <a:t>阿門</a:t>
-            </a:r>
-            <a:endParaRPr lang="zh-TW" altLang="en-US" sz="4800" b="1" dirty="0" smtClean="0">
-              <a:solidFill>
-                <a:srgbClr val="000066"/>
-              </a:solidFill>
-              <a:effectLst>
-                <a:outerShdw blurRad="50000" dist="30000" dir="5400000" algn="tl" rotWithShape="0">
-                  <a:srgbClr val="000000">
-                    <a:alpha val="30000"/>
-                  </a:srgbClr>
-                </a:outerShdw>
-              </a:effectLst>
-              <a:latin typeface="微軟正黑體" pitchFamily="34" charset="-120"/>
-              <a:ea typeface="微軟正黑體" pitchFamily="34" charset="-120"/>
-            </a:endParaRPr>
-          </a:p>
         </p:txBody>
       </p:sp>
     </p:spTree>
+    <p:extLst>
+      <p:ext uri="{BB962C8B-B14F-4D97-AF65-F5344CB8AC3E}">
+        <p14:creationId xmlns:p14="http://schemas.microsoft.com/office/powerpoint/2010/main" val="3663766120"/>
+      </p:ext>
+    </p:extLst>
   </p:cSld>
   <p:clrMapOvr>
     <a:masterClrMapping/>
   </p:clrMapOvr>
-  <p:timing>
-    <p:tnLst>
-      <p:par>
-        <p:cTn id="1" dur="indefinite" restart="never" nodeType="tmRoot"/>
-      </p:par>
-    </p:tnLst>
-  </p:timing>
 </p:sld>
 </file>
 
@@ -6635,52 +6009,54 @@
       </p:grpSpPr>
       <p:sp>
         <p:nvSpPr>
-          <p:cNvPr id="2" name="標題 1"/>
-          <p:cNvSpPr>
-            <a:spLocks noGrp="1"/>
-          </p:cNvSpPr>
-          <p:nvPr>
-            <p:ph type="title" idx="4294967295"/>
+          <p:cNvPr id="5" name="內容版面配置區 4"/>
+          <p:cNvSpPr>
+            <a:spLocks noGrp="1"/>
+          </p:cNvSpPr>
+          <p:nvPr>
+            <p:ph idx="1"/>
           </p:nvPr>
         </p:nvSpPr>
         <p:spPr>
           <a:xfrm>
-            <a:off x="0" y="1635646"/>
-            <a:ext cx="9144000" cy="628650"/>
+            <a:off x="0" y="1563638"/>
+            <a:ext cx="9144000" cy="1803647"/>
           </a:xfrm>
         </p:spPr>
         <p:txBody>
-          <a:bodyPr>
-            <a:noAutofit/>
+          <a:bodyPr anchor="ctr">
+            <a:normAutofit/>
           </a:bodyPr>
           <a:lstStyle/>
           <a:p>
-            <a:pPr algn="ctr"/>
-            <a:r>
-              <a:rPr lang="zh-CN" altLang="en-US" sz="5400" b="1" dirty="0" smtClean="0">
-                <a:solidFill>
-                  <a:srgbClr val="000066"/>
+            <a:pPr algn="ctr">
+              <a:buNone/>
+            </a:pPr>
+            <a:r>
+              <a:rPr lang="zh-CN" altLang="en-US" sz="4800" b="1" dirty="0">
+                <a:solidFill>
+                  <a:srgbClr val="660033"/>
                 </a:solidFill>
                 <a:effectLst>
-                  <a:outerShdw blurRad="38100" dist="38100" dir="2700000" algn="tl">
+                  <a:outerShdw blurRad="50000" dist="30000" dir="5400000" algn="tl" rotWithShape="0">
                     <a:srgbClr val="000000">
-                      <a:alpha val="43137"/>
+                      <a:alpha val="30000"/>
                     </a:srgbClr>
                   </a:outerShdw>
                 </a:effectLst>
                 <a:latin typeface="微軟正黑體" pitchFamily="34" charset="-120"/>
                 <a:ea typeface="微軟正黑體" pitchFamily="34" charset="-120"/>
               </a:rPr>
-              <a:t>祝福</a:t>
-            </a:r>
-            <a:endParaRPr lang="zh-TW" altLang="en-US" sz="5400" b="1" dirty="0">
+              <a:t>我們在天上的父</a:t>
+            </a:r>
+            <a:endParaRPr lang="en-US" altLang="zh-CN" sz="4800" b="1" dirty="0">
               <a:solidFill>
-                <a:srgbClr val="000066"/>
+                <a:srgbClr val="660033"/>
               </a:solidFill>
               <a:effectLst>
-                <a:outerShdw blurRad="38100" dist="38100" dir="2700000" algn="tl">
+                <a:outerShdw blurRad="50000" dist="30000" dir="5400000" algn="tl" rotWithShape="0">
                   <a:srgbClr val="000000">
-                    <a:alpha val="43137"/>
+                    <a:alpha val="30000"/>
                   </a:srgbClr>
                 </a:outerShdw>
               </a:effectLst>
@@ -6688,114 +6064,54 @@
               <a:ea typeface="微軟正黑體" pitchFamily="34" charset="-120"/>
             </a:endParaRPr>
           </a:p>
-        </p:txBody>
-      </p:sp>
-      <p:sp>
-        <p:nvSpPr>
-          <p:cNvPr id="3" name="矩形 2"/>
-          <p:cNvSpPr/>
-          <p:nvPr/>
-        </p:nvSpPr>
-        <p:spPr>
-          <a:xfrm>
-            <a:off x="0" y="2499742"/>
-            <a:ext cx="9144000" cy="830997"/>
-          </a:xfrm>
-          <a:prstGeom prst="rect">
-            <a:avLst/>
-          </a:prstGeom>
-        </p:spPr>
-        <p:txBody>
-          <a:bodyPr wrap="square">
-            <a:spAutoFit/>
-          </a:bodyPr>
-          <a:lstStyle/>
-          <a:p>
-            <a:pPr algn="ctr"/>
-            <a:r>
-              <a:rPr lang="en-US" altLang="zh-CN" sz="4800" b="1" dirty="0" smtClean="0">
+          <a:p>
+            <a:pPr algn="ctr">
+              <a:buNone/>
+            </a:pPr>
+            <a:r>
+              <a:rPr lang="zh-CN" altLang="en-US" sz="4800" b="1" dirty="0">
                 <a:solidFill>
                   <a:srgbClr val="660033"/>
                 </a:solidFill>
                 <a:effectLst>
-                  <a:outerShdw blurRad="38100" dist="38100" dir="2700000" algn="tl">
+                  <a:outerShdw blurRad="50000" dist="30000" dir="5400000" algn="tl" rotWithShape="0">
                     <a:srgbClr val="000000">
-                      <a:alpha val="43137"/>
+                      <a:alpha val="30000"/>
                     </a:srgbClr>
                   </a:outerShdw>
                 </a:effectLst>
                 <a:latin typeface="微軟正黑體" pitchFamily="34" charset="-120"/>
                 <a:ea typeface="微軟正黑體" pitchFamily="34" charset="-120"/>
-                <a:cs typeface="+mj-cs"/>
-              </a:rPr>
-              <a:t>(</a:t>
-            </a:r>
-            <a:r>
-              <a:rPr lang="zh-CN" altLang="en-US" sz="4800" b="1" dirty="0" smtClean="0">
-                <a:solidFill>
-                  <a:srgbClr val="660033"/>
-                </a:solidFill>
-                <a:effectLst>
-                  <a:outerShdw blurRad="38100" dist="38100" dir="2700000" algn="tl">
-                    <a:srgbClr val="000000">
-                      <a:alpha val="43137"/>
-                    </a:srgbClr>
-                  </a:outerShdw>
-                </a:effectLst>
-                <a:latin typeface="微軟正黑體" pitchFamily="34" charset="-120"/>
-                <a:ea typeface="微軟正黑體" pitchFamily="34" charset="-120"/>
-                <a:cs typeface="+mj-cs"/>
-              </a:rPr>
-              <a:t>主禮牧師</a:t>
-            </a:r>
-            <a:r>
-              <a:rPr lang="en-US" altLang="zh-CN" sz="4800" b="1" dirty="0" smtClean="0">
-                <a:solidFill>
-                  <a:srgbClr val="660033"/>
-                </a:solidFill>
-                <a:effectLst>
-                  <a:outerShdw blurRad="38100" dist="38100" dir="2700000" algn="tl">
-                    <a:srgbClr val="000000">
-                      <a:alpha val="43137"/>
-                    </a:srgbClr>
-                  </a:outerShdw>
-                </a:effectLst>
-                <a:latin typeface="微軟正黑體" pitchFamily="34" charset="-120"/>
-                <a:ea typeface="微軟正黑體" pitchFamily="34" charset="-120"/>
-                <a:cs typeface="+mj-cs"/>
-              </a:rPr>
-              <a:t>)</a:t>
-            </a:r>
-            <a:endParaRPr lang="zh-TW" altLang="en-US" sz="4800" b="1" dirty="0" smtClean="0">
+              </a:rPr>
+              <a:t>願人都尊父的名為聖</a:t>
+            </a:r>
+            <a:endParaRPr lang="en-US" altLang="zh-CN" sz="4800" b="1" dirty="0">
               <a:solidFill>
                 <a:srgbClr val="660033"/>
               </a:solidFill>
               <a:effectLst>
-                <a:outerShdw blurRad="38100" dist="38100" dir="2700000" algn="tl">
+                <a:outerShdw blurRad="50000" dist="30000" dir="5400000" algn="tl" rotWithShape="0">
                   <a:srgbClr val="000000">
-                    <a:alpha val="43137"/>
+                    <a:alpha val="30000"/>
                   </a:srgbClr>
                 </a:outerShdw>
               </a:effectLst>
               <a:latin typeface="微軟正黑體" pitchFamily="34" charset="-120"/>
               <a:ea typeface="微軟正黑體" pitchFamily="34" charset="-120"/>
-              <a:cs typeface="+mj-cs"/>
             </a:endParaRPr>
           </a:p>
         </p:txBody>
       </p:sp>
     </p:spTree>
+    <p:extLst>
+      <p:ext uri="{BB962C8B-B14F-4D97-AF65-F5344CB8AC3E}">
+        <p14:creationId xmlns:p14="http://schemas.microsoft.com/office/powerpoint/2010/main" val="662850238"/>
+      </p:ext>
+    </p:extLst>
   </p:cSld>
   <p:clrMapOvr>
     <a:masterClrMapping/>
   </p:clrMapOvr>
-  <p:timing>
-    <p:tnLst>
-      <p:par>
-        <p:cTn id="1" dur="indefinite" restart="never" nodeType="tmRoot"/>
-      </p:par>
-    </p:tnLst>
-  </p:timing>
 </p:sld>
 </file>
 
@@ -6818,6 +6134,1025 @@
       </p:grpSpPr>
       <p:sp>
         <p:nvSpPr>
+          <p:cNvPr id="5" name="內容版面配置區 4"/>
+          <p:cNvSpPr>
+            <a:spLocks noGrp="1"/>
+          </p:cNvSpPr>
+          <p:nvPr>
+            <p:ph idx="1"/>
+          </p:nvPr>
+        </p:nvSpPr>
+        <p:spPr>
+          <a:xfrm>
+            <a:off x="0" y="1563638"/>
+            <a:ext cx="9144000" cy="1803647"/>
+          </a:xfrm>
+        </p:spPr>
+        <p:txBody>
+          <a:bodyPr anchor="ctr">
+            <a:normAutofit/>
+          </a:bodyPr>
+          <a:lstStyle/>
+          <a:p>
+            <a:pPr algn="ctr">
+              <a:buNone/>
+            </a:pPr>
+            <a:r>
+              <a:rPr lang="zh-CN" altLang="en-US" sz="4800" b="1" dirty="0">
+                <a:solidFill>
+                  <a:srgbClr val="660033"/>
+                </a:solidFill>
+                <a:effectLst>
+                  <a:outerShdw blurRad="50000" dist="30000" dir="5400000" algn="tl" rotWithShape="0">
+                    <a:srgbClr val="000000">
+                      <a:alpha val="30000"/>
+                    </a:srgbClr>
+                  </a:outerShdw>
+                </a:effectLst>
+                <a:latin typeface="微軟正黑體" pitchFamily="34" charset="-120"/>
+                <a:ea typeface="微軟正黑體" pitchFamily="34" charset="-120"/>
+              </a:rPr>
+              <a:t>願父的國降臨</a:t>
+            </a:r>
+            <a:endParaRPr lang="en-US" altLang="zh-CN" sz="4800" b="1" dirty="0">
+              <a:solidFill>
+                <a:srgbClr val="660033"/>
+              </a:solidFill>
+              <a:effectLst>
+                <a:outerShdw blurRad="50000" dist="30000" dir="5400000" algn="tl" rotWithShape="0">
+                  <a:srgbClr val="000000">
+                    <a:alpha val="30000"/>
+                  </a:srgbClr>
+                </a:outerShdw>
+              </a:effectLst>
+              <a:latin typeface="微軟正黑體" pitchFamily="34" charset="-120"/>
+              <a:ea typeface="微軟正黑體" pitchFamily="34" charset="-120"/>
+            </a:endParaRPr>
+          </a:p>
+          <a:p>
+            <a:pPr algn="ctr">
+              <a:buNone/>
+            </a:pPr>
+            <a:r>
+              <a:rPr lang="zh-CN" altLang="en-US" sz="4800" b="1" dirty="0">
+                <a:solidFill>
+                  <a:srgbClr val="660033"/>
+                </a:solidFill>
+                <a:effectLst>
+                  <a:outerShdw blurRad="50000" dist="30000" dir="5400000" algn="tl" rotWithShape="0">
+                    <a:srgbClr val="000000">
+                      <a:alpha val="30000"/>
+                    </a:srgbClr>
+                  </a:outerShdw>
+                </a:effectLst>
+                <a:latin typeface="微軟正黑體" pitchFamily="34" charset="-120"/>
+                <a:ea typeface="微軟正黑體" pitchFamily="34" charset="-120"/>
+              </a:rPr>
+              <a:t>願父的旨意行在地上</a:t>
+            </a:r>
+            <a:endParaRPr lang="en-US" altLang="zh-CN" sz="4800" b="1" dirty="0">
+              <a:solidFill>
+                <a:srgbClr val="660033"/>
+              </a:solidFill>
+              <a:effectLst>
+                <a:outerShdw blurRad="50000" dist="30000" dir="5400000" algn="tl" rotWithShape="0">
+                  <a:srgbClr val="000000">
+                    <a:alpha val="30000"/>
+                  </a:srgbClr>
+                </a:outerShdw>
+              </a:effectLst>
+              <a:latin typeface="微軟正黑體" pitchFamily="34" charset="-120"/>
+              <a:ea typeface="微軟正黑體" pitchFamily="34" charset="-120"/>
+            </a:endParaRPr>
+          </a:p>
+        </p:txBody>
+      </p:sp>
+    </p:spTree>
+    <p:extLst>
+      <p:ext uri="{BB962C8B-B14F-4D97-AF65-F5344CB8AC3E}">
+        <p14:creationId xmlns:p14="http://schemas.microsoft.com/office/powerpoint/2010/main" val="2162560428"/>
+      </p:ext>
+    </p:extLst>
+  </p:cSld>
+  <p:clrMapOvr>
+    <a:masterClrMapping/>
+  </p:clrMapOvr>
+</p:sld>
+</file>
+
+<file path=ppt/slides/slide27.xml><?xml version="1.0" encoding="utf-8"?>
+<p:sld xmlns:a="http://schemas.openxmlformats.org/drawingml/2006/main" xmlns:r="http://schemas.openxmlformats.org/officeDocument/2006/relationships" xmlns:p="http://schemas.openxmlformats.org/presentationml/2006/main">
+  <p:cSld>
+    <p:spTree>
+      <p:nvGrpSpPr>
+        <p:cNvPr id="1" name=""/>
+        <p:cNvGrpSpPr/>
+        <p:nvPr/>
+      </p:nvGrpSpPr>
+      <p:grpSpPr>
+        <a:xfrm>
+          <a:off x="0" y="0"/>
+          <a:ext cx="0" cy="0"/>
+          <a:chOff x="0" y="0"/>
+          <a:chExt cx="0" cy="0"/>
+        </a:xfrm>
+      </p:grpSpPr>
+      <p:sp>
+        <p:nvSpPr>
+          <p:cNvPr id="5" name="內容版面配置區 4"/>
+          <p:cNvSpPr>
+            <a:spLocks noGrp="1"/>
+          </p:cNvSpPr>
+          <p:nvPr>
+            <p:ph idx="1"/>
+          </p:nvPr>
+        </p:nvSpPr>
+        <p:spPr>
+          <a:xfrm>
+            <a:off x="0" y="1563638"/>
+            <a:ext cx="9144000" cy="1803647"/>
+          </a:xfrm>
+        </p:spPr>
+        <p:txBody>
+          <a:bodyPr anchor="ctr">
+            <a:normAutofit/>
+          </a:bodyPr>
+          <a:lstStyle/>
+          <a:p>
+            <a:pPr algn="ctr">
+              <a:buNone/>
+            </a:pPr>
+            <a:r>
+              <a:rPr lang="zh-CN" altLang="en-US" sz="4800" b="1" dirty="0">
+                <a:solidFill>
+                  <a:srgbClr val="660033"/>
+                </a:solidFill>
+                <a:effectLst>
+                  <a:outerShdw blurRad="50000" dist="30000" dir="5400000" algn="tl" rotWithShape="0">
+                    <a:srgbClr val="000000">
+                      <a:alpha val="30000"/>
+                    </a:srgbClr>
+                  </a:outerShdw>
+                </a:effectLst>
+                <a:latin typeface="微軟正黑體" pitchFamily="34" charset="-120"/>
+                <a:ea typeface="微軟正黑體" pitchFamily="34" charset="-120"/>
+              </a:rPr>
+              <a:t>如同行在天上</a:t>
+            </a:r>
+            <a:endParaRPr lang="zh-TW" altLang="en-US" sz="4800" b="1" dirty="0">
+              <a:solidFill>
+                <a:srgbClr val="660033"/>
+              </a:solidFill>
+              <a:effectLst>
+                <a:outerShdw blurRad="50000" dist="30000" dir="5400000" algn="tl" rotWithShape="0">
+                  <a:srgbClr val="000000">
+                    <a:alpha val="30000"/>
+                  </a:srgbClr>
+                </a:outerShdw>
+              </a:effectLst>
+              <a:latin typeface="微軟正黑體" pitchFamily="34" charset="-120"/>
+              <a:ea typeface="微軟正黑體" pitchFamily="34" charset="-120"/>
+            </a:endParaRPr>
+          </a:p>
+        </p:txBody>
+      </p:sp>
+    </p:spTree>
+    <p:extLst>
+      <p:ext uri="{BB962C8B-B14F-4D97-AF65-F5344CB8AC3E}">
+        <p14:creationId xmlns:p14="http://schemas.microsoft.com/office/powerpoint/2010/main" val="1175466607"/>
+      </p:ext>
+    </p:extLst>
+  </p:cSld>
+  <p:clrMapOvr>
+    <a:masterClrMapping/>
+  </p:clrMapOvr>
+</p:sld>
+</file>
+
+<file path=ppt/slides/slide28.xml><?xml version="1.0" encoding="utf-8"?>
+<p:sld xmlns:a="http://schemas.openxmlformats.org/drawingml/2006/main" xmlns:r="http://schemas.openxmlformats.org/officeDocument/2006/relationships" xmlns:p="http://schemas.openxmlformats.org/presentationml/2006/main">
+  <p:cSld>
+    <p:spTree>
+      <p:nvGrpSpPr>
+        <p:cNvPr id="1" name=""/>
+        <p:cNvGrpSpPr/>
+        <p:nvPr/>
+      </p:nvGrpSpPr>
+      <p:grpSpPr>
+        <a:xfrm>
+          <a:off x="0" y="0"/>
+          <a:ext cx="0" cy="0"/>
+          <a:chOff x="0" y="0"/>
+          <a:chExt cx="0" cy="0"/>
+        </a:xfrm>
+      </p:grpSpPr>
+      <p:sp>
+        <p:nvSpPr>
+          <p:cNvPr id="5" name="內容版面配置區 4"/>
+          <p:cNvSpPr>
+            <a:spLocks noGrp="1"/>
+          </p:cNvSpPr>
+          <p:nvPr>
+            <p:ph idx="1"/>
+          </p:nvPr>
+        </p:nvSpPr>
+        <p:spPr>
+          <a:xfrm>
+            <a:off x="0" y="1563638"/>
+            <a:ext cx="9144000" cy="1803647"/>
+          </a:xfrm>
+        </p:spPr>
+        <p:txBody>
+          <a:bodyPr anchor="ctr">
+            <a:normAutofit/>
+          </a:bodyPr>
+          <a:lstStyle/>
+          <a:p>
+            <a:pPr algn="ctr">
+              <a:buNone/>
+            </a:pPr>
+            <a:r>
+              <a:rPr lang="zh-CN" altLang="en-US" sz="4800" b="1" dirty="0">
+                <a:solidFill>
+                  <a:srgbClr val="660033"/>
+                </a:solidFill>
+                <a:effectLst>
+                  <a:outerShdw blurRad="50000" dist="30000" dir="5400000" algn="tl" rotWithShape="0">
+                    <a:srgbClr val="000000">
+                      <a:alpha val="30000"/>
+                    </a:srgbClr>
+                  </a:outerShdw>
+                </a:effectLst>
+                <a:latin typeface="微軟正黑體" pitchFamily="34" charset="-120"/>
+                <a:ea typeface="微軟正黑體" pitchFamily="34" charset="-120"/>
+              </a:rPr>
+              <a:t>我們日用的飲食</a:t>
+            </a:r>
+            <a:endParaRPr lang="en-US" altLang="zh-CN" sz="4800" b="1" dirty="0">
+              <a:solidFill>
+                <a:srgbClr val="660033"/>
+              </a:solidFill>
+              <a:effectLst>
+                <a:outerShdw blurRad="50000" dist="30000" dir="5400000" algn="tl" rotWithShape="0">
+                  <a:srgbClr val="000000">
+                    <a:alpha val="30000"/>
+                  </a:srgbClr>
+                </a:outerShdw>
+              </a:effectLst>
+              <a:latin typeface="微軟正黑體" pitchFamily="34" charset="-120"/>
+              <a:ea typeface="微軟正黑體" pitchFamily="34" charset="-120"/>
+            </a:endParaRPr>
+          </a:p>
+          <a:p>
+            <a:pPr algn="ctr">
+              <a:buNone/>
+            </a:pPr>
+            <a:r>
+              <a:rPr lang="zh-CN" altLang="en-US" sz="4800" b="1" dirty="0">
+                <a:solidFill>
+                  <a:srgbClr val="660033"/>
+                </a:solidFill>
+                <a:effectLst>
+                  <a:outerShdw blurRad="50000" dist="30000" dir="5400000" algn="tl" rotWithShape="0">
+                    <a:srgbClr val="000000">
+                      <a:alpha val="30000"/>
+                    </a:srgbClr>
+                  </a:outerShdw>
+                </a:effectLst>
+                <a:latin typeface="微軟正黑體" pitchFamily="34" charset="-120"/>
+                <a:ea typeface="微軟正黑體" pitchFamily="34" charset="-120"/>
+              </a:rPr>
+              <a:t>今日賜給我們</a:t>
+            </a:r>
+            <a:endParaRPr lang="en-US" altLang="zh-CN" sz="4800" b="1" dirty="0">
+              <a:solidFill>
+                <a:srgbClr val="660033"/>
+              </a:solidFill>
+              <a:effectLst>
+                <a:outerShdw blurRad="50000" dist="30000" dir="5400000" algn="tl" rotWithShape="0">
+                  <a:srgbClr val="000000">
+                    <a:alpha val="30000"/>
+                  </a:srgbClr>
+                </a:outerShdw>
+              </a:effectLst>
+              <a:latin typeface="微軟正黑體" pitchFamily="34" charset="-120"/>
+              <a:ea typeface="微軟正黑體" pitchFamily="34" charset="-120"/>
+            </a:endParaRPr>
+          </a:p>
+        </p:txBody>
+      </p:sp>
+    </p:spTree>
+    <p:extLst>
+      <p:ext uri="{BB962C8B-B14F-4D97-AF65-F5344CB8AC3E}">
+        <p14:creationId xmlns:p14="http://schemas.microsoft.com/office/powerpoint/2010/main" val="680191272"/>
+      </p:ext>
+    </p:extLst>
+  </p:cSld>
+  <p:clrMapOvr>
+    <a:masterClrMapping/>
+  </p:clrMapOvr>
+</p:sld>
+</file>
+
+<file path=ppt/slides/slide29.xml><?xml version="1.0" encoding="utf-8"?>
+<p:sld xmlns:a="http://schemas.openxmlformats.org/drawingml/2006/main" xmlns:r="http://schemas.openxmlformats.org/officeDocument/2006/relationships" xmlns:p="http://schemas.openxmlformats.org/presentationml/2006/main">
+  <p:cSld>
+    <p:spTree>
+      <p:nvGrpSpPr>
+        <p:cNvPr id="1" name=""/>
+        <p:cNvGrpSpPr/>
+        <p:nvPr/>
+      </p:nvGrpSpPr>
+      <p:grpSpPr>
+        <a:xfrm>
+          <a:off x="0" y="0"/>
+          <a:ext cx="0" cy="0"/>
+          <a:chOff x="0" y="0"/>
+          <a:chExt cx="0" cy="0"/>
+        </a:xfrm>
+      </p:grpSpPr>
+      <p:sp>
+        <p:nvSpPr>
+          <p:cNvPr id="5" name="內容版面配置區 4"/>
+          <p:cNvSpPr>
+            <a:spLocks noGrp="1"/>
+          </p:cNvSpPr>
+          <p:nvPr>
+            <p:ph idx="1"/>
+          </p:nvPr>
+        </p:nvSpPr>
+        <p:spPr>
+          <a:xfrm>
+            <a:off x="0" y="1563638"/>
+            <a:ext cx="9144000" cy="1803647"/>
+          </a:xfrm>
+        </p:spPr>
+        <p:txBody>
+          <a:bodyPr anchor="ctr">
+            <a:normAutofit/>
+          </a:bodyPr>
+          <a:lstStyle/>
+          <a:p>
+            <a:pPr algn="ctr">
+              <a:buNone/>
+            </a:pPr>
+            <a:r>
+              <a:rPr lang="zh-CN" altLang="en-US" sz="4800" b="1" dirty="0">
+                <a:solidFill>
+                  <a:srgbClr val="660033"/>
+                </a:solidFill>
+                <a:effectLst>
+                  <a:outerShdw blurRad="50000" dist="30000" dir="5400000" algn="tl" rotWithShape="0">
+                    <a:srgbClr val="000000">
+                      <a:alpha val="30000"/>
+                    </a:srgbClr>
+                  </a:outerShdw>
+                </a:effectLst>
+                <a:latin typeface="微軟正黑體" pitchFamily="34" charset="-120"/>
+                <a:ea typeface="微軟正黑體" pitchFamily="34" charset="-120"/>
+              </a:rPr>
+              <a:t>免我們的債</a:t>
+            </a:r>
+            <a:endParaRPr lang="en-US" altLang="zh-CN" sz="4800" b="1" dirty="0">
+              <a:solidFill>
+                <a:srgbClr val="660033"/>
+              </a:solidFill>
+              <a:effectLst>
+                <a:outerShdw blurRad="50000" dist="30000" dir="5400000" algn="tl" rotWithShape="0">
+                  <a:srgbClr val="000000">
+                    <a:alpha val="30000"/>
+                  </a:srgbClr>
+                </a:outerShdw>
+              </a:effectLst>
+              <a:latin typeface="微軟正黑體" pitchFamily="34" charset="-120"/>
+              <a:ea typeface="微軟正黑體" pitchFamily="34" charset="-120"/>
+            </a:endParaRPr>
+          </a:p>
+          <a:p>
+            <a:pPr algn="ctr">
+              <a:buNone/>
+            </a:pPr>
+            <a:r>
+              <a:rPr lang="zh-CN" altLang="en-US" sz="4800" b="1" dirty="0">
+                <a:solidFill>
+                  <a:srgbClr val="660033"/>
+                </a:solidFill>
+                <a:effectLst>
+                  <a:outerShdw blurRad="50000" dist="30000" dir="5400000" algn="tl" rotWithShape="0">
+                    <a:srgbClr val="000000">
+                      <a:alpha val="30000"/>
+                    </a:srgbClr>
+                  </a:outerShdw>
+                </a:effectLst>
+                <a:latin typeface="微軟正黑體" pitchFamily="34" charset="-120"/>
+                <a:ea typeface="微軟正黑體" pitchFamily="34" charset="-120"/>
+              </a:rPr>
+              <a:t>如同我們免了人的債</a:t>
+            </a:r>
+            <a:endParaRPr lang="zh-TW" altLang="en-US" sz="4800" b="1" dirty="0">
+              <a:solidFill>
+                <a:srgbClr val="660033"/>
+              </a:solidFill>
+              <a:effectLst>
+                <a:outerShdw blurRad="50000" dist="30000" dir="5400000" algn="tl" rotWithShape="0">
+                  <a:srgbClr val="000000">
+                    <a:alpha val="30000"/>
+                  </a:srgbClr>
+                </a:outerShdw>
+              </a:effectLst>
+              <a:latin typeface="微軟正黑體" pitchFamily="34" charset="-120"/>
+              <a:ea typeface="微軟正黑體" pitchFamily="34" charset="-120"/>
+            </a:endParaRPr>
+          </a:p>
+        </p:txBody>
+      </p:sp>
+    </p:spTree>
+    <p:extLst>
+      <p:ext uri="{BB962C8B-B14F-4D97-AF65-F5344CB8AC3E}">
+        <p14:creationId xmlns:p14="http://schemas.microsoft.com/office/powerpoint/2010/main" val="2016312323"/>
+      </p:ext>
+    </p:extLst>
+  </p:cSld>
+  <p:clrMapOvr>
+    <a:masterClrMapping/>
+  </p:clrMapOvr>
+</p:sld>
+</file>
+
+<file path=ppt/slides/slide3.xml><?xml version="1.0" encoding="utf-8"?>
+<p:sld xmlns:a="http://schemas.openxmlformats.org/drawingml/2006/main" xmlns:r="http://schemas.openxmlformats.org/officeDocument/2006/relationships" xmlns:p="http://schemas.openxmlformats.org/presentationml/2006/main">
+  <p:cSld>
+    <p:spTree>
+      <p:nvGrpSpPr>
+        <p:cNvPr id="1" name=""/>
+        <p:cNvGrpSpPr/>
+        <p:nvPr/>
+      </p:nvGrpSpPr>
+      <p:grpSpPr>
+        <a:xfrm>
+          <a:off x="0" y="0"/>
+          <a:ext cx="0" cy="0"/>
+          <a:chOff x="0" y="0"/>
+          <a:chExt cx="0" cy="0"/>
+        </a:xfrm>
+      </p:grpSpPr>
+      <p:sp>
+        <p:nvSpPr>
+          <p:cNvPr id="2" name="標題 1"/>
+          <p:cNvSpPr>
+            <a:spLocks noGrp="1"/>
+          </p:cNvSpPr>
+          <p:nvPr>
+            <p:ph type="title" idx="4294967295"/>
+          </p:nvPr>
+        </p:nvSpPr>
+        <p:spPr>
+          <a:xfrm>
+            <a:off x="-135" y="2257262"/>
+            <a:ext cx="9144000" cy="628650"/>
+          </a:xfrm>
+        </p:spPr>
+        <p:txBody>
+          <a:bodyPr>
+            <a:noAutofit/>
+          </a:bodyPr>
+          <a:lstStyle/>
+          <a:p>
+            <a:r>
+              <a:rPr lang="zh-CN" altLang="en-US" sz="7200" b="1" dirty="0">
+                <a:solidFill>
+                  <a:srgbClr val="000066"/>
+                </a:solidFill>
+                <a:effectLst>
+                  <a:outerShdw blurRad="38100" dist="38100" dir="2700000" algn="tl">
+                    <a:srgbClr val="000000">
+                      <a:alpha val="43137"/>
+                    </a:srgbClr>
+                  </a:outerShdw>
+                </a:effectLst>
+                <a:latin typeface="微軟正黑體" pitchFamily="34" charset="-120"/>
+                <a:ea typeface="微軟正黑體" pitchFamily="34" charset="-120"/>
+              </a:rPr>
+              <a:t>敬拜讚美神</a:t>
+            </a:r>
+            <a:endParaRPr lang="zh-TW" altLang="en-US" sz="7200" b="1" dirty="0">
+              <a:solidFill>
+                <a:srgbClr val="000066"/>
+              </a:solidFill>
+              <a:effectLst>
+                <a:outerShdw blurRad="38100" dist="38100" dir="2700000" algn="tl">
+                  <a:srgbClr val="000000">
+                    <a:alpha val="43137"/>
+                  </a:srgbClr>
+                </a:outerShdw>
+              </a:effectLst>
+              <a:latin typeface="微軟正黑體" pitchFamily="34" charset="-120"/>
+              <a:ea typeface="微軟正黑體" pitchFamily="34" charset="-120"/>
+            </a:endParaRPr>
+          </a:p>
+        </p:txBody>
+      </p:sp>
+    </p:spTree>
+  </p:cSld>
+  <p:clrMapOvr>
+    <a:masterClrMapping/>
+  </p:clrMapOvr>
+  <p:timing>
+    <p:tnLst>
+      <p:par>
+        <p:cTn id="1" dur="indefinite" restart="never" nodeType="tmRoot"/>
+      </p:par>
+    </p:tnLst>
+  </p:timing>
+</p:sld>
+</file>
+
+<file path=ppt/slides/slide30.xml><?xml version="1.0" encoding="utf-8"?>
+<p:sld xmlns:a="http://schemas.openxmlformats.org/drawingml/2006/main" xmlns:r="http://schemas.openxmlformats.org/officeDocument/2006/relationships" xmlns:p="http://schemas.openxmlformats.org/presentationml/2006/main">
+  <p:cSld>
+    <p:spTree>
+      <p:nvGrpSpPr>
+        <p:cNvPr id="1" name=""/>
+        <p:cNvGrpSpPr/>
+        <p:nvPr/>
+      </p:nvGrpSpPr>
+      <p:grpSpPr>
+        <a:xfrm>
+          <a:off x="0" y="0"/>
+          <a:ext cx="0" cy="0"/>
+          <a:chOff x="0" y="0"/>
+          <a:chExt cx="0" cy="0"/>
+        </a:xfrm>
+      </p:grpSpPr>
+      <p:sp>
+        <p:nvSpPr>
+          <p:cNvPr id="5" name="內容版面配置區 4"/>
+          <p:cNvSpPr>
+            <a:spLocks noGrp="1"/>
+          </p:cNvSpPr>
+          <p:nvPr>
+            <p:ph idx="1"/>
+          </p:nvPr>
+        </p:nvSpPr>
+        <p:spPr>
+          <a:xfrm>
+            <a:off x="0" y="1563638"/>
+            <a:ext cx="9144000" cy="1803647"/>
+          </a:xfrm>
+        </p:spPr>
+        <p:txBody>
+          <a:bodyPr anchor="ctr">
+            <a:normAutofit/>
+          </a:bodyPr>
+          <a:lstStyle/>
+          <a:p>
+            <a:pPr algn="ctr">
+              <a:buNone/>
+            </a:pPr>
+            <a:r>
+              <a:rPr lang="zh-CN" altLang="en-US" sz="4800" b="1" dirty="0">
+                <a:solidFill>
+                  <a:srgbClr val="660033"/>
+                </a:solidFill>
+                <a:effectLst>
+                  <a:outerShdw blurRad="50000" dist="30000" dir="5400000" algn="tl" rotWithShape="0">
+                    <a:srgbClr val="000000">
+                      <a:alpha val="30000"/>
+                    </a:srgbClr>
+                  </a:outerShdw>
+                </a:effectLst>
+                <a:latin typeface="微軟正黑體" pitchFamily="34" charset="-120"/>
+                <a:ea typeface="微軟正黑體" pitchFamily="34" charset="-120"/>
+              </a:rPr>
+              <a:t>不叫我們遇見試探</a:t>
+            </a:r>
+            <a:endParaRPr lang="en-US" altLang="zh-CN" sz="4800" b="1" dirty="0">
+              <a:solidFill>
+                <a:srgbClr val="660033"/>
+              </a:solidFill>
+              <a:effectLst>
+                <a:outerShdw blurRad="50000" dist="30000" dir="5400000" algn="tl" rotWithShape="0">
+                  <a:srgbClr val="000000">
+                    <a:alpha val="30000"/>
+                  </a:srgbClr>
+                </a:outerShdw>
+              </a:effectLst>
+              <a:latin typeface="微軟正黑體" pitchFamily="34" charset="-120"/>
+              <a:ea typeface="微軟正黑體" pitchFamily="34" charset="-120"/>
+            </a:endParaRPr>
+          </a:p>
+          <a:p>
+            <a:pPr algn="ctr">
+              <a:buNone/>
+            </a:pPr>
+            <a:r>
+              <a:rPr lang="zh-CN" altLang="en-US" sz="4800" b="1" dirty="0">
+                <a:solidFill>
+                  <a:srgbClr val="660033"/>
+                </a:solidFill>
+                <a:effectLst>
+                  <a:outerShdw blurRad="50000" dist="30000" dir="5400000" algn="tl" rotWithShape="0">
+                    <a:srgbClr val="000000">
+                      <a:alpha val="30000"/>
+                    </a:srgbClr>
+                  </a:outerShdw>
+                </a:effectLst>
+                <a:latin typeface="微軟正黑體" pitchFamily="34" charset="-120"/>
+                <a:ea typeface="微軟正黑體" pitchFamily="34" charset="-120"/>
+              </a:rPr>
+              <a:t>救我們脫離兇惡</a:t>
+            </a:r>
+            <a:endParaRPr lang="en-US" altLang="zh-CN" sz="4800" b="1" dirty="0">
+              <a:solidFill>
+                <a:srgbClr val="660033"/>
+              </a:solidFill>
+              <a:effectLst>
+                <a:outerShdw blurRad="50000" dist="30000" dir="5400000" algn="tl" rotWithShape="0">
+                  <a:srgbClr val="000000">
+                    <a:alpha val="30000"/>
+                  </a:srgbClr>
+                </a:outerShdw>
+              </a:effectLst>
+              <a:latin typeface="微軟正黑體" pitchFamily="34" charset="-120"/>
+              <a:ea typeface="微軟正黑體" pitchFamily="34" charset="-120"/>
+            </a:endParaRPr>
+          </a:p>
+        </p:txBody>
+      </p:sp>
+    </p:spTree>
+    <p:extLst>
+      <p:ext uri="{BB962C8B-B14F-4D97-AF65-F5344CB8AC3E}">
+        <p14:creationId xmlns:p14="http://schemas.microsoft.com/office/powerpoint/2010/main" val="2299428178"/>
+      </p:ext>
+    </p:extLst>
+  </p:cSld>
+  <p:clrMapOvr>
+    <a:masterClrMapping/>
+  </p:clrMapOvr>
+</p:sld>
+</file>
+
+<file path=ppt/slides/slide31.xml><?xml version="1.0" encoding="utf-8"?>
+<p:sld xmlns:a="http://schemas.openxmlformats.org/drawingml/2006/main" xmlns:r="http://schemas.openxmlformats.org/officeDocument/2006/relationships" xmlns:p="http://schemas.openxmlformats.org/presentationml/2006/main">
+  <p:cSld>
+    <p:spTree>
+      <p:nvGrpSpPr>
+        <p:cNvPr id="1" name=""/>
+        <p:cNvGrpSpPr/>
+        <p:nvPr/>
+      </p:nvGrpSpPr>
+      <p:grpSpPr>
+        <a:xfrm>
+          <a:off x="0" y="0"/>
+          <a:ext cx="0" cy="0"/>
+          <a:chOff x="0" y="0"/>
+          <a:chExt cx="0" cy="0"/>
+        </a:xfrm>
+      </p:grpSpPr>
+      <p:sp>
+        <p:nvSpPr>
+          <p:cNvPr id="5" name="內容版面配置區 4"/>
+          <p:cNvSpPr>
+            <a:spLocks noGrp="1"/>
+          </p:cNvSpPr>
+          <p:nvPr>
+            <p:ph idx="1"/>
+          </p:nvPr>
+        </p:nvSpPr>
+        <p:spPr>
+          <a:xfrm>
+            <a:off x="0" y="1563638"/>
+            <a:ext cx="9144000" cy="1803647"/>
+          </a:xfrm>
+        </p:spPr>
+        <p:txBody>
+          <a:bodyPr anchor="ctr">
+            <a:normAutofit/>
+          </a:bodyPr>
+          <a:lstStyle/>
+          <a:p>
+            <a:pPr algn="ctr">
+              <a:buNone/>
+            </a:pPr>
+            <a:r>
+              <a:rPr lang="zh-CN" altLang="en-US" sz="4800" b="1" dirty="0">
+                <a:solidFill>
+                  <a:srgbClr val="660033"/>
+                </a:solidFill>
+                <a:effectLst>
+                  <a:outerShdw blurRad="50000" dist="30000" dir="5400000" algn="tl" rotWithShape="0">
+                    <a:srgbClr val="000000">
+                      <a:alpha val="30000"/>
+                    </a:srgbClr>
+                  </a:outerShdw>
+                </a:effectLst>
+                <a:latin typeface="微軟正黑體" pitchFamily="34" charset="-120"/>
+                <a:ea typeface="微軟正黑體" pitchFamily="34" charset="-120"/>
+              </a:rPr>
+              <a:t>因為國度  權柄  榮耀</a:t>
+            </a:r>
+            <a:endParaRPr lang="en-US" altLang="zh-CN" sz="4800" b="1" dirty="0">
+              <a:solidFill>
+                <a:srgbClr val="660033"/>
+              </a:solidFill>
+              <a:effectLst>
+                <a:outerShdw blurRad="50000" dist="30000" dir="5400000" algn="tl" rotWithShape="0">
+                  <a:srgbClr val="000000">
+                    <a:alpha val="30000"/>
+                  </a:srgbClr>
+                </a:outerShdw>
+              </a:effectLst>
+              <a:latin typeface="微軟正黑體" pitchFamily="34" charset="-120"/>
+              <a:ea typeface="微軟正黑體" pitchFamily="34" charset="-120"/>
+            </a:endParaRPr>
+          </a:p>
+          <a:p>
+            <a:pPr algn="ctr">
+              <a:buNone/>
+            </a:pPr>
+            <a:r>
+              <a:rPr lang="zh-CN" altLang="en-US" sz="4800" b="1" dirty="0">
+                <a:solidFill>
+                  <a:srgbClr val="660033"/>
+                </a:solidFill>
+                <a:effectLst>
+                  <a:outerShdw blurRad="50000" dist="30000" dir="5400000" algn="tl" rotWithShape="0">
+                    <a:srgbClr val="000000">
+                      <a:alpha val="30000"/>
+                    </a:srgbClr>
+                  </a:outerShdw>
+                </a:effectLst>
+                <a:latin typeface="微軟正黑體" pitchFamily="34" charset="-120"/>
+                <a:ea typeface="微軟正黑體" pitchFamily="34" charset="-120"/>
+              </a:rPr>
+              <a:t>全是父的  直到永遠</a:t>
+            </a:r>
+            <a:r>
+              <a:rPr lang="en-US" altLang="zh-CN" sz="4800" b="1" dirty="0">
+                <a:solidFill>
+                  <a:srgbClr val="660033"/>
+                </a:solidFill>
+                <a:effectLst>
+                  <a:outerShdw blurRad="50000" dist="30000" dir="5400000" algn="tl" rotWithShape="0">
+                    <a:srgbClr val="000000">
+                      <a:alpha val="30000"/>
+                    </a:srgbClr>
+                  </a:outerShdw>
+                </a:effectLst>
+                <a:latin typeface="微軟正黑體" pitchFamily="34" charset="-120"/>
+                <a:ea typeface="微軟正黑體" pitchFamily="34" charset="-120"/>
+              </a:rPr>
+              <a:t>  </a:t>
+            </a:r>
+            <a:r>
+              <a:rPr lang="zh-CN" altLang="en-US" sz="4800" b="1" dirty="0">
+                <a:solidFill>
+                  <a:srgbClr val="660033"/>
+                </a:solidFill>
+                <a:effectLst>
+                  <a:outerShdw blurRad="50000" dist="30000" dir="5400000" algn="tl" rotWithShape="0">
+                    <a:srgbClr val="000000">
+                      <a:alpha val="30000"/>
+                    </a:srgbClr>
+                  </a:outerShdw>
+                </a:effectLst>
+                <a:latin typeface="微軟正黑體" pitchFamily="34" charset="-120"/>
+                <a:ea typeface="微軟正黑體" pitchFamily="34" charset="-120"/>
+              </a:rPr>
+              <a:t>阿門</a:t>
+            </a:r>
+            <a:endParaRPr lang="zh-TW" altLang="en-US" sz="4800" b="1" dirty="0">
+              <a:solidFill>
+                <a:srgbClr val="660033"/>
+              </a:solidFill>
+              <a:effectLst>
+                <a:outerShdw blurRad="50000" dist="30000" dir="5400000" algn="tl" rotWithShape="0">
+                  <a:srgbClr val="000000">
+                    <a:alpha val="30000"/>
+                  </a:srgbClr>
+                </a:outerShdw>
+              </a:effectLst>
+              <a:latin typeface="微軟正黑體" pitchFamily="34" charset="-120"/>
+              <a:ea typeface="微軟正黑體" pitchFamily="34" charset="-120"/>
+            </a:endParaRPr>
+          </a:p>
+        </p:txBody>
+      </p:sp>
+    </p:spTree>
+    <p:extLst>
+      <p:ext uri="{BB962C8B-B14F-4D97-AF65-F5344CB8AC3E}">
+        <p14:creationId xmlns:p14="http://schemas.microsoft.com/office/powerpoint/2010/main" val="2655039754"/>
+      </p:ext>
+    </p:extLst>
+  </p:cSld>
+  <p:clrMapOvr>
+    <a:masterClrMapping/>
+  </p:clrMapOvr>
+</p:sld>
+</file>
+
+<file path=ppt/slides/slide32.xml><?xml version="1.0" encoding="utf-8"?>
+<p:sld xmlns:a="http://schemas.openxmlformats.org/drawingml/2006/main" xmlns:r="http://schemas.openxmlformats.org/officeDocument/2006/relationships" xmlns:p="http://schemas.openxmlformats.org/presentationml/2006/main">
+  <p:cSld>
+    <p:spTree>
+      <p:nvGrpSpPr>
+        <p:cNvPr id="1" name=""/>
+        <p:cNvGrpSpPr/>
+        <p:nvPr/>
+      </p:nvGrpSpPr>
+      <p:grpSpPr>
+        <a:xfrm>
+          <a:off x="0" y="0"/>
+          <a:ext cx="0" cy="0"/>
+          <a:chOff x="0" y="0"/>
+          <a:chExt cx="0" cy="0"/>
+        </a:xfrm>
+      </p:grpSpPr>
+      <p:sp>
+        <p:nvSpPr>
+          <p:cNvPr id="2" name="標題 1"/>
+          <p:cNvSpPr>
+            <a:spLocks noGrp="1"/>
+          </p:cNvSpPr>
+          <p:nvPr>
+            <p:ph type="title" idx="4294967295"/>
+          </p:nvPr>
+        </p:nvSpPr>
+        <p:spPr>
+          <a:xfrm>
+            <a:off x="0" y="1707654"/>
+            <a:ext cx="9144000" cy="628650"/>
+          </a:xfrm>
+        </p:spPr>
+        <p:txBody>
+          <a:bodyPr>
+            <a:noAutofit/>
+          </a:bodyPr>
+          <a:lstStyle/>
+          <a:p>
+            <a:pPr algn="ctr"/>
+            <a:r>
+              <a:rPr lang="zh-CN" altLang="en-US" sz="5400" b="1" dirty="0" smtClean="0">
+                <a:solidFill>
+                  <a:srgbClr val="000066"/>
+                </a:solidFill>
+                <a:effectLst>
+                  <a:outerShdw blurRad="38100" dist="38100" dir="2700000" algn="tl">
+                    <a:srgbClr val="000000">
+                      <a:alpha val="43137"/>
+                    </a:srgbClr>
+                  </a:outerShdw>
+                </a:effectLst>
+                <a:latin typeface="微軟正黑體" pitchFamily="34" charset="-120"/>
+                <a:ea typeface="微軟正黑體" pitchFamily="34" charset="-120"/>
+              </a:rPr>
+              <a:t>祝福</a:t>
+            </a:r>
+            <a:endParaRPr lang="zh-TW" altLang="en-US" sz="5400" b="1" dirty="0">
+              <a:solidFill>
+                <a:srgbClr val="000066"/>
+              </a:solidFill>
+              <a:effectLst>
+                <a:outerShdw blurRad="38100" dist="38100" dir="2700000" algn="tl">
+                  <a:srgbClr val="000000">
+                    <a:alpha val="43137"/>
+                  </a:srgbClr>
+                </a:outerShdw>
+              </a:effectLst>
+              <a:latin typeface="微軟正黑體" pitchFamily="34" charset="-120"/>
+              <a:ea typeface="微軟正黑體" pitchFamily="34" charset="-120"/>
+            </a:endParaRPr>
+          </a:p>
+        </p:txBody>
+      </p:sp>
+      <p:sp>
+        <p:nvSpPr>
+          <p:cNvPr id="3" name="矩形 2"/>
+          <p:cNvSpPr/>
+          <p:nvPr/>
+        </p:nvSpPr>
+        <p:spPr>
+          <a:xfrm>
+            <a:off x="0" y="2427734"/>
+            <a:ext cx="9144000" cy="830997"/>
+          </a:xfrm>
+          <a:prstGeom prst="rect">
+            <a:avLst/>
+          </a:prstGeom>
+        </p:spPr>
+        <p:txBody>
+          <a:bodyPr wrap="square">
+            <a:spAutoFit/>
+          </a:bodyPr>
+          <a:lstStyle/>
+          <a:p>
+            <a:pPr algn="ctr"/>
+            <a:r>
+              <a:rPr lang="en-US" altLang="zh-CN" sz="4800" b="1" dirty="0" smtClean="0">
+                <a:solidFill>
+                  <a:srgbClr val="660033"/>
+                </a:solidFill>
+                <a:effectLst>
+                  <a:outerShdw blurRad="38100" dist="38100" dir="2700000" algn="tl">
+                    <a:srgbClr val="000000">
+                      <a:alpha val="43137"/>
+                    </a:srgbClr>
+                  </a:outerShdw>
+                </a:effectLst>
+                <a:latin typeface="微軟正黑體" pitchFamily="34" charset="-120"/>
+                <a:ea typeface="微軟正黑體" pitchFamily="34" charset="-120"/>
+                <a:cs typeface="+mj-cs"/>
+              </a:rPr>
+              <a:t>(</a:t>
+            </a:r>
+            <a:r>
+              <a:rPr lang="zh-CN" altLang="en-US" sz="4800" b="1" dirty="0" smtClean="0">
+                <a:solidFill>
+                  <a:srgbClr val="660033"/>
+                </a:solidFill>
+                <a:effectLst>
+                  <a:outerShdw blurRad="38100" dist="38100" dir="2700000" algn="tl">
+                    <a:srgbClr val="000000">
+                      <a:alpha val="43137"/>
+                    </a:srgbClr>
+                  </a:outerShdw>
+                </a:effectLst>
+                <a:latin typeface="微軟正黑體" pitchFamily="34" charset="-120"/>
+                <a:ea typeface="微軟正黑體" pitchFamily="34" charset="-120"/>
+                <a:cs typeface="+mj-cs"/>
+              </a:rPr>
+              <a:t>主禮牧師</a:t>
+            </a:r>
+            <a:r>
+              <a:rPr lang="en-US" altLang="zh-CN" sz="4800" b="1" dirty="0" smtClean="0">
+                <a:solidFill>
+                  <a:srgbClr val="660033"/>
+                </a:solidFill>
+                <a:effectLst>
+                  <a:outerShdw blurRad="38100" dist="38100" dir="2700000" algn="tl">
+                    <a:srgbClr val="000000">
+                      <a:alpha val="43137"/>
+                    </a:srgbClr>
+                  </a:outerShdw>
+                </a:effectLst>
+                <a:latin typeface="微軟正黑體" pitchFamily="34" charset="-120"/>
+                <a:ea typeface="微軟正黑體" pitchFamily="34" charset="-120"/>
+                <a:cs typeface="+mj-cs"/>
+              </a:rPr>
+              <a:t>)</a:t>
+            </a:r>
+            <a:endParaRPr lang="zh-TW" altLang="en-US" sz="4800" b="1" dirty="0" smtClean="0">
+              <a:solidFill>
+                <a:srgbClr val="660033"/>
+              </a:solidFill>
+              <a:effectLst>
+                <a:outerShdw blurRad="38100" dist="38100" dir="2700000" algn="tl">
+                  <a:srgbClr val="000000">
+                    <a:alpha val="43137"/>
+                  </a:srgbClr>
+                </a:outerShdw>
+              </a:effectLst>
+              <a:latin typeface="微軟正黑體" pitchFamily="34" charset="-120"/>
+              <a:ea typeface="微軟正黑體" pitchFamily="34" charset="-120"/>
+              <a:cs typeface="+mj-cs"/>
+            </a:endParaRPr>
+          </a:p>
+        </p:txBody>
+      </p:sp>
+    </p:spTree>
+  </p:cSld>
+  <p:clrMapOvr>
+    <a:masterClrMapping/>
+  </p:clrMapOvr>
+  <p:timing>
+    <p:tnLst>
+      <p:par>
+        <p:cTn id="1" dur="indefinite" restart="never" nodeType="tmRoot"/>
+      </p:par>
+    </p:tnLst>
+  </p:timing>
+</p:sld>
+</file>
+
+<file path=ppt/slides/slide33.xml><?xml version="1.0" encoding="utf-8"?>
+<p:sld xmlns:a="http://schemas.openxmlformats.org/drawingml/2006/main" xmlns:r="http://schemas.openxmlformats.org/officeDocument/2006/relationships" xmlns:p="http://schemas.openxmlformats.org/presentationml/2006/main">
+  <p:cSld>
+    <p:spTree>
+      <p:nvGrpSpPr>
+        <p:cNvPr id="1" name=""/>
+        <p:cNvGrpSpPr/>
+        <p:nvPr/>
+      </p:nvGrpSpPr>
+      <p:grpSpPr>
+        <a:xfrm>
+          <a:off x="0" y="0"/>
+          <a:ext cx="0" cy="0"/>
+          <a:chOff x="0" y="0"/>
+          <a:chExt cx="0" cy="0"/>
+        </a:xfrm>
+      </p:grpSpPr>
+      <p:sp>
+        <p:nvSpPr>
           <p:cNvPr id="2" name="矩形 1"/>
           <p:cNvSpPr/>
           <p:nvPr/>
@@ -6972,7 +7307,7 @@
 </p:sld>
 </file>
 
-<file path=ppt/slides/slide27.xml><?xml version="1.0" encoding="utf-8"?>
+<file path=ppt/slides/slide34.xml><?xml version="1.0" encoding="utf-8"?>
 <p:sld xmlns:a="http://schemas.openxmlformats.org/drawingml/2006/main" xmlns:r="http://schemas.openxmlformats.org/officeDocument/2006/relationships" xmlns:p="http://schemas.openxmlformats.org/presentationml/2006/main">
   <p:cSld>
     <p:spTree>
@@ -6991,7 +7326,7 @@
       </p:grpSpPr>
       <p:sp>
         <p:nvSpPr>
-          <p:cNvPr id="2" name="標題 1"/>
+          <p:cNvPr id="4" name="標題 3"/>
           <p:cNvSpPr>
             <a:spLocks noGrp="1"/>
           </p:cNvSpPr>
@@ -7001,8 +7336,8 @@
         </p:nvSpPr>
         <p:spPr>
           <a:xfrm>
-            <a:off x="0" y="282167"/>
-            <a:ext cx="8991600" cy="628650"/>
+            <a:off x="0" y="2143135"/>
+            <a:ext cx="9144000" cy="857250"/>
           </a:xfrm>
         </p:spPr>
         <p:txBody>
@@ -7012,75 +7347,47 @@
           <a:lstStyle/>
           <a:p>
             <a:r>
-              <a:rPr lang="zh-CN" altLang="en-US" b="1" dirty="0" smtClean="0">
-                <a:solidFill>
-                  <a:srgbClr val="660033"/>
-                </a:solidFill>
-                <a:latin typeface="微軟正黑體" pitchFamily="34" charset="-120"/>
-                <a:ea typeface="微軟正黑體" pitchFamily="34" charset="-120"/>
-              </a:rPr>
-              <a:t>主的愛</a:t>
-            </a:r>
-            <a:endParaRPr lang="zh-TW" altLang="en-US" b="1" dirty="0">
-              <a:solidFill>
-                <a:srgbClr val="660033"/>
-              </a:solidFill>
-              <a:latin typeface="微軟正黑體" pitchFamily="34" charset="-120"/>
-              <a:ea typeface="微軟正黑體" pitchFamily="34" charset="-120"/>
-            </a:endParaRPr>
-          </a:p>
-        </p:txBody>
-      </p:sp>
-      <p:sp>
-        <p:nvSpPr>
-          <p:cNvPr id="4" name="內容版面配置區 3"/>
-          <p:cNvSpPr>
-            <a:spLocks noGrp="1"/>
-          </p:cNvSpPr>
-          <p:nvPr>
-            <p:ph idx="1"/>
-          </p:nvPr>
-        </p:nvSpPr>
-        <p:spPr>
-          <a:xfrm>
-            <a:off x="0" y="1085850"/>
-            <a:ext cx="9144000" cy="3600450"/>
-          </a:xfrm>
-        </p:spPr>
-        <p:txBody>
-          <a:bodyPr>
-            <a:noAutofit/>
-          </a:bodyPr>
-          <a:lstStyle/>
-          <a:p>
-            <a:pPr algn="ctr">
-              <a:buNone/>
-            </a:pPr>
-            <a:r>
-              <a:rPr lang="zh-TW" altLang="en-US" sz="5400" b="1" dirty="0" smtClean="0">
-                <a:solidFill>
-                  <a:srgbClr val="660033"/>
+              <a:rPr lang="zh-CN" altLang="en-US" sz="7200" b="1" dirty="0" smtClean="0">
+                <a:solidFill>
+                  <a:srgbClr val="000066"/>
                 </a:solidFill>
                 <a:effectLst>
-                  <a:outerShdw blurRad="50000" dist="30000" dir="5400000" algn="tl" rotWithShape="0">
+                  <a:outerShdw blurRad="38100" dist="38100" dir="2700000" algn="tl">
                     <a:srgbClr val="000000">
-                      <a:alpha val="30000"/>
+                      <a:alpha val="43137"/>
                     </a:srgbClr>
                   </a:outerShdw>
                 </a:effectLst>
                 <a:latin typeface="微軟正黑體" pitchFamily="34" charset="-120"/>
                 <a:ea typeface="微軟正黑體" pitchFamily="34" charset="-120"/>
               </a:rPr>
-              <a:t>願主的愛與你同在</a:t>
-            </a:r>
-            <a:endParaRPr lang="en-US" altLang="zh-TW" sz="5400" b="1" dirty="0" smtClean="0">
+              <a:t>主</a:t>
+            </a:r>
+            <a:r>
+              <a:rPr lang="zh-CN" altLang="en-US" sz="7200" b="1" dirty="0">
+                <a:solidFill>
+                  <a:srgbClr val="000066"/>
+                </a:solidFill>
+                <a:effectLst>
+                  <a:outerShdw blurRad="38100" dist="38100" dir="2700000" algn="tl">
+                    <a:srgbClr val="000000">
+                      <a:alpha val="43137"/>
+                    </a:srgbClr>
+                  </a:outerShdw>
+                </a:effectLst>
+                <a:latin typeface="微軟正黑體" pitchFamily="34" charset="-120"/>
+                <a:ea typeface="微軟正黑體" pitchFamily="34" charset="-120"/>
+              </a:rPr>
+              <a:t>的愛</a:t>
+            </a:r>
+            <a:endParaRPr lang="zh-TW" altLang="en-US" sz="7200" b="1" dirty="0">
               <a:solidFill>
-                <a:srgbClr val="660033"/>
+                <a:srgbClr val="000066"/>
               </a:solidFill>
               <a:effectLst>
-                <a:outerShdw blurRad="50000" dist="30000" dir="5400000" algn="tl" rotWithShape="0">
+                <a:outerShdw blurRad="38100" dist="38100" dir="2700000" algn="tl">
                   <a:srgbClr val="000000">
-                    <a:alpha val="30000"/>
+                    <a:alpha val="43137"/>
                   </a:srgbClr>
                 </a:outerShdw>
               </a:effectLst>
@@ -7088,82 +7395,22 @@
               <a:ea typeface="微軟正黑體" pitchFamily="34" charset="-120"/>
             </a:endParaRPr>
           </a:p>
-          <a:p>
-            <a:pPr algn="ctr">
-              <a:buNone/>
-            </a:pPr>
-            <a:r>
-              <a:rPr lang="zh-TW" altLang="en-US" sz="5400" b="1" dirty="0" smtClean="0">
-                <a:solidFill>
-                  <a:srgbClr val="660033"/>
-                </a:solidFill>
-                <a:effectLst>
-                  <a:outerShdw blurRad="50000" dist="30000" dir="5400000" algn="tl" rotWithShape="0">
-                    <a:srgbClr val="000000">
-                      <a:alpha val="30000"/>
-                    </a:srgbClr>
-                  </a:outerShdw>
-                </a:effectLst>
-                <a:latin typeface="微軟正黑體" pitchFamily="34" charset="-120"/>
-                <a:ea typeface="微軟正黑體" pitchFamily="34" charset="-120"/>
-              </a:rPr>
-              <a:t>無論你在何方</a:t>
-            </a:r>
-            <a:endParaRPr lang="en-US" altLang="zh-TW" sz="5400" b="1" dirty="0" smtClean="0">
-              <a:solidFill>
-                <a:srgbClr val="660033"/>
-              </a:solidFill>
-              <a:effectLst>
-                <a:outerShdw blurRad="50000" dist="30000" dir="5400000" algn="tl" rotWithShape="0">
-                  <a:srgbClr val="000000">
-                    <a:alpha val="30000"/>
-                  </a:srgbClr>
-                </a:outerShdw>
-              </a:effectLst>
-              <a:latin typeface="微軟正黑體" pitchFamily="34" charset="-120"/>
-              <a:ea typeface="微軟正黑體" pitchFamily="34" charset="-120"/>
-            </a:endParaRPr>
-          </a:p>
-          <a:p>
-            <a:pPr algn="ctr">
-              <a:buNone/>
-            </a:pPr>
-            <a:r>
-              <a:rPr lang="zh-TW" altLang="en-US" sz="5400" b="1" dirty="0" smtClean="0">
-                <a:solidFill>
-                  <a:srgbClr val="660033"/>
-                </a:solidFill>
-                <a:effectLst>
-                  <a:outerShdw blurRad="50000" dist="30000" dir="5400000" algn="tl" rotWithShape="0">
-                    <a:srgbClr val="000000">
-                      <a:alpha val="30000"/>
-                    </a:srgbClr>
-                  </a:outerShdw>
-                </a:effectLst>
-                <a:latin typeface="微軟正黑體" pitchFamily="34" charset="-120"/>
-                <a:ea typeface="微軟正黑體" pitchFamily="34" charset="-120"/>
-              </a:rPr>
-              <a:t>願祂祝福你心靈安康</a:t>
-            </a:r>
-          </a:p>
         </p:txBody>
       </p:sp>
     </p:spTree>
+    <p:extLst>
+      <p:ext uri="{BB962C8B-B14F-4D97-AF65-F5344CB8AC3E}">
+        <p14:creationId xmlns:p14="http://schemas.microsoft.com/office/powerpoint/2010/main" val="492075861"/>
+      </p:ext>
+    </p:extLst>
   </p:cSld>
   <p:clrMapOvr>
     <a:masterClrMapping/>
   </p:clrMapOvr>
-  <p:timing>
-    <p:tnLst>
-      <p:par>
-        <p:cTn id="1" dur="indefinite" restart="never" nodeType="tmRoot"/>
-      </p:par>
-    </p:tnLst>
-  </p:timing>
 </p:sld>
 </file>
 
-<file path=ppt/slides/slide28.xml><?xml version="1.0" encoding="utf-8"?>
+<file path=ppt/slides/slide35.xml><?xml version="1.0" encoding="utf-8"?>
 <p:sld xmlns:a="http://schemas.openxmlformats.org/drawingml/2006/main" xmlns:r="http://schemas.openxmlformats.org/officeDocument/2006/relationships" xmlns:p="http://schemas.openxmlformats.org/presentationml/2006/main">
   <p:cSld>
     <p:spTree>
@@ -7182,65 +7429,23 @@
       </p:grpSpPr>
       <p:sp>
         <p:nvSpPr>
-          <p:cNvPr id="2" name="標題 1"/>
-          <p:cNvSpPr>
-            <a:spLocks noGrp="1"/>
-          </p:cNvSpPr>
-          <p:nvPr>
-            <p:ph type="title"/>
+          <p:cNvPr id="5" name="內容版面配置區 4"/>
+          <p:cNvSpPr>
+            <a:spLocks noGrp="1"/>
+          </p:cNvSpPr>
+          <p:nvPr>
+            <p:ph idx="1"/>
           </p:nvPr>
         </p:nvSpPr>
         <p:spPr>
           <a:xfrm>
-            <a:off x="0" y="282167"/>
-            <a:ext cx="8991600" cy="628650"/>
+            <a:off x="0" y="1563638"/>
+            <a:ext cx="9144000" cy="1803647"/>
           </a:xfrm>
         </p:spPr>
         <p:txBody>
-          <a:bodyPr>
-            <a:noAutofit/>
-          </a:bodyPr>
-          <a:lstStyle/>
-          <a:p>
-            <a:r>
-              <a:rPr lang="zh-CN" altLang="en-US" b="1" dirty="0" smtClean="0">
-                <a:solidFill>
-                  <a:srgbClr val="660033"/>
-                </a:solidFill>
-                <a:latin typeface="微軟正黑體" pitchFamily="34" charset="-120"/>
-                <a:ea typeface="微軟正黑體" pitchFamily="34" charset="-120"/>
-              </a:rPr>
-              <a:t>主的愛</a:t>
-            </a:r>
-            <a:endParaRPr lang="zh-TW" altLang="en-US" b="1" dirty="0">
-              <a:solidFill>
-                <a:srgbClr val="660033"/>
-              </a:solidFill>
-              <a:latin typeface="微軟正黑體" pitchFamily="34" charset="-120"/>
-              <a:ea typeface="微軟正黑體" pitchFamily="34" charset="-120"/>
-            </a:endParaRPr>
-          </a:p>
-        </p:txBody>
-      </p:sp>
-      <p:sp>
-        <p:nvSpPr>
-          <p:cNvPr id="4" name="內容版面配置區 3"/>
-          <p:cNvSpPr>
-            <a:spLocks noGrp="1"/>
-          </p:cNvSpPr>
-          <p:nvPr>
-            <p:ph idx="1"/>
-          </p:nvPr>
-        </p:nvSpPr>
-        <p:spPr>
-          <a:xfrm>
-            <a:off x="0" y="1085850"/>
-            <a:ext cx="9144000" cy="3600450"/>
-          </a:xfrm>
-        </p:spPr>
-        <p:txBody>
-          <a:bodyPr>
-            <a:noAutofit/>
+          <a:bodyPr anchor="ctr">
+            <a:normAutofit/>
           </a:bodyPr>
           <a:lstStyle/>
           <a:p>
@@ -7248,9 +7453,9 @@
               <a:buNone/>
             </a:pPr>
             <a:r>
-              <a:rPr lang="zh-TW" altLang="en-US" sz="5400" b="1" dirty="0" smtClean="0">
-                <a:solidFill>
-                  <a:srgbClr val="660033"/>
+              <a:rPr lang="zh-TW" altLang="en-US" sz="4800" b="1" dirty="0">
+                <a:solidFill>
+                  <a:srgbClr val="000066"/>
                 </a:solidFill>
                 <a:effectLst>
                   <a:outerShdw blurRad="50000" dist="30000" dir="5400000" algn="tl" rotWithShape="0">
@@ -7262,11 +7467,28 @@
                 <a:latin typeface="微軟正黑體" pitchFamily="34" charset="-120"/>
                 <a:ea typeface="微軟正黑體" pitchFamily="34" charset="-120"/>
               </a:rPr>
-              <a:t>主的愛如流水淙淙</a:t>
-            </a:r>
-            <a:endParaRPr lang="en-US" altLang="zh-TW" sz="5400" b="1" dirty="0" smtClean="0">
+              <a:t>願主的愛與你同</a:t>
+            </a:r>
+            <a:r>
+              <a:rPr lang="zh-TW" altLang="en-US" sz="4800" b="1" dirty="0" smtClean="0">
+                <a:solidFill>
+                  <a:srgbClr val="000066"/>
+                </a:solidFill>
+                <a:effectLst>
+                  <a:outerShdw blurRad="50000" dist="30000" dir="5400000" algn="tl" rotWithShape="0">
+                    <a:srgbClr val="000000">
+                      <a:alpha val="30000"/>
+                    </a:srgbClr>
+                  </a:outerShdw>
+                </a:effectLst>
+                <a:latin typeface="微軟正黑體" pitchFamily="34" charset="-120"/>
+                <a:ea typeface="微軟正黑體" pitchFamily="34" charset="-120"/>
+              </a:rPr>
+              <a:t>在</a:t>
+            </a:r>
+            <a:endParaRPr lang="en-US" altLang="zh-TW" sz="4800" b="1" dirty="0">
               <a:solidFill>
-                <a:srgbClr val="660033"/>
+                <a:srgbClr val="000066"/>
               </a:solidFill>
               <a:effectLst>
                 <a:outerShdw blurRad="50000" dist="30000" dir="5400000" algn="tl" rotWithShape="0">
@@ -7284,9 +7506,9 @@
               <a:buNone/>
             </a:pPr>
             <a:r>
-              <a:rPr lang="zh-TW" altLang="en-US" sz="5400" b="1" dirty="0" smtClean="0">
-                <a:solidFill>
-                  <a:srgbClr val="660033"/>
+              <a:rPr lang="zh-TW" altLang="en-US" sz="4800" b="1" dirty="0" smtClean="0">
+                <a:solidFill>
+                  <a:srgbClr val="000066"/>
                 </a:solidFill>
                 <a:effectLst>
                   <a:outerShdw blurRad="50000" dist="30000" dir="5400000" algn="tl" rotWithShape="0">
@@ -7298,11 +7520,45 @@
                 <a:latin typeface="微軟正黑體" pitchFamily="34" charset="-120"/>
                 <a:ea typeface="微軟正黑體" pitchFamily="34" charset="-120"/>
               </a:rPr>
-              <a:t>願你分享祂這愛</a:t>
-            </a:r>
-            <a:endParaRPr lang="en-US" altLang="zh-TW" sz="5400" b="1" dirty="0" smtClean="0">
+              <a:t>無</a:t>
+            </a:r>
+            <a:r>
+              <a:rPr lang="zh-TW" altLang="en-US" sz="4800" b="1" dirty="0">
+                <a:solidFill>
+                  <a:srgbClr val="000066"/>
+                </a:solidFill>
+                <a:effectLst>
+                  <a:outerShdw blurRad="50000" dist="30000" dir="5400000" algn="tl" rotWithShape="0">
+                    <a:srgbClr val="000000">
+                      <a:alpha val="30000"/>
+                    </a:srgbClr>
+                  </a:outerShdw>
+                </a:effectLst>
+                <a:latin typeface="微軟正黑體" pitchFamily="34" charset="-120"/>
+                <a:ea typeface="微軟正黑體" pitchFamily="34" charset="-120"/>
+              </a:rPr>
+              <a:t>論你在何</a:t>
+            </a:r>
+            <a:r>
+              <a:rPr lang="zh-TW" altLang="en-US" sz="4800" b="1" dirty="0" smtClean="0">
+                <a:solidFill>
+                  <a:srgbClr val="000066"/>
+                </a:solidFill>
+                <a:effectLst>
+                  <a:outerShdw blurRad="50000" dist="30000" dir="5400000" algn="tl" rotWithShape="0">
+                    <a:srgbClr val="000000">
+                      <a:alpha val="30000"/>
+                    </a:srgbClr>
+                  </a:outerShdw>
+                </a:effectLst>
+                <a:latin typeface="微軟正黑體" pitchFamily="34" charset="-120"/>
+                <a:ea typeface="微軟正黑體" pitchFamily="34" charset="-120"/>
+              </a:rPr>
+              <a:t>方</a:t>
+            </a:r>
+            <a:endParaRPr lang="en-US" altLang="zh-TW" sz="4800" b="1" dirty="0">
               <a:solidFill>
-                <a:srgbClr val="660033"/>
+                <a:srgbClr val="000066"/>
               </a:solidFill>
               <a:effectLst>
                 <a:outerShdw blurRad="50000" dist="30000" dir="5400000" algn="tl" rotWithShape="0">
@@ -7315,46 +7571,22 @@
               <a:ea typeface="微軟正黑體" pitchFamily="34" charset="-120"/>
             </a:endParaRPr>
           </a:p>
-          <a:p>
-            <a:pPr algn="ctr">
-              <a:buNone/>
-            </a:pPr>
-            <a:r>
-              <a:rPr lang="zh-TW" altLang="en-US" sz="5400" b="1" dirty="0" smtClean="0">
-                <a:solidFill>
-                  <a:srgbClr val="660033"/>
-                </a:solidFill>
-                <a:effectLst>
-                  <a:outerShdw blurRad="50000" dist="30000" dir="5400000" algn="tl" rotWithShape="0">
-                    <a:srgbClr val="000000">
-                      <a:alpha val="30000"/>
-                    </a:srgbClr>
-                  </a:outerShdw>
-                </a:effectLst>
-                <a:latin typeface="微軟正黑體" pitchFamily="34" charset="-120"/>
-                <a:ea typeface="微軟正黑體" pitchFamily="34" charset="-120"/>
-              </a:rPr>
-              <a:t>在那漫漫的黑夜見主光</a:t>
-            </a:r>
-          </a:p>
         </p:txBody>
       </p:sp>
     </p:spTree>
+    <p:extLst>
+      <p:ext uri="{BB962C8B-B14F-4D97-AF65-F5344CB8AC3E}">
+        <p14:creationId xmlns:p14="http://schemas.microsoft.com/office/powerpoint/2010/main" val="1936662365"/>
+      </p:ext>
+    </p:extLst>
   </p:cSld>
   <p:clrMapOvr>
     <a:masterClrMapping/>
   </p:clrMapOvr>
-  <p:timing>
-    <p:tnLst>
-      <p:par>
-        <p:cTn id="1" dur="indefinite" restart="never" nodeType="tmRoot"/>
-      </p:par>
-    </p:tnLst>
-  </p:timing>
 </p:sld>
 </file>
 
-<file path=ppt/slides/slide29.xml><?xml version="1.0" encoding="utf-8"?>
+<file path=ppt/slides/slide36.xml><?xml version="1.0" encoding="utf-8"?>
 <p:sld xmlns:a="http://schemas.openxmlformats.org/drawingml/2006/main" xmlns:r="http://schemas.openxmlformats.org/officeDocument/2006/relationships" xmlns:p="http://schemas.openxmlformats.org/presentationml/2006/main">
   <p:cSld>
     <p:spTree>
@@ -7373,65 +7605,23 @@
       </p:grpSpPr>
       <p:sp>
         <p:nvSpPr>
-          <p:cNvPr id="2" name="標題 1"/>
-          <p:cNvSpPr>
-            <a:spLocks noGrp="1"/>
-          </p:cNvSpPr>
-          <p:nvPr>
-            <p:ph type="title"/>
+          <p:cNvPr id="5" name="內容版面配置區 4"/>
+          <p:cNvSpPr>
+            <a:spLocks noGrp="1"/>
+          </p:cNvSpPr>
+          <p:nvPr>
+            <p:ph idx="1"/>
           </p:nvPr>
         </p:nvSpPr>
         <p:spPr>
           <a:xfrm>
-            <a:off x="0" y="282167"/>
-            <a:ext cx="8991600" cy="628650"/>
+            <a:off x="0" y="1563638"/>
+            <a:ext cx="9144000" cy="1803647"/>
           </a:xfrm>
         </p:spPr>
         <p:txBody>
-          <a:bodyPr>
-            <a:noAutofit/>
-          </a:bodyPr>
-          <a:lstStyle/>
-          <a:p>
-            <a:r>
-              <a:rPr lang="zh-CN" altLang="en-US" b="1" dirty="0" smtClean="0">
-                <a:solidFill>
-                  <a:srgbClr val="660033"/>
-                </a:solidFill>
-                <a:latin typeface="微軟正黑體" pitchFamily="34" charset="-120"/>
-                <a:ea typeface="微軟正黑體" pitchFamily="34" charset="-120"/>
-              </a:rPr>
-              <a:t>主的愛</a:t>
-            </a:r>
-            <a:endParaRPr lang="zh-TW" altLang="en-US" b="1" dirty="0">
-              <a:solidFill>
-                <a:srgbClr val="660033"/>
-              </a:solidFill>
-              <a:latin typeface="微軟正黑體" pitchFamily="34" charset="-120"/>
-              <a:ea typeface="微軟正黑體" pitchFamily="34" charset="-120"/>
-            </a:endParaRPr>
-          </a:p>
-        </p:txBody>
-      </p:sp>
-      <p:sp>
-        <p:nvSpPr>
-          <p:cNvPr id="4" name="內容版面配置區 3"/>
-          <p:cNvSpPr>
-            <a:spLocks noGrp="1"/>
-          </p:cNvSpPr>
-          <p:nvPr>
-            <p:ph idx="1"/>
-          </p:nvPr>
-        </p:nvSpPr>
-        <p:spPr>
-          <a:xfrm>
-            <a:off x="0" y="1085850"/>
-            <a:ext cx="9144000" cy="3600450"/>
-          </a:xfrm>
-        </p:spPr>
-        <p:txBody>
-          <a:bodyPr>
-            <a:noAutofit/>
+          <a:bodyPr anchor="ctr">
+            <a:normAutofit/>
           </a:bodyPr>
           <a:lstStyle/>
           <a:p>
@@ -7439,9 +7629,9 @@
               <a:buNone/>
             </a:pPr>
             <a:r>
-              <a:rPr lang="zh-TW" altLang="en-US" sz="5400" b="1" dirty="0" smtClean="0">
-                <a:solidFill>
-                  <a:srgbClr val="660033"/>
+              <a:rPr lang="zh-TW" altLang="en-US" sz="4800" b="1" dirty="0" smtClean="0">
+                <a:solidFill>
+                  <a:srgbClr val="000066"/>
                 </a:solidFill>
                 <a:effectLst>
                   <a:outerShdw blurRad="50000" dist="30000" dir="5400000" algn="tl" rotWithShape="0">
@@ -7453,31 +7643,12 @@
                 <a:latin typeface="微軟正黑體" pitchFamily="34" charset="-120"/>
                 <a:ea typeface="微軟正黑體" pitchFamily="34" charset="-120"/>
               </a:rPr>
-              <a:t>主的愛如流水淙淙</a:t>
-            </a:r>
-            <a:endParaRPr lang="en-US" altLang="zh-TW" sz="5400" b="1" dirty="0" smtClean="0">
-              <a:solidFill>
-                <a:srgbClr val="660033"/>
-              </a:solidFill>
-              <a:effectLst>
-                <a:outerShdw blurRad="50000" dist="30000" dir="5400000" algn="tl" rotWithShape="0">
-                  <a:srgbClr val="000000">
-                    <a:alpha val="30000"/>
-                  </a:srgbClr>
-                </a:outerShdw>
-              </a:effectLst>
-              <a:latin typeface="微軟正黑體" pitchFamily="34" charset="-120"/>
-              <a:ea typeface="微軟正黑體" pitchFamily="34" charset="-120"/>
-            </a:endParaRPr>
-          </a:p>
-          <a:p>
-            <a:pPr algn="ctr">
-              <a:buNone/>
-            </a:pPr>
-            <a:r>
-              <a:rPr lang="zh-TW" altLang="en-US" sz="5400" b="1" dirty="0" smtClean="0">
-                <a:solidFill>
-                  <a:srgbClr val="660033"/>
+              <a:t>願</a:t>
+            </a:r>
+            <a:r>
+              <a:rPr lang="zh-TW" altLang="en-US" sz="4800" b="1" dirty="0">
+                <a:solidFill>
+                  <a:srgbClr val="000066"/>
                 </a:solidFill>
                 <a:effectLst>
                   <a:outerShdw blurRad="50000" dist="30000" dir="5400000" algn="tl" rotWithShape="0">
@@ -7489,63 +7660,25 @@
                 <a:latin typeface="微軟正黑體" pitchFamily="34" charset="-120"/>
                 <a:ea typeface="微軟正黑體" pitchFamily="34" charset="-120"/>
               </a:rPr>
-              <a:t>願你分享祂這愛</a:t>
-            </a:r>
-            <a:endParaRPr lang="en-US" altLang="zh-TW" sz="5400" b="1" dirty="0" smtClean="0">
-              <a:solidFill>
-                <a:srgbClr val="660033"/>
-              </a:solidFill>
-              <a:effectLst>
-                <a:outerShdw blurRad="50000" dist="30000" dir="5400000" algn="tl" rotWithShape="0">
-                  <a:srgbClr val="000000">
-                    <a:alpha val="30000"/>
-                  </a:srgbClr>
-                </a:outerShdw>
-              </a:effectLst>
-              <a:latin typeface="微軟正黑體" pitchFamily="34" charset="-120"/>
-              <a:ea typeface="微軟正黑體" pitchFamily="34" charset="-120"/>
-            </a:endParaRPr>
-          </a:p>
-          <a:p>
-            <a:pPr algn="ctr">
-              <a:buNone/>
-            </a:pPr>
-            <a:r>
-              <a:rPr lang="zh-TW" altLang="en-US" sz="5400" b="1" dirty="0" smtClean="0">
-                <a:solidFill>
-                  <a:srgbClr val="660033"/>
-                </a:solidFill>
-                <a:effectLst>
-                  <a:outerShdw blurRad="50000" dist="30000" dir="5400000" algn="tl" rotWithShape="0">
-                    <a:srgbClr val="000000">
-                      <a:alpha val="30000"/>
-                    </a:srgbClr>
-                  </a:outerShdw>
-                </a:effectLst>
-                <a:latin typeface="微軟正黑體" pitchFamily="34" charset="-120"/>
-                <a:ea typeface="微軟正黑體" pitchFamily="34" charset="-120"/>
-              </a:rPr>
-              <a:t>以你愛 還祂愛 永相愛</a:t>
+              <a:t>祂祝福你心靈安康</a:t>
             </a:r>
           </a:p>
         </p:txBody>
       </p:sp>
     </p:spTree>
+    <p:extLst>
+      <p:ext uri="{BB962C8B-B14F-4D97-AF65-F5344CB8AC3E}">
+        <p14:creationId xmlns:p14="http://schemas.microsoft.com/office/powerpoint/2010/main" val="3028663426"/>
+      </p:ext>
+    </p:extLst>
   </p:cSld>
   <p:clrMapOvr>
     <a:masterClrMapping/>
   </p:clrMapOvr>
-  <p:timing>
-    <p:tnLst>
-      <p:par>
-        <p:cTn id="1" dur="indefinite" restart="never" nodeType="tmRoot"/>
-      </p:par>
-    </p:tnLst>
-  </p:timing>
 </p:sld>
 </file>
 
-<file path=ppt/slides/slide3.xml><?xml version="1.0" encoding="utf-8"?>
+<file path=ppt/slides/slide37.xml><?xml version="1.0" encoding="utf-8"?>
 <p:sld xmlns:a="http://schemas.openxmlformats.org/drawingml/2006/main" xmlns:r="http://schemas.openxmlformats.org/officeDocument/2006/relationships" xmlns:p="http://schemas.openxmlformats.org/presentationml/2006/main">
   <p:cSld>
     <p:spTree>
@@ -7564,51 +7697,54 @@
       </p:grpSpPr>
       <p:sp>
         <p:nvSpPr>
-          <p:cNvPr id="2" name="標題 1"/>
-          <p:cNvSpPr>
-            <a:spLocks noGrp="1"/>
-          </p:cNvSpPr>
-          <p:nvPr>
-            <p:ph type="title" idx="4294967295"/>
+          <p:cNvPr id="5" name="內容版面配置區 4"/>
+          <p:cNvSpPr>
+            <a:spLocks noGrp="1"/>
+          </p:cNvSpPr>
+          <p:nvPr>
+            <p:ph idx="1"/>
           </p:nvPr>
         </p:nvSpPr>
         <p:spPr>
           <a:xfrm>
-            <a:off x="-135" y="2257262"/>
-            <a:ext cx="9144000" cy="628650"/>
+            <a:off x="0" y="1563638"/>
+            <a:ext cx="9144000" cy="1803647"/>
           </a:xfrm>
         </p:spPr>
         <p:txBody>
-          <a:bodyPr>
-            <a:noAutofit/>
+          <a:bodyPr anchor="ctr">
+            <a:normAutofit/>
           </a:bodyPr>
           <a:lstStyle/>
           <a:p>
-            <a:r>
-              <a:rPr lang="zh-CN" altLang="en-US" sz="7200" b="1" dirty="0">
+            <a:pPr algn="ctr">
+              <a:buNone/>
+            </a:pPr>
+            <a:r>
+              <a:rPr lang="zh-TW" altLang="en-US" sz="4800" b="1" dirty="0">
                 <a:solidFill>
                   <a:srgbClr val="000066"/>
                 </a:solidFill>
                 <a:effectLst>
-                  <a:outerShdw blurRad="38100" dist="38100" dir="2700000" algn="tl">
+                  <a:outerShdw blurRad="50000" dist="30000" dir="5400000" algn="tl" rotWithShape="0">
                     <a:srgbClr val="000000">
-                      <a:alpha val="43137"/>
+                      <a:alpha val="30000"/>
                     </a:srgbClr>
                   </a:outerShdw>
                 </a:effectLst>
                 <a:latin typeface="微軟正黑體" pitchFamily="34" charset="-120"/>
                 <a:ea typeface="微軟正黑體" pitchFamily="34" charset="-120"/>
               </a:rPr>
-              <a:t>敬拜讚美神</a:t>
-            </a:r>
-            <a:endParaRPr lang="zh-TW" altLang="en-US" sz="7200" b="1" dirty="0">
+              <a:t>主的愛如流水淙淙</a:t>
+            </a:r>
+            <a:endParaRPr lang="en-US" altLang="zh-TW" sz="4800" b="1" dirty="0">
               <a:solidFill>
                 <a:srgbClr val="000066"/>
               </a:solidFill>
               <a:effectLst>
-                <a:outerShdw blurRad="38100" dist="38100" dir="2700000" algn="tl">
+                <a:outerShdw blurRad="50000" dist="30000" dir="5400000" algn="tl" rotWithShape="0">
                   <a:srgbClr val="000000">
-                    <a:alpha val="43137"/>
+                    <a:alpha val="30000"/>
                   </a:srgbClr>
                 </a:outerShdw>
               </a:effectLst>
@@ -7616,20 +7752,254 @@
               <a:ea typeface="微軟正黑體" pitchFamily="34" charset="-120"/>
             </a:endParaRPr>
           </a:p>
+          <a:p>
+            <a:pPr algn="ctr">
+              <a:buNone/>
+            </a:pPr>
+            <a:r>
+              <a:rPr lang="zh-TW" altLang="en-US" sz="4800" b="1" dirty="0">
+                <a:solidFill>
+                  <a:srgbClr val="000066"/>
+                </a:solidFill>
+                <a:effectLst>
+                  <a:outerShdw blurRad="50000" dist="30000" dir="5400000" algn="tl" rotWithShape="0">
+                    <a:srgbClr val="000000">
+                      <a:alpha val="30000"/>
+                    </a:srgbClr>
+                  </a:outerShdw>
+                </a:effectLst>
+                <a:latin typeface="微軟正黑體" pitchFamily="34" charset="-120"/>
+                <a:ea typeface="微軟正黑體" pitchFamily="34" charset="-120"/>
+              </a:rPr>
+              <a:t>願你分享祂這愛</a:t>
+            </a:r>
+            <a:endParaRPr lang="en-US" altLang="zh-TW" sz="4800" b="1" dirty="0">
+              <a:solidFill>
+                <a:srgbClr val="000066"/>
+              </a:solidFill>
+              <a:effectLst>
+                <a:outerShdw blurRad="50000" dist="30000" dir="5400000" algn="tl" rotWithShape="0">
+                  <a:srgbClr val="000000">
+                    <a:alpha val="30000"/>
+                  </a:srgbClr>
+                </a:outerShdw>
+              </a:effectLst>
+              <a:latin typeface="微軟正黑體" pitchFamily="34" charset="-120"/>
+              <a:ea typeface="微軟正黑體" pitchFamily="34" charset="-120"/>
+            </a:endParaRPr>
+          </a:p>
         </p:txBody>
       </p:sp>
     </p:spTree>
+    <p:extLst>
+      <p:ext uri="{BB962C8B-B14F-4D97-AF65-F5344CB8AC3E}">
+        <p14:creationId xmlns:p14="http://schemas.microsoft.com/office/powerpoint/2010/main" val="392282037"/>
+      </p:ext>
+    </p:extLst>
   </p:cSld>
   <p:clrMapOvr>
     <a:masterClrMapping/>
   </p:clrMapOvr>
-  <p:timing>
-    <p:tnLst>
-      <p:par>
-        <p:cTn id="1" dur="indefinite" restart="never" nodeType="tmRoot"/>
-      </p:par>
-    </p:tnLst>
-  </p:timing>
+</p:sld>
+</file>
+
+<file path=ppt/slides/slide38.xml><?xml version="1.0" encoding="utf-8"?>
+<p:sld xmlns:a="http://schemas.openxmlformats.org/drawingml/2006/main" xmlns:r="http://schemas.openxmlformats.org/officeDocument/2006/relationships" xmlns:p="http://schemas.openxmlformats.org/presentationml/2006/main">
+  <p:cSld>
+    <p:spTree>
+      <p:nvGrpSpPr>
+        <p:cNvPr id="1" name=""/>
+        <p:cNvGrpSpPr/>
+        <p:nvPr/>
+      </p:nvGrpSpPr>
+      <p:grpSpPr>
+        <a:xfrm>
+          <a:off x="0" y="0"/>
+          <a:ext cx="0" cy="0"/>
+          <a:chOff x="0" y="0"/>
+          <a:chExt cx="0" cy="0"/>
+        </a:xfrm>
+      </p:grpSpPr>
+      <p:sp>
+        <p:nvSpPr>
+          <p:cNvPr id="5" name="內容版面配置區 4"/>
+          <p:cNvSpPr>
+            <a:spLocks noGrp="1"/>
+          </p:cNvSpPr>
+          <p:nvPr>
+            <p:ph idx="1"/>
+          </p:nvPr>
+        </p:nvSpPr>
+        <p:spPr>
+          <a:xfrm>
+            <a:off x="0" y="1563638"/>
+            <a:ext cx="9144000" cy="1803647"/>
+          </a:xfrm>
+        </p:spPr>
+        <p:txBody>
+          <a:bodyPr anchor="ctr">
+            <a:normAutofit/>
+          </a:bodyPr>
+          <a:lstStyle/>
+          <a:p>
+            <a:pPr algn="ctr">
+              <a:buNone/>
+            </a:pPr>
+            <a:r>
+              <a:rPr lang="zh-TW" altLang="en-US" sz="4800" b="1" dirty="0">
+                <a:solidFill>
+                  <a:srgbClr val="000066"/>
+                </a:solidFill>
+                <a:effectLst>
+                  <a:outerShdw blurRad="50000" dist="30000" dir="5400000" algn="tl" rotWithShape="0">
+                    <a:srgbClr val="000000">
+                      <a:alpha val="30000"/>
+                    </a:srgbClr>
+                  </a:outerShdw>
+                </a:effectLst>
+                <a:latin typeface="微軟正黑體" pitchFamily="34" charset="-120"/>
+                <a:ea typeface="微軟正黑體" pitchFamily="34" charset="-120"/>
+              </a:rPr>
+              <a:t>在那漫漫的黑夜見主光</a:t>
+            </a:r>
+          </a:p>
+        </p:txBody>
+      </p:sp>
+    </p:spTree>
+    <p:extLst>
+      <p:ext uri="{BB962C8B-B14F-4D97-AF65-F5344CB8AC3E}">
+        <p14:creationId xmlns:p14="http://schemas.microsoft.com/office/powerpoint/2010/main" val="2247000003"/>
+      </p:ext>
+    </p:extLst>
+  </p:cSld>
+  <p:clrMapOvr>
+    <a:masterClrMapping/>
+  </p:clrMapOvr>
+</p:sld>
+</file>
+
+<file path=ppt/slides/slide39.xml><?xml version="1.0" encoding="utf-8"?>
+<p:sld xmlns:a="http://schemas.openxmlformats.org/drawingml/2006/main" xmlns:r="http://schemas.openxmlformats.org/officeDocument/2006/relationships" xmlns:p="http://schemas.openxmlformats.org/presentationml/2006/main">
+  <p:cSld>
+    <p:spTree>
+      <p:nvGrpSpPr>
+        <p:cNvPr id="1" name=""/>
+        <p:cNvGrpSpPr/>
+        <p:nvPr/>
+      </p:nvGrpSpPr>
+      <p:grpSpPr>
+        <a:xfrm>
+          <a:off x="0" y="0"/>
+          <a:ext cx="0" cy="0"/>
+          <a:chOff x="0" y="0"/>
+          <a:chExt cx="0" cy="0"/>
+        </a:xfrm>
+      </p:grpSpPr>
+      <p:sp>
+        <p:nvSpPr>
+          <p:cNvPr id="5" name="內容版面配置區 4"/>
+          <p:cNvSpPr>
+            <a:spLocks noGrp="1"/>
+          </p:cNvSpPr>
+          <p:nvPr>
+            <p:ph idx="1"/>
+          </p:nvPr>
+        </p:nvSpPr>
+        <p:spPr>
+          <a:xfrm>
+            <a:off x="0" y="1563638"/>
+            <a:ext cx="9144000" cy="1803647"/>
+          </a:xfrm>
+        </p:spPr>
+        <p:txBody>
+          <a:bodyPr anchor="ctr">
+            <a:normAutofit/>
+          </a:bodyPr>
+          <a:lstStyle/>
+          <a:p>
+            <a:pPr algn="ctr">
+              <a:buNone/>
+            </a:pPr>
+            <a:r>
+              <a:rPr lang="zh-TW" altLang="en-US" sz="4800" b="1" dirty="0">
+                <a:solidFill>
+                  <a:srgbClr val="000066"/>
+                </a:solidFill>
+                <a:effectLst>
+                  <a:outerShdw blurRad="50000" dist="30000" dir="5400000" algn="tl" rotWithShape="0">
+                    <a:srgbClr val="000000">
+                      <a:alpha val="30000"/>
+                    </a:srgbClr>
+                  </a:outerShdw>
+                </a:effectLst>
+                <a:latin typeface="微軟正黑體" pitchFamily="34" charset="-120"/>
+                <a:ea typeface="微軟正黑體" pitchFamily="34" charset="-120"/>
+              </a:rPr>
+              <a:t>主的愛如流水淙淙</a:t>
+            </a:r>
+            <a:endParaRPr lang="en-US" altLang="zh-TW" sz="4800" b="1" dirty="0">
+              <a:solidFill>
+                <a:srgbClr val="000066"/>
+              </a:solidFill>
+              <a:effectLst>
+                <a:outerShdw blurRad="50000" dist="30000" dir="5400000" algn="tl" rotWithShape="0">
+                  <a:srgbClr val="000000">
+                    <a:alpha val="30000"/>
+                  </a:srgbClr>
+                </a:outerShdw>
+              </a:effectLst>
+              <a:latin typeface="微軟正黑體" pitchFamily="34" charset="-120"/>
+              <a:ea typeface="微軟正黑體" pitchFamily="34" charset="-120"/>
+            </a:endParaRPr>
+          </a:p>
+          <a:p>
+            <a:pPr algn="ctr">
+              <a:buNone/>
+            </a:pPr>
+            <a:r>
+              <a:rPr lang="zh-TW" altLang="en-US" sz="4800" b="1" dirty="0">
+                <a:solidFill>
+                  <a:srgbClr val="000066"/>
+                </a:solidFill>
+                <a:effectLst>
+                  <a:outerShdw blurRad="50000" dist="30000" dir="5400000" algn="tl" rotWithShape="0">
+                    <a:srgbClr val="000000">
+                      <a:alpha val="30000"/>
+                    </a:srgbClr>
+                  </a:outerShdw>
+                </a:effectLst>
+                <a:latin typeface="微軟正黑體" pitchFamily="34" charset="-120"/>
+                <a:ea typeface="微軟正黑體" pitchFamily="34" charset="-120"/>
+              </a:rPr>
+              <a:t>願你分享祂這愛</a:t>
+            </a:r>
+            <a:endParaRPr lang="en-US" altLang="zh-TW" sz="4800" b="1" dirty="0">
+              <a:solidFill>
+                <a:srgbClr val="000066"/>
+              </a:solidFill>
+              <a:effectLst>
+                <a:outerShdw blurRad="50000" dist="30000" dir="5400000" algn="tl" rotWithShape="0">
+                  <a:srgbClr val="000000">
+                    <a:alpha val="30000"/>
+                  </a:srgbClr>
+                </a:outerShdw>
+              </a:effectLst>
+              <a:latin typeface="微軟正黑體" pitchFamily="34" charset="-120"/>
+              <a:ea typeface="微軟正黑體" pitchFamily="34" charset="-120"/>
+            </a:endParaRPr>
+          </a:p>
+        </p:txBody>
+      </p:sp>
+    </p:spTree>
+    <p:extLst>
+      <p:ext uri="{BB962C8B-B14F-4D97-AF65-F5344CB8AC3E}">
+        <p14:creationId xmlns:p14="http://schemas.microsoft.com/office/powerpoint/2010/main" val="680345926"/>
+      </p:ext>
+    </p:extLst>
+  </p:cSld>
+  <p:clrMapOvr>
+    <a:masterClrMapping/>
+  </p:clrMapOvr>
 </p:sld>
 </file>
 
@@ -7707,6 +8077,149 @@
         </p:txBody>
       </p:sp>
     </p:spTree>
+  </p:cSld>
+  <p:clrMapOvr>
+    <a:masterClrMapping/>
+  </p:clrMapOvr>
+</p:sld>
+</file>
+
+<file path=ppt/slides/slide40.xml><?xml version="1.0" encoding="utf-8"?>
+<p:sld xmlns:a="http://schemas.openxmlformats.org/drawingml/2006/main" xmlns:r="http://schemas.openxmlformats.org/officeDocument/2006/relationships" xmlns:p="http://schemas.openxmlformats.org/presentationml/2006/main">
+  <p:cSld>
+    <p:spTree>
+      <p:nvGrpSpPr>
+        <p:cNvPr id="1" name=""/>
+        <p:cNvGrpSpPr/>
+        <p:nvPr/>
+      </p:nvGrpSpPr>
+      <p:grpSpPr>
+        <a:xfrm>
+          <a:off x="0" y="0"/>
+          <a:ext cx="0" cy="0"/>
+          <a:chOff x="0" y="0"/>
+          <a:chExt cx="0" cy="0"/>
+        </a:xfrm>
+      </p:grpSpPr>
+      <p:sp>
+        <p:nvSpPr>
+          <p:cNvPr id="5" name="內容版面配置區 4"/>
+          <p:cNvSpPr>
+            <a:spLocks noGrp="1"/>
+          </p:cNvSpPr>
+          <p:nvPr>
+            <p:ph idx="1"/>
+          </p:nvPr>
+        </p:nvSpPr>
+        <p:spPr>
+          <a:xfrm>
+            <a:off x="0" y="1563638"/>
+            <a:ext cx="9144000" cy="1803647"/>
+          </a:xfrm>
+        </p:spPr>
+        <p:txBody>
+          <a:bodyPr anchor="ctr">
+            <a:normAutofit/>
+          </a:bodyPr>
+          <a:lstStyle/>
+          <a:p>
+            <a:pPr algn="ctr">
+              <a:buNone/>
+            </a:pPr>
+            <a:r>
+              <a:rPr lang="zh-TW" altLang="en-US" sz="4800" b="1" dirty="0">
+                <a:solidFill>
+                  <a:srgbClr val="000066"/>
+                </a:solidFill>
+                <a:effectLst>
+                  <a:outerShdw blurRad="50000" dist="30000" dir="5400000" algn="tl" rotWithShape="0">
+                    <a:srgbClr val="000000">
+                      <a:alpha val="30000"/>
+                    </a:srgbClr>
+                  </a:outerShdw>
+                </a:effectLst>
+                <a:latin typeface="微軟正黑體" pitchFamily="34" charset="-120"/>
+                <a:ea typeface="微軟正黑體" pitchFamily="34" charset="-120"/>
+              </a:rPr>
+              <a:t>以你愛 </a:t>
+            </a:r>
+            <a:r>
+              <a:rPr lang="zh-TW" altLang="en-US" sz="4800" b="1" dirty="0">
+                <a:solidFill>
+                  <a:srgbClr val="000066"/>
+                </a:solidFill>
+                <a:effectLst>
+                  <a:outerShdw blurRad="50000" dist="30000" dir="5400000" algn="tl" rotWithShape="0">
+                    <a:srgbClr val="000000">
+                      <a:alpha val="30000"/>
+                    </a:srgbClr>
+                  </a:outerShdw>
+                </a:effectLst>
+                <a:latin typeface="微軟正黑體" pitchFamily="34" charset="-120"/>
+                <a:ea typeface="微軟正黑體" pitchFamily="34" charset="-120"/>
+              </a:rPr>
+              <a:t> 還</a:t>
+            </a:r>
+            <a:r>
+              <a:rPr lang="zh-TW" altLang="en-US" sz="4800" b="1" dirty="0">
+                <a:solidFill>
+                  <a:srgbClr val="000066"/>
+                </a:solidFill>
+                <a:effectLst>
+                  <a:outerShdw blurRad="50000" dist="30000" dir="5400000" algn="tl" rotWithShape="0">
+                    <a:srgbClr val="000000">
+                      <a:alpha val="30000"/>
+                    </a:srgbClr>
+                  </a:outerShdw>
+                </a:effectLst>
+                <a:latin typeface="微軟正黑體" pitchFamily="34" charset="-120"/>
+                <a:ea typeface="微軟正黑體" pitchFamily="34" charset="-120"/>
+              </a:rPr>
+              <a:t>祂</a:t>
+            </a:r>
+            <a:r>
+              <a:rPr lang="zh-TW" altLang="en-US" sz="4800" b="1" dirty="0">
+                <a:solidFill>
+                  <a:srgbClr val="000066"/>
+                </a:solidFill>
+                <a:effectLst>
+                  <a:outerShdw blurRad="50000" dist="30000" dir="5400000" algn="tl" rotWithShape="0">
+                    <a:srgbClr val="000000">
+                      <a:alpha val="30000"/>
+                    </a:srgbClr>
+                  </a:outerShdw>
+                </a:effectLst>
+                <a:latin typeface="微軟正黑體" pitchFamily="34" charset="-120"/>
+                <a:ea typeface="微軟正黑體" pitchFamily="34" charset="-120"/>
+              </a:rPr>
+              <a:t>愛  </a:t>
+            </a:r>
+            <a:r>
+              <a:rPr lang="zh-TW" altLang="en-US" sz="4800" b="1" dirty="0">
+                <a:solidFill>
+                  <a:srgbClr val="000066"/>
+                </a:solidFill>
+                <a:effectLst>
+                  <a:outerShdw blurRad="50000" dist="30000" dir="5400000" algn="tl" rotWithShape="0">
+                    <a:srgbClr val="000000">
+                      <a:alpha val="30000"/>
+                    </a:srgbClr>
+                  </a:outerShdw>
+                </a:effectLst>
+                <a:latin typeface="微軟正黑體" pitchFamily="34" charset="-120"/>
+                <a:ea typeface="微軟正黑體" pitchFamily="34" charset="-120"/>
+              </a:rPr>
+              <a:t>永相愛</a:t>
+            </a:r>
+          </a:p>
+        </p:txBody>
+      </p:sp>
+    </p:spTree>
+    <p:extLst>
+      <p:ext uri="{BB962C8B-B14F-4D97-AF65-F5344CB8AC3E}">
+        <p14:creationId xmlns:p14="http://schemas.microsoft.com/office/powerpoint/2010/main" val="1948924435"/>
+      </p:ext>
+    </p:extLst>
   </p:cSld>
   <p:clrMapOvr>
     <a:masterClrMapping/>

--- a/崇拜流程_version02.pptx
+++ b/崇拜流程_version02.pptx
@@ -252,7 +252,7 @@
           <a:p>
             <a:fld id="{2F30D4D0-EAC7-4980-A92D-C26C9148BA0F}" type="datetimeFigureOut">
               <a:rPr lang="zh-TW" altLang="en-US" smtClean="0"/>
-              <a:t>2020/10/25</a:t>
+              <a:t>2021/2/20</a:t>
             </a:fld>
             <a:endParaRPr lang="zh-TW" altLang="en-US"/>
           </a:p>
@@ -1042,7 +1042,7 @@
           <a:p>
             <a:fld id="{5BBEAD13-0566-4C6C-97E7-55F17F24B09F}" type="datetimeFigureOut">
               <a:rPr lang="zh-TW" altLang="en-US" smtClean="0"/>
-              <a:t>2020/10/25</a:t>
+              <a:t>2021/2/20</a:t>
             </a:fld>
             <a:endParaRPr lang="zh-TW" altLang="en-US"/>
           </a:p>
@@ -1207,7 +1207,7 @@
           <a:p>
             <a:fld id="{5BBEAD13-0566-4C6C-97E7-55F17F24B09F}" type="datetimeFigureOut">
               <a:rPr lang="zh-TW" altLang="en-US" smtClean="0"/>
-              <a:t>2020/10/25</a:t>
+              <a:t>2021/2/20</a:t>
             </a:fld>
             <a:endParaRPr lang="zh-TW" altLang="en-US"/>
           </a:p>
@@ -1382,7 +1382,7 @@
           <a:p>
             <a:fld id="{5BBEAD13-0566-4C6C-97E7-55F17F24B09F}" type="datetimeFigureOut">
               <a:rPr lang="zh-TW" altLang="en-US" smtClean="0"/>
-              <a:t>2020/10/25</a:t>
+              <a:t>2021/2/20</a:t>
             </a:fld>
             <a:endParaRPr lang="zh-TW" altLang="en-US"/>
           </a:p>
@@ -1547,7 +1547,7 @@
           <a:p>
             <a:fld id="{5BBEAD13-0566-4C6C-97E7-55F17F24B09F}" type="datetimeFigureOut">
               <a:rPr lang="zh-TW" altLang="en-US" smtClean="0"/>
-              <a:t>2020/10/25</a:t>
+              <a:t>2021/2/20</a:t>
             </a:fld>
             <a:endParaRPr lang="zh-TW" altLang="en-US"/>
           </a:p>
@@ -1788,7 +1788,7 @@
           <a:p>
             <a:fld id="{5BBEAD13-0566-4C6C-97E7-55F17F24B09F}" type="datetimeFigureOut">
               <a:rPr lang="zh-TW" altLang="en-US" smtClean="0"/>
-              <a:t>2020/10/25</a:t>
+              <a:t>2021/2/20</a:t>
             </a:fld>
             <a:endParaRPr lang="zh-TW" altLang="en-US"/>
           </a:p>
@@ -2071,7 +2071,7 @@
           <a:p>
             <a:fld id="{5BBEAD13-0566-4C6C-97E7-55F17F24B09F}" type="datetimeFigureOut">
               <a:rPr lang="zh-TW" altLang="en-US" smtClean="0"/>
-              <a:t>2020/10/25</a:t>
+              <a:t>2021/2/20</a:t>
             </a:fld>
             <a:endParaRPr lang="zh-TW" altLang="en-US"/>
           </a:p>
@@ -2488,7 +2488,7 @@
           <a:p>
             <a:fld id="{5BBEAD13-0566-4C6C-97E7-55F17F24B09F}" type="datetimeFigureOut">
               <a:rPr lang="zh-TW" altLang="en-US" smtClean="0"/>
-              <a:t>2020/10/25</a:t>
+              <a:t>2021/2/20</a:t>
             </a:fld>
             <a:endParaRPr lang="zh-TW" altLang="en-US"/>
           </a:p>
@@ -2601,7 +2601,7 @@
           <a:p>
             <a:fld id="{5BBEAD13-0566-4C6C-97E7-55F17F24B09F}" type="datetimeFigureOut">
               <a:rPr lang="zh-TW" altLang="en-US" smtClean="0"/>
-              <a:t>2020/10/25</a:t>
+              <a:t>2021/2/20</a:t>
             </a:fld>
             <a:endParaRPr lang="zh-TW" altLang="en-US"/>
           </a:p>
@@ -2691,7 +2691,7 @@
           <a:p>
             <a:fld id="{5BBEAD13-0566-4C6C-97E7-55F17F24B09F}" type="datetimeFigureOut">
               <a:rPr lang="zh-TW" altLang="en-US" smtClean="0"/>
-              <a:t>2020/10/25</a:t>
+              <a:t>2021/2/20</a:t>
             </a:fld>
             <a:endParaRPr lang="zh-TW" altLang="en-US"/>
           </a:p>
@@ -2963,7 +2963,7 @@
           <a:p>
             <a:fld id="{5BBEAD13-0566-4C6C-97E7-55F17F24B09F}" type="datetimeFigureOut">
               <a:rPr lang="zh-TW" altLang="en-US" smtClean="0"/>
-              <a:t>2020/10/25</a:t>
+              <a:t>2021/2/20</a:t>
             </a:fld>
             <a:endParaRPr lang="zh-TW" altLang="en-US"/>
           </a:p>
@@ -3215,7 +3215,7 @@
           <a:p>
             <a:fld id="{5BBEAD13-0566-4C6C-97E7-55F17F24B09F}" type="datetimeFigureOut">
               <a:rPr lang="zh-TW" altLang="en-US" smtClean="0"/>
-              <a:t>2020/10/25</a:t>
+              <a:t>2021/2/20</a:t>
             </a:fld>
             <a:endParaRPr lang="zh-TW" altLang="en-US"/>
           </a:p>
@@ -3428,7 +3428,7 @@
           <a:p>
             <a:fld id="{5BBEAD13-0566-4C6C-97E7-55F17F24B09F}" type="datetimeFigureOut">
               <a:rPr lang="zh-TW" altLang="en-US" smtClean="0"/>
-              <a:t>2020/10/25</a:t>
+              <a:t>2021/2/20</a:t>
             </a:fld>
             <a:endParaRPr lang="zh-TW" altLang="en-US"/>
           </a:p>
@@ -3900,7 +3900,7 @@
         <p:spPr>
           <a:xfrm>
             <a:off x="0" y="0"/>
-            <a:ext cx="8748464" cy="5257800"/>
+            <a:ext cx="8748464" cy="5143500"/>
           </a:xfrm>
         </p:spPr>
         <p:txBody>
@@ -8141,75 +8141,7 @@
                 <a:latin typeface="微軟正黑體" pitchFamily="34" charset="-120"/>
                 <a:ea typeface="微軟正黑體" pitchFamily="34" charset="-120"/>
               </a:rPr>
-              <a:t>以你愛 </a:t>
-            </a:r>
-            <a:r>
-              <a:rPr lang="zh-TW" altLang="en-US" sz="4800" b="1" dirty="0">
-                <a:solidFill>
-                  <a:srgbClr val="000066"/>
-                </a:solidFill>
-                <a:effectLst>
-                  <a:outerShdw blurRad="50000" dist="30000" dir="5400000" algn="tl" rotWithShape="0">
-                    <a:srgbClr val="000000">
-                      <a:alpha val="30000"/>
-                    </a:srgbClr>
-                  </a:outerShdw>
-                </a:effectLst>
-                <a:latin typeface="微軟正黑體" pitchFamily="34" charset="-120"/>
-                <a:ea typeface="微軟正黑體" pitchFamily="34" charset="-120"/>
-              </a:rPr>
-              <a:t> 還</a:t>
-            </a:r>
-            <a:r>
-              <a:rPr lang="zh-TW" altLang="en-US" sz="4800" b="1" dirty="0">
-                <a:solidFill>
-                  <a:srgbClr val="000066"/>
-                </a:solidFill>
-                <a:effectLst>
-                  <a:outerShdw blurRad="50000" dist="30000" dir="5400000" algn="tl" rotWithShape="0">
-                    <a:srgbClr val="000000">
-                      <a:alpha val="30000"/>
-                    </a:srgbClr>
-                  </a:outerShdw>
-                </a:effectLst>
-                <a:latin typeface="微軟正黑體" pitchFamily="34" charset="-120"/>
-                <a:ea typeface="微軟正黑體" pitchFamily="34" charset="-120"/>
-              </a:rPr>
-              <a:t>祂</a:t>
-            </a:r>
-            <a:r>
-              <a:rPr lang="zh-TW" altLang="en-US" sz="4800" b="1" dirty="0">
-                <a:solidFill>
-                  <a:srgbClr val="000066"/>
-                </a:solidFill>
-                <a:effectLst>
-                  <a:outerShdw blurRad="50000" dist="30000" dir="5400000" algn="tl" rotWithShape="0">
-                    <a:srgbClr val="000000">
-                      <a:alpha val="30000"/>
-                    </a:srgbClr>
-                  </a:outerShdw>
-                </a:effectLst>
-                <a:latin typeface="微軟正黑體" pitchFamily="34" charset="-120"/>
-                <a:ea typeface="微軟正黑體" pitchFamily="34" charset="-120"/>
-              </a:rPr>
-              <a:t>愛  </a:t>
-            </a:r>
-            <a:r>
-              <a:rPr lang="zh-TW" altLang="en-US" sz="4800" b="1" dirty="0">
-                <a:solidFill>
-                  <a:srgbClr val="000066"/>
-                </a:solidFill>
-                <a:effectLst>
-                  <a:outerShdw blurRad="50000" dist="30000" dir="5400000" algn="tl" rotWithShape="0">
-                    <a:srgbClr val="000000">
-                      <a:alpha val="30000"/>
-                    </a:srgbClr>
-                  </a:outerShdw>
-                </a:effectLst>
-                <a:latin typeface="微軟正黑體" pitchFamily="34" charset="-120"/>
-                <a:ea typeface="微軟正黑體" pitchFamily="34" charset="-120"/>
-              </a:rPr>
-              <a:t>永相愛</a:t>
+              <a:t>以你愛  還祂愛  永相愛</a:t>
             </a:r>
           </a:p>
         </p:txBody>

--- a/崇拜流程_version02.pptx
+++ b/崇拜流程_version02.pptx
@@ -5,49 +5,50 @@
     <p:sldMasterId id="2147483648" r:id="rId1"/>
   </p:sldMasterIdLst>
   <p:notesMasterIdLst>
-    <p:notesMasterId r:id="rId42"/>
+    <p:notesMasterId r:id="rId43"/>
   </p:notesMasterIdLst>
   <p:sldIdLst>
-    <p:sldId id="322" r:id="rId2"/>
-    <p:sldId id="323" r:id="rId3"/>
-    <p:sldId id="324" r:id="rId4"/>
-    <p:sldId id="353" r:id="rId5"/>
-    <p:sldId id="390" r:id="rId6"/>
-    <p:sldId id="259" r:id="rId7"/>
-    <p:sldId id="364" r:id="rId8"/>
-    <p:sldId id="260" r:id="rId9"/>
-    <p:sldId id="370" r:id="rId10"/>
-    <p:sldId id="371" r:id="rId11"/>
-    <p:sldId id="261" r:id="rId12"/>
-    <p:sldId id="332" r:id="rId13"/>
-    <p:sldId id="281" r:id="rId14"/>
-    <p:sldId id="382" r:id="rId15"/>
-    <p:sldId id="282" r:id="rId16"/>
-    <p:sldId id="264" r:id="rId17"/>
-    <p:sldId id="265" r:id="rId18"/>
-    <p:sldId id="391" r:id="rId19"/>
-    <p:sldId id="392" r:id="rId20"/>
-    <p:sldId id="267" r:id="rId21"/>
-    <p:sldId id="393" r:id="rId22"/>
-    <p:sldId id="394" r:id="rId23"/>
-    <p:sldId id="395" r:id="rId24"/>
-    <p:sldId id="396" r:id="rId25"/>
-    <p:sldId id="397" r:id="rId26"/>
-    <p:sldId id="398" r:id="rId27"/>
-    <p:sldId id="399" r:id="rId28"/>
-    <p:sldId id="400" r:id="rId29"/>
-    <p:sldId id="401" r:id="rId30"/>
-    <p:sldId id="402" r:id="rId31"/>
-    <p:sldId id="403" r:id="rId32"/>
-    <p:sldId id="270" r:id="rId33"/>
-    <p:sldId id="291" r:id="rId34"/>
-    <p:sldId id="404" r:id="rId35"/>
-    <p:sldId id="405" r:id="rId36"/>
-    <p:sldId id="406" r:id="rId37"/>
-    <p:sldId id="407" r:id="rId38"/>
-    <p:sldId id="408" r:id="rId39"/>
-    <p:sldId id="409" r:id="rId40"/>
-    <p:sldId id="410" r:id="rId41"/>
+    <p:sldId id="411" r:id="rId2"/>
+    <p:sldId id="322" r:id="rId3"/>
+    <p:sldId id="323" r:id="rId4"/>
+    <p:sldId id="324" r:id="rId5"/>
+    <p:sldId id="353" r:id="rId6"/>
+    <p:sldId id="390" r:id="rId7"/>
+    <p:sldId id="259" r:id="rId8"/>
+    <p:sldId id="364" r:id="rId9"/>
+    <p:sldId id="260" r:id="rId10"/>
+    <p:sldId id="370" r:id="rId11"/>
+    <p:sldId id="371" r:id="rId12"/>
+    <p:sldId id="261" r:id="rId13"/>
+    <p:sldId id="332" r:id="rId14"/>
+    <p:sldId id="281" r:id="rId15"/>
+    <p:sldId id="382" r:id="rId16"/>
+    <p:sldId id="282" r:id="rId17"/>
+    <p:sldId id="264" r:id="rId18"/>
+    <p:sldId id="265" r:id="rId19"/>
+    <p:sldId id="391" r:id="rId20"/>
+    <p:sldId id="392" r:id="rId21"/>
+    <p:sldId id="267" r:id="rId22"/>
+    <p:sldId id="393" r:id="rId23"/>
+    <p:sldId id="394" r:id="rId24"/>
+    <p:sldId id="395" r:id="rId25"/>
+    <p:sldId id="396" r:id="rId26"/>
+    <p:sldId id="397" r:id="rId27"/>
+    <p:sldId id="398" r:id="rId28"/>
+    <p:sldId id="399" r:id="rId29"/>
+    <p:sldId id="400" r:id="rId30"/>
+    <p:sldId id="401" r:id="rId31"/>
+    <p:sldId id="402" r:id="rId32"/>
+    <p:sldId id="403" r:id="rId33"/>
+    <p:sldId id="270" r:id="rId34"/>
+    <p:sldId id="291" r:id="rId35"/>
+    <p:sldId id="404" r:id="rId36"/>
+    <p:sldId id="405" r:id="rId37"/>
+    <p:sldId id="406" r:id="rId38"/>
+    <p:sldId id="407" r:id="rId39"/>
+    <p:sldId id="408" r:id="rId40"/>
+    <p:sldId id="409" r:id="rId41"/>
+    <p:sldId id="410" r:id="rId42"/>
   </p:sldIdLst>
   <p:sldSz cx="9144000" cy="5143500" type="screen16x9"/>
   <p:notesSz cx="6858000" cy="9144000"/>
@@ -252,7 +253,7 @@
           <a:p>
             <a:fld id="{2F30D4D0-EAC7-4980-A92D-C26C9148BA0F}" type="datetimeFigureOut">
               <a:rPr lang="zh-TW" altLang="en-US" smtClean="0"/>
-              <a:t>2021/2/20</a:t>
+              <a:t>2021/3/27</a:t>
             </a:fld>
             <a:endParaRPr lang="zh-TW" altLang="en-US"/>
           </a:p>
@@ -589,7 +590,7 @@
           <a:p>
             <a:fld id="{B580EBF6-10F3-448A-BB9E-552AD095990F}" type="slidenum">
               <a:rPr lang="zh-TW" altLang="en-US" smtClean="0"/>
-              <a:t>1</a:t>
+              <a:t>2</a:t>
             </a:fld>
             <a:endParaRPr lang="zh-TW" altLang="en-US"/>
           </a:p>
@@ -675,7 +676,7 @@
           <a:p>
             <a:fld id="{B580EBF6-10F3-448A-BB9E-552AD095990F}" type="slidenum">
               <a:rPr lang="zh-TW" altLang="en-US" smtClean="0"/>
-              <a:t>2</a:t>
+              <a:t>3</a:t>
             </a:fld>
             <a:endParaRPr lang="zh-TW" altLang="en-US"/>
           </a:p>
@@ -761,7 +762,7 @@
           <a:p>
             <a:fld id="{B580EBF6-10F3-448A-BB9E-552AD095990F}" type="slidenum">
               <a:rPr lang="zh-TW" altLang="en-US" smtClean="0"/>
-              <a:t>6</a:t>
+              <a:t>7</a:t>
             </a:fld>
             <a:endParaRPr lang="zh-TW" altLang="en-US"/>
           </a:p>
@@ -847,7 +848,7 @@
           <a:p>
             <a:fld id="{B580EBF6-10F3-448A-BB9E-552AD095990F}" type="slidenum">
               <a:rPr lang="zh-TW" altLang="en-US" smtClean="0"/>
-              <a:t>15</a:t>
+              <a:t>16</a:t>
             </a:fld>
             <a:endParaRPr lang="zh-TW" altLang="en-US"/>
           </a:p>
@@ -1042,7 +1043,7 @@
           <a:p>
             <a:fld id="{5BBEAD13-0566-4C6C-97E7-55F17F24B09F}" type="datetimeFigureOut">
               <a:rPr lang="zh-TW" altLang="en-US" smtClean="0"/>
-              <a:t>2021/2/20</a:t>
+              <a:t>2021/3/27</a:t>
             </a:fld>
             <a:endParaRPr lang="zh-TW" altLang="en-US"/>
           </a:p>
@@ -1207,7 +1208,7 @@
           <a:p>
             <a:fld id="{5BBEAD13-0566-4C6C-97E7-55F17F24B09F}" type="datetimeFigureOut">
               <a:rPr lang="zh-TW" altLang="en-US" smtClean="0"/>
-              <a:t>2021/2/20</a:t>
+              <a:t>2021/3/27</a:t>
             </a:fld>
             <a:endParaRPr lang="zh-TW" altLang="en-US"/>
           </a:p>
@@ -1382,7 +1383,7 @@
           <a:p>
             <a:fld id="{5BBEAD13-0566-4C6C-97E7-55F17F24B09F}" type="datetimeFigureOut">
               <a:rPr lang="zh-TW" altLang="en-US" smtClean="0"/>
-              <a:t>2021/2/20</a:t>
+              <a:t>2021/3/27</a:t>
             </a:fld>
             <a:endParaRPr lang="zh-TW" altLang="en-US"/>
           </a:p>
@@ -1547,7 +1548,7 @@
           <a:p>
             <a:fld id="{5BBEAD13-0566-4C6C-97E7-55F17F24B09F}" type="datetimeFigureOut">
               <a:rPr lang="zh-TW" altLang="en-US" smtClean="0"/>
-              <a:t>2021/2/20</a:t>
+              <a:t>2021/3/27</a:t>
             </a:fld>
             <a:endParaRPr lang="zh-TW" altLang="en-US"/>
           </a:p>
@@ -1788,7 +1789,7 @@
           <a:p>
             <a:fld id="{5BBEAD13-0566-4C6C-97E7-55F17F24B09F}" type="datetimeFigureOut">
               <a:rPr lang="zh-TW" altLang="en-US" smtClean="0"/>
-              <a:t>2021/2/20</a:t>
+              <a:t>2021/3/27</a:t>
             </a:fld>
             <a:endParaRPr lang="zh-TW" altLang="en-US"/>
           </a:p>
@@ -2071,7 +2072,7 @@
           <a:p>
             <a:fld id="{5BBEAD13-0566-4C6C-97E7-55F17F24B09F}" type="datetimeFigureOut">
               <a:rPr lang="zh-TW" altLang="en-US" smtClean="0"/>
-              <a:t>2021/2/20</a:t>
+              <a:t>2021/3/27</a:t>
             </a:fld>
             <a:endParaRPr lang="zh-TW" altLang="en-US"/>
           </a:p>
@@ -2488,7 +2489,7 @@
           <a:p>
             <a:fld id="{5BBEAD13-0566-4C6C-97E7-55F17F24B09F}" type="datetimeFigureOut">
               <a:rPr lang="zh-TW" altLang="en-US" smtClean="0"/>
-              <a:t>2021/2/20</a:t>
+              <a:t>2021/3/27</a:t>
             </a:fld>
             <a:endParaRPr lang="zh-TW" altLang="en-US"/>
           </a:p>
@@ -2601,7 +2602,7 @@
           <a:p>
             <a:fld id="{5BBEAD13-0566-4C6C-97E7-55F17F24B09F}" type="datetimeFigureOut">
               <a:rPr lang="zh-TW" altLang="en-US" smtClean="0"/>
-              <a:t>2021/2/20</a:t>
+              <a:t>2021/3/27</a:t>
             </a:fld>
             <a:endParaRPr lang="zh-TW" altLang="en-US"/>
           </a:p>
@@ -2691,7 +2692,7 @@
           <a:p>
             <a:fld id="{5BBEAD13-0566-4C6C-97E7-55F17F24B09F}" type="datetimeFigureOut">
               <a:rPr lang="zh-TW" altLang="en-US" smtClean="0"/>
-              <a:t>2021/2/20</a:t>
+              <a:t>2021/3/27</a:t>
             </a:fld>
             <a:endParaRPr lang="zh-TW" altLang="en-US"/>
           </a:p>
@@ -2963,7 +2964,7 @@
           <a:p>
             <a:fld id="{5BBEAD13-0566-4C6C-97E7-55F17F24B09F}" type="datetimeFigureOut">
               <a:rPr lang="zh-TW" altLang="en-US" smtClean="0"/>
-              <a:t>2021/2/20</a:t>
+              <a:t>2021/3/27</a:t>
             </a:fld>
             <a:endParaRPr lang="zh-TW" altLang="en-US"/>
           </a:p>
@@ -3215,7 +3216,7 @@
           <a:p>
             <a:fld id="{5BBEAD13-0566-4C6C-97E7-55F17F24B09F}" type="datetimeFigureOut">
               <a:rPr lang="zh-TW" altLang="en-US" smtClean="0"/>
-              <a:t>2021/2/20</a:t>
+              <a:t>2021/3/27</a:t>
             </a:fld>
             <a:endParaRPr lang="zh-TW" altLang="en-US"/>
           </a:p>
@@ -3428,7 +3429,7 @@
           <a:p>
             <a:fld id="{5BBEAD13-0566-4C6C-97E7-55F17F24B09F}" type="datetimeFigureOut">
               <a:rPr lang="zh-TW" altLang="en-US" smtClean="0"/>
-              <a:t>2021/2/20</a:t>
+              <a:t>2021/3/27</a:t>
             </a:fld>
             <a:endParaRPr lang="zh-TW" altLang="en-US"/>
           </a:p>
@@ -3784,6 +3785,14 @@
 <file path=ppt/slides/slide1.xml><?xml version="1.0" encoding="utf-8"?>
 <p:sld xmlns:a="http://schemas.openxmlformats.org/drawingml/2006/main" xmlns:r="http://schemas.openxmlformats.org/officeDocument/2006/relationships" xmlns:p="http://schemas.openxmlformats.org/presentationml/2006/main">
   <p:cSld>
+    <p:bg>
+      <p:bgPr>
+        <a:solidFill>
+          <a:schemeClr val="bg1"/>
+        </a:solidFill>
+        <a:effectLst/>
+      </p:bgPr>
+    </p:bg>
     <p:spTree>
       <p:nvGrpSpPr>
         <p:cNvPr id="1" name=""/>
@@ -3798,75 +3807,94 @@
           <a:chExt cx="0" cy="0"/>
         </a:xfrm>
       </p:grpSpPr>
-      <p:sp>
-        <p:nvSpPr>
-          <p:cNvPr id="2" name="標題 1"/>
-          <p:cNvSpPr>
-            <a:spLocks noGrp="1"/>
-          </p:cNvSpPr>
-          <p:nvPr>
-            <p:ph type="title" idx="4294967295"/>
-          </p:nvPr>
-        </p:nvSpPr>
+      <p:pic>
+        <p:nvPicPr>
+          <p:cNvPr id="4" name="Picture 3"/>
+          <p:cNvPicPr>
+            <a:picLocks noChangeAspect="1"/>
+          </p:cNvPicPr>
+          <p:nvPr/>
+        </p:nvPicPr>
+        <p:blipFill>
+          <a:blip r:embed="rId2">
+            <a:extLst>
+              <a:ext uri="{28A0092B-C50C-407E-A947-70E740481C1C}">
+                <a14:useLocalDpi xmlns:a14="http://schemas.microsoft.com/office/drawing/2010/main" val="0"/>
+              </a:ext>
+            </a:extLst>
+          </a:blip>
+          <a:stretch>
+            <a:fillRect/>
+          </a:stretch>
+        </p:blipFill>
         <p:spPr>
           <a:xfrm>
-            <a:off x="0" y="2089919"/>
-            <a:ext cx="9144000" cy="964406"/>
+            <a:off x="2051720" y="624949"/>
+            <a:ext cx="5315326" cy="3744416"/>
           </a:xfrm>
+          <a:prstGeom prst="rect">
+            <a:avLst/>
+          </a:prstGeom>
         </p:spPr>
-        <p:txBody>
-          <a:bodyPr>
-            <a:noAutofit/>
-          </a:bodyPr>
+      </p:pic>
+      <p:sp>
+        <p:nvSpPr>
+          <p:cNvPr id="5" name="Rectangle 4"/>
+          <p:cNvSpPr/>
+          <p:nvPr/>
+        </p:nvSpPr>
+        <p:spPr>
+          <a:xfrm>
+            <a:off x="2693159" y="4370164"/>
+            <a:ext cx="4032448" cy="576064"/>
+          </a:xfrm>
+          <a:prstGeom prst="rect">
+            <a:avLst/>
+          </a:prstGeom>
+          <a:solidFill>
+            <a:schemeClr val="bg1"/>
+          </a:solidFill>
+          <a:ln>
+            <a:solidFill>
+              <a:schemeClr val="bg1"/>
+            </a:solidFill>
+          </a:ln>
+        </p:spPr>
+        <p:style>
+          <a:lnRef idx="2">
+            <a:schemeClr val="accent1">
+              <a:shade val="50000"/>
+            </a:schemeClr>
+          </a:lnRef>
+          <a:fillRef idx="1">
+            <a:schemeClr val="accent1"/>
+          </a:fillRef>
+          <a:effectRef idx="0">
+            <a:schemeClr val="accent1"/>
+          </a:effectRef>
+          <a:fontRef idx="minor">
+            <a:schemeClr val="lt1"/>
+          </a:fontRef>
+        </p:style>
+        <p:txBody>
+          <a:bodyPr rtlCol="0" anchor="ctr"/>
           <a:lstStyle/>
           <a:p>
             <a:pPr algn="ctr"/>
-            <a:r>
-              <a:rPr lang="zh-CN" altLang="en-US" sz="7200" b="1" dirty="0">
-                <a:solidFill>
-                  <a:srgbClr val="000066"/>
-                </a:solidFill>
-                <a:effectLst>
-                  <a:outerShdw blurRad="38100" dist="38100" dir="2700000" algn="tl">
-                    <a:srgbClr val="000000">
-                      <a:alpha val="43137"/>
-                    </a:srgbClr>
-                  </a:outerShdw>
-                </a:effectLst>
-                <a:latin typeface="微軟正黑體" pitchFamily="34" charset="-120"/>
-                <a:ea typeface="微軟正黑體" pitchFamily="34" charset="-120"/>
-              </a:rPr>
-              <a:t>宣召</a:t>
-            </a:r>
-            <a:endParaRPr lang="zh-TW" altLang="en-US" sz="7200" b="1" dirty="0">
-              <a:solidFill>
-                <a:srgbClr val="000066"/>
-              </a:solidFill>
-              <a:effectLst>
-                <a:outerShdw blurRad="38100" dist="38100" dir="2700000" algn="tl">
-                  <a:srgbClr val="000000">
-                    <a:alpha val="43137"/>
-                  </a:srgbClr>
-                </a:outerShdw>
-              </a:effectLst>
-              <a:latin typeface="微軟正黑體" pitchFamily="34" charset="-120"/>
-              <a:ea typeface="微軟正黑體" pitchFamily="34" charset="-120"/>
-            </a:endParaRPr>
+            <a:endParaRPr lang="vi-VN"/>
           </a:p>
         </p:txBody>
       </p:sp>
     </p:spTree>
+    <p:extLst>
+      <p:ext uri="{BB962C8B-B14F-4D97-AF65-F5344CB8AC3E}">
+        <p14:creationId xmlns:p14="http://schemas.microsoft.com/office/powerpoint/2010/main" val="1657254050"/>
+      </p:ext>
+    </p:extLst>
   </p:cSld>
   <p:clrMapOvr>
     <a:masterClrMapping/>
   </p:clrMapOvr>
-  <p:timing>
-    <p:tnLst>
-      <p:par>
-        <p:cTn id="1" dur="indefinite" restart="never" nodeType="tmRoot"/>
-      </p:par>
-    </p:tnLst>
-  </p:timing>
 </p:sld>
 </file>
 
@@ -3889,58 +3917,268 @@
       </p:grpSpPr>
       <p:sp>
         <p:nvSpPr>
-          <p:cNvPr id="3" name="Content Placeholder 2"/>
-          <p:cNvSpPr>
-            <a:spLocks noGrp="1"/>
-          </p:cNvSpPr>
-          <p:nvPr>
-            <p:ph sz="quarter" idx="1"/>
-          </p:nvPr>
-        </p:nvSpPr>
-        <p:spPr>
-          <a:xfrm>
-            <a:off x="0" y="0"/>
-            <a:ext cx="8748464" cy="5143500"/>
-          </a:xfrm>
-        </p:spPr>
-        <p:txBody>
-          <a:bodyPr anchor="ctr">
+          <p:cNvPr id="2" name="Title 1"/>
+          <p:cNvSpPr>
+            <a:spLocks noGrp="1"/>
+          </p:cNvSpPr>
+          <p:nvPr>
+            <p:ph type="ctrTitle"/>
+          </p:nvPr>
+        </p:nvSpPr>
+        <p:spPr/>
+        <p:txBody>
+          <a:bodyPr>
+            <a:normAutofit fontScale="90000"/>
+          </a:bodyPr>
+          <a:lstStyle/>
+          <a:p>
+            <a:r>
+              <a:rPr lang="zh-CN" altLang="en-US" sz="8000" b="1" dirty="0" smtClean="0">
+                <a:solidFill>
+                  <a:srgbClr val="660033"/>
+                </a:solidFill>
+                <a:effectLst>
+                  <a:outerShdw blurRad="38100" dist="38100" dir="2700000" algn="tl">
+                    <a:srgbClr val="000000">
+                      <a:alpha val="43137"/>
+                    </a:srgbClr>
+                  </a:outerShdw>
+                </a:effectLst>
+                <a:latin typeface="微軟正黑體" pitchFamily="34" charset="-120"/>
+                <a:ea typeface="微軟正黑體" pitchFamily="34" charset="-120"/>
+              </a:rPr>
+              <a:t>神的威權</a:t>
+            </a:r>
+            <a:endParaRPr lang="en-US" sz="8000" b="1" dirty="0">
+              <a:solidFill>
+                <a:srgbClr val="660033"/>
+              </a:solidFill>
+              <a:effectLst>
+                <a:outerShdw blurRad="38100" dist="38100" dir="2700000" algn="tl">
+                  <a:srgbClr val="000000">
+                    <a:alpha val="43137"/>
+                  </a:srgbClr>
+                </a:outerShdw>
+              </a:effectLst>
+              <a:latin typeface="微軟正黑體" pitchFamily="34" charset="-120"/>
+              <a:ea typeface="微軟正黑體" pitchFamily="34" charset="-120"/>
+            </a:endParaRPr>
+          </a:p>
+        </p:txBody>
+      </p:sp>
+      <p:sp>
+        <p:nvSpPr>
+          <p:cNvPr id="3" name="Subtitle 2"/>
+          <p:cNvSpPr>
+            <a:spLocks noGrp="1"/>
+          </p:cNvSpPr>
+          <p:nvPr>
+            <p:ph type="subTitle" idx="1"/>
+          </p:nvPr>
+        </p:nvSpPr>
+        <p:spPr/>
+        <p:txBody>
+          <a:bodyPr>
             <a:normAutofit/>
           </a:bodyPr>
           <a:lstStyle/>
           <a:p>
             <a:r>
-              <a:rPr lang="zh-TW" altLang="en-US" sz="4800" dirty="0" smtClean="0">
-                <a:solidFill>
-                  <a:srgbClr val="660033"/>
-                </a:solidFill>
-                <a:latin typeface="微軟正黑體" pitchFamily="34" charset="-120"/>
-                <a:ea typeface="微軟正黑體" pitchFamily="34" charset="-120"/>
-              </a:rPr>
-              <a:t>耶和華作王！他以威嚴為衣穿上；耶和華以能力為衣，以能力束腰，世界就堅定，不得動搖。</a:t>
-            </a:r>
-            <a:r>
-              <a:rPr lang="en-US" altLang="zh-TW" sz="4800" dirty="0" smtClean="0">
-                <a:solidFill>
-                  <a:srgbClr val="660033"/>
-                </a:solidFill>
-                <a:latin typeface="微軟正黑體" pitchFamily="34" charset="-120"/>
-                <a:ea typeface="微軟正黑體" pitchFamily="34" charset="-120"/>
-              </a:rPr>
-              <a:t> </a:t>
-            </a:r>
-          </a:p>
-          <a:p>
-            <a:r>
-              <a:rPr lang="zh-TW" altLang="en-US" sz="4800" b="1" dirty="0" smtClean="0">
-                <a:solidFill>
-                  <a:srgbClr val="660033"/>
-                </a:solidFill>
-                <a:latin typeface="微軟正黑體" pitchFamily="34" charset="-120"/>
-                <a:ea typeface="微軟正黑體" pitchFamily="34" charset="-120"/>
-              </a:rPr>
-              <a:t>你的寶座從太初立定；你從亙古就有。</a:t>
-            </a:r>
+              <a:rPr lang="zh-CN" altLang="en-US" b="1" dirty="0" smtClean="0">
+                <a:solidFill>
+                  <a:srgbClr val="000066"/>
+                </a:solidFill>
+                <a:latin typeface="微軟正黑體" pitchFamily="34" charset="-120"/>
+                <a:ea typeface="微軟正黑體" pitchFamily="34" charset="-120"/>
+              </a:rPr>
+              <a:t>詩</a:t>
+            </a:r>
+            <a:r>
+              <a:rPr lang="en-US" altLang="zh-CN" b="1" dirty="0" smtClean="0">
+                <a:solidFill>
+                  <a:srgbClr val="000066"/>
+                </a:solidFill>
+                <a:latin typeface="微軟正黑體" pitchFamily="34" charset="-120"/>
+                <a:ea typeface="微軟正黑體" pitchFamily="34" charset="-120"/>
+              </a:rPr>
+              <a:t>93</a:t>
+            </a:r>
+            <a:r>
+              <a:rPr lang="zh-CN" altLang="en-US" b="1" dirty="0" smtClean="0">
+                <a:solidFill>
+                  <a:srgbClr val="000066"/>
+                </a:solidFill>
+                <a:latin typeface="微軟正黑體" pitchFamily="34" charset="-120"/>
+                <a:ea typeface="微軟正黑體" pitchFamily="34" charset="-120"/>
+              </a:rPr>
+              <a:t>：</a:t>
+            </a:r>
+            <a:r>
+              <a:rPr lang="en-US" altLang="zh-CN" b="1" dirty="0" smtClean="0">
+                <a:solidFill>
+                  <a:srgbClr val="000066"/>
+                </a:solidFill>
+                <a:latin typeface="微軟正黑體" pitchFamily="34" charset="-120"/>
+                <a:ea typeface="微軟正黑體" pitchFamily="34" charset="-120"/>
+              </a:rPr>
+              <a:t>1-2</a:t>
+            </a:r>
+            <a:r>
+              <a:rPr lang="zh-CN" altLang="en-US" b="1" dirty="0" smtClean="0">
+                <a:solidFill>
+                  <a:srgbClr val="000066"/>
+                </a:solidFill>
+                <a:latin typeface="微軟正黑體" pitchFamily="34" charset="-120"/>
+                <a:ea typeface="微軟正黑體" pitchFamily="34" charset="-120"/>
+              </a:rPr>
+              <a:t>，</a:t>
+            </a:r>
+            <a:r>
+              <a:rPr lang="en-US" altLang="zh-CN" b="1" dirty="0" smtClean="0">
+                <a:solidFill>
+                  <a:srgbClr val="000066"/>
+                </a:solidFill>
+                <a:latin typeface="微軟正黑體" pitchFamily="34" charset="-120"/>
+                <a:ea typeface="微軟正黑體" pitchFamily="34" charset="-120"/>
+              </a:rPr>
+              <a:t>4-5</a:t>
+            </a:r>
+            <a:r>
+              <a:rPr lang="zh-CN" altLang="en-US" b="1" dirty="0" smtClean="0">
+                <a:solidFill>
+                  <a:srgbClr val="000066"/>
+                </a:solidFill>
+                <a:latin typeface="微軟正黑體" pitchFamily="34" charset="-120"/>
+                <a:ea typeface="微軟正黑體" pitchFamily="34" charset="-120"/>
+              </a:rPr>
+              <a:t>；</a:t>
+            </a:r>
+            <a:r>
+              <a:rPr lang="en-US" altLang="zh-CN" b="1" dirty="0" smtClean="0">
+                <a:solidFill>
+                  <a:srgbClr val="000066"/>
+                </a:solidFill>
+                <a:latin typeface="微軟正黑體" pitchFamily="34" charset="-120"/>
+                <a:ea typeface="微軟正黑體" pitchFamily="34" charset="-120"/>
+              </a:rPr>
+              <a:t>24</a:t>
+            </a:r>
+            <a:r>
+              <a:rPr lang="zh-CN" altLang="en-US" b="1" dirty="0" smtClean="0">
+                <a:solidFill>
+                  <a:srgbClr val="000066"/>
+                </a:solidFill>
+                <a:latin typeface="微軟正黑體" pitchFamily="34" charset="-120"/>
+                <a:ea typeface="微軟正黑體" pitchFamily="34" charset="-120"/>
+              </a:rPr>
+              <a:t>：</a:t>
+            </a:r>
+            <a:r>
+              <a:rPr lang="en-US" altLang="zh-CN" b="1" dirty="0" smtClean="0">
+                <a:solidFill>
+                  <a:srgbClr val="000066"/>
+                </a:solidFill>
+                <a:latin typeface="微軟正黑體" pitchFamily="34" charset="-120"/>
+                <a:ea typeface="微軟正黑體" pitchFamily="34" charset="-120"/>
+              </a:rPr>
+              <a:t>1-4</a:t>
+            </a:r>
+            <a:r>
+              <a:rPr lang="zh-CN" altLang="en-US" b="1" dirty="0" smtClean="0">
+                <a:solidFill>
+                  <a:srgbClr val="000066"/>
+                </a:solidFill>
+                <a:latin typeface="微軟正黑體" pitchFamily="34" charset="-120"/>
+                <a:ea typeface="微軟正黑體" pitchFamily="34" charset="-120"/>
+              </a:rPr>
+              <a:t>；</a:t>
+            </a:r>
+            <a:endParaRPr lang="en-US" altLang="zh-CN" b="1" dirty="0" smtClean="0">
+              <a:solidFill>
+                <a:srgbClr val="000066"/>
+              </a:solidFill>
+              <a:latin typeface="微軟正黑體" pitchFamily="34" charset="-120"/>
+              <a:ea typeface="微軟正黑體" pitchFamily="34" charset="-120"/>
+            </a:endParaRPr>
+          </a:p>
+          <a:p>
+            <a:r>
+              <a:rPr lang="en-US" altLang="zh-CN" b="1" dirty="0" smtClean="0">
+                <a:solidFill>
+                  <a:srgbClr val="000066"/>
+                </a:solidFill>
+                <a:latin typeface="微軟正黑體" pitchFamily="34" charset="-120"/>
+                <a:ea typeface="微軟正黑體" pitchFamily="34" charset="-120"/>
+              </a:rPr>
+              <a:t>97</a:t>
+            </a:r>
+            <a:r>
+              <a:rPr lang="zh-CN" altLang="en-US" b="1" dirty="0" smtClean="0">
+                <a:solidFill>
+                  <a:srgbClr val="000066"/>
+                </a:solidFill>
+                <a:latin typeface="微軟正黑體" pitchFamily="34" charset="-120"/>
+                <a:ea typeface="微軟正黑體" pitchFamily="34" charset="-120"/>
+              </a:rPr>
+              <a:t>：</a:t>
+            </a:r>
+            <a:r>
+              <a:rPr lang="en-US" altLang="zh-CN" b="1" dirty="0" smtClean="0">
+                <a:solidFill>
+                  <a:srgbClr val="000066"/>
+                </a:solidFill>
+                <a:latin typeface="微軟正黑體" pitchFamily="34" charset="-120"/>
+                <a:ea typeface="微軟正黑體" pitchFamily="34" charset="-120"/>
+              </a:rPr>
+              <a:t>1-6</a:t>
+            </a:r>
+            <a:r>
+              <a:rPr lang="zh-CN" altLang="en-US" b="1" dirty="0" smtClean="0">
+                <a:solidFill>
+                  <a:srgbClr val="000066"/>
+                </a:solidFill>
+                <a:latin typeface="微軟正黑體" pitchFamily="34" charset="-120"/>
+                <a:ea typeface="微軟正黑體" pitchFamily="34" charset="-120"/>
+              </a:rPr>
+              <a:t>；</a:t>
+            </a:r>
+            <a:r>
+              <a:rPr lang="en-US" altLang="zh-CN" b="1" dirty="0" smtClean="0">
+                <a:solidFill>
+                  <a:srgbClr val="000066"/>
+                </a:solidFill>
+                <a:latin typeface="微軟正黑體" pitchFamily="34" charset="-120"/>
+                <a:ea typeface="微軟正黑體" pitchFamily="34" charset="-120"/>
+              </a:rPr>
+              <a:t>18</a:t>
+            </a:r>
+            <a:r>
+              <a:rPr lang="zh-CN" altLang="en-US" b="1" dirty="0" smtClean="0">
+                <a:solidFill>
+                  <a:srgbClr val="000066"/>
+                </a:solidFill>
+                <a:latin typeface="微軟正黑體" pitchFamily="34" charset="-120"/>
+                <a:ea typeface="微軟正黑體" pitchFamily="34" charset="-120"/>
+              </a:rPr>
+              <a:t>：</a:t>
+            </a:r>
+            <a:r>
+              <a:rPr lang="en-US" altLang="zh-CN" b="1" dirty="0" smtClean="0">
+                <a:solidFill>
+                  <a:srgbClr val="000066"/>
+                </a:solidFill>
+                <a:latin typeface="微軟正黑體" pitchFamily="34" charset="-120"/>
+                <a:ea typeface="微軟正黑體" pitchFamily="34" charset="-120"/>
+              </a:rPr>
+              <a:t>16</a:t>
+            </a:r>
+            <a:endParaRPr lang="en-US" b="1" dirty="0">
+              <a:solidFill>
+                <a:srgbClr val="000066"/>
+              </a:solidFill>
+              <a:latin typeface="微軟正黑體" pitchFamily="34" charset="-120"/>
+              <a:ea typeface="微軟正黑體" pitchFamily="34" charset="-120"/>
+            </a:endParaRPr>
           </a:p>
         </p:txBody>
       </p:sp>
@@ -3978,75 +4216,58 @@
       </p:grpSpPr>
       <p:sp>
         <p:nvSpPr>
-          <p:cNvPr id="2" name="標題 1"/>
-          <p:cNvSpPr>
-            <a:spLocks noGrp="1"/>
-          </p:cNvSpPr>
-          <p:nvPr>
-            <p:ph type="title" idx="4294967295"/>
+          <p:cNvPr id="3" name="Content Placeholder 2"/>
+          <p:cNvSpPr>
+            <a:spLocks noGrp="1"/>
+          </p:cNvSpPr>
+          <p:nvPr>
+            <p:ph sz="quarter" idx="1"/>
           </p:nvPr>
         </p:nvSpPr>
         <p:spPr>
           <a:xfrm>
-            <a:off x="0" y="2257177"/>
-            <a:ext cx="9144000" cy="628650"/>
+            <a:off x="0" y="0"/>
+            <a:ext cx="8748464" cy="5143500"/>
           </a:xfrm>
         </p:spPr>
         <p:txBody>
-          <a:bodyPr>
-            <a:noAutofit/>
+          <a:bodyPr anchor="ctr">
+            <a:normAutofit/>
           </a:bodyPr>
           <a:lstStyle/>
           <a:p>
-            <a:pPr algn="ctr"/>
-            <a:r>
-              <a:rPr lang="zh-CN" altLang="en-US" sz="7200" b="1" dirty="0">
+            <a:r>
+              <a:rPr lang="zh-TW" altLang="en-US" sz="4800" dirty="0" smtClean="0">
                 <a:solidFill>
                   <a:srgbClr val="660033"/>
                 </a:solidFill>
-                <a:effectLst>
-                  <a:outerShdw blurRad="38100" dist="38100" dir="2700000" algn="tl">
-                    <a:srgbClr val="000000">
-                      <a:alpha val="43137"/>
-                    </a:srgbClr>
-                  </a:outerShdw>
-                </a:effectLst>
-                <a:latin typeface="微軟正黑體" pitchFamily="34" charset="-120"/>
-                <a:ea typeface="微軟正黑體" pitchFamily="34" charset="-120"/>
-              </a:rPr>
-              <a:t>成年</a:t>
-            </a:r>
-            <a:r>
-              <a:rPr lang="zh-CN" altLang="en-US" sz="7200" b="1" dirty="0" smtClean="0">
+                <a:latin typeface="微軟正黑體" pitchFamily="34" charset="-120"/>
+                <a:ea typeface="微軟正黑體" pitchFamily="34" charset="-120"/>
+              </a:rPr>
+              <a:t>耶和華作王！他以威嚴為衣穿上；耶和華以能力為衣，以能力束腰，世界就堅定，不得動搖。</a:t>
+            </a:r>
+            <a:r>
+              <a:rPr lang="en-US" altLang="zh-TW" sz="4800" dirty="0" smtClean="0">
                 <a:solidFill>
                   <a:srgbClr val="660033"/>
                 </a:solidFill>
-                <a:effectLst>
-                  <a:outerShdw blurRad="38100" dist="38100" dir="2700000" algn="tl">
-                    <a:srgbClr val="000000">
-                      <a:alpha val="43137"/>
-                    </a:srgbClr>
-                  </a:outerShdw>
-                </a:effectLst>
-                <a:latin typeface="微軟正黑體" pitchFamily="34" charset="-120"/>
-                <a:ea typeface="微軟正黑體" pitchFamily="34" charset="-120"/>
-              </a:rPr>
-              <a:t>詩班</a:t>
-            </a:r>
-            <a:endParaRPr lang="zh-TW" altLang="en-US" sz="7200" b="1" dirty="0">
-              <a:solidFill>
-                <a:srgbClr val="660033"/>
-              </a:solidFill>
-              <a:effectLst>
-                <a:outerShdw blurRad="38100" dist="38100" dir="2700000" algn="tl">
-                  <a:srgbClr val="000000">
-                    <a:alpha val="43137"/>
-                  </a:srgbClr>
-                </a:outerShdw>
-              </a:effectLst>
-              <a:latin typeface="微軟正黑體" pitchFamily="34" charset="-120"/>
-              <a:ea typeface="微軟正黑體" pitchFamily="34" charset="-120"/>
-            </a:endParaRPr>
+                <a:latin typeface="微軟正黑體" pitchFamily="34" charset="-120"/>
+                <a:ea typeface="微軟正黑體" pitchFamily="34" charset="-120"/>
+              </a:rPr>
+              <a:t> </a:t>
+            </a:r>
+          </a:p>
+          <a:p>
+            <a:r>
+              <a:rPr lang="zh-TW" altLang="en-US" sz="4800" b="1" dirty="0" smtClean="0">
+                <a:solidFill>
+                  <a:srgbClr val="660033"/>
+                </a:solidFill>
+                <a:latin typeface="微軟正黑體" pitchFamily="34" charset="-120"/>
+                <a:ea typeface="微軟正黑體" pitchFamily="34" charset="-120"/>
+              </a:rPr>
+              <a:t>你的寶座從太初立定；你從亙古就有。</a:t>
+            </a:r>
           </a:p>
         </p:txBody>
       </p:sp>
@@ -4106,9 +4327,9 @@
           <a:p>
             <a:pPr algn="ctr"/>
             <a:r>
-              <a:rPr lang="zh-CN" altLang="en-US" sz="7200" b="1" dirty="0" smtClean="0">
-                <a:solidFill>
-                  <a:srgbClr val="000066"/>
+              <a:rPr lang="zh-CN" altLang="en-US" sz="7200" b="1" dirty="0">
+                <a:solidFill>
+                  <a:srgbClr val="660033"/>
                 </a:solidFill>
                 <a:effectLst>
                   <a:outerShdw blurRad="38100" dist="38100" dir="2700000" algn="tl">
@@ -4120,11 +4341,28 @@
                 <a:latin typeface="微軟正黑體" pitchFamily="34" charset="-120"/>
                 <a:ea typeface="微軟正黑體" pitchFamily="34" charset="-120"/>
               </a:rPr>
-              <a:t>雅各詩班</a:t>
+              <a:t>成年</a:t>
+            </a:r>
+            <a:r>
+              <a:rPr lang="zh-CN" altLang="en-US" sz="7200" b="1" dirty="0" smtClean="0">
+                <a:solidFill>
+                  <a:srgbClr val="660033"/>
+                </a:solidFill>
+                <a:effectLst>
+                  <a:outerShdw blurRad="38100" dist="38100" dir="2700000" algn="tl">
+                    <a:srgbClr val="000000">
+                      <a:alpha val="43137"/>
+                    </a:srgbClr>
+                  </a:outerShdw>
+                </a:effectLst>
+                <a:latin typeface="微軟正黑體" pitchFamily="34" charset="-120"/>
+                <a:ea typeface="微軟正黑體" pitchFamily="34" charset="-120"/>
+              </a:rPr>
+              <a:t>詩班</a:t>
             </a:r>
             <a:endParaRPr lang="zh-TW" altLang="en-US" sz="7200" b="1" dirty="0">
               <a:solidFill>
-                <a:srgbClr val="000066"/>
+                <a:srgbClr val="660033"/>
               </a:solidFill>
               <a:effectLst>
                 <a:outerShdw blurRad="38100" dist="38100" dir="2700000" algn="tl">
@@ -4183,7 +4421,7 @@
         </p:nvSpPr>
         <p:spPr>
           <a:xfrm>
-            <a:off x="0" y="1851670"/>
+            <a:off x="0" y="2257177"/>
             <a:ext cx="9144000" cy="628650"/>
           </a:xfrm>
         </p:spPr>
@@ -4195,7 +4433,7 @@
           <a:p>
             <a:pPr algn="ctr"/>
             <a:r>
-              <a:rPr lang="zh-CN" altLang="en-US" sz="8000" b="1" dirty="0" smtClean="0">
+              <a:rPr lang="zh-CN" altLang="en-US" sz="7200" b="1" dirty="0" smtClean="0">
                 <a:solidFill>
                   <a:srgbClr val="000066"/>
                 </a:solidFill>
@@ -4209,9 +4447,9 @@
                 <a:latin typeface="微軟正黑體" pitchFamily="34" charset="-120"/>
                 <a:ea typeface="微軟正黑體" pitchFamily="34" charset="-120"/>
               </a:rPr>
-              <a:t>恭讀經訓</a:t>
-            </a:r>
-            <a:endParaRPr lang="zh-TW" altLang="en-US" sz="8000" b="1" dirty="0">
+              <a:t>雅各詩班</a:t>
+            </a:r>
+            <a:endParaRPr lang="zh-TW" altLang="en-US" sz="7200" b="1" dirty="0">
               <a:solidFill>
                 <a:srgbClr val="000066"/>
               </a:solidFill>
@@ -4224,104 +4462,6 @@
               </a:effectLst>
               <a:latin typeface="微軟正黑體" pitchFamily="34" charset="-120"/>
               <a:ea typeface="微軟正黑體" pitchFamily="34" charset="-120"/>
-            </a:endParaRPr>
-          </a:p>
-        </p:txBody>
-      </p:sp>
-      <p:sp>
-        <p:nvSpPr>
-          <p:cNvPr id="4" name="標題 1"/>
-          <p:cNvSpPr txBox="1"/>
-          <p:nvPr/>
-        </p:nvSpPr>
-        <p:spPr>
-          <a:xfrm>
-            <a:off x="0" y="2859782"/>
-            <a:ext cx="9144000" cy="628650"/>
-          </a:xfrm>
-          <a:prstGeom prst="rect">
-            <a:avLst/>
-          </a:prstGeom>
-        </p:spPr>
-        <p:txBody>
-          <a:bodyPr anchor="ctr">
-            <a:noAutofit/>
-          </a:bodyPr>
-          <a:lstStyle/>
-          <a:p>
-            <a:pPr lvl="0" algn="ctr">
-              <a:spcBef>
-                <a:spcPct val="0"/>
-              </a:spcBef>
-            </a:pPr>
-            <a:r>
-              <a:rPr lang="zh-CN" altLang="en-US" sz="4800" b="1" dirty="0">
-                <a:solidFill>
-                  <a:srgbClr val="660033"/>
-                </a:solidFill>
-                <a:effectLst>
-                  <a:outerShdw blurRad="38100" dist="38100" dir="2700000" algn="tl">
-                    <a:srgbClr val="000000">
-                      <a:alpha val="43137"/>
-                    </a:srgbClr>
-                  </a:outerShdw>
-                </a:effectLst>
-                <a:latin typeface="微軟正黑體" pitchFamily="34" charset="-120"/>
-                <a:ea typeface="微軟正黑體" pitchFamily="34" charset="-120"/>
-                <a:cs typeface="+mj-cs"/>
-              </a:rPr>
-              <a:t>出</a:t>
-            </a:r>
-            <a:r>
-              <a:rPr lang="zh-CN" altLang="en-US" sz="4800" b="1" dirty="0" smtClean="0">
-                <a:solidFill>
-                  <a:srgbClr val="660033"/>
-                </a:solidFill>
-                <a:effectLst>
-                  <a:outerShdw blurRad="38100" dist="38100" dir="2700000" algn="tl">
-                    <a:srgbClr val="000000">
-                      <a:alpha val="43137"/>
-                    </a:srgbClr>
-                  </a:outerShdw>
-                </a:effectLst>
-                <a:latin typeface="微軟正黑體" pitchFamily="34" charset="-120"/>
-                <a:ea typeface="微軟正黑體" pitchFamily="34" charset="-120"/>
-                <a:cs typeface="+mj-cs"/>
-              </a:rPr>
-              <a:t> 六：</a:t>
-            </a:r>
-            <a:r>
-              <a:rPr lang="en-US" altLang="zh-CN" sz="4800" b="1" dirty="0" smtClean="0">
-                <a:solidFill>
-                  <a:srgbClr val="660033"/>
-                </a:solidFill>
-                <a:effectLst>
-                  <a:outerShdw blurRad="38100" dist="38100" dir="2700000" algn="tl">
-                    <a:srgbClr val="000000">
-                      <a:alpha val="43137"/>
-                    </a:srgbClr>
-                  </a:outerShdw>
-                </a:effectLst>
-                <a:latin typeface="微軟正黑體" pitchFamily="34" charset="-120"/>
-                <a:ea typeface="微軟正黑體" pitchFamily="34" charset="-120"/>
-                <a:cs typeface="+mj-cs"/>
-              </a:rPr>
-              <a:t>2 - 4</a:t>
-            </a:r>
-            <a:endParaRPr lang="zh-TW" altLang="en-US" sz="4800" b="1" dirty="0">
-              <a:solidFill>
-                <a:srgbClr val="660033"/>
-              </a:solidFill>
-              <a:effectLst>
-                <a:outerShdw blurRad="38100" dist="38100" dir="2700000" algn="tl">
-                  <a:srgbClr val="000000">
-                    <a:alpha val="43137"/>
-                  </a:srgbClr>
-                </a:outerShdw>
-              </a:effectLst>
-              <a:latin typeface="微軟正黑體" pitchFamily="34" charset="-120"/>
-              <a:ea typeface="微軟正黑體" pitchFamily="34" charset="-120"/>
-              <a:cs typeface="+mj-cs"/>
             </a:endParaRPr>
           </a:p>
         </p:txBody>
@@ -4360,19 +4500,75 @@
       </p:grpSpPr>
       <p:sp>
         <p:nvSpPr>
-          <p:cNvPr id="5" name="Content Placeholder 4"/>
-          <p:cNvSpPr>
-            <a:spLocks noGrp="1"/>
-          </p:cNvSpPr>
-          <p:nvPr>
-            <p:ph idx="4294967295"/>
+          <p:cNvPr id="2" name="標題 1"/>
+          <p:cNvSpPr>
+            <a:spLocks noGrp="1"/>
+          </p:cNvSpPr>
+          <p:nvPr>
+            <p:ph type="title" idx="4294967295"/>
           </p:nvPr>
         </p:nvSpPr>
         <p:spPr>
           <a:xfrm>
-            <a:off x="0" y="0"/>
-            <a:ext cx="8892480" cy="5143500"/>
+            <a:off x="0" y="1851670"/>
+            <a:ext cx="9144000" cy="628650"/>
           </a:xfrm>
+        </p:spPr>
+        <p:txBody>
+          <a:bodyPr>
+            <a:noAutofit/>
+          </a:bodyPr>
+          <a:lstStyle/>
+          <a:p>
+            <a:pPr algn="ctr"/>
+            <a:r>
+              <a:rPr lang="zh-CN" altLang="en-US" sz="8000" b="1" dirty="0" smtClean="0">
+                <a:solidFill>
+                  <a:srgbClr val="000066"/>
+                </a:solidFill>
+                <a:effectLst>
+                  <a:outerShdw blurRad="38100" dist="38100" dir="2700000" algn="tl">
+                    <a:srgbClr val="000000">
+                      <a:alpha val="43137"/>
+                    </a:srgbClr>
+                  </a:outerShdw>
+                </a:effectLst>
+                <a:latin typeface="微軟正黑體" pitchFamily="34" charset="-120"/>
+                <a:ea typeface="微軟正黑體" pitchFamily="34" charset="-120"/>
+              </a:rPr>
+              <a:t>恭讀經訓</a:t>
+            </a:r>
+            <a:endParaRPr lang="zh-TW" altLang="en-US" sz="8000" b="1" dirty="0">
+              <a:solidFill>
+                <a:srgbClr val="000066"/>
+              </a:solidFill>
+              <a:effectLst>
+                <a:outerShdw blurRad="38100" dist="38100" dir="2700000" algn="tl">
+                  <a:srgbClr val="000000">
+                    <a:alpha val="43137"/>
+                  </a:srgbClr>
+                </a:outerShdw>
+              </a:effectLst>
+              <a:latin typeface="微軟正黑體" pitchFamily="34" charset="-120"/>
+              <a:ea typeface="微軟正黑體" pitchFamily="34" charset="-120"/>
+            </a:endParaRPr>
+          </a:p>
+        </p:txBody>
+      </p:sp>
+      <p:sp>
+        <p:nvSpPr>
+          <p:cNvPr id="4" name="標題 1"/>
+          <p:cNvSpPr txBox="1"/>
+          <p:nvPr/>
+        </p:nvSpPr>
+        <p:spPr>
+          <a:xfrm>
+            <a:off x="0" y="2859782"/>
+            <a:ext cx="9144000" cy="628650"/>
+          </a:xfrm>
+          <a:prstGeom prst="rect">
+            <a:avLst/>
+          </a:prstGeom>
         </p:spPr>
         <p:txBody>
           <a:bodyPr anchor="ctr">
@@ -4380,68 +4576,80 @@
           </a:bodyPr>
           <a:lstStyle/>
           <a:p>
-            <a:r>
-              <a:rPr lang="en-US" altLang="zh-TW" sz="4800" b="1" dirty="0" err="1">
-                <a:solidFill>
-                  <a:srgbClr val="000066"/>
-                </a:solidFill>
-                <a:latin typeface="微軟正黑體" pitchFamily="34" charset="-120"/>
-                <a:ea typeface="微軟正黑體" pitchFamily="34" charset="-120"/>
-              </a:rPr>
-              <a:t>Exo</a:t>
-            </a:r>
-            <a:r>
-              <a:rPr lang="en-US" altLang="zh-TW" sz="4800" b="1" dirty="0">
-                <a:solidFill>
-                  <a:srgbClr val="000066"/>
-                </a:solidFill>
-                <a:latin typeface="微軟正黑體" pitchFamily="34" charset="-120"/>
-                <a:ea typeface="微軟正黑體" pitchFamily="34" charset="-120"/>
-              </a:rPr>
-              <a:t> 6:2</a:t>
-            </a:r>
-            <a:r>
-              <a:rPr lang="zh-TW" altLang="en-US" sz="4800" b="1" dirty="0">
-                <a:solidFill>
-                  <a:srgbClr val="000066"/>
-                </a:solidFill>
-                <a:latin typeface="微軟正黑體" pitchFamily="34" charset="-120"/>
-                <a:ea typeface="微軟正黑體" pitchFamily="34" charset="-120"/>
-              </a:rPr>
-              <a:t>  神曉諭摩西說：「我是耶和華。 </a:t>
-            </a:r>
-          </a:p>
-          <a:p>
-            <a:r>
-              <a:rPr lang="en-US" altLang="zh-TW" sz="4800" b="1" dirty="0" err="1">
-                <a:solidFill>
-                  <a:srgbClr val="000066"/>
-                </a:solidFill>
-                <a:latin typeface="微軟正黑體" pitchFamily="34" charset="-120"/>
-                <a:ea typeface="微軟正黑體" pitchFamily="34" charset="-120"/>
-              </a:rPr>
-              <a:t>Exo</a:t>
-            </a:r>
-            <a:r>
-              <a:rPr lang="en-US" altLang="zh-TW" sz="4800" b="1" dirty="0">
-                <a:solidFill>
-                  <a:srgbClr val="000066"/>
-                </a:solidFill>
-                <a:latin typeface="微軟正黑體" pitchFamily="34" charset="-120"/>
-                <a:ea typeface="微軟正黑體" pitchFamily="34" charset="-120"/>
-              </a:rPr>
-              <a:t> 6:3</a:t>
-            </a:r>
-            <a:r>
-              <a:rPr lang="zh-TW" altLang="en-US" sz="4800" b="1" dirty="0">
-                <a:solidFill>
-                  <a:srgbClr val="000066"/>
-                </a:solidFill>
-                <a:latin typeface="微軟正黑體" pitchFamily="34" charset="-120"/>
-                <a:ea typeface="微軟正黑體" pitchFamily="34" charset="-120"/>
-              </a:rPr>
-              <a:t>  我從前向亞伯拉罕、以撒、雅各顯現為全能的神；至於我名耶和華，他們未曾知道。 </a:t>
-            </a:r>
+            <a:pPr lvl="0" algn="ctr">
+              <a:spcBef>
+                <a:spcPct val="0"/>
+              </a:spcBef>
+            </a:pPr>
+            <a:r>
+              <a:rPr lang="zh-CN" altLang="en-US" sz="4800" b="1" dirty="0">
+                <a:solidFill>
+                  <a:srgbClr val="660033"/>
+                </a:solidFill>
+                <a:effectLst>
+                  <a:outerShdw blurRad="38100" dist="38100" dir="2700000" algn="tl">
+                    <a:srgbClr val="000000">
+                      <a:alpha val="43137"/>
+                    </a:srgbClr>
+                  </a:outerShdw>
+                </a:effectLst>
+                <a:latin typeface="微軟正黑體" pitchFamily="34" charset="-120"/>
+                <a:ea typeface="微軟正黑體" pitchFamily="34" charset="-120"/>
+                <a:cs typeface="+mj-cs"/>
+              </a:rPr>
+              <a:t>出</a:t>
+            </a:r>
+            <a:r>
+              <a:rPr lang="zh-CN" altLang="en-US" sz="4800" b="1" dirty="0" smtClean="0">
+                <a:solidFill>
+                  <a:srgbClr val="660033"/>
+                </a:solidFill>
+                <a:effectLst>
+                  <a:outerShdw blurRad="38100" dist="38100" dir="2700000" algn="tl">
+                    <a:srgbClr val="000000">
+                      <a:alpha val="43137"/>
+                    </a:srgbClr>
+                  </a:outerShdw>
+                </a:effectLst>
+                <a:latin typeface="微軟正黑體" pitchFamily="34" charset="-120"/>
+                <a:ea typeface="微軟正黑體" pitchFamily="34" charset="-120"/>
+                <a:cs typeface="+mj-cs"/>
+              </a:rPr>
+              <a:t> 六：</a:t>
+            </a:r>
+            <a:r>
+              <a:rPr lang="en-US" altLang="zh-CN" sz="4800" b="1" dirty="0" smtClean="0">
+                <a:solidFill>
+                  <a:srgbClr val="660033"/>
+                </a:solidFill>
+                <a:effectLst>
+                  <a:outerShdw blurRad="38100" dist="38100" dir="2700000" algn="tl">
+                    <a:srgbClr val="000000">
+                      <a:alpha val="43137"/>
+                    </a:srgbClr>
+                  </a:outerShdw>
+                </a:effectLst>
+                <a:latin typeface="微軟正黑體" pitchFamily="34" charset="-120"/>
+                <a:ea typeface="微軟正黑體" pitchFamily="34" charset="-120"/>
+                <a:cs typeface="+mj-cs"/>
+              </a:rPr>
+              <a:t>2 - 4</a:t>
+            </a:r>
+            <a:endParaRPr lang="zh-TW" altLang="en-US" sz="4800" b="1" dirty="0">
+              <a:solidFill>
+                <a:srgbClr val="660033"/>
+              </a:solidFill>
+              <a:effectLst>
+                <a:outerShdw blurRad="38100" dist="38100" dir="2700000" algn="tl">
+                  <a:srgbClr val="000000">
+                    <a:alpha val="43137"/>
+                  </a:srgbClr>
+                </a:outerShdw>
+              </a:effectLst>
+              <a:latin typeface="微軟正黑體" pitchFamily="34" charset="-120"/>
+              <a:ea typeface="微軟正黑體" pitchFamily="34" charset="-120"/>
+              <a:cs typeface="+mj-cs"/>
+            </a:endParaRPr>
           </a:p>
         </p:txBody>
       </p:sp>
@@ -4479,75 +4687,19 @@
       </p:grpSpPr>
       <p:sp>
         <p:nvSpPr>
-          <p:cNvPr id="2" name="標題 1"/>
-          <p:cNvSpPr>
-            <a:spLocks noGrp="1"/>
-          </p:cNvSpPr>
-          <p:nvPr>
-            <p:ph type="title" idx="4294967295"/>
+          <p:cNvPr id="5" name="Content Placeholder 4"/>
+          <p:cNvSpPr>
+            <a:spLocks noGrp="1"/>
+          </p:cNvSpPr>
+          <p:nvPr>
+            <p:ph idx="4294967295"/>
           </p:nvPr>
         </p:nvSpPr>
         <p:spPr>
           <a:xfrm>
-            <a:off x="0" y="550069"/>
-            <a:ext cx="9144000" cy="628650"/>
+            <a:off x="0" y="0"/>
+            <a:ext cx="8892480" cy="5143500"/>
           </a:xfrm>
-        </p:spPr>
-        <p:txBody>
-          <a:bodyPr>
-            <a:noAutofit/>
-          </a:bodyPr>
-          <a:lstStyle/>
-          <a:p>
-            <a:pPr algn="ctr"/>
-            <a:r>
-              <a:rPr lang="zh-CN" altLang="en-US" sz="8800" b="1" dirty="0" smtClean="0">
-                <a:solidFill>
-                  <a:srgbClr val="000066"/>
-                </a:solidFill>
-                <a:effectLst>
-                  <a:outerShdw blurRad="38100" dist="38100" dir="2700000" algn="tl">
-                    <a:srgbClr val="000000">
-                      <a:alpha val="43137"/>
-                    </a:srgbClr>
-                  </a:outerShdw>
-                </a:effectLst>
-                <a:latin typeface="微軟正黑體" pitchFamily="34" charset="-120"/>
-                <a:ea typeface="微軟正黑體" pitchFamily="34" charset="-120"/>
-              </a:rPr>
-              <a:t>證道</a:t>
-            </a:r>
-            <a:endParaRPr lang="zh-TW" altLang="en-US" sz="8800" b="1" dirty="0">
-              <a:solidFill>
-                <a:srgbClr val="000066"/>
-              </a:solidFill>
-              <a:effectLst>
-                <a:outerShdw blurRad="38100" dist="38100" dir="2700000" algn="tl">
-                  <a:srgbClr val="000000">
-                    <a:alpha val="43137"/>
-                  </a:srgbClr>
-                </a:outerShdw>
-              </a:effectLst>
-              <a:latin typeface="微軟正黑體" pitchFamily="34" charset="-120"/>
-              <a:ea typeface="微軟正黑體" pitchFamily="34" charset="-120"/>
-            </a:endParaRPr>
-          </a:p>
-        </p:txBody>
-      </p:sp>
-      <p:sp>
-        <p:nvSpPr>
-          <p:cNvPr id="4" name="標題 1"/>
-          <p:cNvSpPr txBox="1"/>
-          <p:nvPr/>
-        </p:nvSpPr>
-        <p:spPr>
-          <a:xfrm>
-            <a:off x="0" y="3589742"/>
-            <a:ext cx="9144000" cy="628650"/>
-          </a:xfrm>
-          <a:prstGeom prst="rect">
-            <a:avLst/>
-          </a:prstGeom>
         </p:spPr>
         <p:txBody>
           <a:bodyPr anchor="ctr">
@@ -4555,240 +4707,68 @@
           </a:bodyPr>
           <a:lstStyle/>
           <a:p>
-            <a:pPr lvl="0" algn="ctr">
-              <a:spcBef>
-                <a:spcPct val="0"/>
-              </a:spcBef>
-            </a:pPr>
-            <a:r>
-              <a:rPr lang="zh-CN" altLang="en-US" sz="5400" b="1" dirty="0" smtClean="0">
+            <a:r>
+              <a:rPr lang="en-US" altLang="zh-TW" sz="4800" b="1" dirty="0" err="1">
                 <a:solidFill>
                   <a:srgbClr val="000066"/>
                 </a:solidFill>
-                <a:effectLst>
-                  <a:outerShdw blurRad="38100" dist="38100" dir="2700000" algn="tl">
-                    <a:srgbClr val="000000">
-                      <a:alpha val="43137"/>
-                    </a:srgbClr>
-                  </a:outerShdw>
-                </a:effectLst>
-                <a:latin typeface="微軟正黑體" pitchFamily="34" charset="-120"/>
-                <a:ea typeface="微軟正黑體" pitchFamily="34" charset="-120"/>
-                <a:cs typeface="+mj-cs"/>
-              </a:rPr>
-              <a:t>黃德光</a:t>
-            </a:r>
-            <a:r>
-              <a:rPr lang="zh-CN" altLang="en-US" sz="4800" b="1" dirty="0" smtClean="0">
+                <a:latin typeface="微軟正黑體" pitchFamily="34" charset="-120"/>
+                <a:ea typeface="微軟正黑體" pitchFamily="34" charset="-120"/>
+              </a:rPr>
+              <a:t>Exo</a:t>
+            </a:r>
+            <a:r>
+              <a:rPr lang="en-US" altLang="zh-TW" sz="4800" b="1" dirty="0">
                 <a:solidFill>
                   <a:srgbClr val="000066"/>
                 </a:solidFill>
-                <a:effectLst>
-                  <a:outerShdw blurRad="38100" dist="38100" dir="2700000" algn="tl">
-                    <a:srgbClr val="000000">
-                      <a:alpha val="43137"/>
-                    </a:srgbClr>
-                  </a:outerShdw>
-                </a:effectLst>
-                <a:latin typeface="微軟正黑體" pitchFamily="34" charset="-120"/>
-                <a:ea typeface="微軟正黑體" pitchFamily="34" charset="-120"/>
-                <a:cs typeface="+mj-cs"/>
-              </a:rPr>
-              <a:t> </a:t>
-            </a:r>
-            <a:r>
-              <a:rPr lang="zh-CN" altLang="en-US" sz="4000" b="1" dirty="0" smtClean="0">
+                <a:latin typeface="微軟正黑體" pitchFamily="34" charset="-120"/>
+                <a:ea typeface="微軟正黑體" pitchFamily="34" charset="-120"/>
+              </a:rPr>
+              <a:t> 6:2</a:t>
+            </a:r>
+            <a:r>
+              <a:rPr lang="zh-TW" altLang="en-US" sz="4800" b="1" dirty="0">
                 <a:solidFill>
                   <a:srgbClr val="000066"/>
                 </a:solidFill>
-                <a:effectLst>
-                  <a:outerShdw blurRad="38100" dist="38100" dir="2700000" algn="tl">
-                    <a:srgbClr val="000000">
-                      <a:alpha val="43137"/>
-                    </a:srgbClr>
-                  </a:outerShdw>
-                </a:effectLst>
-                <a:latin typeface="微軟正黑體" pitchFamily="34" charset="-120"/>
-                <a:ea typeface="微軟正黑體" pitchFamily="34" charset="-120"/>
-                <a:cs typeface="+mj-cs"/>
-              </a:rPr>
-              <a:t>傳道</a:t>
-            </a:r>
-            <a:endParaRPr lang="zh-TW" altLang="en-US" sz="4800" b="1" dirty="0">
-              <a:solidFill>
-                <a:srgbClr val="000066"/>
-              </a:solidFill>
-              <a:effectLst>
-                <a:outerShdw blurRad="38100" dist="38100" dir="2700000" algn="tl">
-                  <a:srgbClr val="000000">
-                    <a:alpha val="43137"/>
-                  </a:srgbClr>
-                </a:outerShdw>
-              </a:effectLst>
-              <a:latin typeface="微軟正黑體" pitchFamily="34" charset="-120"/>
-              <a:ea typeface="微軟正黑體" pitchFamily="34" charset="-120"/>
-              <a:cs typeface="+mj-cs"/>
-            </a:endParaRPr>
-          </a:p>
-        </p:txBody>
-      </p:sp>
-      <p:sp>
-        <p:nvSpPr>
-          <p:cNvPr id="5" name="標題 1"/>
-          <p:cNvSpPr txBox="1"/>
-          <p:nvPr/>
-        </p:nvSpPr>
-        <p:spPr>
-          <a:xfrm>
-            <a:off x="0" y="2103836"/>
-            <a:ext cx="9144000" cy="628650"/>
-          </a:xfrm>
-          <a:prstGeom prst="rect">
-            <a:avLst/>
-          </a:prstGeom>
-        </p:spPr>
-        <p:txBody>
-          <a:bodyPr anchor="ctr">
-            <a:noAutofit/>
-          </a:bodyPr>
-          <a:lstStyle/>
-          <a:p>
-            <a:pPr lvl="0" algn="ctr">
-              <a:spcBef>
-                <a:spcPct val="0"/>
-              </a:spcBef>
-            </a:pPr>
-            <a:r>
-              <a:rPr lang="zh-CN" altLang="en-US" sz="6000" b="1" dirty="0" smtClean="0">
-                <a:solidFill>
-                  <a:srgbClr val="660033"/>
-                </a:solidFill>
-                <a:effectLst>
-                  <a:outerShdw blurRad="38100" dist="38100" dir="2700000" algn="tl">
-                    <a:srgbClr val="000000">
-                      <a:alpha val="43137"/>
-                    </a:srgbClr>
-                  </a:outerShdw>
-                </a:effectLst>
-                <a:latin typeface="微軟正黑體" pitchFamily="34" charset="-120"/>
-                <a:ea typeface="微軟正黑體" pitchFamily="34" charset="-120"/>
-                <a:cs typeface="+mj-cs"/>
-              </a:rPr>
-              <a:t>主題：</a:t>
-            </a:r>
-            <a:r>
-              <a:rPr lang="zh-CN" altLang="en-US" sz="6000" b="1" dirty="0">
-                <a:solidFill>
-                  <a:srgbClr val="660033"/>
-                </a:solidFill>
-                <a:effectLst>
-                  <a:outerShdw blurRad="38100" dist="38100" dir="2700000" algn="tl">
-                    <a:srgbClr val="000000">
-                      <a:alpha val="43137"/>
-                    </a:srgbClr>
-                  </a:outerShdw>
-                </a:effectLst>
-                <a:latin typeface="微軟正黑體" pitchFamily="34" charset="-120"/>
-                <a:ea typeface="微軟正黑體" pitchFamily="34" charset="-120"/>
-                <a:cs typeface="+mj-cs"/>
-              </a:rPr>
-              <a:t>全</a:t>
-            </a:r>
-            <a:r>
-              <a:rPr lang="zh-CN" altLang="en-US" sz="6000" b="1" dirty="0" smtClean="0">
-                <a:solidFill>
-                  <a:srgbClr val="660033"/>
-                </a:solidFill>
-                <a:effectLst>
-                  <a:outerShdw blurRad="38100" dist="38100" dir="2700000" algn="tl">
-                    <a:srgbClr val="000000">
-                      <a:alpha val="43137"/>
-                    </a:srgbClr>
-                  </a:outerShdw>
-                </a:effectLst>
-                <a:latin typeface="微軟正黑體" pitchFamily="34" charset="-120"/>
-                <a:ea typeface="微軟正黑體" pitchFamily="34" charset="-120"/>
-                <a:cs typeface="+mj-cs"/>
-              </a:rPr>
-              <a:t>能的神</a:t>
-            </a:r>
-            <a:endParaRPr lang="zh-TW" altLang="en-US" sz="6000" b="1" dirty="0">
-              <a:solidFill>
-                <a:srgbClr val="660033"/>
-              </a:solidFill>
-              <a:effectLst>
-                <a:outerShdw blurRad="38100" dist="38100" dir="2700000" algn="tl">
-                  <a:srgbClr val="000000">
-                    <a:alpha val="43137"/>
-                  </a:srgbClr>
-                </a:outerShdw>
-              </a:effectLst>
-              <a:latin typeface="微軟正黑體" pitchFamily="34" charset="-120"/>
-              <a:ea typeface="微軟正黑體" pitchFamily="34" charset="-120"/>
-              <a:cs typeface="+mj-cs"/>
-            </a:endParaRPr>
-          </a:p>
-        </p:txBody>
-      </p:sp>
-      <p:sp>
-        <p:nvSpPr>
-          <p:cNvPr id="6" name="標題 1"/>
-          <p:cNvSpPr txBox="1"/>
-          <p:nvPr/>
-        </p:nvSpPr>
-        <p:spPr>
-          <a:xfrm>
-            <a:off x="0" y="4415572"/>
-            <a:ext cx="9144000" cy="628650"/>
-          </a:xfrm>
-          <a:prstGeom prst="rect">
-            <a:avLst/>
-          </a:prstGeom>
-        </p:spPr>
-        <p:txBody>
-          <a:bodyPr anchor="ctr">
-            <a:noAutofit/>
-          </a:bodyPr>
-          <a:lstStyle/>
-          <a:p>
-            <a:pPr lvl="0" algn="ctr">
-              <a:spcBef>
-                <a:spcPct val="0"/>
-              </a:spcBef>
-            </a:pPr>
-            <a:r>
-              <a:rPr lang="zh-CN" altLang="en-US" sz="4800" b="1" smtClean="0">
+                <a:latin typeface="微軟正黑體" pitchFamily="34" charset="-120"/>
+                <a:ea typeface="微軟正黑體" pitchFamily="34" charset="-120"/>
+              </a:rPr>
+              <a:t>  神曉諭摩西說：「我是耶和華。 </a:t>
+            </a:r>
+          </a:p>
+          <a:p>
+            <a:r>
+              <a:rPr lang="en-US" altLang="zh-TW" sz="4800" b="1" dirty="0" err="1">
                 <a:solidFill>
                   <a:srgbClr val="000066"/>
                 </a:solidFill>
-                <a:effectLst>
-                  <a:outerShdw blurRad="38100" dist="38100" dir="2700000" algn="tl">
-                    <a:srgbClr val="000000">
-                      <a:alpha val="43137"/>
-                    </a:srgbClr>
-                  </a:outerShdw>
-                </a:effectLst>
-                <a:latin typeface="微軟正黑體" pitchFamily="34" charset="-120"/>
-                <a:ea typeface="微軟正黑體" pitchFamily="34" charset="-120"/>
-                <a:cs typeface="+mj-cs"/>
-              </a:rPr>
-              <a:t>主任牧師</a:t>
-            </a:r>
-            <a:endParaRPr lang="zh-TW" altLang="en-US" sz="4800" b="1" dirty="0">
-              <a:solidFill>
-                <a:srgbClr val="000066"/>
-              </a:solidFill>
-              <a:effectLst>
-                <a:outerShdw blurRad="38100" dist="38100" dir="2700000" algn="tl">
-                  <a:srgbClr val="000000">
-                    <a:alpha val="43137"/>
-                  </a:srgbClr>
-                </a:outerShdw>
-              </a:effectLst>
-              <a:latin typeface="微軟正黑體" pitchFamily="34" charset="-120"/>
-              <a:ea typeface="微軟正黑體" pitchFamily="34" charset="-120"/>
-              <a:cs typeface="+mj-cs"/>
-            </a:endParaRPr>
+                <a:latin typeface="微軟正黑體" pitchFamily="34" charset="-120"/>
+                <a:ea typeface="微軟正黑體" pitchFamily="34" charset="-120"/>
+              </a:rPr>
+              <a:t>Exo</a:t>
+            </a:r>
+            <a:r>
+              <a:rPr lang="en-US" altLang="zh-TW" sz="4800" b="1" dirty="0">
+                <a:solidFill>
+                  <a:srgbClr val="000066"/>
+                </a:solidFill>
+                <a:latin typeface="微軟正黑體" pitchFamily="34" charset="-120"/>
+                <a:ea typeface="微軟正黑體" pitchFamily="34" charset="-120"/>
+              </a:rPr>
+              <a:t> 6:3</a:t>
+            </a:r>
+            <a:r>
+              <a:rPr lang="zh-TW" altLang="en-US" sz="4800" b="1" dirty="0">
+                <a:solidFill>
+                  <a:srgbClr val="000066"/>
+                </a:solidFill>
+                <a:latin typeface="微軟正黑體" pitchFamily="34" charset="-120"/>
+                <a:ea typeface="微軟正黑體" pitchFamily="34" charset="-120"/>
+              </a:rPr>
+              <a:t>  我從前向亞伯拉罕、以撒、雅各顯現為全能的神；至於我名耶和華，他們未曾知道。 </a:t>
+            </a:r>
           </a:p>
         </p:txBody>
       </p:sp>
@@ -4836,7 +4816,7 @@
         </p:nvSpPr>
         <p:spPr>
           <a:xfrm>
-            <a:off x="0" y="2257425"/>
+            <a:off x="0" y="550069"/>
             <a:ext cx="9144000" cy="628650"/>
           </a:xfrm>
         </p:spPr>
@@ -4848,7 +4828,7 @@
           <a:p>
             <a:pPr algn="ctr"/>
             <a:r>
-              <a:rPr lang="zh-CN" altLang="en-US" sz="7200" b="1" dirty="0" smtClean="0">
+              <a:rPr lang="zh-CN" altLang="en-US" sz="8800" b="1" dirty="0" smtClean="0">
                 <a:solidFill>
                   <a:srgbClr val="000066"/>
                 </a:solidFill>
@@ -4862,9 +4842,9 @@
                 <a:latin typeface="微軟正黑體" pitchFamily="34" charset="-120"/>
                 <a:ea typeface="微軟正黑體" pitchFamily="34" charset="-120"/>
               </a:rPr>
-              <a:t>回應禱告</a:t>
-            </a:r>
-            <a:endParaRPr lang="zh-TW" altLang="en-US" sz="7200" b="1" dirty="0">
+              <a:t>證道</a:t>
+            </a:r>
+            <a:endParaRPr lang="zh-TW" altLang="en-US" sz="8800" b="1" dirty="0">
               <a:solidFill>
                 <a:srgbClr val="000066"/>
               </a:solidFill>
@@ -4877,6 +4857,264 @@
               </a:effectLst>
               <a:latin typeface="微軟正黑體" pitchFamily="34" charset="-120"/>
               <a:ea typeface="微軟正黑體" pitchFamily="34" charset="-120"/>
+            </a:endParaRPr>
+          </a:p>
+        </p:txBody>
+      </p:sp>
+      <p:sp>
+        <p:nvSpPr>
+          <p:cNvPr id="4" name="標題 1"/>
+          <p:cNvSpPr txBox="1"/>
+          <p:nvPr/>
+        </p:nvSpPr>
+        <p:spPr>
+          <a:xfrm>
+            <a:off x="0" y="3589742"/>
+            <a:ext cx="9144000" cy="628650"/>
+          </a:xfrm>
+          <a:prstGeom prst="rect">
+            <a:avLst/>
+          </a:prstGeom>
+        </p:spPr>
+        <p:txBody>
+          <a:bodyPr anchor="ctr">
+            <a:noAutofit/>
+          </a:bodyPr>
+          <a:lstStyle/>
+          <a:p>
+            <a:pPr lvl="0" algn="ctr">
+              <a:spcBef>
+                <a:spcPct val="0"/>
+              </a:spcBef>
+            </a:pPr>
+            <a:r>
+              <a:rPr lang="zh-CN" altLang="en-US" sz="5400" b="1" dirty="0" smtClean="0">
+                <a:solidFill>
+                  <a:srgbClr val="000066"/>
+                </a:solidFill>
+                <a:effectLst>
+                  <a:outerShdw blurRad="38100" dist="38100" dir="2700000" algn="tl">
+                    <a:srgbClr val="000000">
+                      <a:alpha val="43137"/>
+                    </a:srgbClr>
+                  </a:outerShdw>
+                </a:effectLst>
+                <a:latin typeface="微軟正黑體" pitchFamily="34" charset="-120"/>
+                <a:ea typeface="微軟正黑體" pitchFamily="34" charset="-120"/>
+                <a:cs typeface="+mj-cs"/>
+              </a:rPr>
+              <a:t>黃德光</a:t>
+            </a:r>
+            <a:r>
+              <a:rPr lang="zh-CN" altLang="en-US" sz="4800" b="1" dirty="0" smtClean="0">
+                <a:solidFill>
+                  <a:srgbClr val="000066"/>
+                </a:solidFill>
+                <a:effectLst>
+                  <a:outerShdw blurRad="38100" dist="38100" dir="2700000" algn="tl">
+                    <a:srgbClr val="000000">
+                      <a:alpha val="43137"/>
+                    </a:srgbClr>
+                  </a:outerShdw>
+                </a:effectLst>
+                <a:latin typeface="微軟正黑體" pitchFamily="34" charset="-120"/>
+                <a:ea typeface="微軟正黑體" pitchFamily="34" charset="-120"/>
+                <a:cs typeface="+mj-cs"/>
+              </a:rPr>
+              <a:t> </a:t>
+            </a:r>
+            <a:r>
+              <a:rPr lang="zh-CN" altLang="en-US" sz="4000" b="1" dirty="0" smtClean="0">
+                <a:solidFill>
+                  <a:srgbClr val="000066"/>
+                </a:solidFill>
+                <a:effectLst>
+                  <a:outerShdw blurRad="38100" dist="38100" dir="2700000" algn="tl">
+                    <a:srgbClr val="000000">
+                      <a:alpha val="43137"/>
+                    </a:srgbClr>
+                  </a:outerShdw>
+                </a:effectLst>
+                <a:latin typeface="微軟正黑體" pitchFamily="34" charset="-120"/>
+                <a:ea typeface="微軟正黑體" pitchFamily="34" charset="-120"/>
+                <a:cs typeface="+mj-cs"/>
+              </a:rPr>
+              <a:t>傳道</a:t>
+            </a:r>
+            <a:endParaRPr lang="zh-TW" altLang="en-US" sz="4800" b="1" dirty="0">
+              <a:solidFill>
+                <a:srgbClr val="000066"/>
+              </a:solidFill>
+              <a:effectLst>
+                <a:outerShdw blurRad="38100" dist="38100" dir="2700000" algn="tl">
+                  <a:srgbClr val="000000">
+                    <a:alpha val="43137"/>
+                  </a:srgbClr>
+                </a:outerShdw>
+              </a:effectLst>
+              <a:latin typeface="微軟正黑體" pitchFamily="34" charset="-120"/>
+              <a:ea typeface="微軟正黑體" pitchFamily="34" charset="-120"/>
+              <a:cs typeface="+mj-cs"/>
+            </a:endParaRPr>
+          </a:p>
+        </p:txBody>
+      </p:sp>
+      <p:sp>
+        <p:nvSpPr>
+          <p:cNvPr id="5" name="標題 1"/>
+          <p:cNvSpPr txBox="1"/>
+          <p:nvPr/>
+        </p:nvSpPr>
+        <p:spPr>
+          <a:xfrm>
+            <a:off x="0" y="2103836"/>
+            <a:ext cx="9144000" cy="628650"/>
+          </a:xfrm>
+          <a:prstGeom prst="rect">
+            <a:avLst/>
+          </a:prstGeom>
+        </p:spPr>
+        <p:txBody>
+          <a:bodyPr anchor="ctr">
+            <a:noAutofit/>
+          </a:bodyPr>
+          <a:lstStyle/>
+          <a:p>
+            <a:pPr lvl="0" algn="ctr">
+              <a:spcBef>
+                <a:spcPct val="0"/>
+              </a:spcBef>
+            </a:pPr>
+            <a:r>
+              <a:rPr lang="zh-CN" altLang="en-US" sz="6000" b="1" dirty="0" smtClean="0">
+                <a:solidFill>
+                  <a:srgbClr val="660033"/>
+                </a:solidFill>
+                <a:effectLst>
+                  <a:outerShdw blurRad="38100" dist="38100" dir="2700000" algn="tl">
+                    <a:srgbClr val="000000">
+                      <a:alpha val="43137"/>
+                    </a:srgbClr>
+                  </a:outerShdw>
+                </a:effectLst>
+                <a:latin typeface="微軟正黑體" pitchFamily="34" charset="-120"/>
+                <a:ea typeface="微軟正黑體" pitchFamily="34" charset="-120"/>
+                <a:cs typeface="+mj-cs"/>
+              </a:rPr>
+              <a:t>主題：</a:t>
+            </a:r>
+            <a:r>
+              <a:rPr lang="zh-CN" altLang="en-US" sz="6000" b="1" dirty="0">
+                <a:solidFill>
+                  <a:srgbClr val="660033"/>
+                </a:solidFill>
+                <a:effectLst>
+                  <a:outerShdw blurRad="38100" dist="38100" dir="2700000" algn="tl">
+                    <a:srgbClr val="000000">
+                      <a:alpha val="43137"/>
+                    </a:srgbClr>
+                  </a:outerShdw>
+                </a:effectLst>
+                <a:latin typeface="微軟正黑體" pitchFamily="34" charset="-120"/>
+                <a:ea typeface="微軟正黑體" pitchFamily="34" charset="-120"/>
+                <a:cs typeface="+mj-cs"/>
+              </a:rPr>
+              <a:t>全</a:t>
+            </a:r>
+            <a:r>
+              <a:rPr lang="zh-CN" altLang="en-US" sz="6000" b="1" dirty="0" smtClean="0">
+                <a:solidFill>
+                  <a:srgbClr val="660033"/>
+                </a:solidFill>
+                <a:effectLst>
+                  <a:outerShdw blurRad="38100" dist="38100" dir="2700000" algn="tl">
+                    <a:srgbClr val="000000">
+                      <a:alpha val="43137"/>
+                    </a:srgbClr>
+                  </a:outerShdw>
+                </a:effectLst>
+                <a:latin typeface="微軟正黑體" pitchFamily="34" charset="-120"/>
+                <a:ea typeface="微軟正黑體" pitchFamily="34" charset="-120"/>
+                <a:cs typeface="+mj-cs"/>
+              </a:rPr>
+              <a:t>能的神</a:t>
+            </a:r>
+            <a:endParaRPr lang="zh-TW" altLang="en-US" sz="6000" b="1" dirty="0">
+              <a:solidFill>
+                <a:srgbClr val="660033"/>
+              </a:solidFill>
+              <a:effectLst>
+                <a:outerShdw blurRad="38100" dist="38100" dir="2700000" algn="tl">
+                  <a:srgbClr val="000000">
+                    <a:alpha val="43137"/>
+                  </a:srgbClr>
+                </a:outerShdw>
+              </a:effectLst>
+              <a:latin typeface="微軟正黑體" pitchFamily="34" charset="-120"/>
+              <a:ea typeface="微軟正黑體" pitchFamily="34" charset="-120"/>
+              <a:cs typeface="+mj-cs"/>
+            </a:endParaRPr>
+          </a:p>
+        </p:txBody>
+      </p:sp>
+      <p:sp>
+        <p:nvSpPr>
+          <p:cNvPr id="6" name="標題 1"/>
+          <p:cNvSpPr txBox="1"/>
+          <p:nvPr/>
+        </p:nvSpPr>
+        <p:spPr>
+          <a:xfrm>
+            <a:off x="0" y="4415572"/>
+            <a:ext cx="9144000" cy="628650"/>
+          </a:xfrm>
+          <a:prstGeom prst="rect">
+            <a:avLst/>
+          </a:prstGeom>
+        </p:spPr>
+        <p:txBody>
+          <a:bodyPr anchor="ctr">
+            <a:noAutofit/>
+          </a:bodyPr>
+          <a:lstStyle/>
+          <a:p>
+            <a:pPr lvl="0" algn="ctr">
+              <a:spcBef>
+                <a:spcPct val="0"/>
+              </a:spcBef>
+            </a:pPr>
+            <a:r>
+              <a:rPr lang="zh-CN" altLang="en-US" sz="4800" b="1" smtClean="0">
+                <a:solidFill>
+                  <a:srgbClr val="000066"/>
+                </a:solidFill>
+                <a:effectLst>
+                  <a:outerShdw blurRad="38100" dist="38100" dir="2700000" algn="tl">
+                    <a:srgbClr val="000000">
+                      <a:alpha val="43137"/>
+                    </a:srgbClr>
+                  </a:outerShdw>
+                </a:effectLst>
+                <a:latin typeface="微軟正黑體" pitchFamily="34" charset="-120"/>
+                <a:ea typeface="微軟正黑體" pitchFamily="34" charset="-120"/>
+                <a:cs typeface="+mj-cs"/>
+              </a:rPr>
+              <a:t>主任牧師</a:t>
+            </a:r>
+            <a:endParaRPr lang="zh-TW" altLang="en-US" sz="4800" b="1" dirty="0">
+              <a:solidFill>
+                <a:srgbClr val="000066"/>
+              </a:solidFill>
+              <a:effectLst>
+                <a:outerShdw blurRad="38100" dist="38100" dir="2700000" algn="tl">
+                  <a:srgbClr val="000000">
+                    <a:alpha val="43137"/>
+                  </a:srgbClr>
+                </a:outerShdw>
+              </a:effectLst>
+              <a:latin typeface="微軟正黑體" pitchFamily="34" charset="-120"/>
+              <a:ea typeface="微軟正黑體" pitchFamily="34" charset="-120"/>
+              <a:cs typeface="+mj-cs"/>
             </a:endParaRPr>
           </a:p>
         </p:txBody>
@@ -4937,7 +5175,7 @@
           <a:p>
             <a:pPr algn="ctr"/>
             <a:r>
-              <a:rPr lang="zh-CN" altLang="en-US" sz="7200" b="1" dirty="0">
+              <a:rPr lang="zh-CN" altLang="en-US" sz="7200" b="1" dirty="0" smtClean="0">
                 <a:solidFill>
                   <a:srgbClr val="000066"/>
                 </a:solidFill>
@@ -4951,7 +5189,7 @@
                 <a:latin typeface="微軟正黑體" pitchFamily="34" charset="-120"/>
                 <a:ea typeface="微軟正黑體" pitchFamily="34" charset="-120"/>
               </a:rPr>
-              <a:t>回應詩歌</a:t>
+              <a:t>回應禱告</a:t>
             </a:r>
             <a:endParaRPr lang="zh-TW" altLang="en-US" sz="7200" b="1" dirty="0">
               <a:solidFill>
@@ -5004,18 +5242,18 @@
       </p:grpSpPr>
       <p:sp>
         <p:nvSpPr>
-          <p:cNvPr id="4" name="標題 3"/>
-          <p:cNvSpPr>
-            <a:spLocks noGrp="1"/>
-          </p:cNvSpPr>
-          <p:nvPr>
-            <p:ph type="title"/>
+          <p:cNvPr id="2" name="標題 1"/>
+          <p:cNvSpPr>
+            <a:spLocks noGrp="1"/>
+          </p:cNvSpPr>
+          <p:nvPr>
+            <p:ph type="title" idx="4294967295"/>
           </p:nvPr>
         </p:nvSpPr>
         <p:spPr>
           <a:xfrm>
-            <a:off x="0" y="2143135"/>
-            <a:ext cx="9144000" cy="857250"/>
+            <a:off x="0" y="2257425"/>
+            <a:ext cx="9144000" cy="628650"/>
           </a:xfrm>
         </p:spPr>
         <p:txBody>
@@ -5024,8 +5262,9 @@
           </a:bodyPr>
           <a:lstStyle/>
           <a:p>
-            <a:r>
-              <a:rPr lang="zh-CN" altLang="en-US" sz="4000" b="1" u="sng" dirty="0" smtClean="0">
+            <a:pPr algn="ctr"/>
+            <a:r>
+              <a:rPr lang="zh-CN" altLang="en-US" sz="7200" b="1" dirty="0">
                 <a:solidFill>
                   <a:srgbClr val="000066"/>
                 </a:solidFill>
@@ -5039,101 +5278,26 @@
                 <a:latin typeface="微軟正黑體" pitchFamily="34" charset="-120"/>
                 <a:ea typeface="微軟正黑體" pitchFamily="34" charset="-120"/>
               </a:rPr>
-              <a:t>宣道詩 </a:t>
-            </a:r>
-            <a:r>
-              <a:rPr lang="en-US" altLang="zh-CN" sz="4000" b="1" u="sng" dirty="0" smtClean="0">
-                <a:solidFill>
-                  <a:srgbClr val="000066"/>
-                </a:solidFill>
-                <a:effectLst>
-                  <a:outerShdw blurRad="38100" dist="38100" dir="2700000" algn="tl">
-                    <a:srgbClr val="000000">
-                      <a:alpha val="43137"/>
-                    </a:srgbClr>
-                  </a:outerShdw>
-                </a:effectLst>
-                <a:latin typeface="微軟正黑體" pitchFamily="34" charset="-120"/>
-                <a:ea typeface="微軟正黑體" pitchFamily="34" charset="-120"/>
-              </a:rPr>
-              <a:t>101</a:t>
-            </a:r>
-            <a:r>
-              <a:rPr lang="en-US" altLang="zh-CN" sz="5400" b="1" i="1" dirty="0" smtClean="0">
-                <a:solidFill>
-                  <a:srgbClr val="660033"/>
-                </a:solidFill>
-                <a:effectLst>
-                  <a:outerShdw blurRad="38100" dist="38100" dir="2700000" algn="tl">
-                    <a:srgbClr val="000000">
-                      <a:alpha val="43137"/>
-                    </a:srgbClr>
-                  </a:outerShdw>
-                </a:effectLst>
-                <a:latin typeface="微軟正黑體" pitchFamily="34" charset="-120"/>
-                <a:ea typeface="微軟正黑體" pitchFamily="34" charset="-120"/>
-              </a:rPr>
-              <a:t/>
-            </a:r>
-            <a:br>
-              <a:rPr lang="en-US" altLang="zh-CN" sz="5400" b="1" i="1" dirty="0" smtClean="0">
-                <a:solidFill>
-                  <a:srgbClr val="660033"/>
-                </a:solidFill>
-                <a:effectLst>
-                  <a:outerShdw blurRad="38100" dist="38100" dir="2700000" algn="tl">
-                    <a:srgbClr val="000000">
-                      <a:alpha val="43137"/>
-                    </a:srgbClr>
-                  </a:outerShdw>
-                </a:effectLst>
-                <a:latin typeface="微軟正黑體" pitchFamily="34" charset="-120"/>
-                <a:ea typeface="微軟正黑體" pitchFamily="34" charset="-120"/>
-              </a:rPr>
-            </a:br>
-            <a:r>
-              <a:rPr lang="zh-TW" altLang="en-US" sz="6000" b="1" dirty="0" smtClean="0">
-                <a:solidFill>
-                  <a:srgbClr val="660033"/>
-                </a:solidFill>
-                <a:effectLst>
-                  <a:outerShdw blurRad="38100" dist="38100" dir="2700000" algn="tl">
-                    <a:srgbClr val="000000">
-                      <a:alpha val="43137"/>
-                    </a:srgbClr>
-                  </a:outerShdw>
-                </a:effectLst>
-                <a:latin typeface="微軟正黑體" pitchFamily="34" charset="-120"/>
-                <a:ea typeface="微軟正黑體" pitchFamily="34" charset="-120"/>
-              </a:rPr>
-              <a:t>我</a:t>
-            </a:r>
-            <a:r>
-              <a:rPr lang="zh-TW" altLang="en-US" sz="6000" b="1" dirty="0">
-                <a:solidFill>
-                  <a:srgbClr val="660033"/>
-                </a:solidFill>
-                <a:effectLst>
-                  <a:outerShdw blurRad="38100" dist="38100" dir="2700000" algn="tl">
-                    <a:srgbClr val="000000">
-                      <a:alpha val="43137"/>
-                    </a:srgbClr>
-                  </a:outerShdw>
-                </a:effectLst>
-                <a:latin typeface="微軟正黑體" pitchFamily="34" charset="-120"/>
-                <a:ea typeface="微軟正黑體" pitchFamily="34" charset="-120"/>
-              </a:rPr>
-              <a:t>只是個罪人</a:t>
-            </a:r>
+              <a:t>回應詩歌</a:t>
+            </a:r>
+            <a:endParaRPr lang="zh-TW" altLang="en-US" sz="7200" b="1" dirty="0">
+              <a:solidFill>
+                <a:srgbClr val="000066"/>
+              </a:solidFill>
+              <a:effectLst>
+                <a:outerShdw blurRad="38100" dist="38100" dir="2700000" algn="tl">
+                  <a:srgbClr val="000000">
+                    <a:alpha val="43137"/>
+                  </a:srgbClr>
+                </a:outerShdw>
+              </a:effectLst>
+              <a:latin typeface="微軟正黑體" pitchFamily="34" charset="-120"/>
+              <a:ea typeface="微軟正黑體" pitchFamily="34" charset="-120"/>
+            </a:endParaRPr>
           </a:p>
         </p:txBody>
       </p:sp>
     </p:spTree>
-    <p:extLst>
-      <p:ext uri="{BB962C8B-B14F-4D97-AF65-F5344CB8AC3E}">
-        <p14:creationId xmlns:p14="http://schemas.microsoft.com/office/powerpoint/2010/main" val="3724263107"/>
-      </p:ext>
-    </p:extLst>
   </p:cSld>
   <p:clrMapOvr>
     <a:masterClrMapping/>
@@ -5167,113 +5331,134 @@
       </p:grpSpPr>
       <p:sp>
         <p:nvSpPr>
-          <p:cNvPr id="5" name="內容版面配置區 4"/>
-          <p:cNvSpPr>
-            <a:spLocks noGrp="1"/>
-          </p:cNvSpPr>
-          <p:nvPr>
-            <p:ph idx="1"/>
+          <p:cNvPr id="4" name="標題 3"/>
+          <p:cNvSpPr>
+            <a:spLocks noGrp="1"/>
+          </p:cNvSpPr>
+          <p:nvPr>
+            <p:ph type="title"/>
           </p:nvPr>
         </p:nvSpPr>
         <p:spPr>
           <a:xfrm>
-            <a:off x="0" y="1563638"/>
-            <a:ext cx="9144000" cy="1803647"/>
+            <a:off x="0" y="1995686"/>
+            <a:ext cx="9144000" cy="857250"/>
           </a:xfrm>
         </p:spPr>
         <p:txBody>
-          <a:bodyPr anchor="ctr">
-            <a:normAutofit/>
+          <a:bodyPr>
+            <a:noAutofit/>
           </a:bodyPr>
           <a:lstStyle/>
           <a:p>
-            <a:pPr marL="0" indent="0" algn="ctr">
-              <a:buNone/>
-            </a:pPr>
-            <a:r>
-              <a:rPr lang="zh-TW" altLang="en-US" sz="4800" b="1" dirty="0">
+            <a:r>
+              <a:rPr lang="zh-CN" altLang="en-US" sz="4000" b="1" u="sng" dirty="0" smtClean="0">
+                <a:solidFill>
+                  <a:srgbClr val="000066"/>
+                </a:solidFill>
+                <a:effectLst>
+                  <a:outerShdw blurRad="38100" dist="38100" dir="2700000" algn="tl">
+                    <a:srgbClr val="000000">
+                      <a:alpha val="43137"/>
+                    </a:srgbClr>
+                  </a:outerShdw>
+                </a:effectLst>
+                <a:latin typeface="微軟正黑體" pitchFamily="34" charset="-120"/>
+                <a:ea typeface="微軟正黑體" pitchFamily="34" charset="-120"/>
+              </a:rPr>
+              <a:t>宣道詩 </a:t>
+            </a:r>
+            <a:r>
+              <a:rPr lang="en-US" altLang="zh-CN" sz="4000" b="1" u="sng" dirty="0" smtClean="0">
+                <a:solidFill>
+                  <a:srgbClr val="000066"/>
+                </a:solidFill>
+                <a:effectLst>
+                  <a:outerShdw blurRad="38100" dist="38100" dir="2700000" algn="tl">
+                    <a:srgbClr val="000000">
+                      <a:alpha val="43137"/>
+                    </a:srgbClr>
+                  </a:outerShdw>
+                </a:effectLst>
+                <a:latin typeface="微軟正黑體" pitchFamily="34" charset="-120"/>
+                <a:ea typeface="微軟正黑體" pitchFamily="34" charset="-120"/>
+              </a:rPr>
+              <a:t>101</a:t>
+            </a:r>
+            <a:r>
+              <a:rPr lang="en-US" altLang="zh-CN" sz="5400" b="1" i="1" dirty="0" smtClean="0">
                 <a:solidFill>
                   <a:srgbClr val="660033"/>
                 </a:solidFill>
-                <a:latin typeface="Microsoft JhengHei" pitchFamily="34" charset="-120"/>
-                <a:ea typeface="Microsoft JhengHei" pitchFamily="34" charset="-120"/>
-              </a:rPr>
-              <a:t>我一切所有  無非是接受</a:t>
-            </a:r>
-            <a:endParaRPr lang="en-US" altLang="zh-TW" sz="4800" b="1" dirty="0">
-              <a:solidFill>
-                <a:srgbClr val="660033"/>
-              </a:solidFill>
-              <a:latin typeface="Microsoft JhengHei" pitchFamily="34" charset="-120"/>
-              <a:ea typeface="Microsoft JhengHei" pitchFamily="34" charset="-120"/>
-            </a:endParaRPr>
-          </a:p>
-          <a:p>
-            <a:pPr marL="0" indent="0" algn="ctr">
-              <a:buNone/>
-            </a:pPr>
-            <a:r>
-              <a:rPr lang="zh-TW" altLang="en-US" sz="4800" b="1" dirty="0">
+                <a:effectLst>
+                  <a:outerShdw blurRad="38100" dist="38100" dir="2700000" algn="tl">
+                    <a:srgbClr val="000000">
+                      <a:alpha val="43137"/>
+                    </a:srgbClr>
+                  </a:outerShdw>
+                </a:effectLst>
+                <a:latin typeface="微軟正黑體" pitchFamily="34" charset="-120"/>
+                <a:ea typeface="微軟正黑體" pitchFamily="34" charset="-120"/>
+              </a:rPr>
+              <a:t/>
+            </a:r>
+            <a:br>
+              <a:rPr lang="en-US" altLang="zh-CN" sz="5400" b="1" i="1" dirty="0" smtClean="0">
                 <a:solidFill>
                   <a:srgbClr val="660033"/>
                 </a:solidFill>
-                <a:latin typeface="Microsoft JhengHei" pitchFamily="34" charset="-120"/>
-                <a:ea typeface="Microsoft JhengHei" pitchFamily="34" charset="-120"/>
-              </a:rPr>
-              <a:t>都是主賜下  在我信之後</a:t>
-            </a:r>
-            <a:endParaRPr lang="en-US" altLang="zh-TW" sz="4800" b="1" dirty="0">
-              <a:solidFill>
-                <a:srgbClr val="660033"/>
-              </a:solidFill>
-              <a:latin typeface="Microsoft JhengHei" pitchFamily="34" charset="-120"/>
-              <a:ea typeface="Microsoft JhengHei" pitchFamily="34" charset="-120"/>
-            </a:endParaRPr>
-          </a:p>
-        </p:txBody>
-      </p:sp>
-      <p:sp>
-        <p:nvSpPr>
-          <p:cNvPr id="3" name="TextBox 2"/>
-          <p:cNvSpPr txBox="1"/>
-          <p:nvPr/>
-        </p:nvSpPr>
-        <p:spPr>
-          <a:xfrm>
-            <a:off x="251520" y="1659230"/>
-            <a:ext cx="936104" cy="830997"/>
-          </a:xfrm>
-          <a:prstGeom prst="rect">
-            <a:avLst/>
-          </a:prstGeom>
-          <a:noFill/>
-        </p:spPr>
-        <p:txBody>
-          <a:bodyPr wrap="square" rtlCol="0">
-            <a:spAutoFit/>
-          </a:bodyPr>
-          <a:lstStyle/>
-          <a:p>
-            <a:r>
-              <a:rPr lang="en-US" sz="4800" b="1" dirty="0" smtClean="0">
+                <a:effectLst>
+                  <a:outerShdw blurRad="38100" dist="38100" dir="2700000" algn="tl">
+                    <a:srgbClr val="000000">
+                      <a:alpha val="43137"/>
+                    </a:srgbClr>
+                  </a:outerShdw>
+                </a:effectLst>
+                <a:latin typeface="微軟正黑體" pitchFamily="34" charset="-120"/>
+                <a:ea typeface="微軟正黑體" pitchFamily="34" charset="-120"/>
+              </a:rPr>
+            </a:br>
+            <a:r>
+              <a:rPr lang="zh-TW" altLang="en-US" sz="6000" b="1" dirty="0" smtClean="0">
                 <a:solidFill>
                   <a:srgbClr val="660033"/>
                 </a:solidFill>
-              </a:rPr>
-              <a:t>1.</a:t>
-            </a:r>
-            <a:endParaRPr lang="vi-VN" sz="4800" b="1" dirty="0">
-              <a:solidFill>
-                <a:srgbClr val="660033"/>
-              </a:solidFill>
-            </a:endParaRPr>
+                <a:effectLst>
+                  <a:outerShdw blurRad="38100" dist="38100" dir="2700000" algn="tl">
+                    <a:srgbClr val="000000">
+                      <a:alpha val="43137"/>
+                    </a:srgbClr>
+                  </a:outerShdw>
+                </a:effectLst>
+                <a:latin typeface="微軟正黑體" pitchFamily="34" charset="-120"/>
+                <a:ea typeface="微軟正黑體" pitchFamily="34" charset="-120"/>
+              </a:rPr>
+              <a:t>我</a:t>
+            </a:r>
+            <a:r>
+              <a:rPr lang="zh-TW" altLang="en-US" sz="6000" b="1" dirty="0">
+                <a:solidFill>
+                  <a:srgbClr val="660033"/>
+                </a:solidFill>
+                <a:effectLst>
+                  <a:outerShdw blurRad="38100" dist="38100" dir="2700000" algn="tl">
+                    <a:srgbClr val="000000">
+                      <a:alpha val="43137"/>
+                    </a:srgbClr>
+                  </a:outerShdw>
+                </a:effectLst>
+                <a:latin typeface="微軟正黑體" pitchFamily="34" charset="-120"/>
+                <a:ea typeface="微軟正黑體" pitchFamily="34" charset="-120"/>
+              </a:rPr>
+              <a:t>只是個罪人</a:t>
+            </a:r>
           </a:p>
         </p:txBody>
       </p:sp>
     </p:spTree>
     <p:extLst>
       <p:ext uri="{BB962C8B-B14F-4D97-AF65-F5344CB8AC3E}">
-        <p14:creationId xmlns:p14="http://schemas.microsoft.com/office/powerpoint/2010/main" val="399046055"/>
+        <p14:creationId xmlns:p14="http://schemas.microsoft.com/office/powerpoint/2010/main" val="3724263107"/>
       </p:ext>
     </p:extLst>
   </p:cSld>
@@ -5319,7 +5504,7 @@
         </p:nvSpPr>
         <p:spPr>
           <a:xfrm>
-            <a:off x="0" y="2089284"/>
+            <a:off x="0" y="2089919"/>
             <a:ext cx="9144000" cy="964406"/>
           </a:xfrm>
         </p:spPr>
@@ -5329,6 +5514,7 @@
           </a:bodyPr>
           <a:lstStyle/>
           <a:p>
+            <a:pPr algn="ctr"/>
             <a:r>
               <a:rPr lang="zh-CN" altLang="en-US" sz="7200" b="1" dirty="0">
                 <a:solidFill>
@@ -5344,41 +5530,7 @@
                 <a:latin typeface="微軟正黑體" pitchFamily="34" charset="-120"/>
                 <a:ea typeface="微軟正黑體" pitchFamily="34" charset="-120"/>
               </a:rPr>
-              <a:t>本堂</a:t>
-            </a:r>
-            <a:r>
-              <a:rPr lang="zh-CN" altLang="en-US" sz="7200" b="1" dirty="0" smtClean="0">
-                <a:solidFill>
-                  <a:srgbClr val="000066"/>
-                </a:solidFill>
-                <a:effectLst>
-                  <a:outerShdw blurRad="38100" dist="38100" dir="2700000" algn="tl">
-                    <a:srgbClr val="000000">
-                      <a:alpha val="43137"/>
-                    </a:srgbClr>
-                  </a:outerShdw>
-                </a:effectLst>
-                <a:latin typeface="微軟正黑體" pitchFamily="34" charset="-120"/>
-                <a:ea typeface="微軟正黑體" pitchFamily="34" charset="-120"/>
-              </a:rPr>
-              <a:t>牧師領</a:t>
-            </a:r>
-            <a:r>
-              <a:rPr lang="zh-CN" altLang="en-US" sz="7200" b="1" dirty="0">
-                <a:solidFill>
-                  <a:srgbClr val="000066"/>
-                </a:solidFill>
-                <a:effectLst>
-                  <a:outerShdw blurRad="38100" dist="38100" dir="2700000" algn="tl">
-                    <a:srgbClr val="000000">
-                      <a:alpha val="43137"/>
-                    </a:srgbClr>
-                  </a:outerShdw>
-                </a:effectLst>
-                <a:latin typeface="微軟正黑體" pitchFamily="34" charset="-120"/>
-                <a:ea typeface="微軟正黑體" pitchFamily="34" charset="-120"/>
-              </a:rPr>
-              <a:t>詩班進堂</a:t>
+              <a:t>宣召</a:t>
             </a:r>
             <a:endParaRPr lang="zh-TW" altLang="en-US" sz="7200" b="1" dirty="0">
               <a:solidFill>
@@ -5431,95 +5583,115 @@
       </p:grpSpPr>
       <p:sp>
         <p:nvSpPr>
-          <p:cNvPr id="2" name="標題 1"/>
-          <p:cNvSpPr>
-            <a:spLocks noGrp="1"/>
-          </p:cNvSpPr>
-          <p:nvPr>
-            <p:ph type="title" idx="4294967295"/>
+          <p:cNvPr id="5" name="內容版面配置區 4"/>
+          <p:cNvSpPr>
+            <a:spLocks noGrp="1"/>
+          </p:cNvSpPr>
+          <p:nvPr>
+            <p:ph idx="1"/>
           </p:nvPr>
         </p:nvSpPr>
         <p:spPr>
           <a:xfrm>
-            <a:off x="149" y="2257505"/>
-            <a:ext cx="9144000" cy="628650"/>
+            <a:off x="0" y="1563638"/>
+            <a:ext cx="9144000" cy="1803647"/>
           </a:xfrm>
         </p:spPr>
         <p:txBody>
-          <a:bodyPr>
-            <a:noAutofit/>
+          <a:bodyPr anchor="ctr">
+            <a:normAutofit/>
           </a:bodyPr>
           <a:lstStyle/>
           <a:p>
-            <a:r>
-              <a:rPr lang="zh-CN" altLang="en-US" sz="7200" b="1" dirty="0">
-                <a:solidFill>
-                  <a:srgbClr val="000066"/>
-                </a:solidFill>
-                <a:effectLst>
-                  <a:outerShdw blurRad="38100" dist="38100" dir="2700000" algn="tl">
-                    <a:srgbClr val="000000">
-                      <a:alpha val="43137"/>
-                    </a:srgbClr>
-                  </a:outerShdw>
-                </a:effectLst>
-                <a:latin typeface="微軟正黑體" pitchFamily="34" charset="-120"/>
-                <a:ea typeface="微軟正黑體" pitchFamily="34" charset="-120"/>
-              </a:rPr>
-              <a:t>家事分</a:t>
-            </a:r>
-            <a:r>
-              <a:rPr lang="zh-CN" altLang="en-US" sz="7200" b="1" dirty="0" smtClean="0">
-                <a:solidFill>
-                  <a:srgbClr val="000066"/>
-                </a:solidFill>
-                <a:effectLst>
-                  <a:outerShdw blurRad="38100" dist="38100" dir="2700000" algn="tl">
-                    <a:srgbClr val="000000">
-                      <a:alpha val="43137"/>
-                    </a:srgbClr>
-                  </a:outerShdw>
-                </a:effectLst>
-                <a:latin typeface="微軟正黑體" pitchFamily="34" charset="-120"/>
-                <a:ea typeface="微軟正黑體" pitchFamily="34" charset="-120"/>
-              </a:rPr>
-              <a:t>享代</a:t>
-            </a:r>
-            <a:r>
-              <a:rPr lang="zh-CN" altLang="en-US" sz="7200" b="1" dirty="0">
-                <a:solidFill>
-                  <a:srgbClr val="000066"/>
-                </a:solidFill>
-                <a:effectLst>
-                  <a:outerShdw blurRad="38100" dist="38100" dir="2700000" algn="tl">
-                    <a:srgbClr val="000000">
-                      <a:alpha val="43137"/>
-                    </a:srgbClr>
-                  </a:outerShdw>
-                </a:effectLst>
-                <a:latin typeface="微軟正黑體" pitchFamily="34" charset="-120"/>
-                <a:ea typeface="微軟正黑體" pitchFamily="34" charset="-120"/>
-              </a:rPr>
-              <a:t>禱</a:t>
-            </a:r>
-            <a:endParaRPr lang="zh-TW" altLang="en-US" sz="7200" b="1" dirty="0">
+            <a:pPr marL="0" indent="0" algn="ctr">
+              <a:buNone/>
+            </a:pPr>
+            <a:r>
+              <a:rPr lang="zh-TW" altLang="en-US" sz="4800" b="1" dirty="0">
+                <a:solidFill>
+                  <a:srgbClr val="660033"/>
+                </a:solidFill>
+                <a:latin typeface="Microsoft JhengHei" pitchFamily="34" charset="-120"/>
+                <a:ea typeface="Microsoft JhengHei" pitchFamily="34" charset="-120"/>
+              </a:rPr>
+              <a:t>我一切所有  無非是接受</a:t>
+            </a:r>
+            <a:endParaRPr lang="en-US" altLang="zh-TW" sz="4800" b="1" dirty="0">
               <a:solidFill>
-                <a:srgbClr val="000066"/>
+                <a:srgbClr val="660033"/>
               </a:solidFill>
-              <a:effectLst>
-                <a:outerShdw blurRad="38100" dist="38100" dir="2700000" algn="tl">
-                  <a:srgbClr val="000000">
-                    <a:alpha val="43137"/>
-                  </a:srgbClr>
-                </a:outerShdw>
-              </a:effectLst>
-              <a:latin typeface="微軟正黑體" pitchFamily="34" charset="-120"/>
-              <a:ea typeface="微軟正黑體" pitchFamily="34" charset="-120"/>
+              <a:latin typeface="Microsoft JhengHei" pitchFamily="34" charset="-120"/>
+              <a:ea typeface="Microsoft JhengHei" pitchFamily="34" charset="-120"/>
             </a:endParaRPr>
           </a:p>
+          <a:p>
+            <a:pPr marL="0" indent="0" algn="ctr">
+              <a:buNone/>
+            </a:pPr>
+            <a:r>
+              <a:rPr lang="zh-TW" altLang="en-US" sz="4800" b="1" dirty="0">
+                <a:solidFill>
+                  <a:srgbClr val="660033"/>
+                </a:solidFill>
+                <a:latin typeface="Microsoft JhengHei" pitchFamily="34" charset="-120"/>
+                <a:ea typeface="Microsoft JhengHei" pitchFamily="34" charset="-120"/>
+              </a:rPr>
+              <a:t>都是主賜下  在我信之後</a:t>
+            </a:r>
+            <a:endParaRPr lang="en-US" altLang="zh-TW" sz="4800" b="1" dirty="0">
+              <a:solidFill>
+                <a:srgbClr val="660033"/>
+              </a:solidFill>
+              <a:latin typeface="Microsoft JhengHei" pitchFamily="34" charset="-120"/>
+              <a:ea typeface="Microsoft JhengHei" pitchFamily="34" charset="-120"/>
+            </a:endParaRPr>
+          </a:p>
+        </p:txBody>
+      </p:sp>
+      <p:sp>
+        <p:nvSpPr>
+          <p:cNvPr id="3" name="TextBox 2"/>
+          <p:cNvSpPr txBox="1"/>
+          <p:nvPr/>
+        </p:nvSpPr>
+        <p:spPr>
+          <a:xfrm>
+            <a:off x="251520" y="1659230"/>
+            <a:ext cx="936104" cy="830997"/>
+          </a:xfrm>
+          <a:prstGeom prst="rect">
+            <a:avLst/>
+          </a:prstGeom>
+          <a:noFill/>
+        </p:spPr>
+        <p:txBody>
+          <a:bodyPr wrap="square" rtlCol="0">
+            <a:spAutoFit/>
+          </a:bodyPr>
+          <a:lstStyle/>
+          <a:p>
+            <a:r>
+              <a:rPr lang="en-US" sz="4800" b="1" dirty="0" smtClean="0">
+                <a:solidFill>
+                  <a:srgbClr val="660033"/>
+                </a:solidFill>
+              </a:rPr>
+              <a:t>1.</a:t>
+            </a:r>
+            <a:endParaRPr lang="vi-VN" sz="4800" b="1" dirty="0">
+              <a:solidFill>
+                <a:srgbClr val="660033"/>
+              </a:solidFill>
+            </a:endParaRPr>
+          </a:p>
         </p:txBody>
       </p:sp>
     </p:spTree>
+    <p:extLst>
+      <p:ext uri="{BB962C8B-B14F-4D97-AF65-F5344CB8AC3E}">
+        <p14:creationId xmlns:p14="http://schemas.microsoft.com/office/powerpoint/2010/main" val="399046055"/>
+      </p:ext>
+    </p:extLst>
   </p:cSld>
   <p:clrMapOvr>
     <a:masterClrMapping/>
@@ -5553,18 +5725,18 @@
       </p:grpSpPr>
       <p:sp>
         <p:nvSpPr>
-          <p:cNvPr id="4" name="標題 3"/>
-          <p:cNvSpPr>
-            <a:spLocks noGrp="1"/>
-          </p:cNvSpPr>
-          <p:nvPr>
-            <p:ph type="title"/>
+          <p:cNvPr id="2" name="標題 1"/>
+          <p:cNvSpPr>
+            <a:spLocks noGrp="1"/>
+          </p:cNvSpPr>
+          <p:nvPr>
+            <p:ph type="title" idx="4294967295"/>
           </p:nvPr>
         </p:nvSpPr>
         <p:spPr>
           <a:xfrm>
-            <a:off x="0" y="2143135"/>
-            <a:ext cx="9144000" cy="857250"/>
+            <a:off x="149" y="2257505"/>
+            <a:ext cx="9144000" cy="628650"/>
           </a:xfrm>
         </p:spPr>
         <p:txBody>
@@ -5574,7 +5746,7 @@
           <a:lstStyle/>
           <a:p>
             <a:r>
-              <a:rPr lang="zh-CN" altLang="en-US" sz="7200" b="1" dirty="0" smtClean="0">
+              <a:rPr lang="zh-CN" altLang="en-US" sz="7200" b="1" dirty="0">
                 <a:solidFill>
                   <a:srgbClr val="000066"/>
                 </a:solidFill>
@@ -5588,10 +5760,10 @@
                 <a:latin typeface="微軟正黑體" pitchFamily="34" charset="-120"/>
                 <a:ea typeface="微軟正黑體" pitchFamily="34" charset="-120"/>
               </a:rPr>
-              <a:t>三</a:t>
-            </a:r>
-            <a:r>
-              <a:rPr lang="zh-CN" altLang="en-US" sz="7200" b="1" dirty="0">
+              <a:t>家事分</a:t>
+            </a:r>
+            <a:r>
+              <a:rPr lang="zh-CN" altLang="en-US" sz="7200" b="1" dirty="0" smtClean="0">
                 <a:solidFill>
                   <a:srgbClr val="000066"/>
                 </a:solidFill>
@@ -5605,7 +5777,24 @@
                 <a:latin typeface="微軟正黑體" pitchFamily="34" charset="-120"/>
                 <a:ea typeface="微軟正黑體" pitchFamily="34" charset="-120"/>
               </a:rPr>
-              <a:t>一頌</a:t>
+              <a:t>享代</a:t>
+            </a:r>
+            <a:r>
+              <a:rPr lang="zh-CN" altLang="en-US" sz="7200" b="1" dirty="0">
+                <a:solidFill>
+                  <a:srgbClr val="000066"/>
+                </a:solidFill>
+                <a:effectLst>
+                  <a:outerShdw blurRad="38100" dist="38100" dir="2700000" algn="tl">
+                    <a:srgbClr val="000000">
+                      <a:alpha val="43137"/>
+                    </a:srgbClr>
+                  </a:outerShdw>
+                </a:effectLst>
+                <a:latin typeface="微軟正黑體" pitchFamily="34" charset="-120"/>
+                <a:ea typeface="微軟正黑體" pitchFamily="34" charset="-120"/>
+              </a:rPr>
+              <a:t>禱</a:t>
             </a:r>
             <a:endParaRPr lang="zh-TW" altLang="en-US" sz="7200" b="1" dirty="0">
               <a:solidFill>
@@ -5625,15 +5814,17 @@
         </p:txBody>
       </p:sp>
     </p:spTree>
-    <p:extLst>
-      <p:ext uri="{BB962C8B-B14F-4D97-AF65-F5344CB8AC3E}">
-        <p14:creationId xmlns:p14="http://schemas.microsoft.com/office/powerpoint/2010/main" val="4276309469"/>
-      </p:ext>
-    </p:extLst>
   </p:cSld>
   <p:clrMapOvr>
     <a:masterClrMapping/>
   </p:clrMapOvr>
+  <p:timing>
+    <p:tnLst>
+      <p:par>
+        <p:cTn id="1" dur="indefinite" restart="never" nodeType="tmRoot"/>
+      </p:par>
+    </p:tnLst>
+  </p:timing>
 </p:sld>
 </file>
 
@@ -5656,54 +5847,68 @@
       </p:grpSpPr>
       <p:sp>
         <p:nvSpPr>
-          <p:cNvPr id="5" name="內容版面配置區 4"/>
-          <p:cNvSpPr>
-            <a:spLocks noGrp="1"/>
-          </p:cNvSpPr>
-          <p:nvPr>
-            <p:ph idx="1"/>
+          <p:cNvPr id="4" name="標題 3"/>
+          <p:cNvSpPr>
+            <a:spLocks noGrp="1"/>
+          </p:cNvSpPr>
+          <p:nvPr>
+            <p:ph type="title"/>
           </p:nvPr>
         </p:nvSpPr>
         <p:spPr>
           <a:xfrm>
-            <a:off x="0" y="1563638"/>
-            <a:ext cx="9144000" cy="1803647"/>
+            <a:off x="0" y="2143135"/>
+            <a:ext cx="9144000" cy="857250"/>
           </a:xfrm>
         </p:spPr>
         <p:txBody>
-          <a:bodyPr anchor="ctr">
-            <a:normAutofit/>
+          <a:bodyPr>
+            <a:noAutofit/>
           </a:bodyPr>
           <a:lstStyle/>
           <a:p>
-            <a:pPr algn="ctr">
-              <a:buNone/>
-            </a:pPr>
-            <a:r>
-              <a:rPr lang="zh-CN" altLang="en-US" sz="4800" b="1" dirty="0">
+            <a:r>
+              <a:rPr lang="zh-CN" altLang="en-US" sz="7200" b="1" dirty="0" smtClean="0">
                 <a:solidFill>
                   <a:srgbClr val="000066"/>
                 </a:solidFill>
                 <a:effectLst>
-                  <a:outerShdw blurRad="50000" dist="30000" dir="5400000" algn="tl" rotWithShape="0">
+                  <a:outerShdw blurRad="38100" dist="38100" dir="2700000" algn="tl">
                     <a:srgbClr val="000000">
-                      <a:alpha val="30000"/>
+                      <a:alpha val="43137"/>
                     </a:srgbClr>
                   </a:outerShdw>
                 </a:effectLst>
                 <a:latin typeface="微軟正黑體" pitchFamily="34" charset="-120"/>
                 <a:ea typeface="微軟正黑體" pitchFamily="34" charset="-120"/>
               </a:rPr>
-              <a:t>讚美天父愛世慈仁</a:t>
-            </a:r>
-            <a:endParaRPr lang="en-US" altLang="zh-CN" sz="4800" b="1" dirty="0">
+              <a:t>三</a:t>
+            </a:r>
+            <a:r>
+              <a:rPr lang="zh-CN" altLang="en-US" sz="7200" b="1" dirty="0">
+                <a:solidFill>
+                  <a:srgbClr val="000066"/>
+                </a:solidFill>
+                <a:effectLst>
+                  <a:outerShdw blurRad="38100" dist="38100" dir="2700000" algn="tl">
+                    <a:srgbClr val="000000">
+                      <a:alpha val="43137"/>
+                    </a:srgbClr>
+                  </a:outerShdw>
+                </a:effectLst>
+                <a:latin typeface="微軟正黑體" pitchFamily="34" charset="-120"/>
+                <a:ea typeface="微軟正黑體" pitchFamily="34" charset="-120"/>
+              </a:rPr>
+              <a:t>一頌</a:t>
+            </a:r>
+            <a:endParaRPr lang="zh-TW" altLang="en-US" sz="7200" b="1" dirty="0">
               <a:solidFill>
                 <a:srgbClr val="000066"/>
               </a:solidFill>
               <a:effectLst>
-                <a:outerShdw blurRad="50000" dist="30000" dir="5400000" algn="tl" rotWithShape="0">
+                <a:outerShdw blurRad="38100" dist="38100" dir="2700000" algn="tl">
                   <a:srgbClr val="000000">
-                    <a:alpha val="30000"/>
+                    <a:alpha val="43137"/>
                   </a:srgbClr>
                 </a:outerShdw>
               </a:effectLst>
@@ -5711,48 +5916,12 @@
               <a:ea typeface="微軟正黑體" pitchFamily="34" charset="-120"/>
             </a:endParaRPr>
           </a:p>
-          <a:p>
-            <a:pPr algn="ctr">
-              <a:buNone/>
-            </a:pPr>
-            <a:r>
-              <a:rPr lang="zh-CN" altLang="en-US" sz="4800" b="1" dirty="0">
-                <a:solidFill>
-                  <a:srgbClr val="000066"/>
-                </a:solidFill>
-                <a:effectLst>
-                  <a:outerShdw blurRad="50000" dist="30000" dir="5400000" algn="tl" rotWithShape="0">
-                    <a:srgbClr val="000000">
-                      <a:alpha val="30000"/>
-                    </a:srgbClr>
-                  </a:outerShdw>
-                </a:effectLst>
-                <a:latin typeface="微軟正黑體" pitchFamily="34" charset="-120"/>
-                <a:ea typeface="微軟正黑體" pitchFamily="34" charset="-120"/>
-              </a:rPr>
-              <a:t>讚美耶穌代贖洪恩</a:t>
-            </a:r>
-            <a:endParaRPr lang="en-US" altLang="zh-CN" sz="4800" b="1" dirty="0">
-              <a:solidFill>
-                <a:srgbClr val="000066"/>
-              </a:solidFill>
-              <a:effectLst>
-                <a:outerShdw blurRad="50000" dist="30000" dir="5400000" algn="tl" rotWithShape="0">
-                  <a:srgbClr val="000000">
-                    <a:alpha val="30000"/>
-                  </a:srgbClr>
-                </a:outerShdw>
-              </a:effectLst>
-              <a:latin typeface="微軟正黑體" pitchFamily="34" charset="-120"/>
-              <a:ea typeface="微軟正黑體" pitchFamily="34" charset="-120"/>
-            </a:endParaRPr>
-          </a:p>
         </p:txBody>
       </p:sp>
     </p:spTree>
     <p:extLst>
       <p:ext uri="{BB962C8B-B14F-4D97-AF65-F5344CB8AC3E}">
-        <p14:creationId xmlns:p14="http://schemas.microsoft.com/office/powerpoint/2010/main" val="1986925349"/>
+        <p14:creationId xmlns:p14="http://schemas.microsoft.com/office/powerpoint/2010/main" val="4276309469"/>
       </p:ext>
     </p:extLst>
   </p:cSld>
@@ -5819,7 +5988,7 @@
                 <a:latin typeface="微軟正黑體" pitchFamily="34" charset="-120"/>
                 <a:ea typeface="微軟正黑體" pitchFamily="34" charset="-120"/>
               </a:rPr>
-              <a:t>讚美聖靈開我茅塞</a:t>
+              <a:t>讚美天父愛世慈仁</a:t>
             </a:r>
             <a:endParaRPr lang="en-US" altLang="zh-CN" sz="4800" b="1" dirty="0">
               <a:solidFill>
@@ -5855,9 +6024,9 @@
                 <a:latin typeface="微軟正黑體" pitchFamily="34" charset="-120"/>
                 <a:ea typeface="微軟正黑體" pitchFamily="34" charset="-120"/>
               </a:rPr>
-              <a:t>讚美三位合一真神</a:t>
-            </a:r>
-            <a:endParaRPr lang="zh-TW" altLang="en-US" sz="4800" b="1" dirty="0">
+              <a:t>讚美耶穌代贖洪恩</a:t>
+            </a:r>
+            <a:endParaRPr lang="en-US" altLang="zh-CN" sz="4800" b="1" dirty="0">
               <a:solidFill>
                 <a:srgbClr val="000066"/>
               </a:solidFill>
@@ -5877,7 +6046,7 @@
     </p:spTree>
     <p:extLst>
       <p:ext uri="{BB962C8B-B14F-4D97-AF65-F5344CB8AC3E}">
-        <p14:creationId xmlns:p14="http://schemas.microsoft.com/office/powerpoint/2010/main" val="129030455"/>
+        <p14:creationId xmlns:p14="http://schemas.microsoft.com/office/powerpoint/2010/main" val="1986925349"/>
       </p:ext>
     </p:extLst>
   </p:cSld>
@@ -5906,68 +6075,54 @@
       </p:grpSpPr>
       <p:sp>
         <p:nvSpPr>
-          <p:cNvPr id="4" name="標題 3"/>
-          <p:cNvSpPr>
-            <a:spLocks noGrp="1"/>
-          </p:cNvSpPr>
-          <p:nvPr>
-            <p:ph type="title"/>
+          <p:cNvPr id="5" name="內容版面配置區 4"/>
+          <p:cNvSpPr>
+            <a:spLocks noGrp="1"/>
+          </p:cNvSpPr>
+          <p:nvPr>
+            <p:ph idx="1"/>
           </p:nvPr>
         </p:nvSpPr>
         <p:spPr>
           <a:xfrm>
-            <a:off x="0" y="2143135"/>
-            <a:ext cx="9144000" cy="857250"/>
+            <a:off x="0" y="1563638"/>
+            <a:ext cx="9144000" cy="1803647"/>
           </a:xfrm>
         </p:spPr>
         <p:txBody>
-          <a:bodyPr>
-            <a:noAutofit/>
+          <a:bodyPr anchor="ctr">
+            <a:normAutofit/>
           </a:bodyPr>
           <a:lstStyle/>
           <a:p>
-            <a:r>
-              <a:rPr lang="zh-CN" altLang="en-US" sz="7200" b="1" dirty="0" smtClean="0">
-                <a:solidFill>
-                  <a:srgbClr val="660033"/>
+            <a:pPr algn="ctr">
+              <a:buNone/>
+            </a:pPr>
+            <a:r>
+              <a:rPr lang="zh-CN" altLang="en-US" sz="4800" b="1" dirty="0">
+                <a:solidFill>
+                  <a:srgbClr val="000066"/>
                 </a:solidFill>
                 <a:effectLst>
-                  <a:outerShdw blurRad="38100" dist="38100" dir="2700000" algn="tl">
+                  <a:outerShdw blurRad="50000" dist="30000" dir="5400000" algn="tl" rotWithShape="0">
                     <a:srgbClr val="000000">
-                      <a:alpha val="43137"/>
+                      <a:alpha val="30000"/>
                     </a:srgbClr>
                   </a:outerShdw>
                 </a:effectLst>
                 <a:latin typeface="微軟正黑體" pitchFamily="34" charset="-120"/>
                 <a:ea typeface="微軟正黑體" pitchFamily="34" charset="-120"/>
               </a:rPr>
-              <a:t>公</a:t>
-            </a:r>
-            <a:r>
-              <a:rPr lang="zh-CN" altLang="en-US" sz="7200" b="1" dirty="0">
-                <a:solidFill>
-                  <a:srgbClr val="660033"/>
-                </a:solidFill>
-                <a:effectLst>
-                  <a:outerShdw blurRad="38100" dist="38100" dir="2700000" algn="tl">
-                    <a:srgbClr val="000000">
-                      <a:alpha val="43137"/>
-                    </a:srgbClr>
-                  </a:outerShdw>
-                </a:effectLst>
-                <a:latin typeface="微軟正黑體" pitchFamily="34" charset="-120"/>
-                <a:ea typeface="微軟正黑體" pitchFamily="34" charset="-120"/>
-              </a:rPr>
-              <a:t>禱文</a:t>
-            </a:r>
-            <a:endParaRPr lang="zh-TW" altLang="en-US" sz="7200" b="1" dirty="0">
+              <a:t>讚美聖靈開我茅塞</a:t>
+            </a:r>
+            <a:endParaRPr lang="en-US" altLang="zh-CN" sz="4800" b="1" dirty="0">
               <a:solidFill>
-                <a:srgbClr val="660033"/>
+                <a:srgbClr val="000066"/>
               </a:solidFill>
               <a:effectLst>
-                <a:outerShdw blurRad="38100" dist="38100" dir="2700000" algn="tl">
+                <a:outerShdw blurRad="50000" dist="30000" dir="5400000" algn="tl" rotWithShape="0">
                   <a:srgbClr val="000000">
-                    <a:alpha val="43137"/>
+                    <a:alpha val="30000"/>
                   </a:srgbClr>
                 </a:outerShdw>
               </a:effectLst>
@@ -5975,12 +6130,48 @@
               <a:ea typeface="微軟正黑體" pitchFamily="34" charset="-120"/>
             </a:endParaRPr>
           </a:p>
+          <a:p>
+            <a:pPr algn="ctr">
+              <a:buNone/>
+            </a:pPr>
+            <a:r>
+              <a:rPr lang="zh-CN" altLang="en-US" sz="4800" b="1" dirty="0">
+                <a:solidFill>
+                  <a:srgbClr val="000066"/>
+                </a:solidFill>
+                <a:effectLst>
+                  <a:outerShdw blurRad="50000" dist="30000" dir="5400000" algn="tl" rotWithShape="0">
+                    <a:srgbClr val="000000">
+                      <a:alpha val="30000"/>
+                    </a:srgbClr>
+                  </a:outerShdw>
+                </a:effectLst>
+                <a:latin typeface="微軟正黑體" pitchFamily="34" charset="-120"/>
+                <a:ea typeface="微軟正黑體" pitchFamily="34" charset="-120"/>
+              </a:rPr>
+              <a:t>讚美三位合一真神</a:t>
+            </a:r>
+            <a:endParaRPr lang="zh-TW" altLang="en-US" sz="4800" b="1" dirty="0">
+              <a:solidFill>
+                <a:srgbClr val="000066"/>
+              </a:solidFill>
+              <a:effectLst>
+                <a:outerShdw blurRad="50000" dist="30000" dir="5400000" algn="tl" rotWithShape="0">
+                  <a:srgbClr val="000000">
+                    <a:alpha val="30000"/>
+                  </a:srgbClr>
+                </a:outerShdw>
+              </a:effectLst>
+              <a:latin typeface="微軟正黑體" pitchFamily="34" charset="-120"/>
+              <a:ea typeface="微軟正黑體" pitchFamily="34" charset="-120"/>
+            </a:endParaRPr>
+          </a:p>
         </p:txBody>
       </p:sp>
     </p:spTree>
     <p:extLst>
       <p:ext uri="{BB962C8B-B14F-4D97-AF65-F5344CB8AC3E}">
-        <p14:creationId xmlns:p14="http://schemas.microsoft.com/office/powerpoint/2010/main" val="3663766120"/>
+        <p14:creationId xmlns:p14="http://schemas.microsoft.com/office/powerpoint/2010/main" val="129030455"/>
       </p:ext>
     </p:extLst>
   </p:cSld>
@@ -6009,54 +6200,68 @@
       </p:grpSpPr>
       <p:sp>
         <p:nvSpPr>
-          <p:cNvPr id="5" name="內容版面配置區 4"/>
-          <p:cNvSpPr>
-            <a:spLocks noGrp="1"/>
-          </p:cNvSpPr>
-          <p:nvPr>
-            <p:ph idx="1"/>
+          <p:cNvPr id="4" name="標題 3"/>
+          <p:cNvSpPr>
+            <a:spLocks noGrp="1"/>
+          </p:cNvSpPr>
+          <p:nvPr>
+            <p:ph type="title"/>
           </p:nvPr>
         </p:nvSpPr>
         <p:spPr>
           <a:xfrm>
-            <a:off x="0" y="1563638"/>
-            <a:ext cx="9144000" cy="1803647"/>
+            <a:off x="0" y="2143135"/>
+            <a:ext cx="9144000" cy="857250"/>
           </a:xfrm>
         </p:spPr>
         <p:txBody>
-          <a:bodyPr anchor="ctr">
-            <a:normAutofit/>
+          <a:bodyPr>
+            <a:noAutofit/>
           </a:bodyPr>
           <a:lstStyle/>
           <a:p>
-            <a:pPr algn="ctr">
-              <a:buNone/>
-            </a:pPr>
-            <a:r>
-              <a:rPr lang="zh-CN" altLang="en-US" sz="4800" b="1" dirty="0">
+            <a:r>
+              <a:rPr lang="zh-CN" altLang="en-US" sz="7200" b="1" dirty="0" smtClean="0">
                 <a:solidFill>
                   <a:srgbClr val="660033"/>
                 </a:solidFill>
                 <a:effectLst>
-                  <a:outerShdw blurRad="50000" dist="30000" dir="5400000" algn="tl" rotWithShape="0">
+                  <a:outerShdw blurRad="38100" dist="38100" dir="2700000" algn="tl">
                     <a:srgbClr val="000000">
-                      <a:alpha val="30000"/>
+                      <a:alpha val="43137"/>
                     </a:srgbClr>
                   </a:outerShdw>
                 </a:effectLst>
                 <a:latin typeface="微軟正黑體" pitchFamily="34" charset="-120"/>
                 <a:ea typeface="微軟正黑體" pitchFamily="34" charset="-120"/>
               </a:rPr>
-              <a:t>我們在天上的父</a:t>
-            </a:r>
-            <a:endParaRPr lang="en-US" altLang="zh-CN" sz="4800" b="1" dirty="0">
+              <a:t>公</a:t>
+            </a:r>
+            <a:r>
+              <a:rPr lang="zh-CN" altLang="en-US" sz="7200" b="1" dirty="0">
+                <a:solidFill>
+                  <a:srgbClr val="660033"/>
+                </a:solidFill>
+                <a:effectLst>
+                  <a:outerShdw blurRad="38100" dist="38100" dir="2700000" algn="tl">
+                    <a:srgbClr val="000000">
+                      <a:alpha val="43137"/>
+                    </a:srgbClr>
+                  </a:outerShdw>
+                </a:effectLst>
+                <a:latin typeface="微軟正黑體" pitchFamily="34" charset="-120"/>
+                <a:ea typeface="微軟正黑體" pitchFamily="34" charset="-120"/>
+              </a:rPr>
+              <a:t>禱文</a:t>
+            </a:r>
+            <a:endParaRPr lang="zh-TW" altLang="en-US" sz="7200" b="1" dirty="0">
               <a:solidFill>
                 <a:srgbClr val="660033"/>
               </a:solidFill>
               <a:effectLst>
-                <a:outerShdw blurRad="50000" dist="30000" dir="5400000" algn="tl" rotWithShape="0">
+                <a:outerShdw blurRad="38100" dist="38100" dir="2700000" algn="tl">
                   <a:srgbClr val="000000">
-                    <a:alpha val="30000"/>
+                    <a:alpha val="43137"/>
                   </a:srgbClr>
                 </a:outerShdw>
               </a:effectLst>
@@ -6064,48 +6269,12 @@
               <a:ea typeface="微軟正黑體" pitchFamily="34" charset="-120"/>
             </a:endParaRPr>
           </a:p>
-          <a:p>
-            <a:pPr algn="ctr">
-              <a:buNone/>
-            </a:pPr>
-            <a:r>
-              <a:rPr lang="zh-CN" altLang="en-US" sz="4800" b="1" dirty="0">
-                <a:solidFill>
-                  <a:srgbClr val="660033"/>
-                </a:solidFill>
-                <a:effectLst>
-                  <a:outerShdw blurRad="50000" dist="30000" dir="5400000" algn="tl" rotWithShape="0">
-                    <a:srgbClr val="000000">
-                      <a:alpha val="30000"/>
-                    </a:srgbClr>
-                  </a:outerShdw>
-                </a:effectLst>
-                <a:latin typeface="微軟正黑體" pitchFamily="34" charset="-120"/>
-                <a:ea typeface="微軟正黑體" pitchFamily="34" charset="-120"/>
-              </a:rPr>
-              <a:t>願人都尊父的名為聖</a:t>
-            </a:r>
-            <a:endParaRPr lang="en-US" altLang="zh-CN" sz="4800" b="1" dirty="0">
-              <a:solidFill>
-                <a:srgbClr val="660033"/>
-              </a:solidFill>
-              <a:effectLst>
-                <a:outerShdw blurRad="50000" dist="30000" dir="5400000" algn="tl" rotWithShape="0">
-                  <a:srgbClr val="000000">
-                    <a:alpha val="30000"/>
-                  </a:srgbClr>
-                </a:outerShdw>
-              </a:effectLst>
-              <a:latin typeface="微軟正黑體" pitchFamily="34" charset="-120"/>
-              <a:ea typeface="微軟正黑體" pitchFamily="34" charset="-120"/>
-            </a:endParaRPr>
-          </a:p>
         </p:txBody>
       </p:sp>
     </p:spTree>
     <p:extLst>
       <p:ext uri="{BB962C8B-B14F-4D97-AF65-F5344CB8AC3E}">
-        <p14:creationId xmlns:p14="http://schemas.microsoft.com/office/powerpoint/2010/main" val="662850238"/>
+        <p14:creationId xmlns:p14="http://schemas.microsoft.com/office/powerpoint/2010/main" val="3663766120"/>
       </p:ext>
     </p:extLst>
   </p:cSld>
@@ -6172,7 +6341,7 @@
                 <a:latin typeface="微軟正黑體" pitchFamily="34" charset="-120"/>
                 <a:ea typeface="微軟正黑體" pitchFamily="34" charset="-120"/>
               </a:rPr>
-              <a:t>願父的國降臨</a:t>
+              <a:t>我們在天上的父</a:t>
             </a:r>
             <a:endParaRPr lang="en-US" altLang="zh-CN" sz="4800" b="1" dirty="0">
               <a:solidFill>
@@ -6208,7 +6377,7 @@
                 <a:latin typeface="微軟正黑體" pitchFamily="34" charset="-120"/>
                 <a:ea typeface="微軟正黑體" pitchFamily="34" charset="-120"/>
               </a:rPr>
-              <a:t>願父的旨意行在地上</a:t>
+              <a:t>願人都尊父的名為聖</a:t>
             </a:r>
             <a:endParaRPr lang="en-US" altLang="zh-CN" sz="4800" b="1" dirty="0">
               <a:solidFill>
@@ -6230,7 +6399,7 @@
     </p:spTree>
     <p:extLst>
       <p:ext uri="{BB962C8B-B14F-4D97-AF65-F5344CB8AC3E}">
-        <p14:creationId xmlns:p14="http://schemas.microsoft.com/office/powerpoint/2010/main" val="2162560428"/>
+        <p14:creationId xmlns:p14="http://schemas.microsoft.com/office/powerpoint/2010/main" val="662850238"/>
       </p:ext>
     </p:extLst>
   </p:cSld>
@@ -6297,9 +6466,9 @@
                 <a:latin typeface="微軟正黑體" pitchFamily="34" charset="-120"/>
                 <a:ea typeface="微軟正黑體" pitchFamily="34" charset="-120"/>
               </a:rPr>
-              <a:t>如同行在天上</a:t>
-            </a:r>
-            <a:endParaRPr lang="zh-TW" altLang="en-US" sz="4800" b="1" dirty="0">
+              <a:t>願父的國降臨</a:t>
+            </a:r>
+            <a:endParaRPr lang="en-US" altLang="zh-CN" sz="4800" b="1" dirty="0">
               <a:solidFill>
                 <a:srgbClr val="660033"/>
               </a:solidFill>
@@ -6314,12 +6483,48 @@
               <a:ea typeface="微軟正黑體" pitchFamily="34" charset="-120"/>
             </a:endParaRPr>
           </a:p>
+          <a:p>
+            <a:pPr algn="ctr">
+              <a:buNone/>
+            </a:pPr>
+            <a:r>
+              <a:rPr lang="zh-CN" altLang="en-US" sz="4800" b="1" dirty="0">
+                <a:solidFill>
+                  <a:srgbClr val="660033"/>
+                </a:solidFill>
+                <a:effectLst>
+                  <a:outerShdw blurRad="50000" dist="30000" dir="5400000" algn="tl" rotWithShape="0">
+                    <a:srgbClr val="000000">
+                      <a:alpha val="30000"/>
+                    </a:srgbClr>
+                  </a:outerShdw>
+                </a:effectLst>
+                <a:latin typeface="微軟正黑體" pitchFamily="34" charset="-120"/>
+                <a:ea typeface="微軟正黑體" pitchFamily="34" charset="-120"/>
+              </a:rPr>
+              <a:t>願父的旨意行在地上</a:t>
+            </a:r>
+            <a:endParaRPr lang="en-US" altLang="zh-CN" sz="4800" b="1" dirty="0">
+              <a:solidFill>
+                <a:srgbClr val="660033"/>
+              </a:solidFill>
+              <a:effectLst>
+                <a:outerShdw blurRad="50000" dist="30000" dir="5400000" algn="tl" rotWithShape="0">
+                  <a:srgbClr val="000000">
+                    <a:alpha val="30000"/>
+                  </a:srgbClr>
+                </a:outerShdw>
+              </a:effectLst>
+              <a:latin typeface="微軟正黑體" pitchFamily="34" charset="-120"/>
+              <a:ea typeface="微軟正黑體" pitchFamily="34" charset="-120"/>
+            </a:endParaRPr>
+          </a:p>
         </p:txBody>
       </p:sp>
     </p:spTree>
     <p:extLst>
       <p:ext uri="{BB962C8B-B14F-4D97-AF65-F5344CB8AC3E}">
-        <p14:creationId xmlns:p14="http://schemas.microsoft.com/office/powerpoint/2010/main" val="1175466607"/>
+        <p14:creationId xmlns:p14="http://schemas.microsoft.com/office/powerpoint/2010/main" val="2162560428"/>
       </p:ext>
     </p:extLst>
   </p:cSld>
@@ -6386,9 +6591,9 @@
                 <a:latin typeface="微軟正黑體" pitchFamily="34" charset="-120"/>
                 <a:ea typeface="微軟正黑體" pitchFamily="34" charset="-120"/>
               </a:rPr>
-              <a:t>我們日用的飲食</a:t>
-            </a:r>
-            <a:endParaRPr lang="en-US" altLang="zh-CN" sz="4800" b="1" dirty="0">
+              <a:t>如同行在天上</a:t>
+            </a:r>
+            <a:endParaRPr lang="zh-TW" altLang="en-US" sz="4800" b="1" dirty="0">
               <a:solidFill>
                 <a:srgbClr val="660033"/>
               </a:solidFill>
@@ -6403,48 +6608,12 @@
               <a:ea typeface="微軟正黑體" pitchFamily="34" charset="-120"/>
             </a:endParaRPr>
           </a:p>
-          <a:p>
-            <a:pPr algn="ctr">
-              <a:buNone/>
-            </a:pPr>
-            <a:r>
-              <a:rPr lang="zh-CN" altLang="en-US" sz="4800" b="1" dirty="0">
-                <a:solidFill>
-                  <a:srgbClr val="660033"/>
-                </a:solidFill>
-                <a:effectLst>
-                  <a:outerShdw blurRad="50000" dist="30000" dir="5400000" algn="tl" rotWithShape="0">
-                    <a:srgbClr val="000000">
-                      <a:alpha val="30000"/>
-                    </a:srgbClr>
-                  </a:outerShdw>
-                </a:effectLst>
-                <a:latin typeface="微軟正黑體" pitchFamily="34" charset="-120"/>
-                <a:ea typeface="微軟正黑體" pitchFamily="34" charset="-120"/>
-              </a:rPr>
-              <a:t>今日賜給我們</a:t>
-            </a:r>
-            <a:endParaRPr lang="en-US" altLang="zh-CN" sz="4800" b="1" dirty="0">
-              <a:solidFill>
-                <a:srgbClr val="660033"/>
-              </a:solidFill>
-              <a:effectLst>
-                <a:outerShdw blurRad="50000" dist="30000" dir="5400000" algn="tl" rotWithShape="0">
-                  <a:srgbClr val="000000">
-                    <a:alpha val="30000"/>
-                  </a:srgbClr>
-                </a:outerShdw>
-              </a:effectLst>
-              <a:latin typeface="微軟正黑體" pitchFamily="34" charset="-120"/>
-              <a:ea typeface="微軟正黑體" pitchFamily="34" charset="-120"/>
-            </a:endParaRPr>
-          </a:p>
         </p:txBody>
       </p:sp>
     </p:spTree>
     <p:extLst>
       <p:ext uri="{BB962C8B-B14F-4D97-AF65-F5344CB8AC3E}">
-        <p14:creationId xmlns:p14="http://schemas.microsoft.com/office/powerpoint/2010/main" val="680191272"/>
+        <p14:creationId xmlns:p14="http://schemas.microsoft.com/office/powerpoint/2010/main" val="1175466607"/>
       </p:ext>
     </p:extLst>
   </p:cSld>
@@ -6511,7 +6680,7 @@
                 <a:latin typeface="微軟正黑體" pitchFamily="34" charset="-120"/>
                 <a:ea typeface="微軟正黑體" pitchFamily="34" charset="-120"/>
               </a:rPr>
-              <a:t>免我們的債</a:t>
+              <a:t>我們日用的飲食</a:t>
             </a:r>
             <a:endParaRPr lang="en-US" altLang="zh-CN" sz="4800" b="1" dirty="0">
               <a:solidFill>
@@ -6547,9 +6716,9 @@
                 <a:latin typeface="微軟正黑體" pitchFamily="34" charset="-120"/>
                 <a:ea typeface="微軟正黑體" pitchFamily="34" charset="-120"/>
               </a:rPr>
-              <a:t>如同我們免了人的債</a:t>
-            </a:r>
-            <a:endParaRPr lang="zh-TW" altLang="en-US" sz="4800" b="1" dirty="0">
+              <a:t>今日賜給我們</a:t>
+            </a:r>
+            <a:endParaRPr lang="en-US" altLang="zh-CN" sz="4800" b="1" dirty="0">
               <a:solidFill>
                 <a:srgbClr val="660033"/>
               </a:solidFill>
@@ -6569,7 +6738,7 @@
     </p:spTree>
     <p:extLst>
       <p:ext uri="{BB962C8B-B14F-4D97-AF65-F5344CB8AC3E}">
-        <p14:creationId xmlns:p14="http://schemas.microsoft.com/office/powerpoint/2010/main" val="2016312323"/>
+        <p14:creationId xmlns:p14="http://schemas.microsoft.com/office/powerpoint/2010/main" val="680191272"/>
       </p:ext>
     </p:extLst>
   </p:cSld>
@@ -6608,8 +6777,8 @@
         </p:nvSpPr>
         <p:spPr>
           <a:xfrm>
-            <a:off x="-135" y="2257262"/>
-            <a:ext cx="9144000" cy="628650"/>
+            <a:off x="0" y="2089284"/>
+            <a:ext cx="9144000" cy="964406"/>
           </a:xfrm>
         </p:spPr>
         <p:txBody>
@@ -6633,7 +6802,41 @@
                 <a:latin typeface="微軟正黑體" pitchFamily="34" charset="-120"/>
                 <a:ea typeface="微軟正黑體" pitchFamily="34" charset="-120"/>
               </a:rPr>
-              <a:t>敬拜讚美神</a:t>
+              <a:t>本堂</a:t>
+            </a:r>
+            <a:r>
+              <a:rPr lang="zh-CN" altLang="en-US" sz="7200" b="1" dirty="0" smtClean="0">
+                <a:solidFill>
+                  <a:srgbClr val="000066"/>
+                </a:solidFill>
+                <a:effectLst>
+                  <a:outerShdw blurRad="38100" dist="38100" dir="2700000" algn="tl">
+                    <a:srgbClr val="000000">
+                      <a:alpha val="43137"/>
+                    </a:srgbClr>
+                  </a:outerShdw>
+                </a:effectLst>
+                <a:latin typeface="微軟正黑體" pitchFamily="34" charset="-120"/>
+                <a:ea typeface="微軟正黑體" pitchFamily="34" charset="-120"/>
+              </a:rPr>
+              <a:t>牧師領</a:t>
+            </a:r>
+            <a:r>
+              <a:rPr lang="zh-CN" altLang="en-US" sz="7200" b="1" dirty="0">
+                <a:solidFill>
+                  <a:srgbClr val="000066"/>
+                </a:solidFill>
+                <a:effectLst>
+                  <a:outerShdw blurRad="38100" dist="38100" dir="2700000" algn="tl">
+                    <a:srgbClr val="000000">
+                      <a:alpha val="43137"/>
+                    </a:srgbClr>
+                  </a:outerShdw>
+                </a:effectLst>
+                <a:latin typeface="微軟正黑體" pitchFamily="34" charset="-120"/>
+                <a:ea typeface="微軟正黑體" pitchFamily="34" charset="-120"/>
+              </a:rPr>
+              <a:t>詩班進堂</a:t>
             </a:r>
             <a:endParaRPr lang="zh-TW" altLang="en-US" sz="7200" b="1" dirty="0">
               <a:solidFill>
@@ -6724,7 +6927,7 @@
                 <a:latin typeface="微軟正黑體" pitchFamily="34" charset="-120"/>
                 <a:ea typeface="微軟正黑體" pitchFamily="34" charset="-120"/>
               </a:rPr>
-              <a:t>不叫我們遇見試探</a:t>
+              <a:t>免我們的債</a:t>
             </a:r>
             <a:endParaRPr lang="en-US" altLang="zh-CN" sz="4800" b="1" dirty="0">
               <a:solidFill>
@@ -6760,9 +6963,9 @@
                 <a:latin typeface="微軟正黑體" pitchFamily="34" charset="-120"/>
                 <a:ea typeface="微軟正黑體" pitchFamily="34" charset="-120"/>
               </a:rPr>
-              <a:t>救我們脫離兇惡</a:t>
-            </a:r>
-            <a:endParaRPr lang="en-US" altLang="zh-CN" sz="4800" b="1" dirty="0">
+              <a:t>如同我們免了人的債</a:t>
+            </a:r>
+            <a:endParaRPr lang="zh-TW" altLang="en-US" sz="4800" b="1" dirty="0">
               <a:solidFill>
                 <a:srgbClr val="660033"/>
               </a:solidFill>
@@ -6782,7 +6985,7 @@
     </p:spTree>
     <p:extLst>
       <p:ext uri="{BB962C8B-B14F-4D97-AF65-F5344CB8AC3E}">
-        <p14:creationId xmlns:p14="http://schemas.microsoft.com/office/powerpoint/2010/main" val="2299428178"/>
+        <p14:creationId xmlns:p14="http://schemas.microsoft.com/office/powerpoint/2010/main" val="2016312323"/>
       </p:ext>
     </p:extLst>
   </p:cSld>
@@ -6849,7 +7052,7 @@
                 <a:latin typeface="微軟正黑體" pitchFamily="34" charset="-120"/>
                 <a:ea typeface="微軟正黑體" pitchFamily="34" charset="-120"/>
               </a:rPr>
-              <a:t>因為國度  權柄  榮耀</a:t>
+              <a:t>不叫我們遇見試探</a:t>
             </a:r>
             <a:endParaRPr lang="en-US" altLang="zh-CN" sz="4800" b="1" dirty="0">
               <a:solidFill>
@@ -6885,43 +7088,9 @@
                 <a:latin typeface="微軟正黑體" pitchFamily="34" charset="-120"/>
                 <a:ea typeface="微軟正黑體" pitchFamily="34" charset="-120"/>
               </a:rPr>
-              <a:t>全是父的  直到永遠</a:t>
-            </a:r>
-            <a:r>
-              <a:rPr lang="en-US" altLang="zh-CN" sz="4800" b="1" dirty="0">
-                <a:solidFill>
-                  <a:srgbClr val="660033"/>
-                </a:solidFill>
-                <a:effectLst>
-                  <a:outerShdw blurRad="50000" dist="30000" dir="5400000" algn="tl" rotWithShape="0">
-                    <a:srgbClr val="000000">
-                      <a:alpha val="30000"/>
-                    </a:srgbClr>
-                  </a:outerShdw>
-                </a:effectLst>
-                <a:latin typeface="微軟正黑體" pitchFamily="34" charset="-120"/>
-                <a:ea typeface="微軟正黑體" pitchFamily="34" charset="-120"/>
-              </a:rPr>
-              <a:t>  </a:t>
-            </a:r>
-            <a:r>
-              <a:rPr lang="zh-CN" altLang="en-US" sz="4800" b="1" dirty="0">
-                <a:solidFill>
-                  <a:srgbClr val="660033"/>
-                </a:solidFill>
-                <a:effectLst>
-                  <a:outerShdw blurRad="50000" dist="30000" dir="5400000" algn="tl" rotWithShape="0">
-                    <a:srgbClr val="000000">
-                      <a:alpha val="30000"/>
-                    </a:srgbClr>
-                  </a:outerShdw>
-                </a:effectLst>
-                <a:latin typeface="微軟正黑體" pitchFamily="34" charset="-120"/>
-                <a:ea typeface="微軟正黑體" pitchFamily="34" charset="-120"/>
-              </a:rPr>
-              <a:t>阿門</a:t>
-            </a:r>
-            <a:endParaRPr lang="zh-TW" altLang="en-US" sz="4800" b="1" dirty="0">
+              <a:t>救我們脫離兇惡</a:t>
+            </a:r>
+            <a:endParaRPr lang="en-US" altLang="zh-CN" sz="4800" b="1" dirty="0">
               <a:solidFill>
                 <a:srgbClr val="660033"/>
               </a:solidFill>
@@ -6941,7 +7110,7 @@
     </p:spTree>
     <p:extLst>
       <p:ext uri="{BB962C8B-B14F-4D97-AF65-F5344CB8AC3E}">
-        <p14:creationId xmlns:p14="http://schemas.microsoft.com/office/powerpoint/2010/main" val="2655039754"/>
+        <p14:creationId xmlns:p14="http://schemas.microsoft.com/office/powerpoint/2010/main" val="2299428178"/>
       </p:ext>
     </p:extLst>
   </p:cSld>
@@ -6970,52 +7139,54 @@
       </p:grpSpPr>
       <p:sp>
         <p:nvSpPr>
-          <p:cNvPr id="2" name="標題 1"/>
-          <p:cNvSpPr>
-            <a:spLocks noGrp="1"/>
-          </p:cNvSpPr>
-          <p:nvPr>
-            <p:ph type="title" idx="4294967295"/>
+          <p:cNvPr id="5" name="內容版面配置區 4"/>
+          <p:cNvSpPr>
+            <a:spLocks noGrp="1"/>
+          </p:cNvSpPr>
+          <p:nvPr>
+            <p:ph idx="1"/>
           </p:nvPr>
         </p:nvSpPr>
         <p:spPr>
           <a:xfrm>
-            <a:off x="0" y="1707654"/>
-            <a:ext cx="9144000" cy="628650"/>
+            <a:off x="0" y="1563638"/>
+            <a:ext cx="9144000" cy="1803647"/>
           </a:xfrm>
         </p:spPr>
         <p:txBody>
-          <a:bodyPr>
-            <a:noAutofit/>
+          <a:bodyPr anchor="ctr">
+            <a:normAutofit/>
           </a:bodyPr>
           <a:lstStyle/>
           <a:p>
-            <a:pPr algn="ctr"/>
-            <a:r>
-              <a:rPr lang="zh-CN" altLang="en-US" sz="5400" b="1" dirty="0" smtClean="0">
-                <a:solidFill>
-                  <a:srgbClr val="000066"/>
+            <a:pPr algn="ctr">
+              <a:buNone/>
+            </a:pPr>
+            <a:r>
+              <a:rPr lang="zh-CN" altLang="en-US" sz="4800" b="1" dirty="0">
+                <a:solidFill>
+                  <a:srgbClr val="660033"/>
                 </a:solidFill>
                 <a:effectLst>
-                  <a:outerShdw blurRad="38100" dist="38100" dir="2700000" algn="tl">
+                  <a:outerShdw blurRad="50000" dist="30000" dir="5400000" algn="tl" rotWithShape="0">
                     <a:srgbClr val="000000">
-                      <a:alpha val="43137"/>
+                      <a:alpha val="30000"/>
                     </a:srgbClr>
                   </a:outerShdw>
                 </a:effectLst>
                 <a:latin typeface="微軟正黑體" pitchFamily="34" charset="-120"/>
                 <a:ea typeface="微軟正黑體" pitchFamily="34" charset="-120"/>
               </a:rPr>
-              <a:t>祝福</a:t>
-            </a:r>
-            <a:endParaRPr lang="zh-TW" altLang="en-US" sz="5400" b="1" dirty="0">
+              <a:t>因為國度  權柄  榮耀</a:t>
+            </a:r>
+            <a:endParaRPr lang="en-US" altLang="zh-CN" sz="4800" b="1" dirty="0">
               <a:solidFill>
-                <a:srgbClr val="000066"/>
+                <a:srgbClr val="660033"/>
               </a:solidFill>
               <a:effectLst>
-                <a:outerShdw blurRad="38100" dist="38100" dir="2700000" algn="tl">
+                <a:outerShdw blurRad="50000" dist="30000" dir="5400000" algn="tl" rotWithShape="0">
                   <a:srgbClr val="000000">
-                    <a:alpha val="43137"/>
+                    <a:alpha val="30000"/>
                   </a:srgbClr>
                 </a:outerShdw>
               </a:effectLst>
@@ -7023,114 +7194,88 @@
               <a:ea typeface="微軟正黑體" pitchFamily="34" charset="-120"/>
             </a:endParaRPr>
           </a:p>
-        </p:txBody>
-      </p:sp>
-      <p:sp>
-        <p:nvSpPr>
-          <p:cNvPr id="3" name="矩形 2"/>
-          <p:cNvSpPr/>
-          <p:nvPr/>
-        </p:nvSpPr>
-        <p:spPr>
-          <a:xfrm>
-            <a:off x="0" y="2427734"/>
-            <a:ext cx="9144000" cy="830997"/>
-          </a:xfrm>
-          <a:prstGeom prst="rect">
-            <a:avLst/>
-          </a:prstGeom>
-        </p:spPr>
-        <p:txBody>
-          <a:bodyPr wrap="square">
-            <a:spAutoFit/>
-          </a:bodyPr>
-          <a:lstStyle/>
-          <a:p>
-            <a:pPr algn="ctr"/>
-            <a:r>
-              <a:rPr lang="en-US" altLang="zh-CN" sz="4800" b="1" dirty="0" smtClean="0">
+          <a:p>
+            <a:pPr algn="ctr">
+              <a:buNone/>
+            </a:pPr>
+            <a:r>
+              <a:rPr lang="zh-CN" altLang="en-US" sz="4800" b="1" dirty="0">
                 <a:solidFill>
                   <a:srgbClr val="660033"/>
                 </a:solidFill>
                 <a:effectLst>
-                  <a:outerShdw blurRad="38100" dist="38100" dir="2700000" algn="tl">
+                  <a:outerShdw blurRad="50000" dist="30000" dir="5400000" algn="tl" rotWithShape="0">
                     <a:srgbClr val="000000">
-                      <a:alpha val="43137"/>
+                      <a:alpha val="30000"/>
                     </a:srgbClr>
                   </a:outerShdw>
                 </a:effectLst>
                 <a:latin typeface="微軟正黑體" pitchFamily="34" charset="-120"/>
                 <a:ea typeface="微軟正黑體" pitchFamily="34" charset="-120"/>
-                <a:cs typeface="+mj-cs"/>
-              </a:rPr>
-              <a:t>(</a:t>
-            </a:r>
-            <a:r>
-              <a:rPr lang="zh-CN" altLang="en-US" sz="4800" b="1" dirty="0" smtClean="0">
+              </a:rPr>
+              <a:t>全是父的  直到永遠</a:t>
+            </a:r>
+            <a:r>
+              <a:rPr lang="en-US" altLang="zh-CN" sz="4800" b="1" dirty="0">
                 <a:solidFill>
                   <a:srgbClr val="660033"/>
                 </a:solidFill>
                 <a:effectLst>
-                  <a:outerShdw blurRad="38100" dist="38100" dir="2700000" algn="tl">
+                  <a:outerShdw blurRad="50000" dist="30000" dir="5400000" algn="tl" rotWithShape="0">
                     <a:srgbClr val="000000">
-                      <a:alpha val="43137"/>
+                      <a:alpha val="30000"/>
                     </a:srgbClr>
                   </a:outerShdw>
                 </a:effectLst>
                 <a:latin typeface="微軟正黑體" pitchFamily="34" charset="-120"/>
                 <a:ea typeface="微軟正黑體" pitchFamily="34" charset="-120"/>
-                <a:cs typeface="+mj-cs"/>
-              </a:rPr>
-              <a:t>主禮牧師</a:t>
-            </a:r>
-            <a:r>
-              <a:rPr lang="en-US" altLang="zh-CN" sz="4800" b="1" dirty="0" smtClean="0">
+              </a:rPr>
+              <a:t>  </a:t>
+            </a:r>
+            <a:r>
+              <a:rPr lang="zh-CN" altLang="en-US" sz="4800" b="1" dirty="0">
                 <a:solidFill>
                   <a:srgbClr val="660033"/>
                 </a:solidFill>
                 <a:effectLst>
-                  <a:outerShdw blurRad="38100" dist="38100" dir="2700000" algn="tl">
+                  <a:outerShdw blurRad="50000" dist="30000" dir="5400000" algn="tl" rotWithShape="0">
                     <a:srgbClr val="000000">
-                      <a:alpha val="43137"/>
+                      <a:alpha val="30000"/>
                     </a:srgbClr>
                   </a:outerShdw>
                 </a:effectLst>
                 <a:latin typeface="微軟正黑體" pitchFamily="34" charset="-120"/>
                 <a:ea typeface="微軟正黑體" pitchFamily="34" charset="-120"/>
-                <a:cs typeface="+mj-cs"/>
-              </a:rPr>
-              <a:t>)</a:t>
-            </a:r>
-            <a:endParaRPr lang="zh-TW" altLang="en-US" sz="4800" b="1" dirty="0" smtClean="0">
+              </a:rPr>
+              <a:t>阿門</a:t>
+            </a:r>
+            <a:endParaRPr lang="zh-TW" altLang="en-US" sz="4800" b="1" dirty="0">
               <a:solidFill>
                 <a:srgbClr val="660033"/>
               </a:solidFill>
               <a:effectLst>
-                <a:outerShdw blurRad="38100" dist="38100" dir="2700000" algn="tl">
+                <a:outerShdw blurRad="50000" dist="30000" dir="5400000" algn="tl" rotWithShape="0">
                   <a:srgbClr val="000000">
-                    <a:alpha val="43137"/>
+                    <a:alpha val="30000"/>
                   </a:srgbClr>
                 </a:outerShdw>
               </a:effectLst>
               <a:latin typeface="微軟正黑體" pitchFamily="34" charset="-120"/>
               <a:ea typeface="微軟正黑體" pitchFamily="34" charset="-120"/>
-              <a:cs typeface="+mj-cs"/>
             </a:endParaRPr>
           </a:p>
         </p:txBody>
       </p:sp>
     </p:spTree>
+    <p:extLst>
+      <p:ext uri="{BB962C8B-B14F-4D97-AF65-F5344CB8AC3E}">
+        <p14:creationId xmlns:p14="http://schemas.microsoft.com/office/powerpoint/2010/main" val="2655039754"/>
+      </p:ext>
+    </p:extLst>
   </p:cSld>
   <p:clrMapOvr>
     <a:masterClrMapping/>
   </p:clrMapOvr>
-  <p:timing>
-    <p:tnLst>
-      <p:par>
-        <p:cTn id="1" dur="indefinite" restart="never" nodeType="tmRoot"/>
-      </p:par>
-    </p:tnLst>
-  </p:timing>
 </p:sld>
 </file>
 
@@ -7153,14 +7298,71 @@
       </p:grpSpPr>
       <p:sp>
         <p:nvSpPr>
-          <p:cNvPr id="2" name="矩形 1"/>
+          <p:cNvPr id="2" name="標題 1"/>
+          <p:cNvSpPr>
+            <a:spLocks noGrp="1"/>
+          </p:cNvSpPr>
+          <p:nvPr>
+            <p:ph type="title" idx="4294967295"/>
+          </p:nvPr>
+        </p:nvSpPr>
+        <p:spPr>
+          <a:xfrm>
+            <a:off x="0" y="1707654"/>
+            <a:ext cx="9144000" cy="628650"/>
+          </a:xfrm>
+        </p:spPr>
+        <p:txBody>
+          <a:bodyPr>
+            <a:noAutofit/>
+          </a:bodyPr>
+          <a:lstStyle/>
+          <a:p>
+            <a:pPr algn="ctr"/>
+            <a:r>
+              <a:rPr lang="zh-CN" altLang="en-US" sz="5400" b="1" dirty="0" smtClean="0">
+                <a:solidFill>
+                  <a:srgbClr val="000066"/>
+                </a:solidFill>
+                <a:effectLst>
+                  <a:outerShdw blurRad="38100" dist="38100" dir="2700000" algn="tl">
+                    <a:srgbClr val="000000">
+                      <a:alpha val="43137"/>
+                    </a:srgbClr>
+                  </a:outerShdw>
+                </a:effectLst>
+                <a:latin typeface="微軟正黑體" pitchFamily="34" charset="-120"/>
+                <a:ea typeface="微軟正黑體" pitchFamily="34" charset="-120"/>
+              </a:rPr>
+              <a:t>祝福</a:t>
+            </a:r>
+            <a:endParaRPr lang="zh-TW" altLang="en-US" sz="5400" b="1" dirty="0">
+              <a:solidFill>
+                <a:srgbClr val="000066"/>
+              </a:solidFill>
+              <a:effectLst>
+                <a:outerShdw blurRad="38100" dist="38100" dir="2700000" algn="tl">
+                  <a:srgbClr val="000000">
+                    <a:alpha val="43137"/>
+                  </a:srgbClr>
+                </a:outerShdw>
+              </a:effectLst>
+              <a:latin typeface="微軟正黑體" pitchFamily="34" charset="-120"/>
+              <a:ea typeface="微軟正黑體" pitchFamily="34" charset="-120"/>
+            </a:endParaRPr>
+          </a:p>
+        </p:txBody>
+      </p:sp>
+      <p:sp>
+        <p:nvSpPr>
+          <p:cNvPr id="3" name="矩形 2"/>
           <p:cNvSpPr/>
           <p:nvPr/>
         </p:nvSpPr>
         <p:spPr>
           <a:xfrm>
-            <a:off x="0" y="1570336"/>
-            <a:ext cx="9144000" cy="923330"/>
+            <a:off x="0" y="2427734"/>
+            <a:ext cx="9144000" cy="830997"/>
           </a:xfrm>
           <a:prstGeom prst="rect">
             <a:avLst/>
@@ -7174,14 +7376,14 @@
           <a:p>
             <a:pPr algn="ctr"/>
             <a:r>
-              <a:rPr lang="zh-CN" altLang="en-US" sz="5400" b="1" dirty="0" smtClean="0">
-                <a:solidFill>
-                  <a:srgbClr val="000066"/>
+              <a:rPr lang="en-US" altLang="zh-CN" sz="4800" b="1" dirty="0" smtClean="0">
+                <a:solidFill>
+                  <a:srgbClr val="660033"/>
                 </a:solidFill>
                 <a:effectLst>
-                  <a:outerShdw blurRad="50000" dist="30000" dir="5400000" algn="tl" rotWithShape="0">
+                  <a:outerShdw blurRad="38100" dist="38100" dir="2700000" algn="tl">
                     <a:srgbClr val="000000">
-                      <a:alpha val="30000"/>
+                      <a:alpha val="43137"/>
                     </a:srgbClr>
                   </a:outerShdw>
                 </a:effectLst>
@@ -7189,102 +7391,55 @@
                 <a:ea typeface="微軟正黑體" pitchFamily="34" charset="-120"/>
                 <a:cs typeface="+mj-cs"/>
               </a:rPr>
-              <a:t>聚會祝福歌</a:t>
-            </a:r>
-            <a:endParaRPr lang="zh-TW" altLang="en-US" sz="5400" b="1" dirty="0" smtClean="0">
-              <a:solidFill>
-                <a:srgbClr val="000066"/>
-              </a:solidFill>
-              <a:effectLst>
-                <a:outerShdw blurRad="50000" dist="30000" dir="5400000" algn="tl" rotWithShape="0">
-                  <a:srgbClr val="000000">
-                    <a:alpha val="30000"/>
-                  </a:srgbClr>
-                </a:outerShdw>
-              </a:effectLst>
-              <a:latin typeface="微軟正黑體" pitchFamily="34" charset="-120"/>
-              <a:ea typeface="微軟正黑體" pitchFamily="34" charset="-120"/>
-              <a:cs typeface="+mj-cs"/>
-            </a:endParaRPr>
-          </a:p>
-        </p:txBody>
-      </p:sp>
-      <p:sp>
-        <p:nvSpPr>
-          <p:cNvPr id="3" name="標題 1"/>
-          <p:cNvSpPr txBox="1"/>
-          <p:nvPr/>
-        </p:nvSpPr>
-        <p:spPr>
-          <a:xfrm>
-            <a:off x="0" y="2435611"/>
-            <a:ext cx="9144000" cy="964405"/>
-          </a:xfrm>
-          <a:prstGeom prst="rect">
-            <a:avLst/>
-          </a:prstGeom>
-        </p:spPr>
-        <p:txBody>
-          <a:bodyPr anchor="ctr">
-            <a:noAutofit/>
-          </a:bodyPr>
-          <a:lstStyle/>
-          <a:p>
-            <a:pPr marL="0" marR="0" lvl="0" indent="0" algn="ctr" defTabSz="914400" rtl="0" eaLnBrk="1" fontAlgn="auto" latinLnBrk="0" hangingPunct="1">
-              <a:lnSpc>
-                <a:spcPct val="100000"/>
-              </a:lnSpc>
-              <a:spcBef>
-                <a:spcPct val="0"/>
-              </a:spcBef>
-              <a:spcAft>
-                <a:spcPts val="0"/>
-              </a:spcAft>
-              <a:buClrTx/>
-              <a:buSzTx/>
-              <a:buFontTx/>
-              <a:buNone/>
-              <a:defRPr/>
-            </a:pPr>
-            <a:r>
-              <a:rPr kumimoji="0" lang="zh-CN" altLang="en-US" sz="4800" b="1" i="0" u="none" strike="noStrike" kern="1200" cap="none" spc="0" normalizeH="0" baseline="0" noProof="0" dirty="0" smtClean="0">
-                <a:ln>
-                  <a:noFill/>
-                </a:ln>
+              <a:t>(</a:t>
+            </a:r>
+            <a:r>
+              <a:rPr lang="zh-CN" altLang="en-US" sz="4800" b="1" dirty="0" smtClean="0">
                 <a:solidFill>
                   <a:srgbClr val="660033"/>
                 </a:solidFill>
                 <a:effectLst>
-                  <a:outerShdw blurRad="50000" dist="30000" dir="5400000" algn="tl" rotWithShape="0">
+                  <a:outerShdw blurRad="38100" dist="38100" dir="2700000" algn="tl">
                     <a:srgbClr val="000000">
-                      <a:alpha val="30000"/>
+                      <a:alpha val="43137"/>
                     </a:srgbClr>
                   </a:outerShdw>
                 </a:effectLst>
-                <a:uLnTx/>
-                <a:uFillTx/>
                 <a:latin typeface="微軟正黑體" pitchFamily="34" charset="-120"/>
                 <a:ea typeface="微軟正黑體" pitchFamily="34" charset="-120"/>
                 <a:cs typeface="+mj-cs"/>
               </a:rPr>
-              <a:t>本堂牧師領詩班退堂</a:t>
-            </a:r>
-            <a:endParaRPr kumimoji="0" lang="zh-TW" altLang="en-US" sz="4800" b="1" i="0" u="none" strike="noStrike" kern="1200" cap="none" spc="0" normalizeH="0" baseline="0" noProof="0" dirty="0">
-              <a:ln>
-                <a:noFill/>
-              </a:ln>
+              <a:t>主禮牧師</a:t>
+            </a:r>
+            <a:r>
+              <a:rPr lang="en-US" altLang="zh-CN" sz="4800" b="1" dirty="0" smtClean="0">
+                <a:solidFill>
+                  <a:srgbClr val="660033"/>
+                </a:solidFill>
+                <a:effectLst>
+                  <a:outerShdw blurRad="38100" dist="38100" dir="2700000" algn="tl">
+                    <a:srgbClr val="000000">
+                      <a:alpha val="43137"/>
+                    </a:srgbClr>
+                  </a:outerShdw>
+                </a:effectLst>
+                <a:latin typeface="微軟正黑體" pitchFamily="34" charset="-120"/>
+                <a:ea typeface="微軟正黑體" pitchFamily="34" charset="-120"/>
+                <a:cs typeface="+mj-cs"/>
+              </a:rPr>
+              <a:t>)</a:t>
+            </a:r>
+            <a:endParaRPr lang="zh-TW" altLang="en-US" sz="4800" b="1" dirty="0" smtClean="0">
               <a:solidFill>
                 <a:srgbClr val="660033"/>
               </a:solidFill>
               <a:effectLst>
-                <a:outerShdw blurRad="50000" dist="30000" dir="5400000" algn="tl" rotWithShape="0">
+                <a:outerShdw blurRad="38100" dist="38100" dir="2700000" algn="tl">
                   <a:srgbClr val="000000">
-                    <a:alpha val="30000"/>
+                    <a:alpha val="43137"/>
                   </a:srgbClr>
                 </a:outerShdw>
               </a:effectLst>
-              <a:uLnTx/>
-              <a:uFillTx/>
               <a:latin typeface="微軟正黑體" pitchFamily="34" charset="-120"/>
               <a:ea typeface="微軟正黑體" pitchFamily="34" charset="-120"/>
               <a:cs typeface="+mj-cs"/>
@@ -7326,87 +7481,157 @@
       </p:grpSpPr>
       <p:sp>
         <p:nvSpPr>
-          <p:cNvPr id="4" name="標題 3"/>
-          <p:cNvSpPr>
-            <a:spLocks noGrp="1"/>
-          </p:cNvSpPr>
-          <p:nvPr>
-            <p:ph type="title"/>
-          </p:nvPr>
+          <p:cNvPr id="2" name="矩形 1"/>
+          <p:cNvSpPr/>
+          <p:nvPr/>
         </p:nvSpPr>
         <p:spPr>
           <a:xfrm>
-            <a:off x="0" y="2143135"/>
-            <a:ext cx="9144000" cy="857250"/>
+            <a:off x="0" y="1570336"/>
+            <a:ext cx="9144000" cy="923330"/>
           </a:xfrm>
+          <a:prstGeom prst="rect">
+            <a:avLst/>
+          </a:prstGeom>
         </p:spPr>
         <p:txBody>
-          <a:bodyPr>
-            <a:noAutofit/>
+          <a:bodyPr wrap="square">
+            <a:spAutoFit/>
           </a:bodyPr>
           <a:lstStyle/>
           <a:p>
-            <a:r>
-              <a:rPr lang="zh-CN" altLang="en-US" sz="7200" b="1" dirty="0" smtClean="0">
+            <a:pPr algn="ctr"/>
+            <a:r>
+              <a:rPr lang="zh-CN" altLang="en-US" sz="5400" b="1" dirty="0" smtClean="0">
                 <a:solidFill>
                   <a:srgbClr val="000066"/>
                 </a:solidFill>
                 <a:effectLst>
-                  <a:outerShdw blurRad="38100" dist="38100" dir="2700000" algn="tl">
+                  <a:outerShdw blurRad="50000" dist="30000" dir="5400000" algn="tl" rotWithShape="0">
                     <a:srgbClr val="000000">
-                      <a:alpha val="43137"/>
+                      <a:alpha val="30000"/>
                     </a:srgbClr>
                   </a:outerShdw>
                 </a:effectLst>
                 <a:latin typeface="微軟正黑體" pitchFamily="34" charset="-120"/>
                 <a:ea typeface="微軟正黑體" pitchFamily="34" charset="-120"/>
-              </a:rPr>
-              <a:t>主</a:t>
-            </a:r>
-            <a:r>
-              <a:rPr lang="zh-CN" altLang="en-US" sz="7200" b="1" dirty="0">
-                <a:solidFill>
-                  <a:srgbClr val="000066"/>
-                </a:solidFill>
-                <a:effectLst>
-                  <a:outerShdw blurRad="38100" dist="38100" dir="2700000" algn="tl">
-                    <a:srgbClr val="000000">
-                      <a:alpha val="43137"/>
-                    </a:srgbClr>
-                  </a:outerShdw>
-                </a:effectLst>
-                <a:latin typeface="微軟正黑體" pitchFamily="34" charset="-120"/>
-                <a:ea typeface="微軟正黑體" pitchFamily="34" charset="-120"/>
-              </a:rPr>
-              <a:t>的愛</a:t>
-            </a:r>
-            <a:endParaRPr lang="zh-TW" altLang="en-US" sz="7200" b="1" dirty="0">
+                <a:cs typeface="+mj-cs"/>
+              </a:rPr>
+              <a:t>聚會祝福歌</a:t>
+            </a:r>
+            <a:endParaRPr lang="zh-TW" altLang="en-US" sz="5400" b="1" dirty="0" smtClean="0">
               <a:solidFill>
                 <a:srgbClr val="000066"/>
               </a:solidFill>
               <a:effectLst>
-                <a:outerShdw blurRad="38100" dist="38100" dir="2700000" algn="tl">
+                <a:outerShdw blurRad="50000" dist="30000" dir="5400000" algn="tl" rotWithShape="0">
                   <a:srgbClr val="000000">
-                    <a:alpha val="43137"/>
+                    <a:alpha val="30000"/>
                   </a:srgbClr>
                 </a:outerShdw>
               </a:effectLst>
               <a:latin typeface="微軟正黑體" pitchFamily="34" charset="-120"/>
               <a:ea typeface="微軟正黑體" pitchFamily="34" charset="-120"/>
+              <a:cs typeface="+mj-cs"/>
             </a:endParaRPr>
           </a:p>
         </p:txBody>
       </p:sp>
+      <p:sp>
+        <p:nvSpPr>
+          <p:cNvPr id="3" name="標題 1"/>
+          <p:cNvSpPr txBox="1"/>
+          <p:nvPr/>
+        </p:nvSpPr>
+        <p:spPr>
+          <a:xfrm>
+            <a:off x="0" y="2435611"/>
+            <a:ext cx="9144000" cy="964405"/>
+          </a:xfrm>
+          <a:prstGeom prst="rect">
+            <a:avLst/>
+          </a:prstGeom>
+        </p:spPr>
+        <p:txBody>
+          <a:bodyPr anchor="ctr">
+            <a:noAutofit/>
+          </a:bodyPr>
+          <a:lstStyle/>
+          <a:p>
+            <a:pPr marL="0" marR="0" lvl="0" indent="0" algn="ctr" defTabSz="914400" rtl="0" eaLnBrk="1" fontAlgn="auto" latinLnBrk="0" hangingPunct="1">
+              <a:lnSpc>
+                <a:spcPct val="100000"/>
+              </a:lnSpc>
+              <a:spcBef>
+                <a:spcPct val="0"/>
+              </a:spcBef>
+              <a:spcAft>
+                <a:spcPts val="0"/>
+              </a:spcAft>
+              <a:buClrTx/>
+              <a:buSzTx/>
+              <a:buFontTx/>
+              <a:buNone/>
+              <a:defRPr/>
+            </a:pPr>
+            <a:r>
+              <a:rPr kumimoji="0" lang="zh-CN" altLang="en-US" sz="4800" b="1" i="0" u="none" strike="noStrike" kern="1200" cap="none" spc="0" normalizeH="0" baseline="0" noProof="0" dirty="0" smtClean="0">
+                <a:ln>
+                  <a:noFill/>
+                </a:ln>
+                <a:solidFill>
+                  <a:srgbClr val="660033"/>
+                </a:solidFill>
+                <a:effectLst>
+                  <a:outerShdw blurRad="50000" dist="30000" dir="5400000" algn="tl" rotWithShape="0">
+                    <a:srgbClr val="000000">
+                      <a:alpha val="30000"/>
+                    </a:srgbClr>
+                  </a:outerShdw>
+                </a:effectLst>
+                <a:uLnTx/>
+                <a:uFillTx/>
+                <a:latin typeface="微軟正黑體" pitchFamily="34" charset="-120"/>
+                <a:ea typeface="微軟正黑體" pitchFamily="34" charset="-120"/>
+                <a:cs typeface="+mj-cs"/>
+              </a:rPr>
+              <a:t>本堂牧師領詩班退堂</a:t>
+            </a:r>
+            <a:endParaRPr kumimoji="0" lang="zh-TW" altLang="en-US" sz="4800" b="1" i="0" u="none" strike="noStrike" kern="1200" cap="none" spc="0" normalizeH="0" baseline="0" noProof="0" dirty="0">
+              <a:ln>
+                <a:noFill/>
+              </a:ln>
+              <a:solidFill>
+                <a:srgbClr val="660033"/>
+              </a:solidFill>
+              <a:effectLst>
+                <a:outerShdw blurRad="50000" dist="30000" dir="5400000" algn="tl" rotWithShape="0">
+                  <a:srgbClr val="000000">
+                    <a:alpha val="30000"/>
+                  </a:srgbClr>
+                </a:outerShdw>
+              </a:effectLst>
+              <a:uLnTx/>
+              <a:uFillTx/>
+              <a:latin typeface="微軟正黑體" pitchFamily="34" charset="-120"/>
+              <a:ea typeface="微軟正黑體" pitchFamily="34" charset="-120"/>
+              <a:cs typeface="+mj-cs"/>
+            </a:endParaRPr>
+          </a:p>
+        </p:txBody>
+      </p:sp>
     </p:spTree>
-    <p:extLst>
-      <p:ext uri="{BB962C8B-B14F-4D97-AF65-F5344CB8AC3E}">
-        <p14:creationId xmlns:p14="http://schemas.microsoft.com/office/powerpoint/2010/main" val="492075861"/>
-      </p:ext>
-    </p:extLst>
   </p:cSld>
   <p:clrMapOvr>
     <a:masterClrMapping/>
   </p:clrMapOvr>
+  <p:timing>
+    <p:tnLst>
+      <p:par>
+        <p:cTn id="1" dur="indefinite" restart="never" nodeType="tmRoot"/>
+      </p:par>
+    </p:tnLst>
+  </p:timing>
 </p:sld>
 </file>
 
@@ -7429,71 +7654,68 @@
       </p:grpSpPr>
       <p:sp>
         <p:nvSpPr>
-          <p:cNvPr id="5" name="內容版面配置區 4"/>
-          <p:cNvSpPr>
-            <a:spLocks noGrp="1"/>
-          </p:cNvSpPr>
-          <p:nvPr>
-            <p:ph idx="1"/>
+          <p:cNvPr id="4" name="標題 3"/>
+          <p:cNvSpPr>
+            <a:spLocks noGrp="1"/>
+          </p:cNvSpPr>
+          <p:nvPr>
+            <p:ph type="title"/>
           </p:nvPr>
         </p:nvSpPr>
         <p:spPr>
           <a:xfrm>
-            <a:off x="0" y="1563638"/>
-            <a:ext cx="9144000" cy="1803647"/>
+            <a:off x="0" y="2143135"/>
+            <a:ext cx="9144000" cy="857250"/>
           </a:xfrm>
         </p:spPr>
         <p:txBody>
-          <a:bodyPr anchor="ctr">
-            <a:normAutofit/>
+          <a:bodyPr>
+            <a:noAutofit/>
           </a:bodyPr>
           <a:lstStyle/>
           <a:p>
-            <a:pPr algn="ctr">
-              <a:buNone/>
-            </a:pPr>
-            <a:r>
-              <a:rPr lang="zh-TW" altLang="en-US" sz="4800" b="1" dirty="0">
+            <a:r>
+              <a:rPr lang="zh-CN" altLang="en-US" sz="7200" b="1" dirty="0" smtClean="0">
                 <a:solidFill>
                   <a:srgbClr val="000066"/>
                 </a:solidFill>
                 <a:effectLst>
-                  <a:outerShdw blurRad="50000" dist="30000" dir="5400000" algn="tl" rotWithShape="0">
+                  <a:outerShdw blurRad="38100" dist="38100" dir="2700000" algn="tl">
                     <a:srgbClr val="000000">
-                      <a:alpha val="30000"/>
+                      <a:alpha val="43137"/>
                     </a:srgbClr>
                   </a:outerShdw>
                 </a:effectLst>
                 <a:latin typeface="微軟正黑體" pitchFamily="34" charset="-120"/>
                 <a:ea typeface="微軟正黑體" pitchFamily="34" charset="-120"/>
               </a:rPr>
-              <a:t>願主的愛與你同</a:t>
-            </a:r>
-            <a:r>
-              <a:rPr lang="zh-TW" altLang="en-US" sz="4800" b="1" dirty="0" smtClean="0">
+              <a:t>主</a:t>
+            </a:r>
+            <a:r>
+              <a:rPr lang="zh-CN" altLang="en-US" sz="7200" b="1" dirty="0">
                 <a:solidFill>
                   <a:srgbClr val="000066"/>
                 </a:solidFill>
                 <a:effectLst>
-                  <a:outerShdw blurRad="50000" dist="30000" dir="5400000" algn="tl" rotWithShape="0">
+                  <a:outerShdw blurRad="38100" dist="38100" dir="2700000" algn="tl">
                     <a:srgbClr val="000000">
-                      <a:alpha val="30000"/>
+                      <a:alpha val="43137"/>
                     </a:srgbClr>
                   </a:outerShdw>
                 </a:effectLst>
                 <a:latin typeface="微軟正黑體" pitchFamily="34" charset="-120"/>
                 <a:ea typeface="微軟正黑體" pitchFamily="34" charset="-120"/>
               </a:rPr>
-              <a:t>在</a:t>
-            </a:r>
-            <a:endParaRPr lang="en-US" altLang="zh-TW" sz="4800" b="1" dirty="0">
+              <a:t>的愛</a:t>
+            </a:r>
+            <a:endParaRPr lang="zh-TW" altLang="en-US" sz="7200" b="1" dirty="0">
               <a:solidFill>
                 <a:srgbClr val="000066"/>
               </a:solidFill>
               <a:effectLst>
-                <a:outerShdw blurRad="50000" dist="30000" dir="5400000" algn="tl" rotWithShape="0">
+                <a:outerShdw blurRad="38100" dist="38100" dir="2700000" algn="tl">
                   <a:srgbClr val="000000">
-                    <a:alpha val="30000"/>
+                    <a:alpha val="43137"/>
                   </a:srgbClr>
                 </a:outerShdw>
               </a:effectLst>
@@ -7501,82 +7723,12 @@
               <a:ea typeface="微軟正黑體" pitchFamily="34" charset="-120"/>
             </a:endParaRPr>
           </a:p>
-          <a:p>
-            <a:pPr algn="ctr">
-              <a:buNone/>
-            </a:pPr>
-            <a:r>
-              <a:rPr lang="zh-TW" altLang="en-US" sz="4800" b="1" dirty="0" smtClean="0">
-                <a:solidFill>
-                  <a:srgbClr val="000066"/>
-                </a:solidFill>
-                <a:effectLst>
-                  <a:outerShdw blurRad="50000" dist="30000" dir="5400000" algn="tl" rotWithShape="0">
-                    <a:srgbClr val="000000">
-                      <a:alpha val="30000"/>
-                    </a:srgbClr>
-                  </a:outerShdw>
-                </a:effectLst>
-                <a:latin typeface="微軟正黑體" pitchFamily="34" charset="-120"/>
-                <a:ea typeface="微軟正黑體" pitchFamily="34" charset="-120"/>
-              </a:rPr>
-              <a:t>無</a:t>
-            </a:r>
-            <a:r>
-              <a:rPr lang="zh-TW" altLang="en-US" sz="4800" b="1" dirty="0">
-                <a:solidFill>
-                  <a:srgbClr val="000066"/>
-                </a:solidFill>
-                <a:effectLst>
-                  <a:outerShdw blurRad="50000" dist="30000" dir="5400000" algn="tl" rotWithShape="0">
-                    <a:srgbClr val="000000">
-                      <a:alpha val="30000"/>
-                    </a:srgbClr>
-                  </a:outerShdw>
-                </a:effectLst>
-                <a:latin typeface="微軟正黑體" pitchFamily="34" charset="-120"/>
-                <a:ea typeface="微軟正黑體" pitchFamily="34" charset="-120"/>
-              </a:rPr>
-              <a:t>論你在何</a:t>
-            </a:r>
-            <a:r>
-              <a:rPr lang="zh-TW" altLang="en-US" sz="4800" b="1" dirty="0" smtClean="0">
-                <a:solidFill>
-                  <a:srgbClr val="000066"/>
-                </a:solidFill>
-                <a:effectLst>
-                  <a:outerShdw blurRad="50000" dist="30000" dir="5400000" algn="tl" rotWithShape="0">
-                    <a:srgbClr val="000000">
-                      <a:alpha val="30000"/>
-                    </a:srgbClr>
-                  </a:outerShdw>
-                </a:effectLst>
-                <a:latin typeface="微軟正黑體" pitchFamily="34" charset="-120"/>
-                <a:ea typeface="微軟正黑體" pitchFamily="34" charset="-120"/>
-              </a:rPr>
-              <a:t>方</a:t>
-            </a:r>
-            <a:endParaRPr lang="en-US" altLang="zh-TW" sz="4800" b="1" dirty="0">
-              <a:solidFill>
-                <a:srgbClr val="000066"/>
-              </a:solidFill>
-              <a:effectLst>
-                <a:outerShdw blurRad="50000" dist="30000" dir="5400000" algn="tl" rotWithShape="0">
-                  <a:srgbClr val="000000">
-                    <a:alpha val="30000"/>
-                  </a:srgbClr>
-                </a:outerShdw>
-              </a:effectLst>
-              <a:latin typeface="微軟正黑體" pitchFamily="34" charset="-120"/>
-              <a:ea typeface="微軟正黑體" pitchFamily="34" charset="-120"/>
-            </a:endParaRPr>
-          </a:p>
         </p:txBody>
       </p:sp>
     </p:spTree>
     <p:extLst>
       <p:ext uri="{BB962C8B-B14F-4D97-AF65-F5344CB8AC3E}">
-        <p14:creationId xmlns:p14="http://schemas.microsoft.com/office/powerpoint/2010/main" val="1936662365"/>
+        <p14:creationId xmlns:p14="http://schemas.microsoft.com/office/powerpoint/2010/main" val="492075861"/>
       </p:ext>
     </p:extLst>
   </p:cSld>
@@ -7629,7 +7781,7 @@
               <a:buNone/>
             </a:pPr>
             <a:r>
-              <a:rPr lang="zh-TW" altLang="en-US" sz="4800" b="1" dirty="0" smtClean="0">
+              <a:rPr lang="zh-TW" altLang="en-US" sz="4800" b="1" dirty="0">
                 <a:solidFill>
                   <a:srgbClr val="000066"/>
                 </a:solidFill>
@@ -7643,10 +7795,10 @@
                 <a:latin typeface="微軟正黑體" pitchFamily="34" charset="-120"/>
                 <a:ea typeface="微軟正黑體" pitchFamily="34" charset="-120"/>
               </a:rPr>
-              <a:t>願</a:t>
-            </a:r>
-            <a:r>
-              <a:rPr lang="zh-TW" altLang="en-US" sz="4800" b="1" dirty="0">
+              <a:t>願主的愛與你同</a:t>
+            </a:r>
+            <a:r>
+              <a:rPr lang="zh-TW" altLang="en-US" sz="4800" b="1" dirty="0" smtClean="0">
                 <a:solidFill>
                   <a:srgbClr val="000066"/>
                 </a:solidFill>
@@ -7660,15 +7812,99 @@
                 <a:latin typeface="微軟正黑體" pitchFamily="34" charset="-120"/>
                 <a:ea typeface="微軟正黑體" pitchFamily="34" charset="-120"/>
               </a:rPr>
-              <a:t>祂祝福你心靈安康</a:t>
-            </a:r>
+              <a:t>在</a:t>
+            </a:r>
+            <a:endParaRPr lang="en-US" altLang="zh-TW" sz="4800" b="1" dirty="0">
+              <a:solidFill>
+                <a:srgbClr val="000066"/>
+              </a:solidFill>
+              <a:effectLst>
+                <a:outerShdw blurRad="50000" dist="30000" dir="5400000" algn="tl" rotWithShape="0">
+                  <a:srgbClr val="000000">
+                    <a:alpha val="30000"/>
+                  </a:srgbClr>
+                </a:outerShdw>
+              </a:effectLst>
+              <a:latin typeface="微軟正黑體" pitchFamily="34" charset="-120"/>
+              <a:ea typeface="微軟正黑體" pitchFamily="34" charset="-120"/>
+            </a:endParaRPr>
+          </a:p>
+          <a:p>
+            <a:pPr algn="ctr">
+              <a:buNone/>
+            </a:pPr>
+            <a:r>
+              <a:rPr lang="zh-TW" altLang="en-US" sz="4800" b="1" dirty="0" smtClean="0">
+                <a:solidFill>
+                  <a:srgbClr val="000066"/>
+                </a:solidFill>
+                <a:effectLst>
+                  <a:outerShdw blurRad="50000" dist="30000" dir="5400000" algn="tl" rotWithShape="0">
+                    <a:srgbClr val="000000">
+                      <a:alpha val="30000"/>
+                    </a:srgbClr>
+                  </a:outerShdw>
+                </a:effectLst>
+                <a:latin typeface="微軟正黑體" pitchFamily="34" charset="-120"/>
+                <a:ea typeface="微軟正黑體" pitchFamily="34" charset="-120"/>
+              </a:rPr>
+              <a:t>無</a:t>
+            </a:r>
+            <a:r>
+              <a:rPr lang="zh-TW" altLang="en-US" sz="4800" b="1" dirty="0">
+                <a:solidFill>
+                  <a:srgbClr val="000066"/>
+                </a:solidFill>
+                <a:effectLst>
+                  <a:outerShdw blurRad="50000" dist="30000" dir="5400000" algn="tl" rotWithShape="0">
+                    <a:srgbClr val="000000">
+                      <a:alpha val="30000"/>
+                    </a:srgbClr>
+                  </a:outerShdw>
+                </a:effectLst>
+                <a:latin typeface="微軟正黑體" pitchFamily="34" charset="-120"/>
+                <a:ea typeface="微軟正黑體" pitchFamily="34" charset="-120"/>
+              </a:rPr>
+              <a:t>論你在何</a:t>
+            </a:r>
+            <a:r>
+              <a:rPr lang="zh-TW" altLang="en-US" sz="4800" b="1" dirty="0" smtClean="0">
+                <a:solidFill>
+                  <a:srgbClr val="000066"/>
+                </a:solidFill>
+                <a:effectLst>
+                  <a:outerShdw blurRad="50000" dist="30000" dir="5400000" algn="tl" rotWithShape="0">
+                    <a:srgbClr val="000000">
+                      <a:alpha val="30000"/>
+                    </a:srgbClr>
+                  </a:outerShdw>
+                </a:effectLst>
+                <a:latin typeface="微軟正黑體" pitchFamily="34" charset="-120"/>
+                <a:ea typeface="微軟正黑體" pitchFamily="34" charset="-120"/>
+              </a:rPr>
+              <a:t>方</a:t>
+            </a:r>
+            <a:endParaRPr lang="en-US" altLang="zh-TW" sz="4800" b="1" dirty="0">
+              <a:solidFill>
+                <a:srgbClr val="000066"/>
+              </a:solidFill>
+              <a:effectLst>
+                <a:outerShdw blurRad="50000" dist="30000" dir="5400000" algn="tl" rotWithShape="0">
+                  <a:srgbClr val="000000">
+                    <a:alpha val="30000"/>
+                  </a:srgbClr>
+                </a:outerShdw>
+              </a:effectLst>
+              <a:latin typeface="微軟正黑體" pitchFamily="34" charset="-120"/>
+              <a:ea typeface="微軟正黑體" pitchFamily="34" charset="-120"/>
+            </a:endParaRPr>
           </a:p>
         </p:txBody>
       </p:sp>
     </p:spTree>
     <p:extLst>
       <p:ext uri="{BB962C8B-B14F-4D97-AF65-F5344CB8AC3E}">
-        <p14:creationId xmlns:p14="http://schemas.microsoft.com/office/powerpoint/2010/main" val="3028663426"/>
+        <p14:creationId xmlns:p14="http://schemas.microsoft.com/office/powerpoint/2010/main" val="1936662365"/>
       </p:ext>
     </p:extLst>
   </p:cSld>
@@ -7721,7 +7957,7 @@
               <a:buNone/>
             </a:pPr>
             <a:r>
-              <a:rPr lang="zh-TW" altLang="en-US" sz="4800" b="1" dirty="0">
+              <a:rPr lang="zh-TW" altLang="en-US" sz="4800" b="1" dirty="0" smtClean="0">
                 <a:solidFill>
                   <a:srgbClr val="000066"/>
                 </a:solidFill>
@@ -7735,27 +7971,8 @@
                 <a:latin typeface="微軟正黑體" pitchFamily="34" charset="-120"/>
                 <a:ea typeface="微軟正黑體" pitchFamily="34" charset="-120"/>
               </a:rPr>
-              <a:t>主的愛如流水淙淙</a:t>
-            </a:r>
-            <a:endParaRPr lang="en-US" altLang="zh-TW" sz="4800" b="1" dirty="0">
-              <a:solidFill>
-                <a:srgbClr val="000066"/>
-              </a:solidFill>
-              <a:effectLst>
-                <a:outerShdw blurRad="50000" dist="30000" dir="5400000" algn="tl" rotWithShape="0">
-                  <a:srgbClr val="000000">
-                    <a:alpha val="30000"/>
-                  </a:srgbClr>
-                </a:outerShdw>
-              </a:effectLst>
-              <a:latin typeface="微軟正黑體" pitchFamily="34" charset="-120"/>
-              <a:ea typeface="微軟正黑體" pitchFamily="34" charset="-120"/>
-            </a:endParaRPr>
-          </a:p>
-          <a:p>
-            <a:pPr algn="ctr">
-              <a:buNone/>
-            </a:pPr>
+              <a:t>願</a:t>
+            </a:r>
             <a:r>
               <a:rPr lang="zh-TW" altLang="en-US" sz="4800" b="1" dirty="0">
                 <a:solidFill>
@@ -7771,29 +7988,15 @@
                 <a:latin typeface="微軟正黑體" pitchFamily="34" charset="-120"/>
                 <a:ea typeface="微軟正黑體" pitchFamily="34" charset="-120"/>
               </a:rPr>
-              <a:t>願你分享祂這愛</a:t>
-            </a:r>
-            <a:endParaRPr lang="en-US" altLang="zh-TW" sz="4800" b="1" dirty="0">
-              <a:solidFill>
-                <a:srgbClr val="000066"/>
-              </a:solidFill>
-              <a:effectLst>
-                <a:outerShdw blurRad="50000" dist="30000" dir="5400000" algn="tl" rotWithShape="0">
-                  <a:srgbClr val="000000">
-                    <a:alpha val="30000"/>
-                  </a:srgbClr>
-                </a:outerShdw>
-              </a:effectLst>
-              <a:latin typeface="微軟正黑體" pitchFamily="34" charset="-120"/>
-              <a:ea typeface="微軟正黑體" pitchFamily="34" charset="-120"/>
-            </a:endParaRPr>
+              <a:t>祂祝福你心靈安康</a:t>
+            </a:r>
           </a:p>
         </p:txBody>
       </p:sp>
     </p:spTree>
     <p:extLst>
       <p:ext uri="{BB962C8B-B14F-4D97-AF65-F5344CB8AC3E}">
-        <p14:creationId xmlns:p14="http://schemas.microsoft.com/office/powerpoint/2010/main" val="392282037"/>
+        <p14:creationId xmlns:p14="http://schemas.microsoft.com/office/powerpoint/2010/main" val="3028663426"/>
       </p:ext>
     </p:extLst>
   </p:cSld>
@@ -7860,15 +8063,65 @@
                 <a:latin typeface="微軟正黑體" pitchFamily="34" charset="-120"/>
                 <a:ea typeface="微軟正黑體" pitchFamily="34" charset="-120"/>
               </a:rPr>
-              <a:t>在那漫漫的黑夜見主光</a:t>
-            </a:r>
+              <a:t>主的愛如流水淙淙</a:t>
+            </a:r>
+            <a:endParaRPr lang="en-US" altLang="zh-TW" sz="4800" b="1" dirty="0">
+              <a:solidFill>
+                <a:srgbClr val="000066"/>
+              </a:solidFill>
+              <a:effectLst>
+                <a:outerShdw blurRad="50000" dist="30000" dir="5400000" algn="tl" rotWithShape="0">
+                  <a:srgbClr val="000000">
+                    <a:alpha val="30000"/>
+                  </a:srgbClr>
+                </a:outerShdw>
+              </a:effectLst>
+              <a:latin typeface="微軟正黑體" pitchFamily="34" charset="-120"/>
+              <a:ea typeface="微軟正黑體" pitchFamily="34" charset="-120"/>
+            </a:endParaRPr>
+          </a:p>
+          <a:p>
+            <a:pPr algn="ctr">
+              <a:buNone/>
+            </a:pPr>
+            <a:r>
+              <a:rPr lang="zh-TW" altLang="en-US" sz="4800" b="1" dirty="0">
+                <a:solidFill>
+                  <a:srgbClr val="000066"/>
+                </a:solidFill>
+                <a:effectLst>
+                  <a:outerShdw blurRad="50000" dist="30000" dir="5400000" algn="tl" rotWithShape="0">
+                    <a:srgbClr val="000000">
+                      <a:alpha val="30000"/>
+                    </a:srgbClr>
+                  </a:outerShdw>
+                </a:effectLst>
+                <a:latin typeface="微軟正黑體" pitchFamily="34" charset="-120"/>
+                <a:ea typeface="微軟正黑體" pitchFamily="34" charset="-120"/>
+              </a:rPr>
+              <a:t>願你分享祂這愛</a:t>
+            </a:r>
+            <a:endParaRPr lang="en-US" altLang="zh-TW" sz="4800" b="1" dirty="0">
+              <a:solidFill>
+                <a:srgbClr val="000066"/>
+              </a:solidFill>
+              <a:effectLst>
+                <a:outerShdw blurRad="50000" dist="30000" dir="5400000" algn="tl" rotWithShape="0">
+                  <a:srgbClr val="000000">
+                    <a:alpha val="30000"/>
+                  </a:srgbClr>
+                </a:outerShdw>
+              </a:effectLst>
+              <a:latin typeface="微軟正黑體" pitchFamily="34" charset="-120"/>
+              <a:ea typeface="微軟正黑體" pitchFamily="34" charset="-120"/>
+            </a:endParaRPr>
           </a:p>
         </p:txBody>
       </p:sp>
     </p:spTree>
     <p:extLst>
       <p:ext uri="{BB962C8B-B14F-4D97-AF65-F5344CB8AC3E}">
-        <p14:creationId xmlns:p14="http://schemas.microsoft.com/office/powerpoint/2010/main" val="2247000003"/>
+        <p14:creationId xmlns:p14="http://schemas.microsoft.com/office/powerpoint/2010/main" val="392282037"/>
       </p:ext>
     </p:extLst>
   </p:cSld>
@@ -7935,65 +8188,15 @@
                 <a:latin typeface="微軟正黑體" pitchFamily="34" charset="-120"/>
                 <a:ea typeface="微軟正黑體" pitchFamily="34" charset="-120"/>
               </a:rPr>
-              <a:t>主的愛如流水淙淙</a:t>
-            </a:r>
-            <a:endParaRPr lang="en-US" altLang="zh-TW" sz="4800" b="1" dirty="0">
-              <a:solidFill>
-                <a:srgbClr val="000066"/>
-              </a:solidFill>
-              <a:effectLst>
-                <a:outerShdw blurRad="50000" dist="30000" dir="5400000" algn="tl" rotWithShape="0">
-                  <a:srgbClr val="000000">
-                    <a:alpha val="30000"/>
-                  </a:srgbClr>
-                </a:outerShdw>
-              </a:effectLst>
-              <a:latin typeface="微軟正黑體" pitchFamily="34" charset="-120"/>
-              <a:ea typeface="微軟正黑體" pitchFamily="34" charset="-120"/>
-            </a:endParaRPr>
-          </a:p>
-          <a:p>
-            <a:pPr algn="ctr">
-              <a:buNone/>
-            </a:pPr>
-            <a:r>
-              <a:rPr lang="zh-TW" altLang="en-US" sz="4800" b="1" dirty="0">
-                <a:solidFill>
-                  <a:srgbClr val="000066"/>
-                </a:solidFill>
-                <a:effectLst>
-                  <a:outerShdw blurRad="50000" dist="30000" dir="5400000" algn="tl" rotWithShape="0">
-                    <a:srgbClr val="000000">
-                      <a:alpha val="30000"/>
-                    </a:srgbClr>
-                  </a:outerShdw>
-                </a:effectLst>
-                <a:latin typeface="微軟正黑體" pitchFamily="34" charset="-120"/>
-                <a:ea typeface="微軟正黑體" pitchFamily="34" charset="-120"/>
-              </a:rPr>
-              <a:t>願你分享祂這愛</a:t>
-            </a:r>
-            <a:endParaRPr lang="en-US" altLang="zh-TW" sz="4800" b="1" dirty="0">
-              <a:solidFill>
-                <a:srgbClr val="000066"/>
-              </a:solidFill>
-              <a:effectLst>
-                <a:outerShdw blurRad="50000" dist="30000" dir="5400000" algn="tl" rotWithShape="0">
-                  <a:srgbClr val="000000">
-                    <a:alpha val="30000"/>
-                  </a:srgbClr>
-                </a:outerShdw>
-              </a:effectLst>
-              <a:latin typeface="微軟正黑體" pitchFamily="34" charset="-120"/>
-              <a:ea typeface="微軟正黑體" pitchFamily="34" charset="-120"/>
-            </a:endParaRPr>
+              <a:t>在那漫漫的黑夜見主光</a:t>
+            </a:r>
           </a:p>
         </p:txBody>
       </p:sp>
     </p:spTree>
     <p:extLst>
       <p:ext uri="{BB962C8B-B14F-4D97-AF65-F5344CB8AC3E}">
-        <p14:creationId xmlns:p14="http://schemas.microsoft.com/office/powerpoint/2010/main" val="680345926"/>
+        <p14:creationId xmlns:p14="http://schemas.microsoft.com/office/powerpoint/2010/main" val="2247000003"/>
       </p:ext>
     </p:extLst>
   </p:cSld>
@@ -8022,18 +8225,18 @@
       </p:grpSpPr>
       <p:sp>
         <p:nvSpPr>
-          <p:cNvPr id="4" name="標題 3"/>
-          <p:cNvSpPr>
-            <a:spLocks noGrp="1"/>
-          </p:cNvSpPr>
-          <p:nvPr>
-            <p:ph type="title"/>
+          <p:cNvPr id="2" name="標題 1"/>
+          <p:cNvSpPr>
+            <a:spLocks noGrp="1"/>
+          </p:cNvSpPr>
+          <p:nvPr>
+            <p:ph type="title" idx="4294967295"/>
           </p:nvPr>
         </p:nvSpPr>
         <p:spPr>
           <a:xfrm>
-            <a:off x="0" y="2143135"/>
-            <a:ext cx="9144000" cy="857250"/>
+            <a:off x="-135" y="2257262"/>
+            <a:ext cx="9144000" cy="628650"/>
           </a:xfrm>
         </p:spPr>
         <p:txBody>
@@ -8043,9 +8246,9 @@
           <a:lstStyle/>
           <a:p>
             <a:r>
-              <a:rPr lang="zh-TW" altLang="en-US" sz="5400" b="1" i="1" dirty="0" smtClean="0">
-                <a:solidFill>
-                  <a:srgbClr val="660033"/>
+              <a:rPr lang="zh-CN" altLang="en-US" sz="7200" b="1" dirty="0">
+                <a:solidFill>
+                  <a:srgbClr val="000066"/>
                 </a:solidFill>
                 <a:effectLst>
                   <a:outerShdw blurRad="38100" dist="38100" dir="2700000" algn="tl">
@@ -8057,11 +8260,11 @@
                 <a:latin typeface="微軟正黑體" pitchFamily="34" charset="-120"/>
                 <a:ea typeface="微軟正黑體" pitchFamily="34" charset="-120"/>
               </a:rPr>
-              <a:t>尊貴全能神</a:t>
-            </a:r>
-            <a:endParaRPr lang="zh-TW" altLang="en-US" sz="5400" b="1" i="1" dirty="0">
+              <a:t>敬拜讚美神</a:t>
+            </a:r>
+            <a:endParaRPr lang="zh-TW" altLang="en-US" sz="7200" b="1" dirty="0">
               <a:solidFill>
-                <a:srgbClr val="660033"/>
+                <a:srgbClr val="000066"/>
               </a:solidFill>
               <a:effectLst>
                 <a:outerShdw blurRad="38100" dist="38100" dir="2700000" algn="tl">
@@ -8081,10 +8284,142 @@
   <p:clrMapOvr>
     <a:masterClrMapping/>
   </p:clrMapOvr>
+  <p:timing>
+    <p:tnLst>
+      <p:par>
+        <p:cTn id="1" dur="indefinite" restart="never" nodeType="tmRoot"/>
+      </p:par>
+    </p:tnLst>
+  </p:timing>
 </p:sld>
 </file>
 
 <file path=ppt/slides/slide40.xml><?xml version="1.0" encoding="utf-8"?>
+<p:sld xmlns:a="http://schemas.openxmlformats.org/drawingml/2006/main" xmlns:r="http://schemas.openxmlformats.org/officeDocument/2006/relationships" xmlns:p="http://schemas.openxmlformats.org/presentationml/2006/main">
+  <p:cSld>
+    <p:spTree>
+      <p:nvGrpSpPr>
+        <p:cNvPr id="1" name=""/>
+        <p:cNvGrpSpPr/>
+        <p:nvPr/>
+      </p:nvGrpSpPr>
+      <p:grpSpPr>
+        <a:xfrm>
+          <a:off x="0" y="0"/>
+          <a:ext cx="0" cy="0"/>
+          <a:chOff x="0" y="0"/>
+          <a:chExt cx="0" cy="0"/>
+        </a:xfrm>
+      </p:grpSpPr>
+      <p:sp>
+        <p:nvSpPr>
+          <p:cNvPr id="5" name="內容版面配置區 4"/>
+          <p:cNvSpPr>
+            <a:spLocks noGrp="1"/>
+          </p:cNvSpPr>
+          <p:nvPr>
+            <p:ph idx="1"/>
+          </p:nvPr>
+        </p:nvSpPr>
+        <p:spPr>
+          <a:xfrm>
+            <a:off x="0" y="1563638"/>
+            <a:ext cx="9144000" cy="1803647"/>
+          </a:xfrm>
+        </p:spPr>
+        <p:txBody>
+          <a:bodyPr anchor="ctr">
+            <a:normAutofit/>
+          </a:bodyPr>
+          <a:lstStyle/>
+          <a:p>
+            <a:pPr algn="ctr">
+              <a:buNone/>
+            </a:pPr>
+            <a:r>
+              <a:rPr lang="zh-TW" altLang="en-US" sz="4800" b="1" dirty="0">
+                <a:solidFill>
+                  <a:srgbClr val="000066"/>
+                </a:solidFill>
+                <a:effectLst>
+                  <a:outerShdw blurRad="50000" dist="30000" dir="5400000" algn="tl" rotWithShape="0">
+                    <a:srgbClr val="000000">
+                      <a:alpha val="30000"/>
+                    </a:srgbClr>
+                  </a:outerShdw>
+                </a:effectLst>
+                <a:latin typeface="微軟正黑體" pitchFamily="34" charset="-120"/>
+                <a:ea typeface="微軟正黑體" pitchFamily="34" charset="-120"/>
+              </a:rPr>
+              <a:t>主的愛如流水淙淙</a:t>
+            </a:r>
+            <a:endParaRPr lang="en-US" altLang="zh-TW" sz="4800" b="1" dirty="0">
+              <a:solidFill>
+                <a:srgbClr val="000066"/>
+              </a:solidFill>
+              <a:effectLst>
+                <a:outerShdw blurRad="50000" dist="30000" dir="5400000" algn="tl" rotWithShape="0">
+                  <a:srgbClr val="000000">
+                    <a:alpha val="30000"/>
+                  </a:srgbClr>
+                </a:outerShdw>
+              </a:effectLst>
+              <a:latin typeface="微軟正黑體" pitchFamily="34" charset="-120"/>
+              <a:ea typeface="微軟正黑體" pitchFamily="34" charset="-120"/>
+            </a:endParaRPr>
+          </a:p>
+          <a:p>
+            <a:pPr algn="ctr">
+              <a:buNone/>
+            </a:pPr>
+            <a:r>
+              <a:rPr lang="zh-TW" altLang="en-US" sz="4800" b="1" dirty="0">
+                <a:solidFill>
+                  <a:srgbClr val="000066"/>
+                </a:solidFill>
+                <a:effectLst>
+                  <a:outerShdw blurRad="50000" dist="30000" dir="5400000" algn="tl" rotWithShape="0">
+                    <a:srgbClr val="000000">
+                      <a:alpha val="30000"/>
+                    </a:srgbClr>
+                  </a:outerShdw>
+                </a:effectLst>
+                <a:latin typeface="微軟正黑體" pitchFamily="34" charset="-120"/>
+                <a:ea typeface="微軟正黑體" pitchFamily="34" charset="-120"/>
+              </a:rPr>
+              <a:t>願你分享祂這愛</a:t>
+            </a:r>
+            <a:endParaRPr lang="en-US" altLang="zh-TW" sz="4800" b="1" dirty="0">
+              <a:solidFill>
+                <a:srgbClr val="000066"/>
+              </a:solidFill>
+              <a:effectLst>
+                <a:outerShdw blurRad="50000" dist="30000" dir="5400000" algn="tl" rotWithShape="0">
+                  <a:srgbClr val="000000">
+                    <a:alpha val="30000"/>
+                  </a:srgbClr>
+                </a:outerShdw>
+              </a:effectLst>
+              <a:latin typeface="微軟正黑體" pitchFamily="34" charset="-120"/>
+              <a:ea typeface="微軟正黑體" pitchFamily="34" charset="-120"/>
+            </a:endParaRPr>
+          </a:p>
+        </p:txBody>
+      </p:sp>
+    </p:spTree>
+    <p:extLst>
+      <p:ext uri="{BB962C8B-B14F-4D97-AF65-F5344CB8AC3E}">
+        <p14:creationId xmlns:p14="http://schemas.microsoft.com/office/powerpoint/2010/main" val="680345926"/>
+      </p:ext>
+    </p:extLst>
+  </p:cSld>
+  <p:clrMapOvr>
+    <a:masterClrMapping/>
+  </p:clrMapOvr>
+</p:sld>
+</file>
+
+<file path=ppt/slides/slide41.xml><?xml version="1.0" encoding="utf-8"?>
 <p:sld xmlns:a="http://schemas.openxmlformats.org/drawingml/2006/main" xmlns:r="http://schemas.openxmlformats.org/officeDocument/2006/relationships" xmlns:p="http://schemas.openxmlformats.org/presentationml/2006/main">
   <p:cSld>
     <p:spTree>
@@ -8178,65 +8513,54 @@
       </p:grpSpPr>
       <p:sp>
         <p:nvSpPr>
-          <p:cNvPr id="5" name="內容版面配置區 4"/>
-          <p:cNvSpPr>
-            <a:spLocks noGrp="1"/>
-          </p:cNvSpPr>
-          <p:nvPr>
-            <p:ph idx="1"/>
+          <p:cNvPr id="4" name="標題 3"/>
+          <p:cNvSpPr>
+            <a:spLocks noGrp="1"/>
+          </p:cNvSpPr>
+          <p:nvPr>
+            <p:ph type="title"/>
           </p:nvPr>
         </p:nvSpPr>
         <p:spPr>
           <a:xfrm>
-            <a:off x="0" y="1563638"/>
-            <a:ext cx="9144000" cy="1803647"/>
+            <a:off x="0" y="2067694"/>
+            <a:ext cx="9144000" cy="857250"/>
           </a:xfrm>
         </p:spPr>
         <p:txBody>
-          <a:bodyPr anchor="ctr">
-            <a:normAutofit/>
+          <a:bodyPr>
+            <a:noAutofit/>
           </a:bodyPr>
           <a:lstStyle/>
           <a:p>
-            <a:pPr algn="ctr">
-              <a:buNone/>
-            </a:pPr>
-            <a:r>
-              <a:rPr lang="zh-TW" altLang="en-US" sz="4800" b="1" dirty="0" smtClean="0">
+            <a:r>
+              <a:rPr lang="zh-TW" altLang="en-US" sz="5400" b="1" i="1" dirty="0" smtClean="0">
                 <a:solidFill>
                   <a:srgbClr val="660033"/>
                 </a:solidFill>
-                <a:latin typeface="微軟正黑體" pitchFamily="34" charset="-120"/>
-                <a:ea typeface="微軟正黑體" pitchFamily="34" charset="-120"/>
-              </a:rPr>
-              <a:t>全能真神祢掌權</a:t>
-            </a:r>
-            <a:endParaRPr lang="en-US" altLang="zh-TW" sz="4800" b="1" dirty="0" smtClean="0">
+                <a:effectLst>
+                  <a:outerShdw blurRad="38100" dist="38100" dir="2700000" algn="tl">
+                    <a:srgbClr val="000000">
+                      <a:alpha val="43137"/>
+                    </a:srgbClr>
+                  </a:outerShdw>
+                </a:effectLst>
+                <a:latin typeface="微軟正黑體" pitchFamily="34" charset="-120"/>
+                <a:ea typeface="微軟正黑體" pitchFamily="34" charset="-120"/>
+              </a:rPr>
+              <a:t>尊貴全能神</a:t>
+            </a:r>
+            <a:endParaRPr lang="zh-TW" altLang="en-US" sz="5400" b="1" i="1" dirty="0">
               <a:solidFill>
                 <a:srgbClr val="660033"/>
               </a:solidFill>
-              <a:latin typeface="微軟正黑體" pitchFamily="34" charset="-120"/>
-              <a:ea typeface="微軟正黑體" pitchFamily="34" charset="-120"/>
-            </a:endParaRPr>
-          </a:p>
-          <a:p>
-            <a:pPr algn="ctr">
-              <a:buNone/>
-            </a:pPr>
-            <a:r>
-              <a:rPr lang="zh-TW" altLang="en-US" sz="4800" b="1" dirty="0" smtClean="0">
-                <a:solidFill>
-                  <a:srgbClr val="660033"/>
-                </a:solidFill>
-                <a:latin typeface="微軟正黑體" pitchFamily="34" charset="-120"/>
-                <a:ea typeface="微軟正黑體" pitchFamily="34" charset="-120"/>
-              </a:rPr>
-              <a:t>祢的慈愛永遠長存</a:t>
-            </a:r>
-            <a:endParaRPr lang="en-US" altLang="zh-TW" sz="4800" b="1" dirty="0" smtClean="0">
-              <a:solidFill>
-                <a:srgbClr val="660033"/>
-              </a:solidFill>
+              <a:effectLst>
+                <a:outerShdw blurRad="38100" dist="38100" dir="2700000" algn="tl">
+                  <a:srgbClr val="000000">
+                    <a:alpha val="43137"/>
+                  </a:srgbClr>
+                </a:outerShdw>
+              </a:effectLst>
               <a:latin typeface="微軟正黑體" pitchFamily="34" charset="-120"/>
               <a:ea typeface="微軟正黑體" pitchFamily="34" charset="-120"/>
             </a:endParaRPr>
@@ -8270,148 +8594,67 @@
       </p:grpSpPr>
       <p:sp>
         <p:nvSpPr>
-          <p:cNvPr id="3" name="矩形 2"/>
-          <p:cNvSpPr/>
-          <p:nvPr/>
+          <p:cNvPr id="5" name="內容版面配置區 4"/>
+          <p:cNvSpPr>
+            <a:spLocks noGrp="1"/>
+          </p:cNvSpPr>
+          <p:nvPr>
+            <p:ph idx="1"/>
+          </p:nvPr>
         </p:nvSpPr>
         <p:spPr>
           <a:xfrm>
-            <a:off x="6485" y="2500414"/>
-            <a:ext cx="9144000" cy="769441"/>
+            <a:off x="0" y="1563638"/>
+            <a:ext cx="9144000" cy="1803647"/>
           </a:xfrm>
-          <a:prstGeom prst="rect">
-            <a:avLst/>
-          </a:prstGeom>
         </p:spPr>
         <p:txBody>
-          <a:bodyPr wrap="square">
-            <a:spAutoFit/>
+          <a:bodyPr anchor="ctr">
+            <a:normAutofit/>
           </a:bodyPr>
           <a:lstStyle/>
           <a:p>
-            <a:pPr algn="ctr"/>
-            <a:r>
-              <a:rPr lang="en-US" altLang="zh-CN" sz="4400" b="1" dirty="0">
+            <a:pPr algn="ctr">
+              <a:buNone/>
+            </a:pPr>
+            <a:r>
+              <a:rPr lang="zh-TW" altLang="en-US" sz="4800" b="1" dirty="0" smtClean="0">
                 <a:solidFill>
                   <a:srgbClr val="660033"/>
                 </a:solidFill>
-                <a:effectLst>
-                  <a:outerShdw blurRad="38100" dist="38100" dir="2700000" algn="tl">
-                    <a:srgbClr val="000000">
-                      <a:alpha val="43137"/>
-                    </a:srgbClr>
-                  </a:outerShdw>
-                </a:effectLst>
-                <a:latin typeface="微軟正黑體" pitchFamily="34" charset="-120"/>
-                <a:ea typeface="微軟正黑體" pitchFamily="34" charset="-120"/>
-              </a:rPr>
-              <a:t>(</a:t>
-            </a:r>
-            <a:r>
-              <a:rPr lang="zh-CN" altLang="en-US" sz="4400" b="1" dirty="0">
-                <a:solidFill>
-                  <a:srgbClr val="660033"/>
-                </a:solidFill>
-                <a:effectLst>
-                  <a:outerShdw blurRad="38100" dist="38100" dir="2700000" algn="tl">
-                    <a:srgbClr val="000000">
-                      <a:alpha val="43137"/>
-                    </a:srgbClr>
-                  </a:outerShdw>
-                </a:effectLst>
-                <a:latin typeface="微軟正黑體" pitchFamily="34" charset="-120"/>
-                <a:ea typeface="微軟正黑體" pitchFamily="34" charset="-120"/>
-              </a:rPr>
-              <a:t>主禮牧師</a:t>
-            </a:r>
-            <a:r>
-              <a:rPr lang="en-US" altLang="zh-CN" sz="4400" b="1" dirty="0">
-                <a:solidFill>
-                  <a:srgbClr val="660033"/>
-                </a:solidFill>
-                <a:effectLst>
-                  <a:outerShdw blurRad="38100" dist="38100" dir="2700000" algn="tl">
-                    <a:srgbClr val="000000">
-                      <a:alpha val="43137"/>
-                    </a:srgbClr>
-                  </a:outerShdw>
-                </a:effectLst>
-                <a:latin typeface="微軟正黑體" pitchFamily="34" charset="-120"/>
-                <a:ea typeface="微軟正黑體" pitchFamily="34" charset="-120"/>
-              </a:rPr>
-              <a:t>)</a:t>
-            </a:r>
-            <a:endParaRPr lang="zh-TW" altLang="en-US" sz="4400" b="1" dirty="0">
+                <a:latin typeface="微軟正黑體" pitchFamily="34" charset="-120"/>
+                <a:ea typeface="微軟正黑體" pitchFamily="34" charset="-120"/>
+              </a:rPr>
+              <a:t>全能真神祢掌權</a:t>
+            </a:r>
+            <a:endParaRPr lang="en-US" altLang="zh-TW" sz="4800" b="1" dirty="0" smtClean="0">
               <a:solidFill>
                 <a:srgbClr val="660033"/>
               </a:solidFill>
-              <a:effectLst>
-                <a:outerShdw blurRad="38100" dist="38100" dir="2700000" algn="tl">
-                  <a:srgbClr val="000000">
-                    <a:alpha val="43137"/>
-                  </a:srgbClr>
-                </a:outerShdw>
-              </a:effectLst>
               <a:latin typeface="微軟正黑體" pitchFamily="34" charset="-120"/>
               <a:ea typeface="微軟正黑體" pitchFamily="34" charset="-120"/>
             </a:endParaRPr>
           </a:p>
-        </p:txBody>
-      </p:sp>
-      <p:sp>
-        <p:nvSpPr>
-          <p:cNvPr id="2" name="標題 1"/>
-          <p:cNvSpPr>
-            <a:spLocks noGrp="1"/>
-          </p:cNvSpPr>
-          <p:nvPr>
-            <p:ph type="title" idx="4294967295"/>
-          </p:nvPr>
-        </p:nvSpPr>
-        <p:spPr>
-          <a:xfrm>
-            <a:off x="0" y="1779662"/>
-            <a:ext cx="9144000" cy="628650"/>
-          </a:xfrm>
-        </p:spPr>
-        <p:txBody>
-          <a:bodyPr>
-            <a:noAutofit/>
-          </a:bodyPr>
-          <a:lstStyle/>
-          <a:p>
-            <a:r>
-              <a:rPr lang="zh-CN" altLang="en-US" sz="5400" b="1" dirty="0">
-                <a:solidFill>
-                  <a:srgbClr val="000066"/>
-                </a:solidFill>
-                <a:effectLst>
-                  <a:outerShdw blurRad="38100" dist="38100" dir="2700000" algn="tl">
-                    <a:srgbClr val="000000">
-                      <a:alpha val="43137"/>
-                    </a:srgbClr>
-                  </a:outerShdw>
-                </a:effectLst>
-                <a:latin typeface="微軟正黑體" pitchFamily="34" charset="-120"/>
-                <a:ea typeface="微軟正黑體" pitchFamily="34" charset="-120"/>
-                <a:cs typeface="+mn-cs"/>
-              </a:rPr>
-              <a:t>始禮禱告</a:t>
-            </a:r>
-            <a:endParaRPr lang="zh-TW" altLang="en-US" sz="5400" b="1" dirty="0">
+          <a:p>
+            <a:pPr algn="ctr">
+              <a:buNone/>
+            </a:pPr>
+            <a:r>
+              <a:rPr lang="zh-TW" altLang="en-US" sz="4800" b="1" dirty="0" smtClean="0">
+                <a:solidFill>
+                  <a:srgbClr val="660033"/>
+                </a:solidFill>
+                <a:latin typeface="微軟正黑體" pitchFamily="34" charset="-120"/>
+                <a:ea typeface="微軟正黑體" pitchFamily="34" charset="-120"/>
+              </a:rPr>
+              <a:t>祢的慈愛永遠長存</a:t>
+            </a:r>
+            <a:endParaRPr lang="en-US" altLang="zh-TW" sz="4800" b="1" dirty="0" smtClean="0">
               <a:solidFill>
-                <a:srgbClr val="000066"/>
+                <a:srgbClr val="660033"/>
               </a:solidFill>
-              <a:effectLst>
-                <a:outerShdw blurRad="38100" dist="38100" dir="2700000" algn="tl">
-                  <a:srgbClr val="000000">
-                    <a:alpha val="43137"/>
-                  </a:srgbClr>
-                </a:outerShdw>
-              </a:effectLst>
               <a:latin typeface="微軟正黑體" pitchFamily="34" charset="-120"/>
               <a:ea typeface="微軟正黑體" pitchFamily="34" charset="-120"/>
-              <a:cs typeface="+mn-cs"/>
             </a:endParaRPr>
           </a:p>
         </p:txBody>
@@ -8421,13 +8664,6 @@
   <p:clrMapOvr>
     <a:masterClrMapping/>
   </p:clrMapOvr>
-  <p:timing>
-    <p:tnLst>
-      <p:par>
-        <p:cTn id="1" dur="indefinite" restart="never" nodeType="tmRoot"/>
-      </p:par>
-    </p:tnLst>
-  </p:timing>
 </p:sld>
 </file>
 
@@ -8450,31 +8686,30 @@
       </p:grpSpPr>
       <p:sp>
         <p:nvSpPr>
-          <p:cNvPr id="2" name="標題 1"/>
-          <p:cNvSpPr>
-            <a:spLocks noGrp="1"/>
-          </p:cNvSpPr>
-          <p:nvPr>
-            <p:ph type="title" idx="4294967295"/>
-          </p:nvPr>
+          <p:cNvPr id="3" name="矩形 2"/>
+          <p:cNvSpPr/>
+          <p:nvPr/>
         </p:nvSpPr>
         <p:spPr>
           <a:xfrm>
-            <a:off x="0" y="2257177"/>
-            <a:ext cx="9144000" cy="628650"/>
+            <a:off x="6485" y="2500414"/>
+            <a:ext cx="9144000" cy="769441"/>
           </a:xfrm>
+          <a:prstGeom prst="rect">
+            <a:avLst/>
+          </a:prstGeom>
         </p:spPr>
         <p:txBody>
-          <a:bodyPr>
-            <a:noAutofit/>
+          <a:bodyPr wrap="square">
+            <a:spAutoFit/>
           </a:bodyPr>
           <a:lstStyle/>
           <a:p>
             <a:pPr algn="ctr"/>
             <a:r>
-              <a:rPr lang="zh-CN" altLang="en-US" sz="7200" b="1" dirty="0" smtClean="0">
-                <a:solidFill>
-                  <a:srgbClr val="000066"/>
+              <a:rPr lang="en-US" altLang="zh-CN" sz="4400" b="1" dirty="0">
+                <a:solidFill>
+                  <a:srgbClr val="660033"/>
                 </a:solidFill>
                 <a:effectLst>
                   <a:outerShdw blurRad="38100" dist="38100" dir="2700000" algn="tl">
@@ -8486,9 +8721,100 @@
                 <a:latin typeface="微軟正黑體" pitchFamily="34" charset="-120"/>
                 <a:ea typeface="微軟正黑體" pitchFamily="34" charset="-120"/>
               </a:rPr>
-              <a:t>提摩太詩班</a:t>
-            </a:r>
-            <a:endParaRPr lang="zh-TW" altLang="en-US" sz="7200" b="1" dirty="0">
+              <a:t>(</a:t>
+            </a:r>
+            <a:r>
+              <a:rPr lang="zh-CN" altLang="en-US" sz="4400" b="1" dirty="0">
+                <a:solidFill>
+                  <a:srgbClr val="660033"/>
+                </a:solidFill>
+                <a:effectLst>
+                  <a:outerShdw blurRad="38100" dist="38100" dir="2700000" algn="tl">
+                    <a:srgbClr val="000000">
+                      <a:alpha val="43137"/>
+                    </a:srgbClr>
+                  </a:outerShdw>
+                </a:effectLst>
+                <a:latin typeface="微軟正黑體" pitchFamily="34" charset="-120"/>
+                <a:ea typeface="微軟正黑體" pitchFamily="34" charset="-120"/>
+              </a:rPr>
+              <a:t>主禮牧師</a:t>
+            </a:r>
+            <a:r>
+              <a:rPr lang="en-US" altLang="zh-CN" sz="4400" b="1" dirty="0">
+                <a:solidFill>
+                  <a:srgbClr val="660033"/>
+                </a:solidFill>
+                <a:effectLst>
+                  <a:outerShdw blurRad="38100" dist="38100" dir="2700000" algn="tl">
+                    <a:srgbClr val="000000">
+                      <a:alpha val="43137"/>
+                    </a:srgbClr>
+                  </a:outerShdw>
+                </a:effectLst>
+                <a:latin typeface="微軟正黑體" pitchFamily="34" charset="-120"/>
+                <a:ea typeface="微軟正黑體" pitchFamily="34" charset="-120"/>
+              </a:rPr>
+              <a:t>)</a:t>
+            </a:r>
+            <a:endParaRPr lang="zh-TW" altLang="en-US" sz="4400" b="1" dirty="0">
+              <a:solidFill>
+                <a:srgbClr val="660033"/>
+              </a:solidFill>
+              <a:effectLst>
+                <a:outerShdw blurRad="38100" dist="38100" dir="2700000" algn="tl">
+                  <a:srgbClr val="000000">
+                    <a:alpha val="43137"/>
+                  </a:srgbClr>
+                </a:outerShdw>
+              </a:effectLst>
+              <a:latin typeface="微軟正黑體" pitchFamily="34" charset="-120"/>
+              <a:ea typeface="微軟正黑體" pitchFamily="34" charset="-120"/>
+            </a:endParaRPr>
+          </a:p>
+        </p:txBody>
+      </p:sp>
+      <p:sp>
+        <p:nvSpPr>
+          <p:cNvPr id="2" name="標題 1"/>
+          <p:cNvSpPr>
+            <a:spLocks noGrp="1"/>
+          </p:cNvSpPr>
+          <p:nvPr>
+            <p:ph type="title" idx="4294967295"/>
+          </p:nvPr>
+        </p:nvSpPr>
+        <p:spPr>
+          <a:xfrm>
+            <a:off x="0" y="1779662"/>
+            <a:ext cx="9144000" cy="628650"/>
+          </a:xfrm>
+        </p:spPr>
+        <p:txBody>
+          <a:bodyPr>
+            <a:noAutofit/>
+          </a:bodyPr>
+          <a:lstStyle/>
+          <a:p>
+            <a:r>
+              <a:rPr lang="zh-CN" altLang="en-US" sz="5400" b="1" dirty="0">
+                <a:solidFill>
+                  <a:srgbClr val="000066"/>
+                </a:solidFill>
+                <a:effectLst>
+                  <a:outerShdw blurRad="38100" dist="38100" dir="2700000" algn="tl">
+                    <a:srgbClr val="000000">
+                      <a:alpha val="43137"/>
+                    </a:srgbClr>
+                  </a:outerShdw>
+                </a:effectLst>
+                <a:latin typeface="微軟正黑體" pitchFamily="34" charset="-120"/>
+                <a:ea typeface="微軟正黑體" pitchFamily="34" charset="-120"/>
+                <a:cs typeface="+mn-cs"/>
+              </a:rPr>
+              <a:t>始禮禱告</a:t>
+            </a:r>
+            <a:endParaRPr lang="zh-TW" altLang="en-US" sz="5400" b="1" dirty="0">
               <a:solidFill>
                 <a:srgbClr val="000066"/>
               </a:solidFill>
@@ -8501,6 +8827,7 @@
               </a:effectLst>
               <a:latin typeface="微軟正黑體" pitchFamily="34" charset="-120"/>
               <a:ea typeface="微軟正黑體" pitchFamily="34" charset="-120"/>
+              <a:cs typeface="+mn-cs"/>
             </a:endParaRPr>
           </a:p>
         </p:txBody>
@@ -8549,7 +8876,7 @@
         </p:nvSpPr>
         <p:spPr>
           <a:xfrm>
-            <a:off x="0" y="1779662"/>
+            <a:off x="0" y="2257177"/>
             <a:ext cx="9144000" cy="628650"/>
           </a:xfrm>
         </p:spPr>
@@ -8561,7 +8888,7 @@
           <a:p>
             <a:pPr algn="ctr"/>
             <a:r>
-              <a:rPr lang="zh-CN" altLang="en-US" sz="8000" b="1" dirty="0" smtClean="0">
+              <a:rPr lang="zh-CN" altLang="en-US" sz="7200" b="1" dirty="0" smtClean="0">
                 <a:solidFill>
                   <a:srgbClr val="000066"/>
                 </a:solidFill>
@@ -8575,9 +8902,9 @@
                 <a:latin typeface="微軟正黑體" pitchFamily="34" charset="-120"/>
                 <a:ea typeface="微軟正黑體" pitchFamily="34" charset="-120"/>
               </a:rPr>
-              <a:t>啟應經文</a:t>
-            </a:r>
-            <a:endParaRPr lang="zh-TW" altLang="en-US" sz="8000" b="1" dirty="0">
+              <a:t>提摩太詩班</a:t>
+            </a:r>
+            <a:endParaRPr lang="zh-TW" altLang="en-US" sz="7200" b="1" dirty="0">
               <a:solidFill>
                 <a:srgbClr val="000066"/>
               </a:solidFill>
@@ -8590,103 +8917,6 @@
               </a:effectLst>
               <a:latin typeface="微軟正黑體" pitchFamily="34" charset="-120"/>
               <a:ea typeface="微軟正黑體" pitchFamily="34" charset="-120"/>
-            </a:endParaRPr>
-          </a:p>
-        </p:txBody>
-      </p:sp>
-      <p:sp>
-        <p:nvSpPr>
-          <p:cNvPr id="4" name="標題 1"/>
-          <p:cNvSpPr txBox="1"/>
-          <p:nvPr/>
-        </p:nvSpPr>
-        <p:spPr>
-          <a:xfrm>
-            <a:off x="0" y="2787774"/>
-            <a:ext cx="9144000" cy="628650"/>
-          </a:xfrm>
-          <a:prstGeom prst="rect">
-            <a:avLst/>
-          </a:prstGeom>
-        </p:spPr>
-        <p:txBody>
-          <a:bodyPr anchor="ctr">
-            <a:noAutofit/>
-          </a:bodyPr>
-          <a:lstStyle/>
-          <a:p>
-            <a:pPr lvl="0" algn="ctr">
-              <a:spcBef>
-                <a:spcPct val="0"/>
-              </a:spcBef>
-            </a:pPr>
-            <a:r>
-              <a:rPr lang="en-US" altLang="zh-TW" sz="4000" b="1" dirty="0" smtClean="0">
-                <a:solidFill>
-                  <a:srgbClr val="660033"/>
-                </a:solidFill>
-                <a:effectLst>
-                  <a:outerShdw blurRad="38100" dist="38100" dir="2700000" algn="tl">
-                    <a:srgbClr val="000000">
-                      <a:alpha val="43137"/>
-                    </a:srgbClr>
-                  </a:outerShdw>
-                </a:effectLst>
-                <a:latin typeface="微軟正黑體" pitchFamily="34" charset="-120"/>
-                <a:ea typeface="微軟正黑體" pitchFamily="34" charset="-120"/>
-                <a:cs typeface="+mj-cs"/>
-              </a:rPr>
-              <a:t>3 “</a:t>
-            </a:r>
-            <a:r>
-              <a:rPr lang="zh-CN" altLang="en-US" sz="4000" b="1" dirty="0">
-                <a:solidFill>
-                  <a:srgbClr val="660033"/>
-                </a:solidFill>
-                <a:effectLst>
-                  <a:outerShdw blurRad="38100" dist="38100" dir="2700000" algn="tl">
-                    <a:srgbClr val="000000">
-                      <a:alpha val="43137"/>
-                    </a:srgbClr>
-                  </a:outerShdw>
-                </a:effectLst>
-                <a:latin typeface="微軟正黑體" pitchFamily="34" charset="-120"/>
-                <a:ea typeface="微軟正黑體" pitchFamily="34" charset="-120"/>
-              </a:rPr>
-              <a:t>神的威權</a:t>
-            </a:r>
-            <a:r>
-              <a:rPr lang="en-US" altLang="zh-TW" sz="4000" b="1" dirty="0" smtClean="0">
-                <a:solidFill>
-                  <a:srgbClr val="660033"/>
-                </a:solidFill>
-                <a:effectLst>
-                  <a:outerShdw blurRad="38100" dist="38100" dir="2700000" algn="tl">
-                    <a:srgbClr val="000000">
-                      <a:alpha val="43137"/>
-                    </a:srgbClr>
-                  </a:outerShdw>
-                </a:effectLst>
-                <a:latin typeface="微軟正黑體" pitchFamily="34" charset="-120"/>
-                <a:ea typeface="微軟正黑體" pitchFamily="34" charset="-120"/>
-                <a:cs typeface="+mj-cs"/>
-              </a:rPr>
-              <a:t>”</a:t>
-            </a:r>
-            <a:endParaRPr lang="zh-TW" altLang="en-US" sz="4000" b="1" dirty="0">
-              <a:solidFill>
-                <a:srgbClr val="660033"/>
-              </a:solidFill>
-              <a:effectLst>
-                <a:outerShdw blurRad="38100" dist="38100" dir="2700000" algn="tl">
-                  <a:srgbClr val="000000">
-                    <a:alpha val="43137"/>
-                  </a:srgbClr>
-                </a:outerShdw>
-              </a:effectLst>
-              <a:latin typeface="微軟正黑體" pitchFamily="34" charset="-120"/>
-              <a:ea typeface="微軟正黑體" pitchFamily="34" charset="-120"/>
-              <a:cs typeface="+mj-cs"/>
             </a:endParaRPr>
           </a:p>
         </p:txBody>
@@ -8725,25 +8955,31 @@
       </p:grpSpPr>
       <p:sp>
         <p:nvSpPr>
-          <p:cNvPr id="2" name="Title 1"/>
-          <p:cNvSpPr>
-            <a:spLocks noGrp="1"/>
-          </p:cNvSpPr>
-          <p:nvPr>
-            <p:ph type="ctrTitle"/>
-          </p:nvPr>
-        </p:nvSpPr>
-        <p:spPr/>
+          <p:cNvPr id="2" name="標題 1"/>
+          <p:cNvSpPr>
+            <a:spLocks noGrp="1"/>
+          </p:cNvSpPr>
+          <p:nvPr>
+            <p:ph type="title" idx="4294967295"/>
+          </p:nvPr>
+        </p:nvSpPr>
+        <p:spPr>
+          <a:xfrm>
+            <a:off x="0" y="1779662"/>
+            <a:ext cx="9144000" cy="628650"/>
+          </a:xfrm>
+        </p:spPr>
         <p:txBody>
           <a:bodyPr>
-            <a:normAutofit fontScale="90000"/>
+            <a:noAutofit/>
           </a:bodyPr>
           <a:lstStyle/>
           <a:p>
+            <a:pPr algn="ctr"/>
             <a:r>
               <a:rPr lang="zh-CN" altLang="en-US" sz="8000" b="1" dirty="0" smtClean="0">
                 <a:solidFill>
-                  <a:srgbClr val="660033"/>
+                  <a:srgbClr val="000066"/>
                 </a:solidFill>
                 <a:effectLst>
                   <a:outerShdw blurRad="38100" dist="38100" dir="2700000" algn="tl">
@@ -8755,9 +8991,105 @@
                 <a:latin typeface="微軟正黑體" pitchFamily="34" charset="-120"/>
                 <a:ea typeface="微軟正黑體" pitchFamily="34" charset="-120"/>
               </a:rPr>
+              <a:t>啟應經文</a:t>
+            </a:r>
+            <a:endParaRPr lang="zh-TW" altLang="en-US" sz="8000" b="1" dirty="0">
+              <a:solidFill>
+                <a:srgbClr val="000066"/>
+              </a:solidFill>
+              <a:effectLst>
+                <a:outerShdw blurRad="38100" dist="38100" dir="2700000" algn="tl">
+                  <a:srgbClr val="000000">
+                    <a:alpha val="43137"/>
+                  </a:srgbClr>
+                </a:outerShdw>
+              </a:effectLst>
+              <a:latin typeface="微軟正黑體" pitchFamily="34" charset="-120"/>
+              <a:ea typeface="微軟正黑體" pitchFamily="34" charset="-120"/>
+            </a:endParaRPr>
+          </a:p>
+        </p:txBody>
+      </p:sp>
+      <p:sp>
+        <p:nvSpPr>
+          <p:cNvPr id="4" name="標題 1"/>
+          <p:cNvSpPr txBox="1"/>
+          <p:nvPr/>
+        </p:nvSpPr>
+        <p:spPr>
+          <a:xfrm>
+            <a:off x="0" y="2787774"/>
+            <a:ext cx="9144000" cy="628650"/>
+          </a:xfrm>
+          <a:prstGeom prst="rect">
+            <a:avLst/>
+          </a:prstGeom>
+        </p:spPr>
+        <p:txBody>
+          <a:bodyPr anchor="ctr">
+            <a:noAutofit/>
+          </a:bodyPr>
+          <a:lstStyle/>
+          <a:p>
+            <a:pPr lvl="0" algn="ctr">
+              <a:spcBef>
+                <a:spcPct val="0"/>
+              </a:spcBef>
+            </a:pPr>
+            <a:r>
+              <a:rPr lang="en-US" altLang="zh-TW" sz="4000" b="1" dirty="0" smtClean="0">
+                <a:solidFill>
+                  <a:srgbClr val="660033"/>
+                </a:solidFill>
+                <a:effectLst>
+                  <a:outerShdw blurRad="38100" dist="38100" dir="2700000" algn="tl">
+                    <a:srgbClr val="000000">
+                      <a:alpha val="43137"/>
+                    </a:srgbClr>
+                  </a:outerShdw>
+                </a:effectLst>
+                <a:latin typeface="微軟正黑體" pitchFamily="34" charset="-120"/>
+                <a:ea typeface="微軟正黑體" pitchFamily="34" charset="-120"/>
+                <a:cs typeface="+mj-cs"/>
+              </a:rPr>
+              <a:t>3 “</a:t>
+            </a:r>
+            <a:r>
+              <a:rPr lang="zh-CN" altLang="en-US" sz="4000" b="1" dirty="0">
+                <a:solidFill>
+                  <a:srgbClr val="660033"/>
+                </a:solidFill>
+                <a:effectLst>
+                  <a:outerShdw blurRad="38100" dist="38100" dir="2700000" algn="tl">
+                    <a:srgbClr val="000000">
+                      <a:alpha val="43137"/>
+                    </a:srgbClr>
+                  </a:outerShdw>
+                </a:effectLst>
+                <a:latin typeface="微軟正黑體" pitchFamily="34" charset="-120"/>
+                <a:ea typeface="微軟正黑體" pitchFamily="34" charset="-120"/>
+              </a:rPr>
               <a:t>神的威權</a:t>
             </a:r>
-            <a:endParaRPr lang="en-US" sz="8000" b="1" dirty="0">
+            <a:r>
+              <a:rPr lang="en-US" altLang="zh-TW" sz="4000" b="1" dirty="0" smtClean="0">
+                <a:solidFill>
+                  <a:srgbClr val="660033"/>
+                </a:solidFill>
+                <a:effectLst>
+                  <a:outerShdw blurRad="38100" dist="38100" dir="2700000" algn="tl">
+                    <a:srgbClr val="000000">
+                      <a:alpha val="43137"/>
+                    </a:srgbClr>
+                  </a:outerShdw>
+                </a:effectLst>
+                <a:latin typeface="微軟正黑體" pitchFamily="34" charset="-120"/>
+                <a:ea typeface="微軟正黑體" pitchFamily="34" charset="-120"/>
+                <a:cs typeface="+mj-cs"/>
+              </a:rPr>
+              <a:t>”</a:t>
+            </a:r>
+            <a:endParaRPr lang="zh-TW" altLang="en-US" sz="4000" b="1" dirty="0">
               <a:solidFill>
                 <a:srgbClr val="660033"/>
               </a:solidFill>
@@ -8770,222 +9102,7 @@
               </a:effectLst>
               <a:latin typeface="微軟正黑體" pitchFamily="34" charset="-120"/>
               <a:ea typeface="微軟正黑體" pitchFamily="34" charset="-120"/>
-            </a:endParaRPr>
-          </a:p>
-        </p:txBody>
-      </p:sp>
-      <p:sp>
-        <p:nvSpPr>
-          <p:cNvPr id="3" name="Subtitle 2"/>
-          <p:cNvSpPr>
-            <a:spLocks noGrp="1"/>
-          </p:cNvSpPr>
-          <p:nvPr>
-            <p:ph type="subTitle" idx="1"/>
-          </p:nvPr>
-        </p:nvSpPr>
-        <p:spPr/>
-        <p:txBody>
-          <a:bodyPr>
-            <a:normAutofit/>
-          </a:bodyPr>
-          <a:lstStyle/>
-          <a:p>
-            <a:r>
-              <a:rPr lang="zh-CN" altLang="en-US" b="1" dirty="0" smtClean="0">
-                <a:solidFill>
-                  <a:srgbClr val="000066"/>
-                </a:solidFill>
-                <a:latin typeface="微軟正黑體" pitchFamily="34" charset="-120"/>
-                <a:ea typeface="微軟正黑體" pitchFamily="34" charset="-120"/>
-              </a:rPr>
-              <a:t>詩</a:t>
-            </a:r>
-            <a:r>
-              <a:rPr lang="en-US" altLang="zh-CN" b="1" dirty="0" smtClean="0">
-                <a:solidFill>
-                  <a:srgbClr val="000066"/>
-                </a:solidFill>
-                <a:latin typeface="微軟正黑體" pitchFamily="34" charset="-120"/>
-                <a:ea typeface="微軟正黑體" pitchFamily="34" charset="-120"/>
-              </a:rPr>
-              <a:t>93</a:t>
-            </a:r>
-            <a:r>
-              <a:rPr lang="zh-CN" altLang="en-US" b="1" dirty="0" smtClean="0">
-                <a:solidFill>
-                  <a:srgbClr val="000066"/>
-                </a:solidFill>
-                <a:latin typeface="微軟正黑體" pitchFamily="34" charset="-120"/>
-                <a:ea typeface="微軟正黑體" pitchFamily="34" charset="-120"/>
-              </a:rPr>
-              <a:t>：</a:t>
-            </a:r>
-            <a:r>
-              <a:rPr lang="en-US" altLang="zh-CN" b="1" dirty="0" smtClean="0">
-                <a:solidFill>
-                  <a:srgbClr val="000066"/>
-                </a:solidFill>
-                <a:latin typeface="微軟正黑體" pitchFamily="34" charset="-120"/>
-                <a:ea typeface="微軟正黑體" pitchFamily="34" charset="-120"/>
-              </a:rPr>
-              <a:t>1-2</a:t>
-            </a:r>
-            <a:r>
-              <a:rPr lang="zh-CN" altLang="en-US" b="1" dirty="0" smtClean="0">
-                <a:solidFill>
-                  <a:srgbClr val="000066"/>
-                </a:solidFill>
-                <a:latin typeface="微軟正黑體" pitchFamily="34" charset="-120"/>
-                <a:ea typeface="微軟正黑體" pitchFamily="34" charset="-120"/>
-              </a:rPr>
-              <a:t>，</a:t>
-            </a:r>
-            <a:r>
-              <a:rPr lang="en-US" altLang="zh-CN" b="1" dirty="0" smtClean="0">
-                <a:solidFill>
-                  <a:srgbClr val="000066"/>
-                </a:solidFill>
-                <a:latin typeface="微軟正黑體" pitchFamily="34" charset="-120"/>
-                <a:ea typeface="微軟正黑體" pitchFamily="34" charset="-120"/>
-              </a:rPr>
-              <a:t>4-5</a:t>
-            </a:r>
-            <a:r>
-              <a:rPr lang="zh-CN" altLang="en-US" b="1" dirty="0" smtClean="0">
-                <a:solidFill>
-                  <a:srgbClr val="000066"/>
-                </a:solidFill>
-                <a:latin typeface="微軟正黑體" pitchFamily="34" charset="-120"/>
-                <a:ea typeface="微軟正黑體" pitchFamily="34" charset="-120"/>
-              </a:rPr>
-              <a:t>；</a:t>
-            </a:r>
-            <a:r>
-              <a:rPr lang="en-US" altLang="zh-CN" b="1" dirty="0" smtClean="0">
-                <a:solidFill>
-                  <a:srgbClr val="000066"/>
-                </a:solidFill>
-                <a:latin typeface="微軟正黑體" pitchFamily="34" charset="-120"/>
-                <a:ea typeface="微軟正黑體" pitchFamily="34" charset="-120"/>
-              </a:rPr>
-              <a:t>24</a:t>
-            </a:r>
-            <a:r>
-              <a:rPr lang="zh-CN" altLang="en-US" b="1" dirty="0" smtClean="0">
-                <a:solidFill>
-                  <a:srgbClr val="000066"/>
-                </a:solidFill>
-                <a:latin typeface="微軟正黑體" pitchFamily="34" charset="-120"/>
-                <a:ea typeface="微軟正黑體" pitchFamily="34" charset="-120"/>
-              </a:rPr>
-              <a:t>：</a:t>
-            </a:r>
-            <a:r>
-              <a:rPr lang="en-US" altLang="zh-CN" b="1" dirty="0" smtClean="0">
-                <a:solidFill>
-                  <a:srgbClr val="000066"/>
-                </a:solidFill>
-                <a:latin typeface="微軟正黑體" pitchFamily="34" charset="-120"/>
-                <a:ea typeface="微軟正黑體" pitchFamily="34" charset="-120"/>
-              </a:rPr>
-              <a:t>1-4</a:t>
-            </a:r>
-            <a:r>
-              <a:rPr lang="zh-CN" altLang="en-US" b="1" dirty="0" smtClean="0">
-                <a:solidFill>
-                  <a:srgbClr val="000066"/>
-                </a:solidFill>
-                <a:latin typeface="微軟正黑體" pitchFamily="34" charset="-120"/>
-                <a:ea typeface="微軟正黑體" pitchFamily="34" charset="-120"/>
-              </a:rPr>
-              <a:t>；</a:t>
-            </a:r>
-            <a:endParaRPr lang="en-US" altLang="zh-CN" b="1" dirty="0" smtClean="0">
-              <a:solidFill>
-                <a:srgbClr val="000066"/>
-              </a:solidFill>
-              <a:latin typeface="微軟正黑體" pitchFamily="34" charset="-120"/>
-              <a:ea typeface="微軟正黑體" pitchFamily="34" charset="-120"/>
-            </a:endParaRPr>
-          </a:p>
-          <a:p>
-            <a:r>
-              <a:rPr lang="en-US" altLang="zh-CN" b="1" dirty="0" smtClean="0">
-                <a:solidFill>
-                  <a:srgbClr val="000066"/>
-                </a:solidFill>
-                <a:latin typeface="微軟正黑體" pitchFamily="34" charset="-120"/>
-                <a:ea typeface="微軟正黑體" pitchFamily="34" charset="-120"/>
-              </a:rPr>
-              <a:t>97</a:t>
-            </a:r>
-            <a:r>
-              <a:rPr lang="zh-CN" altLang="en-US" b="1" dirty="0" smtClean="0">
-                <a:solidFill>
-                  <a:srgbClr val="000066"/>
-                </a:solidFill>
-                <a:latin typeface="微軟正黑體" pitchFamily="34" charset="-120"/>
-                <a:ea typeface="微軟正黑體" pitchFamily="34" charset="-120"/>
-              </a:rPr>
-              <a:t>：</a:t>
-            </a:r>
-            <a:r>
-              <a:rPr lang="en-US" altLang="zh-CN" b="1" dirty="0" smtClean="0">
-                <a:solidFill>
-                  <a:srgbClr val="000066"/>
-                </a:solidFill>
-                <a:latin typeface="微軟正黑體" pitchFamily="34" charset="-120"/>
-                <a:ea typeface="微軟正黑體" pitchFamily="34" charset="-120"/>
-              </a:rPr>
-              <a:t>1-6</a:t>
-            </a:r>
-            <a:r>
-              <a:rPr lang="zh-CN" altLang="en-US" b="1" dirty="0" smtClean="0">
-                <a:solidFill>
-                  <a:srgbClr val="000066"/>
-                </a:solidFill>
-                <a:latin typeface="微軟正黑體" pitchFamily="34" charset="-120"/>
-                <a:ea typeface="微軟正黑體" pitchFamily="34" charset="-120"/>
-              </a:rPr>
-              <a:t>；</a:t>
-            </a:r>
-            <a:r>
-              <a:rPr lang="en-US" altLang="zh-CN" b="1" dirty="0" smtClean="0">
-                <a:solidFill>
-                  <a:srgbClr val="000066"/>
-                </a:solidFill>
-                <a:latin typeface="微軟正黑體" pitchFamily="34" charset="-120"/>
-                <a:ea typeface="微軟正黑體" pitchFamily="34" charset="-120"/>
-              </a:rPr>
-              <a:t>18</a:t>
-            </a:r>
-            <a:r>
-              <a:rPr lang="zh-CN" altLang="en-US" b="1" dirty="0" smtClean="0">
-                <a:solidFill>
-                  <a:srgbClr val="000066"/>
-                </a:solidFill>
-                <a:latin typeface="微軟正黑體" pitchFamily="34" charset="-120"/>
-                <a:ea typeface="微軟正黑體" pitchFamily="34" charset="-120"/>
-              </a:rPr>
-              <a:t>：</a:t>
-            </a:r>
-            <a:r>
-              <a:rPr lang="en-US" altLang="zh-CN" b="1" dirty="0" smtClean="0">
-                <a:solidFill>
-                  <a:srgbClr val="000066"/>
-                </a:solidFill>
-                <a:latin typeface="微軟正黑體" pitchFamily="34" charset="-120"/>
-                <a:ea typeface="微軟正黑體" pitchFamily="34" charset="-120"/>
-              </a:rPr>
-              <a:t>16</a:t>
-            </a:r>
-            <a:endParaRPr lang="en-US" b="1" dirty="0">
-              <a:solidFill>
-                <a:srgbClr val="000066"/>
-              </a:solidFill>
-              <a:latin typeface="微軟正黑體" pitchFamily="34" charset="-120"/>
-              <a:ea typeface="微軟正黑體" pitchFamily="34" charset="-120"/>
+              <a:cs typeface="+mj-cs"/>
             </a:endParaRPr>
           </a:p>
         </p:txBody>

--- a/崇拜流程_version02.pptx
+++ b/崇拜流程_version02.pptx
@@ -253,7 +253,7 @@
           <a:p>
             <a:fld id="{2F30D4D0-EAC7-4980-A92D-C26C9148BA0F}" type="datetimeFigureOut">
               <a:rPr lang="zh-TW" altLang="en-US" smtClean="0"/>
-              <a:t>2021/3/27</a:t>
+              <a:t>2021/4/24</a:t>
             </a:fld>
             <a:endParaRPr lang="zh-TW" altLang="en-US"/>
           </a:p>
@@ -1043,7 +1043,7 @@
           <a:p>
             <a:fld id="{5BBEAD13-0566-4C6C-97E7-55F17F24B09F}" type="datetimeFigureOut">
               <a:rPr lang="zh-TW" altLang="en-US" smtClean="0"/>
-              <a:t>2021/3/27</a:t>
+              <a:t>2021/4/24</a:t>
             </a:fld>
             <a:endParaRPr lang="zh-TW" altLang="en-US"/>
           </a:p>
@@ -1208,7 +1208,7 @@
           <a:p>
             <a:fld id="{5BBEAD13-0566-4C6C-97E7-55F17F24B09F}" type="datetimeFigureOut">
               <a:rPr lang="zh-TW" altLang="en-US" smtClean="0"/>
-              <a:t>2021/3/27</a:t>
+              <a:t>2021/4/24</a:t>
             </a:fld>
             <a:endParaRPr lang="zh-TW" altLang="en-US"/>
           </a:p>
@@ -1383,7 +1383,7 @@
           <a:p>
             <a:fld id="{5BBEAD13-0566-4C6C-97E7-55F17F24B09F}" type="datetimeFigureOut">
               <a:rPr lang="zh-TW" altLang="en-US" smtClean="0"/>
-              <a:t>2021/3/27</a:t>
+              <a:t>2021/4/24</a:t>
             </a:fld>
             <a:endParaRPr lang="zh-TW" altLang="en-US"/>
           </a:p>
@@ -1548,7 +1548,7 @@
           <a:p>
             <a:fld id="{5BBEAD13-0566-4C6C-97E7-55F17F24B09F}" type="datetimeFigureOut">
               <a:rPr lang="zh-TW" altLang="en-US" smtClean="0"/>
-              <a:t>2021/3/27</a:t>
+              <a:t>2021/4/24</a:t>
             </a:fld>
             <a:endParaRPr lang="zh-TW" altLang="en-US"/>
           </a:p>
@@ -1789,7 +1789,7 @@
           <a:p>
             <a:fld id="{5BBEAD13-0566-4C6C-97E7-55F17F24B09F}" type="datetimeFigureOut">
               <a:rPr lang="zh-TW" altLang="en-US" smtClean="0"/>
-              <a:t>2021/3/27</a:t>
+              <a:t>2021/4/24</a:t>
             </a:fld>
             <a:endParaRPr lang="zh-TW" altLang="en-US"/>
           </a:p>
@@ -2072,7 +2072,7 @@
           <a:p>
             <a:fld id="{5BBEAD13-0566-4C6C-97E7-55F17F24B09F}" type="datetimeFigureOut">
               <a:rPr lang="zh-TW" altLang="en-US" smtClean="0"/>
-              <a:t>2021/3/27</a:t>
+              <a:t>2021/4/24</a:t>
             </a:fld>
             <a:endParaRPr lang="zh-TW" altLang="en-US"/>
           </a:p>
@@ -2489,7 +2489,7 @@
           <a:p>
             <a:fld id="{5BBEAD13-0566-4C6C-97E7-55F17F24B09F}" type="datetimeFigureOut">
               <a:rPr lang="zh-TW" altLang="en-US" smtClean="0"/>
-              <a:t>2021/3/27</a:t>
+              <a:t>2021/4/24</a:t>
             </a:fld>
             <a:endParaRPr lang="zh-TW" altLang="en-US"/>
           </a:p>
@@ -2602,7 +2602,7 @@
           <a:p>
             <a:fld id="{5BBEAD13-0566-4C6C-97E7-55F17F24B09F}" type="datetimeFigureOut">
               <a:rPr lang="zh-TW" altLang="en-US" smtClean="0"/>
-              <a:t>2021/3/27</a:t>
+              <a:t>2021/4/24</a:t>
             </a:fld>
             <a:endParaRPr lang="zh-TW" altLang="en-US"/>
           </a:p>
@@ -2692,7 +2692,7 @@
           <a:p>
             <a:fld id="{5BBEAD13-0566-4C6C-97E7-55F17F24B09F}" type="datetimeFigureOut">
               <a:rPr lang="zh-TW" altLang="en-US" smtClean="0"/>
-              <a:t>2021/3/27</a:t>
+              <a:t>2021/4/24</a:t>
             </a:fld>
             <a:endParaRPr lang="zh-TW" altLang="en-US"/>
           </a:p>
@@ -2964,7 +2964,7 @@
           <a:p>
             <a:fld id="{5BBEAD13-0566-4C6C-97E7-55F17F24B09F}" type="datetimeFigureOut">
               <a:rPr lang="zh-TW" altLang="en-US" smtClean="0"/>
-              <a:t>2021/3/27</a:t>
+              <a:t>2021/4/24</a:t>
             </a:fld>
             <a:endParaRPr lang="zh-TW" altLang="en-US"/>
           </a:p>
@@ -3216,7 +3216,7 @@
           <a:p>
             <a:fld id="{5BBEAD13-0566-4C6C-97E7-55F17F24B09F}" type="datetimeFigureOut">
               <a:rPr lang="zh-TW" altLang="en-US" smtClean="0"/>
-              <a:t>2021/3/27</a:t>
+              <a:t>2021/4/24</a:t>
             </a:fld>
             <a:endParaRPr lang="zh-TW" altLang="en-US"/>
           </a:p>
@@ -3429,7 +3429,7 @@
           <a:p>
             <a:fld id="{5BBEAD13-0566-4C6C-97E7-55F17F24B09F}" type="datetimeFigureOut">
               <a:rPr lang="zh-TW" altLang="en-US" smtClean="0"/>
-              <a:t>2021/3/27</a:t>
+              <a:t>2021/4/24</a:t>
             </a:fld>
             <a:endParaRPr lang="zh-TW" altLang="en-US"/>
           </a:p>
@@ -8523,7 +8523,7 @@
         </p:nvSpPr>
         <p:spPr>
           <a:xfrm>
-            <a:off x="0" y="2067694"/>
+            <a:off x="0" y="1995686"/>
             <a:ext cx="9144000" cy="857250"/>
           </a:xfrm>
         </p:spPr>

--- a/崇拜流程_version02.pptx
+++ b/崇拜流程_version02.pptx
@@ -253,7 +253,7 @@
           <a:p>
             <a:fld id="{2F30D4D0-EAC7-4980-A92D-C26C9148BA0F}" type="datetimeFigureOut">
               <a:rPr lang="zh-TW" altLang="en-US" smtClean="0"/>
-              <a:t>2021/4/24</a:t>
+              <a:t>2021/5/14</a:t>
             </a:fld>
             <a:endParaRPr lang="zh-TW" altLang="en-US"/>
           </a:p>
@@ -1043,7 +1043,7 @@
           <a:p>
             <a:fld id="{5BBEAD13-0566-4C6C-97E7-55F17F24B09F}" type="datetimeFigureOut">
               <a:rPr lang="zh-TW" altLang="en-US" smtClean="0"/>
-              <a:t>2021/4/24</a:t>
+              <a:t>2021/5/14</a:t>
             </a:fld>
             <a:endParaRPr lang="zh-TW" altLang="en-US"/>
           </a:p>
@@ -1208,7 +1208,7 @@
           <a:p>
             <a:fld id="{5BBEAD13-0566-4C6C-97E7-55F17F24B09F}" type="datetimeFigureOut">
               <a:rPr lang="zh-TW" altLang="en-US" smtClean="0"/>
-              <a:t>2021/4/24</a:t>
+              <a:t>2021/5/14</a:t>
             </a:fld>
             <a:endParaRPr lang="zh-TW" altLang="en-US"/>
           </a:p>
@@ -1383,7 +1383,7 @@
           <a:p>
             <a:fld id="{5BBEAD13-0566-4C6C-97E7-55F17F24B09F}" type="datetimeFigureOut">
               <a:rPr lang="zh-TW" altLang="en-US" smtClean="0"/>
-              <a:t>2021/4/24</a:t>
+              <a:t>2021/5/14</a:t>
             </a:fld>
             <a:endParaRPr lang="zh-TW" altLang="en-US"/>
           </a:p>
@@ -1548,7 +1548,7 @@
           <a:p>
             <a:fld id="{5BBEAD13-0566-4C6C-97E7-55F17F24B09F}" type="datetimeFigureOut">
               <a:rPr lang="zh-TW" altLang="en-US" smtClean="0"/>
-              <a:t>2021/4/24</a:t>
+              <a:t>2021/5/14</a:t>
             </a:fld>
             <a:endParaRPr lang="zh-TW" altLang="en-US"/>
           </a:p>
@@ -1789,7 +1789,7 @@
           <a:p>
             <a:fld id="{5BBEAD13-0566-4C6C-97E7-55F17F24B09F}" type="datetimeFigureOut">
               <a:rPr lang="zh-TW" altLang="en-US" smtClean="0"/>
-              <a:t>2021/4/24</a:t>
+              <a:t>2021/5/14</a:t>
             </a:fld>
             <a:endParaRPr lang="zh-TW" altLang="en-US"/>
           </a:p>
@@ -2072,7 +2072,7 @@
           <a:p>
             <a:fld id="{5BBEAD13-0566-4C6C-97E7-55F17F24B09F}" type="datetimeFigureOut">
               <a:rPr lang="zh-TW" altLang="en-US" smtClean="0"/>
-              <a:t>2021/4/24</a:t>
+              <a:t>2021/5/14</a:t>
             </a:fld>
             <a:endParaRPr lang="zh-TW" altLang="en-US"/>
           </a:p>
@@ -2489,7 +2489,7 @@
           <a:p>
             <a:fld id="{5BBEAD13-0566-4C6C-97E7-55F17F24B09F}" type="datetimeFigureOut">
               <a:rPr lang="zh-TW" altLang="en-US" smtClean="0"/>
-              <a:t>2021/4/24</a:t>
+              <a:t>2021/5/14</a:t>
             </a:fld>
             <a:endParaRPr lang="zh-TW" altLang="en-US"/>
           </a:p>
@@ -2602,7 +2602,7 @@
           <a:p>
             <a:fld id="{5BBEAD13-0566-4C6C-97E7-55F17F24B09F}" type="datetimeFigureOut">
               <a:rPr lang="zh-TW" altLang="en-US" smtClean="0"/>
-              <a:t>2021/4/24</a:t>
+              <a:t>2021/5/14</a:t>
             </a:fld>
             <a:endParaRPr lang="zh-TW" altLang="en-US"/>
           </a:p>
@@ -2692,7 +2692,7 @@
           <a:p>
             <a:fld id="{5BBEAD13-0566-4C6C-97E7-55F17F24B09F}" type="datetimeFigureOut">
               <a:rPr lang="zh-TW" altLang="en-US" smtClean="0"/>
-              <a:t>2021/4/24</a:t>
+              <a:t>2021/5/14</a:t>
             </a:fld>
             <a:endParaRPr lang="zh-TW" altLang="en-US"/>
           </a:p>
@@ -2964,7 +2964,7 @@
           <a:p>
             <a:fld id="{5BBEAD13-0566-4C6C-97E7-55F17F24B09F}" type="datetimeFigureOut">
               <a:rPr lang="zh-TW" altLang="en-US" smtClean="0"/>
-              <a:t>2021/4/24</a:t>
+              <a:t>2021/5/14</a:t>
             </a:fld>
             <a:endParaRPr lang="zh-TW" altLang="en-US"/>
           </a:p>
@@ -3216,7 +3216,7 @@
           <a:p>
             <a:fld id="{5BBEAD13-0566-4C6C-97E7-55F17F24B09F}" type="datetimeFigureOut">
               <a:rPr lang="zh-TW" altLang="en-US" smtClean="0"/>
-              <a:t>2021/4/24</a:t>
+              <a:t>2021/5/14</a:t>
             </a:fld>
             <a:endParaRPr lang="zh-TW" altLang="en-US"/>
           </a:p>
@@ -3429,7 +3429,7 @@
           <a:p>
             <a:fld id="{5BBEAD13-0566-4C6C-97E7-55F17F24B09F}" type="datetimeFigureOut">
               <a:rPr lang="zh-TW" altLang="en-US" smtClean="0"/>
-              <a:t>2021/4/24</a:t>
+              <a:t>2021/5/14</a:t>
             </a:fld>
             <a:endParaRPr lang="zh-TW" altLang="en-US"/>
           </a:p>
@@ -4980,13 +4980,13 @@
           </a:bodyPr>
           <a:lstStyle/>
           <a:p>
-            <a:pPr lvl="0" algn="ctr">
+            <a:pPr lvl="0">
               <a:spcBef>
                 <a:spcPct val="0"/>
               </a:spcBef>
             </a:pPr>
             <a:r>
-              <a:rPr lang="zh-CN" altLang="en-US" sz="6000" b="1" dirty="0" smtClean="0">
+              <a:rPr lang="en-US" altLang="zh-CN" sz="4800" b="1" dirty="0" smtClean="0">
                 <a:solidFill>
                   <a:srgbClr val="660033"/>
                 </a:solidFill>
@@ -5001,7 +5001,43 @@
                 <a:ea typeface="微軟正黑體" pitchFamily="34" charset="-120"/>
                 <a:cs typeface="+mj-cs"/>
               </a:rPr>
-              <a:t>主題：</a:t>
+              <a:t>	 </a:t>
+            </a:r>
+            <a:r>
+              <a:rPr lang="zh-CN" altLang="en-US" sz="4800" b="1" dirty="0" smtClean="0">
+                <a:solidFill>
+                  <a:srgbClr val="660033"/>
+                </a:solidFill>
+                <a:effectLst>
+                  <a:outerShdw blurRad="38100" dist="38100" dir="2700000" algn="tl">
+                    <a:srgbClr val="000000">
+                      <a:alpha val="43137"/>
+                    </a:srgbClr>
+                  </a:outerShdw>
+                </a:effectLst>
+                <a:latin typeface="微軟正黑體" pitchFamily="34" charset="-120"/>
+                <a:ea typeface="微軟正黑體" pitchFamily="34" charset="-120"/>
+                <a:cs typeface="+mj-cs"/>
+              </a:rPr>
+              <a:t>主</a:t>
+            </a:r>
+            <a:r>
+              <a:rPr lang="zh-CN" altLang="en-US" sz="4800" b="1" dirty="0" smtClean="0">
+                <a:solidFill>
+                  <a:srgbClr val="660033"/>
+                </a:solidFill>
+                <a:effectLst>
+                  <a:outerShdw blurRad="38100" dist="38100" dir="2700000" algn="tl">
+                    <a:srgbClr val="000000">
+                      <a:alpha val="43137"/>
+                    </a:srgbClr>
+                  </a:outerShdw>
+                </a:effectLst>
+                <a:latin typeface="微軟正黑體" pitchFamily="34" charset="-120"/>
+                <a:ea typeface="微軟正黑體" pitchFamily="34" charset="-120"/>
+                <a:cs typeface="+mj-cs"/>
+              </a:rPr>
+              <a:t>題：</a:t>
             </a:r>
             <a:r>
               <a:rPr lang="zh-CN" altLang="en-US" sz="6000" b="1" dirty="0">

--- a/崇拜流程_version02.pptx
+++ b/崇拜流程_version02.pptx
@@ -27,7 +27,7 @@
     <p:sldId id="264" r:id="rId18"/>
     <p:sldId id="265" r:id="rId19"/>
     <p:sldId id="391" r:id="rId20"/>
-    <p:sldId id="392" r:id="rId21"/>
+    <p:sldId id="412" r:id="rId21"/>
     <p:sldId id="267" r:id="rId22"/>
     <p:sldId id="393" r:id="rId23"/>
     <p:sldId id="394" r:id="rId24"/>
@@ -253,7 +253,7 @@
           <a:p>
             <a:fld id="{2F30D4D0-EAC7-4980-A92D-C26C9148BA0F}" type="datetimeFigureOut">
               <a:rPr lang="zh-TW" altLang="en-US" smtClean="0"/>
-              <a:t>2021/5/14</a:t>
+              <a:t>2021/6/3</a:t>
             </a:fld>
             <a:endParaRPr lang="zh-TW" altLang="en-US"/>
           </a:p>
@@ -1043,7 +1043,7 @@
           <a:p>
             <a:fld id="{5BBEAD13-0566-4C6C-97E7-55F17F24B09F}" type="datetimeFigureOut">
               <a:rPr lang="zh-TW" altLang="en-US" smtClean="0"/>
-              <a:t>2021/5/14</a:t>
+              <a:t>2021/6/3</a:t>
             </a:fld>
             <a:endParaRPr lang="zh-TW" altLang="en-US"/>
           </a:p>
@@ -1208,7 +1208,7 @@
           <a:p>
             <a:fld id="{5BBEAD13-0566-4C6C-97E7-55F17F24B09F}" type="datetimeFigureOut">
               <a:rPr lang="zh-TW" altLang="en-US" smtClean="0"/>
-              <a:t>2021/5/14</a:t>
+              <a:t>2021/6/3</a:t>
             </a:fld>
             <a:endParaRPr lang="zh-TW" altLang="en-US"/>
           </a:p>
@@ -1383,7 +1383,7 @@
           <a:p>
             <a:fld id="{5BBEAD13-0566-4C6C-97E7-55F17F24B09F}" type="datetimeFigureOut">
               <a:rPr lang="zh-TW" altLang="en-US" smtClean="0"/>
-              <a:t>2021/5/14</a:t>
+              <a:t>2021/6/3</a:t>
             </a:fld>
             <a:endParaRPr lang="zh-TW" altLang="en-US"/>
           </a:p>
@@ -1548,7 +1548,7 @@
           <a:p>
             <a:fld id="{5BBEAD13-0566-4C6C-97E7-55F17F24B09F}" type="datetimeFigureOut">
               <a:rPr lang="zh-TW" altLang="en-US" smtClean="0"/>
-              <a:t>2021/5/14</a:t>
+              <a:t>2021/6/3</a:t>
             </a:fld>
             <a:endParaRPr lang="zh-TW" altLang="en-US"/>
           </a:p>
@@ -1789,7 +1789,7 @@
           <a:p>
             <a:fld id="{5BBEAD13-0566-4C6C-97E7-55F17F24B09F}" type="datetimeFigureOut">
               <a:rPr lang="zh-TW" altLang="en-US" smtClean="0"/>
-              <a:t>2021/5/14</a:t>
+              <a:t>2021/6/3</a:t>
             </a:fld>
             <a:endParaRPr lang="zh-TW" altLang="en-US"/>
           </a:p>
@@ -2072,7 +2072,7 @@
           <a:p>
             <a:fld id="{5BBEAD13-0566-4C6C-97E7-55F17F24B09F}" type="datetimeFigureOut">
               <a:rPr lang="zh-TW" altLang="en-US" smtClean="0"/>
-              <a:t>2021/5/14</a:t>
+              <a:t>2021/6/3</a:t>
             </a:fld>
             <a:endParaRPr lang="zh-TW" altLang="en-US"/>
           </a:p>
@@ -2489,7 +2489,7 @@
           <a:p>
             <a:fld id="{5BBEAD13-0566-4C6C-97E7-55F17F24B09F}" type="datetimeFigureOut">
               <a:rPr lang="zh-TW" altLang="en-US" smtClean="0"/>
-              <a:t>2021/5/14</a:t>
+              <a:t>2021/6/3</a:t>
             </a:fld>
             <a:endParaRPr lang="zh-TW" altLang="en-US"/>
           </a:p>
@@ -2602,7 +2602,7 @@
           <a:p>
             <a:fld id="{5BBEAD13-0566-4C6C-97E7-55F17F24B09F}" type="datetimeFigureOut">
               <a:rPr lang="zh-TW" altLang="en-US" smtClean="0"/>
-              <a:t>2021/5/14</a:t>
+              <a:t>2021/6/3</a:t>
             </a:fld>
             <a:endParaRPr lang="zh-TW" altLang="en-US"/>
           </a:p>
@@ -2692,7 +2692,7 @@
           <a:p>
             <a:fld id="{5BBEAD13-0566-4C6C-97E7-55F17F24B09F}" type="datetimeFigureOut">
               <a:rPr lang="zh-TW" altLang="en-US" smtClean="0"/>
-              <a:t>2021/5/14</a:t>
+              <a:t>2021/6/3</a:t>
             </a:fld>
             <a:endParaRPr lang="zh-TW" altLang="en-US"/>
           </a:p>
@@ -2964,7 +2964,7 @@
           <a:p>
             <a:fld id="{5BBEAD13-0566-4C6C-97E7-55F17F24B09F}" type="datetimeFigureOut">
               <a:rPr lang="zh-TW" altLang="en-US" smtClean="0"/>
-              <a:t>2021/5/14</a:t>
+              <a:t>2021/6/3</a:t>
             </a:fld>
             <a:endParaRPr lang="zh-TW" altLang="en-US"/>
           </a:p>
@@ -3216,7 +3216,7 @@
           <a:p>
             <a:fld id="{5BBEAD13-0566-4C6C-97E7-55F17F24B09F}" type="datetimeFigureOut">
               <a:rPr lang="zh-TW" altLang="en-US" smtClean="0"/>
-              <a:t>2021/5/14</a:t>
+              <a:t>2021/6/3</a:t>
             </a:fld>
             <a:endParaRPr lang="zh-TW" altLang="en-US"/>
           </a:p>
@@ -3429,7 +3429,7 @@
           <a:p>
             <a:fld id="{5BBEAD13-0566-4C6C-97E7-55F17F24B09F}" type="datetimeFigureOut">
               <a:rPr lang="zh-TW" altLang="en-US" smtClean="0"/>
-              <a:t>2021/5/14</a:t>
+              <a:t>2021/6/3</a:t>
             </a:fld>
             <a:endParaRPr lang="zh-TW" altLang="en-US"/>
           </a:p>
@@ -5019,25 +5019,7 @@
                 <a:ea typeface="微軟正黑體" pitchFamily="34" charset="-120"/>
                 <a:cs typeface="+mj-cs"/>
               </a:rPr>
-              <a:t>主</a:t>
-            </a:r>
-            <a:r>
-              <a:rPr lang="zh-CN" altLang="en-US" sz="4800" b="1" dirty="0" smtClean="0">
-                <a:solidFill>
-                  <a:srgbClr val="660033"/>
-                </a:solidFill>
-                <a:effectLst>
-                  <a:outerShdw blurRad="38100" dist="38100" dir="2700000" algn="tl">
-                    <a:srgbClr val="000000">
-                      <a:alpha val="43137"/>
-                    </a:srgbClr>
-                  </a:outerShdw>
-                </a:effectLst>
-                <a:latin typeface="微軟正黑體" pitchFamily="34" charset="-120"/>
-                <a:ea typeface="微軟正黑體" pitchFamily="34" charset="-120"/>
-                <a:cs typeface="+mj-cs"/>
-              </a:rPr>
-              <a:t>題：</a:t>
+              <a:t>主題：</a:t>
             </a:r>
             <a:r>
               <a:rPr lang="zh-CN" altLang="en-US" sz="6000" b="1" dirty="0">
@@ -5692,8 +5674,8 @@
         </p:nvSpPr>
         <p:spPr>
           <a:xfrm>
-            <a:off x="251520" y="1659230"/>
-            <a:ext cx="936104" cy="830997"/>
+            <a:off x="0" y="3795886"/>
+            <a:ext cx="9144000" cy="646331"/>
           </a:xfrm>
           <a:prstGeom prst="rect">
             <a:avLst/>
@@ -5706,15 +5688,16 @@
           </a:bodyPr>
           <a:lstStyle/>
           <a:p>
-            <a:r>
-              <a:rPr lang="en-US" sz="4800" b="1" dirty="0" smtClean="0">
+            <a:pPr algn="ctr"/>
+            <a:r>
+              <a:rPr lang="en-US" sz="3600" b="1" dirty="0" smtClean="0">
                 <a:solidFill>
                   <a:srgbClr val="660033"/>
                 </a:solidFill>
               </a:rPr>
-              <a:t>1.</a:t>
-            </a:r>
-            <a:endParaRPr lang="vi-VN" sz="4800" b="1" dirty="0">
+              <a:t>( 1 )</a:t>
+            </a:r>
+            <a:endParaRPr lang="vi-VN" sz="3600" b="1" dirty="0">
               <a:solidFill>
                 <a:srgbClr val="660033"/>
               </a:solidFill>
@@ -5725,7 +5708,7 @@
     </p:spTree>
     <p:extLst>
       <p:ext uri="{BB962C8B-B14F-4D97-AF65-F5344CB8AC3E}">
-        <p14:creationId xmlns:p14="http://schemas.microsoft.com/office/powerpoint/2010/main" val="399046055"/>
+        <p14:creationId xmlns:p14="http://schemas.microsoft.com/office/powerpoint/2010/main" val="1407003638"/>
       </p:ext>
     </p:extLst>
   </p:cSld>

--- a/崇拜流程_version02.pptx
+++ b/崇拜流程_version02.pptx
@@ -253,7 +253,7 @@
           <a:p>
             <a:fld id="{2F30D4D0-EAC7-4980-A92D-C26C9148BA0F}" type="datetimeFigureOut">
               <a:rPr lang="zh-TW" altLang="en-US" smtClean="0"/>
-              <a:t>2021/6/3</a:t>
+              <a:t>2021/6/10</a:t>
             </a:fld>
             <a:endParaRPr lang="zh-TW" altLang="en-US"/>
           </a:p>
@@ -1043,7 +1043,7 @@
           <a:p>
             <a:fld id="{5BBEAD13-0566-4C6C-97E7-55F17F24B09F}" type="datetimeFigureOut">
               <a:rPr lang="zh-TW" altLang="en-US" smtClean="0"/>
-              <a:t>2021/6/3</a:t>
+              <a:t>2021/6/10</a:t>
             </a:fld>
             <a:endParaRPr lang="zh-TW" altLang="en-US"/>
           </a:p>
@@ -1208,7 +1208,7 @@
           <a:p>
             <a:fld id="{5BBEAD13-0566-4C6C-97E7-55F17F24B09F}" type="datetimeFigureOut">
               <a:rPr lang="zh-TW" altLang="en-US" smtClean="0"/>
-              <a:t>2021/6/3</a:t>
+              <a:t>2021/6/10</a:t>
             </a:fld>
             <a:endParaRPr lang="zh-TW" altLang="en-US"/>
           </a:p>
@@ -1383,7 +1383,7 @@
           <a:p>
             <a:fld id="{5BBEAD13-0566-4C6C-97E7-55F17F24B09F}" type="datetimeFigureOut">
               <a:rPr lang="zh-TW" altLang="en-US" smtClean="0"/>
-              <a:t>2021/6/3</a:t>
+              <a:t>2021/6/10</a:t>
             </a:fld>
             <a:endParaRPr lang="zh-TW" altLang="en-US"/>
           </a:p>
@@ -1548,7 +1548,7 @@
           <a:p>
             <a:fld id="{5BBEAD13-0566-4C6C-97E7-55F17F24B09F}" type="datetimeFigureOut">
               <a:rPr lang="zh-TW" altLang="en-US" smtClean="0"/>
-              <a:t>2021/6/3</a:t>
+              <a:t>2021/6/10</a:t>
             </a:fld>
             <a:endParaRPr lang="zh-TW" altLang="en-US"/>
           </a:p>
@@ -1789,7 +1789,7 @@
           <a:p>
             <a:fld id="{5BBEAD13-0566-4C6C-97E7-55F17F24B09F}" type="datetimeFigureOut">
               <a:rPr lang="zh-TW" altLang="en-US" smtClean="0"/>
-              <a:t>2021/6/3</a:t>
+              <a:t>2021/6/10</a:t>
             </a:fld>
             <a:endParaRPr lang="zh-TW" altLang="en-US"/>
           </a:p>
@@ -2072,7 +2072,7 @@
           <a:p>
             <a:fld id="{5BBEAD13-0566-4C6C-97E7-55F17F24B09F}" type="datetimeFigureOut">
               <a:rPr lang="zh-TW" altLang="en-US" smtClean="0"/>
-              <a:t>2021/6/3</a:t>
+              <a:t>2021/6/10</a:t>
             </a:fld>
             <a:endParaRPr lang="zh-TW" altLang="en-US"/>
           </a:p>
@@ -2489,7 +2489,7 @@
           <a:p>
             <a:fld id="{5BBEAD13-0566-4C6C-97E7-55F17F24B09F}" type="datetimeFigureOut">
               <a:rPr lang="zh-TW" altLang="en-US" smtClean="0"/>
-              <a:t>2021/6/3</a:t>
+              <a:t>2021/6/10</a:t>
             </a:fld>
             <a:endParaRPr lang="zh-TW" altLang="en-US"/>
           </a:p>
@@ -2602,7 +2602,7 @@
           <a:p>
             <a:fld id="{5BBEAD13-0566-4C6C-97E7-55F17F24B09F}" type="datetimeFigureOut">
               <a:rPr lang="zh-TW" altLang="en-US" smtClean="0"/>
-              <a:t>2021/6/3</a:t>
+              <a:t>2021/6/10</a:t>
             </a:fld>
             <a:endParaRPr lang="zh-TW" altLang="en-US"/>
           </a:p>
@@ -2692,7 +2692,7 @@
           <a:p>
             <a:fld id="{5BBEAD13-0566-4C6C-97E7-55F17F24B09F}" type="datetimeFigureOut">
               <a:rPr lang="zh-TW" altLang="en-US" smtClean="0"/>
-              <a:t>2021/6/3</a:t>
+              <a:t>2021/6/10</a:t>
             </a:fld>
             <a:endParaRPr lang="zh-TW" altLang="en-US"/>
           </a:p>
@@ -2964,7 +2964,7 @@
           <a:p>
             <a:fld id="{5BBEAD13-0566-4C6C-97E7-55F17F24B09F}" type="datetimeFigureOut">
               <a:rPr lang="zh-TW" altLang="en-US" smtClean="0"/>
-              <a:t>2021/6/3</a:t>
+              <a:t>2021/6/10</a:t>
             </a:fld>
             <a:endParaRPr lang="zh-TW" altLang="en-US"/>
           </a:p>
@@ -3216,7 +3216,7 @@
           <a:p>
             <a:fld id="{5BBEAD13-0566-4C6C-97E7-55F17F24B09F}" type="datetimeFigureOut">
               <a:rPr lang="zh-TW" altLang="en-US" smtClean="0"/>
-              <a:t>2021/6/3</a:t>
+              <a:t>2021/6/10</a:t>
             </a:fld>
             <a:endParaRPr lang="zh-TW" altLang="en-US"/>
           </a:p>
@@ -3429,7 +3429,7 @@
           <a:p>
             <a:fld id="{5BBEAD13-0566-4C6C-97E7-55F17F24B09F}" type="datetimeFigureOut">
               <a:rPr lang="zh-TW" altLang="en-US" smtClean="0"/>
-              <a:t>2021/6/3</a:t>
+              <a:t>2021/6/10</a:t>
             </a:fld>
             <a:endParaRPr lang="zh-TW" altLang="en-US"/>
           </a:p>

--- a/崇拜流程_version02.pptx
+++ b/崇拜流程_version02.pptx
@@ -253,7 +253,7 @@
           <a:p>
             <a:fld id="{2F30D4D0-EAC7-4980-A92D-C26C9148BA0F}" type="datetimeFigureOut">
               <a:rPr lang="zh-TW" altLang="en-US" smtClean="0"/>
-              <a:t>2021/6/10</a:t>
+              <a:t>2021/6/24</a:t>
             </a:fld>
             <a:endParaRPr lang="zh-TW" altLang="en-US"/>
           </a:p>
@@ -1043,7 +1043,7 @@
           <a:p>
             <a:fld id="{5BBEAD13-0566-4C6C-97E7-55F17F24B09F}" type="datetimeFigureOut">
               <a:rPr lang="zh-TW" altLang="en-US" smtClean="0"/>
-              <a:t>2021/6/10</a:t>
+              <a:t>2021/6/24</a:t>
             </a:fld>
             <a:endParaRPr lang="zh-TW" altLang="en-US"/>
           </a:p>
@@ -1208,7 +1208,7 @@
           <a:p>
             <a:fld id="{5BBEAD13-0566-4C6C-97E7-55F17F24B09F}" type="datetimeFigureOut">
               <a:rPr lang="zh-TW" altLang="en-US" smtClean="0"/>
-              <a:t>2021/6/10</a:t>
+              <a:t>2021/6/24</a:t>
             </a:fld>
             <a:endParaRPr lang="zh-TW" altLang="en-US"/>
           </a:p>
@@ -1383,7 +1383,7 @@
           <a:p>
             <a:fld id="{5BBEAD13-0566-4C6C-97E7-55F17F24B09F}" type="datetimeFigureOut">
               <a:rPr lang="zh-TW" altLang="en-US" smtClean="0"/>
-              <a:t>2021/6/10</a:t>
+              <a:t>2021/6/24</a:t>
             </a:fld>
             <a:endParaRPr lang="zh-TW" altLang="en-US"/>
           </a:p>
@@ -1548,7 +1548,7 @@
           <a:p>
             <a:fld id="{5BBEAD13-0566-4C6C-97E7-55F17F24B09F}" type="datetimeFigureOut">
               <a:rPr lang="zh-TW" altLang="en-US" smtClean="0"/>
-              <a:t>2021/6/10</a:t>
+              <a:t>2021/6/24</a:t>
             </a:fld>
             <a:endParaRPr lang="zh-TW" altLang="en-US"/>
           </a:p>
@@ -1789,7 +1789,7 @@
           <a:p>
             <a:fld id="{5BBEAD13-0566-4C6C-97E7-55F17F24B09F}" type="datetimeFigureOut">
               <a:rPr lang="zh-TW" altLang="en-US" smtClean="0"/>
-              <a:t>2021/6/10</a:t>
+              <a:t>2021/6/24</a:t>
             </a:fld>
             <a:endParaRPr lang="zh-TW" altLang="en-US"/>
           </a:p>
@@ -2072,7 +2072,7 @@
           <a:p>
             <a:fld id="{5BBEAD13-0566-4C6C-97E7-55F17F24B09F}" type="datetimeFigureOut">
               <a:rPr lang="zh-TW" altLang="en-US" smtClean="0"/>
-              <a:t>2021/6/10</a:t>
+              <a:t>2021/6/24</a:t>
             </a:fld>
             <a:endParaRPr lang="zh-TW" altLang="en-US"/>
           </a:p>
@@ -2489,7 +2489,7 @@
           <a:p>
             <a:fld id="{5BBEAD13-0566-4C6C-97E7-55F17F24B09F}" type="datetimeFigureOut">
               <a:rPr lang="zh-TW" altLang="en-US" smtClean="0"/>
-              <a:t>2021/6/10</a:t>
+              <a:t>2021/6/24</a:t>
             </a:fld>
             <a:endParaRPr lang="zh-TW" altLang="en-US"/>
           </a:p>
@@ -2602,7 +2602,7 @@
           <a:p>
             <a:fld id="{5BBEAD13-0566-4C6C-97E7-55F17F24B09F}" type="datetimeFigureOut">
               <a:rPr lang="zh-TW" altLang="en-US" smtClean="0"/>
-              <a:t>2021/6/10</a:t>
+              <a:t>2021/6/24</a:t>
             </a:fld>
             <a:endParaRPr lang="zh-TW" altLang="en-US"/>
           </a:p>
@@ -2692,7 +2692,7 @@
           <a:p>
             <a:fld id="{5BBEAD13-0566-4C6C-97E7-55F17F24B09F}" type="datetimeFigureOut">
               <a:rPr lang="zh-TW" altLang="en-US" smtClean="0"/>
-              <a:t>2021/6/10</a:t>
+              <a:t>2021/6/24</a:t>
             </a:fld>
             <a:endParaRPr lang="zh-TW" altLang="en-US"/>
           </a:p>
@@ -2964,7 +2964,7 @@
           <a:p>
             <a:fld id="{5BBEAD13-0566-4C6C-97E7-55F17F24B09F}" type="datetimeFigureOut">
               <a:rPr lang="zh-TW" altLang="en-US" smtClean="0"/>
-              <a:t>2021/6/10</a:t>
+              <a:t>2021/6/24</a:t>
             </a:fld>
             <a:endParaRPr lang="zh-TW" altLang="en-US"/>
           </a:p>
@@ -3216,7 +3216,7 @@
           <a:p>
             <a:fld id="{5BBEAD13-0566-4C6C-97E7-55F17F24B09F}" type="datetimeFigureOut">
               <a:rPr lang="zh-TW" altLang="en-US" smtClean="0"/>
-              <a:t>2021/6/10</a:t>
+              <a:t>2021/6/24</a:t>
             </a:fld>
             <a:endParaRPr lang="zh-TW" altLang="en-US"/>
           </a:p>
@@ -3429,7 +3429,7 @@
           <a:p>
             <a:fld id="{5BBEAD13-0566-4C6C-97E7-55F17F24B09F}" type="datetimeFigureOut">
               <a:rPr lang="zh-TW" altLang="en-US" smtClean="0"/>
-              <a:t>2021/6/10</a:t>
+              <a:t>2021/6/24</a:t>
             </a:fld>
             <a:endParaRPr lang="zh-TW" altLang="en-US"/>
           </a:p>
